--- a/Java Pro/Java Prof Program - new version.pptx
+++ b/Java Pro/Java Prof Program - new version.pptx
@@ -1,19 +1,19 @@
 
 <file path=ppt/presentation.xml><?xml version="1.0" encoding="utf-8"?>
-<p:presentation xmlns:a="http://schemas.openxmlformats.org/drawingml/2006/main" xmlns:r="http://schemas.openxmlformats.org/officeDocument/2006/relationships" xmlns:mc="http://schemas.openxmlformats.org/markup-compatibility/2006" xmlns:mv="urn:schemas-microsoft-com:mac:vml" xmlns:p="http://schemas.openxmlformats.org/presentationml/2006/main" xmlns:c="http://schemas.openxmlformats.org/drawingml/2006/chart" xmlns:dgm="http://schemas.openxmlformats.org/drawingml/2006/diagram" xmlns:o="urn:schemas-microsoft-com:office:office" xmlns:v="urn:schemas-microsoft-com:vml" xmlns:pvml="urn:schemas-microsoft-com:office:powerpoint" xmlns:com="http://schemas.openxmlformats.org/drawingml/2006/compatibility" xmlns:p14="http://schemas.microsoft.com/office/powerpoint/2010/main" xmlns:p15="http://schemas.microsoft.com/office/powerpoint/2012/main" xmlns:ahyp="http://schemas.microsoft.com/office/drawing/2018/hyperlinkcolor" autoCompressPictures="0" strictFirstAndLastChars="0" saveSubsetFonts="1">
+<p:presentation xmlns:a="http://schemas.openxmlformats.org/drawingml/2006/main" xmlns:r="http://schemas.openxmlformats.org/officeDocument/2006/relationships" xmlns:p="http://schemas.openxmlformats.org/presentationml/2006/main" strictFirstAndLastChars="0" saveSubsetFonts="1" autoCompressPictures="0">
   <p:sldMasterIdLst>
-    <p:sldMasterId id="2147483648" r:id="rId3"/>
+    <p:sldMasterId id="2147483648" r:id="rId1"/>
   </p:sldMasterIdLst>
   <p:notesMasterIdLst>
-    <p:notesMasterId r:id="rId4"/>
+    <p:notesMasterId r:id="rId3"/>
   </p:notesMasterIdLst>
   <p:sldIdLst>
-    <p:sldId id="256" r:id="rId5"/>
+    <p:sldId id="256" r:id="rId2"/>
   </p:sldIdLst>
-  <p:sldSz cy="6858000" cx="12192000"/>
+  <p:sldSz cx="12192000" cy="6858000"/>
   <p:notesSz cx="6858000" cy="9144000"/>
   <p:defaultTextStyle>
-    <a:defPPr lvl="0" marR="0" rtl="0" algn="l">
+    <a:defPPr marR="0" lvl="0" algn="l" rtl="0">
       <a:lnSpc>
         <a:spcPct val="100000"/>
       </a:lnSpc>
@@ -24,7 +24,7 @@
         <a:spcPts val="0"/>
       </a:spcAft>
     </a:defPPr>
-    <a:lvl1pPr lvl="0" marR="0" rtl="0" algn="l">
+    <a:lvl1pPr marR="0" lvl="0" algn="l" rtl="0">
       <a:lnSpc>
         <a:spcPct val="100000"/>
       </a:lnSpc>
@@ -38,7 +38,7 @@
         <a:srgbClr val="000000"/>
       </a:buClr>
       <a:buFont typeface="Arial"/>
-      <a:defRPr b="0" i="0" sz="1400" u="none" cap="none" strike="noStrike">
+      <a:defRPr sz="1400" b="0" i="0" u="none" strike="noStrike" cap="none">
         <a:solidFill>
           <a:srgbClr val="000000"/>
         </a:solidFill>
@@ -48,7 +48,7 @@
         <a:sym typeface="Arial"/>
       </a:defRPr>
     </a:lvl1pPr>
-    <a:lvl2pPr lvl="1" marR="0" rtl="0" algn="l">
+    <a:lvl2pPr marR="0" lvl="1" algn="l" rtl="0">
       <a:lnSpc>
         <a:spcPct val="100000"/>
       </a:lnSpc>
@@ -62,7 +62,7 @@
         <a:srgbClr val="000000"/>
       </a:buClr>
       <a:buFont typeface="Arial"/>
-      <a:defRPr b="0" i="0" sz="1400" u="none" cap="none" strike="noStrike">
+      <a:defRPr sz="1400" b="0" i="0" u="none" strike="noStrike" cap="none">
         <a:solidFill>
           <a:srgbClr val="000000"/>
         </a:solidFill>
@@ -72,7 +72,7 @@
         <a:sym typeface="Arial"/>
       </a:defRPr>
     </a:lvl2pPr>
-    <a:lvl3pPr lvl="2" marR="0" rtl="0" algn="l">
+    <a:lvl3pPr marR="0" lvl="2" algn="l" rtl="0">
       <a:lnSpc>
         <a:spcPct val="100000"/>
       </a:lnSpc>
@@ -86,7 +86,7 @@
         <a:srgbClr val="000000"/>
       </a:buClr>
       <a:buFont typeface="Arial"/>
-      <a:defRPr b="0" i="0" sz="1400" u="none" cap="none" strike="noStrike">
+      <a:defRPr sz="1400" b="0" i="0" u="none" strike="noStrike" cap="none">
         <a:solidFill>
           <a:srgbClr val="000000"/>
         </a:solidFill>
@@ -96,7 +96,7 @@
         <a:sym typeface="Arial"/>
       </a:defRPr>
     </a:lvl3pPr>
-    <a:lvl4pPr lvl="3" marR="0" rtl="0" algn="l">
+    <a:lvl4pPr marR="0" lvl="3" algn="l" rtl="0">
       <a:lnSpc>
         <a:spcPct val="100000"/>
       </a:lnSpc>
@@ -110,7 +110,7 @@
         <a:srgbClr val="000000"/>
       </a:buClr>
       <a:buFont typeface="Arial"/>
-      <a:defRPr b="0" i="0" sz="1400" u="none" cap="none" strike="noStrike">
+      <a:defRPr sz="1400" b="0" i="0" u="none" strike="noStrike" cap="none">
         <a:solidFill>
           <a:srgbClr val="000000"/>
         </a:solidFill>
@@ -120,7 +120,7 @@
         <a:sym typeface="Arial"/>
       </a:defRPr>
     </a:lvl4pPr>
-    <a:lvl5pPr lvl="4" marR="0" rtl="0" algn="l">
+    <a:lvl5pPr marR="0" lvl="4" algn="l" rtl="0">
       <a:lnSpc>
         <a:spcPct val="100000"/>
       </a:lnSpc>
@@ -134,7 +134,7 @@
         <a:srgbClr val="000000"/>
       </a:buClr>
       <a:buFont typeface="Arial"/>
-      <a:defRPr b="0" i="0" sz="1400" u="none" cap="none" strike="noStrike">
+      <a:defRPr sz="1400" b="0" i="0" u="none" strike="noStrike" cap="none">
         <a:solidFill>
           <a:srgbClr val="000000"/>
         </a:solidFill>
@@ -144,7 +144,7 @@
         <a:sym typeface="Arial"/>
       </a:defRPr>
     </a:lvl5pPr>
-    <a:lvl6pPr lvl="5" marR="0" rtl="0" algn="l">
+    <a:lvl6pPr marR="0" lvl="5" algn="l" rtl="0">
       <a:lnSpc>
         <a:spcPct val="100000"/>
       </a:lnSpc>
@@ -158,7 +158,7 @@
         <a:srgbClr val="000000"/>
       </a:buClr>
       <a:buFont typeface="Arial"/>
-      <a:defRPr b="0" i="0" sz="1400" u="none" cap="none" strike="noStrike">
+      <a:defRPr sz="1400" b="0" i="0" u="none" strike="noStrike" cap="none">
         <a:solidFill>
           <a:srgbClr val="000000"/>
         </a:solidFill>
@@ -168,7 +168,7 @@
         <a:sym typeface="Arial"/>
       </a:defRPr>
     </a:lvl6pPr>
-    <a:lvl7pPr lvl="6" marR="0" rtl="0" algn="l">
+    <a:lvl7pPr marR="0" lvl="6" algn="l" rtl="0">
       <a:lnSpc>
         <a:spcPct val="100000"/>
       </a:lnSpc>
@@ -182,7 +182,7 @@
         <a:srgbClr val="000000"/>
       </a:buClr>
       <a:buFont typeface="Arial"/>
-      <a:defRPr b="0" i="0" sz="1400" u="none" cap="none" strike="noStrike">
+      <a:defRPr sz="1400" b="0" i="0" u="none" strike="noStrike" cap="none">
         <a:solidFill>
           <a:srgbClr val="000000"/>
         </a:solidFill>
@@ -192,7 +192,7 @@
         <a:sym typeface="Arial"/>
       </a:defRPr>
     </a:lvl7pPr>
-    <a:lvl8pPr lvl="7" marR="0" rtl="0" algn="l">
+    <a:lvl8pPr marR="0" lvl="7" algn="l" rtl="0">
       <a:lnSpc>
         <a:spcPct val="100000"/>
       </a:lnSpc>
@@ -206,7 +206,7 @@
         <a:srgbClr val="000000"/>
       </a:buClr>
       <a:buFont typeface="Arial"/>
-      <a:defRPr b="0" i="0" sz="1400" u="none" cap="none" strike="noStrike">
+      <a:defRPr sz="1400" b="0" i="0" u="none" strike="noStrike" cap="none">
         <a:solidFill>
           <a:srgbClr val="000000"/>
         </a:solidFill>
@@ -216,7 +216,7 @@
         <a:sym typeface="Arial"/>
       </a:defRPr>
     </a:lvl8pPr>
-    <a:lvl9pPr lvl="8" marR="0" rtl="0" algn="l">
+    <a:lvl9pPr marR="0" lvl="8" algn="l" rtl="0">
       <a:lnSpc>
         <a:spcPct val="100000"/>
       </a:lnSpc>
@@ -230,7 +230,7 @@
         <a:srgbClr val="000000"/>
       </a:buClr>
       <a:buFont typeface="Arial"/>
-      <a:defRPr b="0" i="0" sz="1400" u="none" cap="none" strike="noStrike">
+      <a:defRPr sz="1400" b="0" i="0" u="none" strike="noStrike" cap="none">
         <a:solidFill>
           <a:srgbClr val="000000"/>
         </a:solidFill>
@@ -243,18 +243,23 @@
   </p:defaultTextStyle>
   <p:extLst>
     <p:ext uri="http://customooxmlschemas.google.com/">
-      <go:slidesCustomData xmlns:go="http://customooxmlschemas.google.com/" r:id="rId6" roundtripDataSignature="AMtx7mh5ngpk3N/f7XxfAhhMRirGtz3G8w=="/>
+      <go:slidesCustomData xmlns:go="http://customooxmlschemas.google.com/" xmlns:ahyp="http://schemas.microsoft.com/office/drawing/2018/hyperlinkcolor" xmlns:p15="http://schemas.microsoft.com/office/powerpoint/2012/main" xmlns:p14="http://schemas.microsoft.com/office/powerpoint/2010/main" xmlns:com="http://schemas.openxmlformats.org/drawingml/2006/compatibility" xmlns:pvml="urn:schemas-microsoft-com:office:powerpoint" xmlns:v="urn:schemas-microsoft-com:vml" xmlns:o="urn:schemas-microsoft-com:office:office" xmlns:dgm="http://schemas.openxmlformats.org/drawingml/2006/diagram" xmlns:c="http://schemas.openxmlformats.org/drawingml/2006/chart" xmlns:mv="urn:schemas-microsoft-com:mac:vml" xmlns:mc="http://schemas.openxmlformats.org/markup-compatibility/2006" xmlns="" r:id="rId6" roundtripDataSignature="AMtx7mh5ngpk3N/f7XxfAhhMRirGtz3G8w=="/>
     </p:ext>
   </p:extLst>
 </p:presentation>
 </file>
 
 <file path=ppt/notesMasters/notesMaster1.xml><?xml version="1.0" encoding="utf-8"?>
-<p:notesMaster xmlns:a="http://schemas.openxmlformats.org/drawingml/2006/main" xmlns:r="http://schemas.openxmlformats.org/officeDocument/2006/relationships" xmlns:mc="http://schemas.openxmlformats.org/markup-compatibility/2006" xmlns:mv="urn:schemas-microsoft-com:mac:vml" xmlns:p="http://schemas.openxmlformats.org/presentationml/2006/main" xmlns:c="http://schemas.openxmlformats.org/drawingml/2006/chart" xmlns:dgm="http://schemas.openxmlformats.org/drawingml/2006/diagram" xmlns:o="urn:schemas-microsoft-com:office:office" xmlns:v="urn:schemas-microsoft-com:vml" xmlns:pvml="urn:schemas-microsoft-com:office:powerpoint" xmlns:com="http://schemas.openxmlformats.org/drawingml/2006/compatibility" xmlns:p14="http://schemas.microsoft.com/office/powerpoint/2010/main" xmlns:p15="http://schemas.microsoft.com/office/powerpoint/2012/main" xmlns:ahyp="http://schemas.microsoft.com/office/drawing/2018/hyperlinkcolor">
+<p:notesMaster xmlns:a="http://schemas.openxmlformats.org/drawingml/2006/main" xmlns:r="http://schemas.openxmlformats.org/officeDocument/2006/relationships" xmlns:p="http://schemas.openxmlformats.org/presentationml/2006/main">
   <p:cSld>
+    <p:bg>
+      <p:bgRef idx="1001">
+        <a:schemeClr val="bg1"/>
+      </p:bgRef>
+    </p:bg>
     <p:spTree>
       <p:nvGrpSpPr>
-        <p:cNvPr id="2" name="Shape 2"/>
+        <p:cNvPr id="1" name="Shape 2"/>
         <p:cNvGrpSpPr/>
         <p:nvPr/>
       </p:nvGrpSpPr>
@@ -269,9 +274,11 @@
       <p:sp>
         <p:nvSpPr>
           <p:cNvPr id="3" name="Google Shape;3;n"/>
-          <p:cNvSpPr/>
+          <p:cNvSpPr>
+            <a:spLocks noGrp="1" noRot="1" noChangeAspect="1"/>
+          </p:cNvSpPr>
           <p:nvPr>
-            <p:ph idx="2" type="sldImg"/>
+            <p:ph type="sldImg" idx="2"/>
           </p:nvPr>
         </p:nvSpPr>
         <p:spPr>
@@ -280,9 +287,13 @@
             <a:ext cx="4572225" cy="3429000"/>
           </a:xfrm>
           <a:custGeom>
-            <a:rect b="b" l="l" r="r" t="t"/>
+            <a:avLst/>
+            <a:gdLst/>
+            <a:ahLst/>
+            <a:cxnLst/>
+            <a:rect l="l" t="t" r="r" b="b"/>
             <a:pathLst>
-              <a:path extrusionOk="0" h="120000" w="120000">
+              <a:path w="120000" h="120000" extrusionOk="0">
                 <a:moveTo>
                   <a:pt x="0" y="0"/>
                 </a:moveTo>
@@ -300,23 +311,25 @@
             </a:pathLst>
           </a:custGeom>
           <a:noFill/>
-          <a:ln cap="flat" cmpd="sng" w="9525">
+          <a:ln w="9525" cap="flat" cmpd="sng">
             <a:solidFill>
               <a:srgbClr val="000000"/>
             </a:solidFill>
             <a:prstDash val="solid"/>
             <a:round/>
-            <a:headEnd len="sm" w="sm" type="none"/>
-            <a:tailEnd len="sm" w="sm" type="none"/>
+            <a:headEnd type="none" w="sm" len="sm"/>
+            <a:tailEnd type="none" w="sm" len="sm"/>
           </a:ln>
         </p:spPr>
       </p:sp>
       <p:sp>
         <p:nvSpPr>
           <p:cNvPr id="4" name="Google Shape;4;n"/>
-          <p:cNvSpPr txBox="1"/>
+          <p:cNvSpPr txBox="1">
+            <a:spLocks noGrp="1"/>
+          </p:cNvSpPr>
           <p:nvPr>
-            <p:ph idx="1" type="body"/>
+            <p:ph type="body" idx="1"/>
           </p:nvPr>
         </p:nvSpPr>
         <p:spPr>
@@ -333,11 +346,11 @@
           </a:ln>
         </p:spPr>
         <p:txBody>
-          <a:bodyPr anchorCtr="0" anchor="t" bIns="91425" lIns="91425" spcFirstLastPara="1" rIns="91425" wrap="square" tIns="91425">
+          <a:bodyPr spcFirstLastPara="1" wrap="square" lIns="91425" tIns="91425" rIns="91425" bIns="91425" anchor="t" anchorCtr="0">
             <a:noAutofit/>
           </a:bodyPr>
           <a:lstStyle>
-            <a:lvl1pPr indent="-298450" lvl="0" marL="457200">
+            <a:lvl1pPr marL="457200" lvl="0" indent="-298450">
               <a:spcBef>
                 <a:spcPts val="0"/>
               </a:spcBef>
@@ -348,7 +361,7 @@
               <a:buChar char="●"/>
               <a:defRPr sz="1100"/>
             </a:lvl1pPr>
-            <a:lvl2pPr indent="-298450" lvl="1" marL="914400">
+            <a:lvl2pPr marL="914400" lvl="1" indent="-298450">
               <a:spcBef>
                 <a:spcPts val="0"/>
               </a:spcBef>
@@ -359,7 +372,7 @@
               <a:buChar char="○"/>
               <a:defRPr sz="1100"/>
             </a:lvl2pPr>
-            <a:lvl3pPr indent="-298450" lvl="2" marL="1371600">
+            <a:lvl3pPr marL="1371600" lvl="2" indent="-298450">
               <a:spcBef>
                 <a:spcPts val="0"/>
               </a:spcBef>
@@ -370,7 +383,7 @@
               <a:buChar char="■"/>
               <a:defRPr sz="1100"/>
             </a:lvl3pPr>
-            <a:lvl4pPr indent="-298450" lvl="3" marL="1828800">
+            <a:lvl4pPr marL="1828800" lvl="3" indent="-298450">
               <a:spcBef>
                 <a:spcPts val="0"/>
               </a:spcBef>
@@ -381,7 +394,7 @@
               <a:buChar char="●"/>
               <a:defRPr sz="1100"/>
             </a:lvl4pPr>
-            <a:lvl5pPr indent="-298450" lvl="4" marL="2286000">
+            <a:lvl5pPr marL="2286000" lvl="4" indent="-298450">
               <a:spcBef>
                 <a:spcPts val="0"/>
               </a:spcBef>
@@ -392,7 +405,7 @@
               <a:buChar char="○"/>
               <a:defRPr sz="1100"/>
             </a:lvl5pPr>
-            <a:lvl6pPr indent="-298450" lvl="5" marL="2743200">
+            <a:lvl6pPr marL="2743200" lvl="5" indent="-298450">
               <a:spcBef>
                 <a:spcPts val="0"/>
               </a:spcBef>
@@ -403,7 +416,7 @@
               <a:buChar char="■"/>
               <a:defRPr sz="1100"/>
             </a:lvl6pPr>
-            <a:lvl7pPr indent="-298450" lvl="6" marL="3200400">
+            <a:lvl7pPr marL="3200400" lvl="6" indent="-298450">
               <a:spcBef>
                 <a:spcPts val="0"/>
               </a:spcBef>
@@ -414,7 +427,7 @@
               <a:buChar char="●"/>
               <a:defRPr sz="1100"/>
             </a:lvl7pPr>
-            <a:lvl8pPr indent="-298450" lvl="7" marL="3657600">
+            <a:lvl8pPr marL="3657600" lvl="7" indent="-298450">
               <a:spcBef>
                 <a:spcPts val="0"/>
               </a:spcBef>
@@ -425,7 +438,7 @@
               <a:buChar char="○"/>
               <a:defRPr sz="1100"/>
             </a:lvl8pPr>
-            <a:lvl9pPr indent="-298450" lvl="8" marL="4114800">
+            <a:lvl9pPr marL="4114800" lvl="8" indent="-298450">
               <a:spcBef>
                 <a:spcPts val="0"/>
               </a:spcBef>
@@ -437,14 +450,16 @@
               <a:defRPr sz="1100"/>
             </a:lvl9pPr>
           </a:lstStyle>
-          <a:p/>
+          <a:p>
+            <a:endParaRPr/>
+          </a:p>
         </p:txBody>
       </p:sp>
     </p:spTree>
   </p:cSld>
-  <p:clrMap accent1="accent1" accent2="accent2" accent3="accent3" accent4="accent4" accent5="accent5" accent6="accent6" bg1="lt1" bg2="dk2" tx1="dk1" tx2="lt2" folHlink="folHlink" hlink="hlink"/>
+  <p:clrMap bg1="lt1" tx1="dk1" bg2="dk2" tx2="lt2" accent1="accent1" accent2="accent2" accent3="accent3" accent4="accent4" accent5="accent5" accent6="accent6" hlink="hlink" folHlink="folHlink"/>
   <p:notesStyle>
-    <a:defPPr lvl="0" marR="0" rtl="0" algn="l">
+    <a:defPPr marR="0" lvl="0" algn="l" rtl="0">
       <a:lnSpc>
         <a:spcPct val="100000"/>
       </a:lnSpc>
@@ -455,7 +470,7 @@
         <a:spcPts val="0"/>
       </a:spcAft>
     </a:defPPr>
-    <a:lvl1pPr lvl="0" marR="0" rtl="0" algn="l">
+    <a:lvl1pPr marR="0" lvl="0" algn="l" rtl="0">
       <a:lnSpc>
         <a:spcPct val="100000"/>
       </a:lnSpc>
@@ -469,7 +484,7 @@
         <a:srgbClr val="000000"/>
       </a:buClr>
       <a:buFont typeface="Arial"/>
-      <a:defRPr b="0" i="0" sz="1400" u="none" cap="none" strike="noStrike">
+      <a:defRPr sz="1400" b="0" i="0" u="none" strike="noStrike" cap="none">
         <a:solidFill>
           <a:srgbClr val="000000"/>
         </a:solidFill>
@@ -479,7 +494,7 @@
         <a:sym typeface="Arial"/>
       </a:defRPr>
     </a:lvl1pPr>
-    <a:lvl2pPr lvl="1" marR="0" rtl="0" algn="l">
+    <a:lvl2pPr marR="0" lvl="1" algn="l" rtl="0">
       <a:lnSpc>
         <a:spcPct val="100000"/>
       </a:lnSpc>
@@ -493,7 +508,7 @@
         <a:srgbClr val="000000"/>
       </a:buClr>
       <a:buFont typeface="Arial"/>
-      <a:defRPr b="0" i="0" sz="1400" u="none" cap="none" strike="noStrike">
+      <a:defRPr sz="1400" b="0" i="0" u="none" strike="noStrike" cap="none">
         <a:solidFill>
           <a:srgbClr val="000000"/>
         </a:solidFill>
@@ -503,7 +518,7 @@
         <a:sym typeface="Arial"/>
       </a:defRPr>
     </a:lvl2pPr>
-    <a:lvl3pPr lvl="2" marR="0" rtl="0" algn="l">
+    <a:lvl3pPr marR="0" lvl="2" algn="l" rtl="0">
       <a:lnSpc>
         <a:spcPct val="100000"/>
       </a:lnSpc>
@@ -517,7 +532,7 @@
         <a:srgbClr val="000000"/>
       </a:buClr>
       <a:buFont typeface="Arial"/>
-      <a:defRPr b="0" i="0" sz="1400" u="none" cap="none" strike="noStrike">
+      <a:defRPr sz="1400" b="0" i="0" u="none" strike="noStrike" cap="none">
         <a:solidFill>
           <a:srgbClr val="000000"/>
         </a:solidFill>
@@ -527,7 +542,7 @@
         <a:sym typeface="Arial"/>
       </a:defRPr>
     </a:lvl3pPr>
-    <a:lvl4pPr lvl="3" marR="0" rtl="0" algn="l">
+    <a:lvl4pPr marR="0" lvl="3" algn="l" rtl="0">
       <a:lnSpc>
         <a:spcPct val="100000"/>
       </a:lnSpc>
@@ -541,7 +556,7 @@
         <a:srgbClr val="000000"/>
       </a:buClr>
       <a:buFont typeface="Arial"/>
-      <a:defRPr b="0" i="0" sz="1400" u="none" cap="none" strike="noStrike">
+      <a:defRPr sz="1400" b="0" i="0" u="none" strike="noStrike" cap="none">
         <a:solidFill>
           <a:srgbClr val="000000"/>
         </a:solidFill>
@@ -551,7 +566,7 @@
         <a:sym typeface="Arial"/>
       </a:defRPr>
     </a:lvl4pPr>
-    <a:lvl5pPr lvl="4" marR="0" rtl="0" algn="l">
+    <a:lvl5pPr marR="0" lvl="4" algn="l" rtl="0">
       <a:lnSpc>
         <a:spcPct val="100000"/>
       </a:lnSpc>
@@ -565,7 +580,7 @@
         <a:srgbClr val="000000"/>
       </a:buClr>
       <a:buFont typeface="Arial"/>
-      <a:defRPr b="0" i="0" sz="1400" u="none" cap="none" strike="noStrike">
+      <a:defRPr sz="1400" b="0" i="0" u="none" strike="noStrike" cap="none">
         <a:solidFill>
           <a:srgbClr val="000000"/>
         </a:solidFill>
@@ -575,7 +590,7 @@
         <a:sym typeface="Arial"/>
       </a:defRPr>
     </a:lvl5pPr>
-    <a:lvl6pPr lvl="5" marR="0" rtl="0" algn="l">
+    <a:lvl6pPr marR="0" lvl="5" algn="l" rtl="0">
       <a:lnSpc>
         <a:spcPct val="100000"/>
       </a:lnSpc>
@@ -589,7 +604,7 @@
         <a:srgbClr val="000000"/>
       </a:buClr>
       <a:buFont typeface="Arial"/>
-      <a:defRPr b="0" i="0" sz="1400" u="none" cap="none" strike="noStrike">
+      <a:defRPr sz="1400" b="0" i="0" u="none" strike="noStrike" cap="none">
         <a:solidFill>
           <a:srgbClr val="000000"/>
         </a:solidFill>
@@ -599,7 +614,7 @@
         <a:sym typeface="Arial"/>
       </a:defRPr>
     </a:lvl6pPr>
-    <a:lvl7pPr lvl="6" marR="0" rtl="0" algn="l">
+    <a:lvl7pPr marR="0" lvl="6" algn="l" rtl="0">
       <a:lnSpc>
         <a:spcPct val="100000"/>
       </a:lnSpc>
@@ -613,7 +628,7 @@
         <a:srgbClr val="000000"/>
       </a:buClr>
       <a:buFont typeface="Arial"/>
-      <a:defRPr b="0" i="0" sz="1400" u="none" cap="none" strike="noStrike">
+      <a:defRPr sz="1400" b="0" i="0" u="none" strike="noStrike" cap="none">
         <a:solidFill>
           <a:srgbClr val="000000"/>
         </a:solidFill>
@@ -623,7 +638,7 @@
         <a:sym typeface="Arial"/>
       </a:defRPr>
     </a:lvl7pPr>
-    <a:lvl8pPr lvl="7" marR="0" rtl="0" algn="l">
+    <a:lvl8pPr marR="0" lvl="7" algn="l" rtl="0">
       <a:lnSpc>
         <a:spcPct val="100000"/>
       </a:lnSpc>
@@ -637,7 +652,7 @@
         <a:srgbClr val="000000"/>
       </a:buClr>
       <a:buFont typeface="Arial"/>
-      <a:defRPr b="0" i="0" sz="1400" u="none" cap="none" strike="noStrike">
+      <a:defRPr sz="1400" b="0" i="0" u="none" strike="noStrike" cap="none">
         <a:solidFill>
           <a:srgbClr val="000000"/>
         </a:solidFill>
@@ -647,7 +662,7 @@
         <a:sym typeface="Arial"/>
       </a:defRPr>
     </a:lvl8pPr>
-    <a:lvl9pPr lvl="8" marR="0" rtl="0" algn="l">
+    <a:lvl9pPr marR="0" lvl="8" algn="l" rtl="0">
       <a:lnSpc>
         <a:spcPct val="100000"/>
       </a:lnSpc>
@@ -661,7 +676,7 @@
         <a:srgbClr val="000000"/>
       </a:buClr>
       <a:buFont typeface="Arial"/>
-      <a:defRPr b="0" i="0" sz="1400" u="none" cap="none" strike="noStrike">
+      <a:defRPr sz="1400" b="0" i="0" u="none" strike="noStrike" cap="none">
         <a:solidFill>
           <a:srgbClr val="000000"/>
         </a:solidFill>
@@ -676,11 +691,11 @@
 </file>
 
 <file path=ppt/notesSlides/notesSlide1.xml><?xml version="1.0" encoding="utf-8"?>
-<p:notes xmlns:a="http://schemas.openxmlformats.org/drawingml/2006/main" xmlns:r="http://schemas.openxmlformats.org/officeDocument/2006/relationships" xmlns:mc="http://schemas.openxmlformats.org/markup-compatibility/2006" xmlns:mv="urn:schemas-microsoft-com:mac:vml" xmlns:p="http://schemas.openxmlformats.org/presentationml/2006/main" xmlns:c="http://schemas.openxmlformats.org/drawingml/2006/chart" xmlns:dgm="http://schemas.openxmlformats.org/drawingml/2006/diagram" xmlns:o="urn:schemas-microsoft-com:office:office" xmlns:v="urn:schemas-microsoft-com:vml" xmlns:pvml="urn:schemas-microsoft-com:office:powerpoint" xmlns:com="http://schemas.openxmlformats.org/drawingml/2006/compatibility" xmlns:p14="http://schemas.microsoft.com/office/powerpoint/2010/main" xmlns:p15="http://schemas.microsoft.com/office/powerpoint/2012/main" xmlns:ahyp="http://schemas.microsoft.com/office/drawing/2018/hyperlinkcolor" showMasterPhAnim="0" showMasterSp="0">
+<p:notes xmlns:a="http://schemas.openxmlformats.org/drawingml/2006/main" xmlns:r="http://schemas.openxmlformats.org/officeDocument/2006/relationships" xmlns:p="http://schemas.openxmlformats.org/presentationml/2006/main" showMasterSp="0" showMasterPhAnim="0">
   <p:cSld>
     <p:spTree>
       <p:nvGrpSpPr>
-        <p:cNvPr id="102" name="Shape 102"/>
+        <p:cNvPr id="1" name="Shape 102"/>
         <p:cNvGrpSpPr/>
         <p:nvPr/>
       </p:nvGrpSpPr>
@@ -695,9 +710,11 @@
       <p:sp>
         <p:nvSpPr>
           <p:cNvPr id="103" name="Google Shape;103;p1:notes"/>
-          <p:cNvSpPr txBox="1"/>
+          <p:cNvSpPr txBox="1">
+            <a:spLocks noGrp="1"/>
+          </p:cNvSpPr>
           <p:nvPr>
-            <p:ph idx="1" type="body"/>
+            <p:ph type="body" idx="1"/>
           </p:nvPr>
         </p:nvSpPr>
         <p:spPr>
@@ -710,12 +727,12 @@
           </a:prstGeom>
         </p:spPr>
         <p:txBody>
-          <a:bodyPr anchorCtr="0" anchor="t" bIns="91425" lIns="91425" spcFirstLastPara="1" rIns="91425" wrap="square" tIns="91425">
+          <a:bodyPr spcFirstLastPara="1" wrap="square" lIns="91425" tIns="91425" rIns="91425" bIns="91425" anchor="t" anchorCtr="0">
             <a:noAutofit/>
           </a:bodyPr>
           <a:lstStyle/>
           <a:p>
-            <a:pPr indent="0" lvl="0" marL="0" rtl="0" algn="l">
+            <a:pPr marL="0" lvl="0" indent="0" algn="l" rtl="0">
               <a:spcBef>
                 <a:spcPts val="0"/>
               </a:spcBef>
@@ -724,9 +741,6 @@
               </a:spcAft>
               <a:buNone/>
             </a:pPr>
-            <a:r>
-              <a:t/>
-            </a:r>
             <a:endParaRPr/>
           </a:p>
         </p:txBody>
@@ -734,20 +748,26 @@
       <p:sp>
         <p:nvSpPr>
           <p:cNvPr id="104" name="Google Shape;104;p1:notes"/>
-          <p:cNvSpPr/>
+          <p:cNvSpPr>
+            <a:spLocks noGrp="1" noRot="1" noChangeAspect="1"/>
+          </p:cNvSpPr>
           <p:nvPr>
-            <p:ph idx="2" type="sldImg"/>
+            <p:ph type="sldImg" idx="2"/>
           </p:nvPr>
         </p:nvSpPr>
         <p:spPr>
           <a:xfrm>
-            <a:off x="1143225" y="685800"/>
-            <a:ext cx="4572225" cy="3429000"/>
+            <a:off x="381000" y="685800"/>
+            <a:ext cx="6096000" cy="3429000"/>
           </a:xfrm>
           <a:custGeom>
-            <a:rect b="b" l="l" r="r" t="t"/>
+            <a:avLst/>
+            <a:gdLst/>
+            <a:ahLst/>
+            <a:cxnLst/>
+            <a:rect l="l" t="t" r="r" b="b"/>
             <a:pathLst>
-              <a:path extrusionOk="0" h="120000" w="120000">
+              <a:path w="120000" h="120000" extrusionOk="0">
                 <a:moveTo>
                   <a:pt x="0" y="0"/>
                 </a:moveTo>
@@ -775,11 +795,11 @@
 </file>
 
 <file path=ppt/slideLayouts/slideLayout1.xml><?xml version="1.0" encoding="utf-8"?>
-<p:sldLayout xmlns:a="http://schemas.openxmlformats.org/drawingml/2006/main" xmlns:r="http://schemas.openxmlformats.org/officeDocument/2006/relationships" xmlns:mc="http://schemas.openxmlformats.org/markup-compatibility/2006" xmlns:mv="urn:schemas-microsoft-com:mac:vml" xmlns:p="http://schemas.openxmlformats.org/presentationml/2006/main" xmlns:c="http://schemas.openxmlformats.org/drawingml/2006/chart" xmlns:dgm="http://schemas.openxmlformats.org/drawingml/2006/diagram" xmlns:o="urn:schemas-microsoft-com:office:office" xmlns:v="urn:schemas-microsoft-com:vml" xmlns:pvml="urn:schemas-microsoft-com:office:powerpoint" xmlns:com="http://schemas.openxmlformats.org/drawingml/2006/compatibility" xmlns:p14="http://schemas.microsoft.com/office/powerpoint/2010/main" xmlns:p15="http://schemas.microsoft.com/office/powerpoint/2012/main" xmlns:ahyp="http://schemas.microsoft.com/office/drawing/2018/hyperlinkcolor" matchingName="Title Slide" type="title">
+<p:sldLayout xmlns:a="http://schemas.openxmlformats.org/drawingml/2006/main" xmlns:r="http://schemas.openxmlformats.org/officeDocument/2006/relationships" xmlns:p="http://schemas.openxmlformats.org/presentationml/2006/main" matchingName="Title Slide" type="title">
   <p:cSld name="TITLE">
     <p:spTree>
       <p:nvGrpSpPr>
-        <p:cNvPr id="11" name="Shape 11"/>
+        <p:cNvPr id="1" name="Shape 11"/>
         <p:cNvGrpSpPr/>
         <p:nvPr/>
       </p:nvGrpSpPr>
@@ -794,7 +814,9 @@
       <p:sp>
         <p:nvSpPr>
           <p:cNvPr id="12" name="Google Shape;12;p3"/>
-          <p:cNvSpPr txBox="1"/>
+          <p:cNvSpPr txBox="1">
+            <a:spLocks noGrp="1"/>
+          </p:cNvSpPr>
           <p:nvPr>
             <p:ph type="ctrTitle"/>
           </p:nvPr>
@@ -813,7 +835,7 @@
           </a:ln>
         </p:spPr>
         <p:txBody>
-          <a:bodyPr anchorCtr="0" anchor="b" bIns="45700" lIns="91425" spcFirstLastPara="1" rIns="91425" wrap="square" tIns="45700">
+          <a:bodyPr spcFirstLastPara="1" wrap="square" lIns="91425" tIns="45700" rIns="91425" bIns="45700" anchor="b" anchorCtr="0">
             <a:normAutofit/>
           </a:bodyPr>
           <a:lstStyle>
@@ -924,15 +946,19 @@
               <a:defRPr/>
             </a:lvl9pPr>
           </a:lstStyle>
-          <a:p/>
+          <a:p>
+            <a:endParaRPr/>
+          </a:p>
         </p:txBody>
       </p:sp>
       <p:sp>
         <p:nvSpPr>
           <p:cNvPr id="13" name="Google Shape;13;p3"/>
-          <p:cNvSpPr txBox="1"/>
+          <p:cNvSpPr txBox="1">
+            <a:spLocks noGrp="1"/>
+          </p:cNvSpPr>
           <p:nvPr>
-            <p:ph idx="1" type="subTitle"/>
+            <p:ph type="subTitle" idx="1"/>
           </p:nvPr>
         </p:nvSpPr>
         <p:spPr>
@@ -949,7 +975,7 @@
           </a:ln>
         </p:spPr>
         <p:txBody>
-          <a:bodyPr anchorCtr="0" anchor="t" bIns="45700" lIns="91425" spcFirstLastPara="1" rIns="91425" wrap="square" tIns="45700">
+          <a:bodyPr spcFirstLastPara="1" wrap="square" lIns="91425" tIns="45700" rIns="91425" bIns="45700" anchor="t" anchorCtr="0">
             <a:normAutofit/>
           </a:bodyPr>
           <a:lstStyle>
@@ -1107,15 +1133,19 @@
               <a:defRPr sz="1600"/>
             </a:lvl9pPr>
           </a:lstStyle>
-          <a:p/>
+          <a:p>
+            <a:endParaRPr/>
+          </a:p>
         </p:txBody>
       </p:sp>
       <p:sp>
         <p:nvSpPr>
           <p:cNvPr id="14" name="Google Shape;14;p3"/>
-          <p:cNvSpPr txBox="1"/>
+          <p:cNvSpPr txBox="1">
+            <a:spLocks noGrp="1"/>
+          </p:cNvSpPr>
           <p:nvPr>
-            <p:ph idx="10" type="dt"/>
+            <p:ph type="dt" idx="10"/>
           </p:nvPr>
         </p:nvSpPr>
         <p:spPr>
@@ -1132,7 +1162,7 @@
           </a:ln>
         </p:spPr>
         <p:txBody>
-          <a:bodyPr anchorCtr="0" anchor="ctr" bIns="45700" lIns="91425" spcFirstLastPara="1" rIns="91425" wrap="square" tIns="45700">
+          <a:bodyPr spcFirstLastPara="1" wrap="square" lIns="91425" tIns="45700" rIns="91425" bIns="45700" anchor="ctr" anchorCtr="0">
             <a:noAutofit/>
           </a:bodyPr>
           <a:lstStyle>
@@ -1236,15 +1266,19 @@
               <a:defRPr/>
             </a:lvl9pPr>
           </a:lstStyle>
-          <a:p/>
+          <a:p>
+            <a:endParaRPr/>
+          </a:p>
         </p:txBody>
       </p:sp>
       <p:sp>
         <p:nvSpPr>
           <p:cNvPr id="15" name="Google Shape;15;p3"/>
-          <p:cNvSpPr txBox="1"/>
+          <p:cNvSpPr txBox="1">
+            <a:spLocks noGrp="1"/>
+          </p:cNvSpPr>
           <p:nvPr>
-            <p:ph idx="11" type="ftr"/>
+            <p:ph type="ftr" idx="11"/>
           </p:nvPr>
         </p:nvSpPr>
         <p:spPr>
@@ -1261,7 +1295,7 @@
           </a:ln>
         </p:spPr>
         <p:txBody>
-          <a:bodyPr anchorCtr="0" anchor="ctr" bIns="45700" lIns="91425" spcFirstLastPara="1" rIns="91425" wrap="square" tIns="45700">
+          <a:bodyPr spcFirstLastPara="1" wrap="square" lIns="91425" tIns="45700" rIns="91425" bIns="45700" anchor="ctr" anchorCtr="0">
             <a:noAutofit/>
           </a:bodyPr>
           <a:lstStyle>
@@ -1365,15 +1399,19 @@
               <a:defRPr/>
             </a:lvl9pPr>
           </a:lstStyle>
-          <a:p/>
+          <a:p>
+            <a:endParaRPr/>
+          </a:p>
         </p:txBody>
       </p:sp>
       <p:sp>
         <p:nvSpPr>
           <p:cNvPr id="16" name="Google Shape;16;p3"/>
-          <p:cNvSpPr txBox="1"/>
+          <p:cNvSpPr txBox="1">
+            <a:spLocks noGrp="1"/>
+          </p:cNvSpPr>
           <p:nvPr>
-            <p:ph idx="12" type="sldNum"/>
+            <p:ph type="sldNum" idx="12"/>
           </p:nvPr>
         </p:nvSpPr>
         <p:spPr>
@@ -1390,67 +1428,67 @@
           </a:ln>
         </p:spPr>
         <p:txBody>
-          <a:bodyPr anchorCtr="0" anchor="ctr" bIns="45700" lIns="91425" spcFirstLastPara="1" rIns="91425" wrap="square" tIns="45700">
+          <a:bodyPr spcFirstLastPara="1" wrap="square" lIns="91425" tIns="45700" rIns="91425" bIns="45700" anchor="ctr" anchorCtr="0">
             <a:noAutofit/>
           </a:bodyPr>
           <a:lstStyle>
-            <a:lvl1pPr indent="0" lvl="0" marL="0" algn="r">
+            <a:lvl1pPr marL="0" lvl="0" indent="0" algn="r">
               <a:spcBef>
                 <a:spcPts val="0"/>
               </a:spcBef>
               <a:buNone/>
               <a:defRPr/>
             </a:lvl1pPr>
-            <a:lvl2pPr indent="0" lvl="1" marL="0" algn="r">
+            <a:lvl2pPr marL="0" lvl="1" indent="0" algn="r">
               <a:spcBef>
                 <a:spcPts val="0"/>
               </a:spcBef>
               <a:buNone/>
               <a:defRPr/>
             </a:lvl2pPr>
-            <a:lvl3pPr indent="0" lvl="2" marL="0" algn="r">
+            <a:lvl3pPr marL="0" lvl="2" indent="0" algn="r">
               <a:spcBef>
                 <a:spcPts val="0"/>
               </a:spcBef>
               <a:buNone/>
               <a:defRPr/>
             </a:lvl3pPr>
-            <a:lvl4pPr indent="0" lvl="3" marL="0" algn="r">
+            <a:lvl4pPr marL="0" lvl="3" indent="0" algn="r">
               <a:spcBef>
                 <a:spcPts val="0"/>
               </a:spcBef>
               <a:buNone/>
               <a:defRPr/>
             </a:lvl4pPr>
-            <a:lvl5pPr indent="0" lvl="4" marL="0" algn="r">
+            <a:lvl5pPr marL="0" lvl="4" indent="0" algn="r">
               <a:spcBef>
                 <a:spcPts val="0"/>
               </a:spcBef>
               <a:buNone/>
               <a:defRPr/>
             </a:lvl5pPr>
-            <a:lvl6pPr indent="0" lvl="5" marL="0" algn="r">
+            <a:lvl6pPr marL="0" lvl="5" indent="0" algn="r">
               <a:spcBef>
                 <a:spcPts val="0"/>
               </a:spcBef>
               <a:buNone/>
               <a:defRPr/>
             </a:lvl6pPr>
-            <a:lvl7pPr indent="0" lvl="6" marL="0" algn="r">
+            <a:lvl7pPr marL="0" lvl="6" indent="0" algn="r">
               <a:spcBef>
                 <a:spcPts val="0"/>
               </a:spcBef>
               <a:buNone/>
               <a:defRPr/>
             </a:lvl7pPr>
-            <a:lvl8pPr indent="0" lvl="7" marL="0" algn="r">
+            <a:lvl8pPr marL="0" lvl="7" indent="0" algn="r">
               <a:spcBef>
                 <a:spcPts val="0"/>
               </a:spcBef>
               <a:buNone/>
               <a:defRPr/>
             </a:lvl8pPr>
-            <a:lvl9pPr indent="0" lvl="8" marL="0" algn="r">
+            <a:lvl9pPr marL="0" lvl="8" indent="0" algn="r">
               <a:spcBef>
                 <a:spcPts val="0"/>
               </a:spcBef>
@@ -1459,7 +1497,7 @@
             </a:lvl9pPr>
           </a:lstStyle>
           <a:p>
-            <a:pPr indent="0" lvl="0" marL="0" rtl="0" algn="r">
+            <a:pPr marL="0" lvl="0" indent="0" algn="r" rtl="0">
               <a:spcBef>
                 <a:spcPts val="0"/>
               </a:spcBef>
@@ -1488,9 +1526,13 @@
             <a:ext cx="1135066" cy="477997"/>
           </a:xfrm>
           <a:custGeom>
-            <a:rect b="b" l="l" r="r" t="t"/>
+            <a:avLst/>
+            <a:gdLst/>
+            <a:ahLst/>
+            <a:cxnLst/>
+            <a:rect l="l" t="t" r="r" b="b"/>
             <a:pathLst>
-              <a:path extrusionOk="0" h="477997" w="1135066">
+              <a:path w="1135066" h="477997" extrusionOk="0">
                 <a:moveTo>
                   <a:pt x="0" y="0"/>
                 </a:moveTo>
@@ -1522,12 +1564,12 @@
           </a:ln>
         </p:spPr>
         <p:txBody>
-          <a:bodyPr anchorCtr="0" anchor="ctr" bIns="45700" lIns="91425" spcFirstLastPara="1" rIns="91425" wrap="square" tIns="45700">
+          <a:bodyPr spcFirstLastPara="1" wrap="square" lIns="91425" tIns="45700" rIns="91425" bIns="45700" anchor="ctr" anchorCtr="0">
             <a:noAutofit/>
           </a:bodyPr>
           <a:lstStyle/>
           <a:p>
-            <a:pPr indent="0" lvl="0" marL="0" marR="0" rtl="0" algn="ctr">
+            <a:pPr marL="0" marR="0" lvl="0" indent="0" algn="ctr" rtl="0">
               <a:lnSpc>
                 <a:spcPct val="100000"/>
               </a:lnSpc>
@@ -1544,10 +1586,7 @@
               <a:buFont typeface="Avenir"/>
               <a:buNone/>
             </a:pPr>
-            <a:r>
-              <a:t/>
-            </a:r>
-            <a:endParaRPr b="0" i="0" sz="1800" u="none" cap="none" strike="noStrike">
+            <a:endParaRPr sz="1800" b="0" i="0" u="none" strike="noStrike" cap="none">
               <a:solidFill>
                 <a:srgbClr val="FFFFFF"/>
               </a:solidFill>
@@ -1572,28 +1611,28 @@
           </a:xfrm>
           <a:prstGeom prst="arc">
             <a:avLst>
-              <a:gd fmla="val 16200000" name="adj1"/>
-              <a:gd fmla="val 0" name="adj2"/>
+              <a:gd name="adj1" fmla="val 16200000"/>
+              <a:gd name="adj2" fmla="val 0"/>
             </a:avLst>
           </a:prstGeom>
           <a:noFill/>
-          <a:ln cap="rnd" cmpd="sng" w="127000">
+          <a:ln w="127000" cap="rnd" cmpd="sng">
             <a:solidFill>
               <a:schemeClr val="accent4"/>
             </a:solidFill>
             <a:prstDash val="dash"/>
             <a:miter lim="800000"/>
-            <a:headEnd len="sm" w="sm" type="none"/>
-            <a:tailEnd len="sm" w="sm" type="none"/>
+            <a:headEnd type="none" w="sm" len="sm"/>
+            <a:tailEnd type="none" w="sm" len="sm"/>
           </a:ln>
         </p:spPr>
         <p:txBody>
-          <a:bodyPr anchorCtr="0" anchor="ctr" bIns="45700" lIns="91425" spcFirstLastPara="1" rIns="91425" wrap="square" tIns="45700">
+          <a:bodyPr spcFirstLastPara="1" wrap="square" lIns="91425" tIns="45700" rIns="91425" bIns="45700" anchor="ctr" anchorCtr="0">
             <a:noAutofit/>
           </a:bodyPr>
           <a:lstStyle/>
           <a:p>
-            <a:pPr indent="0" lvl="0" marL="0" marR="0" rtl="0" algn="ctr">
+            <a:pPr marL="0" marR="0" lvl="0" indent="0" algn="ctr" rtl="0">
               <a:lnSpc>
                 <a:spcPct val="100000"/>
               </a:lnSpc>
@@ -1610,10 +1649,7 @@
               <a:buFont typeface="Avenir"/>
               <a:buNone/>
             </a:pPr>
-            <a:r>
-              <a:t/>
-            </a:r>
-            <a:endParaRPr b="0" i="0" sz="1800" u="none" cap="none" strike="noStrike">
+            <a:endParaRPr sz="1800" b="0" i="0" u="none" strike="noStrike" cap="none">
               <a:solidFill>
                 <a:srgbClr val="000000"/>
               </a:solidFill>
@@ -1634,11 +1670,11 @@
 </file>
 
 <file path=ppt/slideLayouts/slideLayout10.xml><?xml version="1.0" encoding="utf-8"?>
-<p:sldLayout xmlns:a="http://schemas.openxmlformats.org/drawingml/2006/main" xmlns:r="http://schemas.openxmlformats.org/officeDocument/2006/relationships" xmlns:mc="http://schemas.openxmlformats.org/markup-compatibility/2006" xmlns:mv="urn:schemas-microsoft-com:mac:vml" xmlns:p="http://schemas.openxmlformats.org/presentationml/2006/main" xmlns:c="http://schemas.openxmlformats.org/drawingml/2006/chart" xmlns:dgm="http://schemas.openxmlformats.org/drawingml/2006/diagram" xmlns:o="urn:schemas-microsoft-com:office:office" xmlns:v="urn:schemas-microsoft-com:vml" xmlns:pvml="urn:schemas-microsoft-com:office:powerpoint" xmlns:com="http://schemas.openxmlformats.org/drawingml/2006/compatibility" xmlns:p14="http://schemas.microsoft.com/office/powerpoint/2010/main" xmlns:p15="http://schemas.microsoft.com/office/powerpoint/2012/main" xmlns:ahyp="http://schemas.microsoft.com/office/drawing/2018/hyperlinkcolor" matchingName="Title and Vertical Text" type="vertTx">
+<p:sldLayout xmlns:a="http://schemas.openxmlformats.org/drawingml/2006/main" xmlns:r="http://schemas.openxmlformats.org/officeDocument/2006/relationships" xmlns:p="http://schemas.openxmlformats.org/presentationml/2006/main" matchingName="Title and Vertical Text" type="vertTx">
   <p:cSld name="VERTICAL_TEXT">
     <p:spTree>
       <p:nvGrpSpPr>
-        <p:cNvPr id="86" name="Shape 86"/>
+        <p:cNvPr id="1" name="Shape 86"/>
         <p:cNvGrpSpPr/>
         <p:nvPr/>
       </p:nvGrpSpPr>
@@ -1653,7 +1689,9 @@
       <p:sp>
         <p:nvSpPr>
           <p:cNvPr id="87" name="Google Shape;87;p12"/>
-          <p:cNvSpPr txBox="1"/>
+          <p:cNvSpPr txBox="1">
+            <a:spLocks noGrp="1"/>
+          </p:cNvSpPr>
           <p:nvPr>
             <p:ph type="title"/>
           </p:nvPr>
@@ -1672,7 +1710,7 @@
           </a:ln>
         </p:spPr>
         <p:txBody>
-          <a:bodyPr anchorCtr="0" anchor="ctr" bIns="45700" lIns="91425" spcFirstLastPara="1" rIns="91425" wrap="square" tIns="45700">
+          <a:bodyPr spcFirstLastPara="1" wrap="square" lIns="91425" tIns="45700" rIns="91425" bIns="45700" anchor="ctr" anchorCtr="0">
             <a:normAutofit/>
           </a:bodyPr>
           <a:lstStyle>
@@ -1782,15 +1820,19 @@
               <a:defRPr/>
             </a:lvl9pPr>
           </a:lstStyle>
-          <a:p/>
+          <a:p>
+            <a:endParaRPr/>
+          </a:p>
         </p:txBody>
       </p:sp>
       <p:sp>
         <p:nvSpPr>
           <p:cNvPr id="88" name="Google Shape;88;p12"/>
-          <p:cNvSpPr txBox="1"/>
+          <p:cNvSpPr txBox="1">
+            <a:spLocks noGrp="1"/>
+          </p:cNvSpPr>
           <p:nvPr>
-            <p:ph idx="1" type="body"/>
+            <p:ph type="body" idx="1"/>
           </p:nvPr>
         </p:nvSpPr>
         <p:spPr>
@@ -1807,11 +1849,11 @@
           </a:ln>
         </p:spPr>
         <p:txBody>
-          <a:bodyPr anchorCtr="0" anchor="t" bIns="45700" lIns="91425" spcFirstLastPara="1" rIns="91425" wrap="square" tIns="45700">
+          <a:bodyPr spcFirstLastPara="1" wrap="square" lIns="91425" tIns="45700" rIns="91425" bIns="45700" anchor="t" anchorCtr="0">
             <a:normAutofit/>
           </a:bodyPr>
           <a:lstStyle>
-            <a:lvl1pPr indent="-342900" lvl="0" marL="457200" algn="l">
+            <a:lvl1pPr marL="457200" lvl="0" indent="-342900" algn="l">
               <a:lnSpc>
                 <a:spcPct val="90000"/>
               </a:lnSpc>
@@ -1828,7 +1870,7 @@
               <a:buChar char="•"/>
               <a:defRPr/>
             </a:lvl1pPr>
-            <a:lvl2pPr indent="-342900" lvl="1" marL="914400" algn="l">
+            <a:lvl2pPr marL="914400" lvl="1" indent="-342900" algn="l">
               <a:lnSpc>
                 <a:spcPct val="90000"/>
               </a:lnSpc>
@@ -1845,7 +1887,7 @@
               <a:buChar char="•"/>
               <a:defRPr/>
             </a:lvl2pPr>
-            <a:lvl3pPr indent="-342900" lvl="2" marL="1371600" algn="l">
+            <a:lvl3pPr marL="1371600" lvl="2" indent="-342900" algn="l">
               <a:lnSpc>
                 <a:spcPct val="90000"/>
               </a:lnSpc>
@@ -1862,7 +1904,7 @@
               <a:buChar char="•"/>
               <a:defRPr/>
             </a:lvl3pPr>
-            <a:lvl4pPr indent="-342900" lvl="3" marL="1828800" algn="l">
+            <a:lvl4pPr marL="1828800" lvl="3" indent="-342900" algn="l">
               <a:lnSpc>
                 <a:spcPct val="90000"/>
               </a:lnSpc>
@@ -1879,7 +1921,7 @@
               <a:buChar char="•"/>
               <a:defRPr/>
             </a:lvl4pPr>
-            <a:lvl5pPr indent="-342900" lvl="4" marL="2286000" algn="l">
+            <a:lvl5pPr marL="2286000" lvl="4" indent="-342900" algn="l">
               <a:lnSpc>
                 <a:spcPct val="90000"/>
               </a:lnSpc>
@@ -1896,7 +1938,7 @@
               <a:buChar char="•"/>
               <a:defRPr/>
             </a:lvl5pPr>
-            <a:lvl6pPr indent="-342900" lvl="5" marL="2743200" algn="l">
+            <a:lvl6pPr marL="2743200" lvl="5" indent="-342900" algn="l">
               <a:lnSpc>
                 <a:spcPct val="90000"/>
               </a:lnSpc>
@@ -1913,7 +1955,7 @@
               <a:buChar char="•"/>
               <a:defRPr/>
             </a:lvl6pPr>
-            <a:lvl7pPr indent="-342900" lvl="6" marL="3200400" algn="l">
+            <a:lvl7pPr marL="3200400" lvl="6" indent="-342900" algn="l">
               <a:lnSpc>
                 <a:spcPct val="90000"/>
               </a:lnSpc>
@@ -1930,7 +1972,7 @@
               <a:buChar char="•"/>
               <a:defRPr/>
             </a:lvl7pPr>
-            <a:lvl8pPr indent="-342900" lvl="7" marL="3657600" algn="l">
+            <a:lvl8pPr marL="3657600" lvl="7" indent="-342900" algn="l">
               <a:lnSpc>
                 <a:spcPct val="90000"/>
               </a:lnSpc>
@@ -1947,7 +1989,7 @@
               <a:buChar char="•"/>
               <a:defRPr/>
             </a:lvl8pPr>
-            <a:lvl9pPr indent="-342900" lvl="8" marL="4114800" algn="l">
+            <a:lvl9pPr marL="4114800" lvl="8" indent="-342900" algn="l">
               <a:lnSpc>
                 <a:spcPct val="90000"/>
               </a:lnSpc>
@@ -1965,15 +2007,19 @@
               <a:defRPr/>
             </a:lvl9pPr>
           </a:lstStyle>
-          <a:p/>
+          <a:p>
+            <a:endParaRPr/>
+          </a:p>
         </p:txBody>
       </p:sp>
       <p:sp>
         <p:nvSpPr>
           <p:cNvPr id="89" name="Google Shape;89;p12"/>
-          <p:cNvSpPr txBox="1"/>
+          <p:cNvSpPr txBox="1">
+            <a:spLocks noGrp="1"/>
+          </p:cNvSpPr>
           <p:nvPr>
-            <p:ph idx="10" type="dt"/>
+            <p:ph type="dt" idx="10"/>
           </p:nvPr>
         </p:nvSpPr>
         <p:spPr>
@@ -1990,7 +2036,7 @@
           </a:ln>
         </p:spPr>
         <p:txBody>
-          <a:bodyPr anchorCtr="0" anchor="ctr" bIns="45700" lIns="91425" spcFirstLastPara="1" rIns="91425" wrap="square" tIns="45700">
+          <a:bodyPr spcFirstLastPara="1" wrap="square" lIns="91425" tIns="45700" rIns="91425" bIns="45700" anchor="ctr" anchorCtr="0">
             <a:noAutofit/>
           </a:bodyPr>
           <a:lstStyle>
@@ -2094,15 +2140,19 @@
               <a:defRPr/>
             </a:lvl9pPr>
           </a:lstStyle>
-          <a:p/>
+          <a:p>
+            <a:endParaRPr/>
+          </a:p>
         </p:txBody>
       </p:sp>
       <p:sp>
         <p:nvSpPr>
           <p:cNvPr id="90" name="Google Shape;90;p12"/>
-          <p:cNvSpPr txBox="1"/>
+          <p:cNvSpPr txBox="1">
+            <a:spLocks noGrp="1"/>
+          </p:cNvSpPr>
           <p:nvPr>
-            <p:ph idx="11" type="ftr"/>
+            <p:ph type="ftr" idx="11"/>
           </p:nvPr>
         </p:nvSpPr>
         <p:spPr>
@@ -2119,7 +2169,7 @@
           </a:ln>
         </p:spPr>
         <p:txBody>
-          <a:bodyPr anchorCtr="0" anchor="ctr" bIns="45700" lIns="91425" spcFirstLastPara="1" rIns="91425" wrap="square" tIns="45700">
+          <a:bodyPr spcFirstLastPara="1" wrap="square" lIns="91425" tIns="45700" rIns="91425" bIns="45700" anchor="ctr" anchorCtr="0">
             <a:noAutofit/>
           </a:bodyPr>
           <a:lstStyle>
@@ -2223,15 +2273,19 @@
               <a:defRPr/>
             </a:lvl9pPr>
           </a:lstStyle>
-          <a:p/>
+          <a:p>
+            <a:endParaRPr/>
+          </a:p>
         </p:txBody>
       </p:sp>
       <p:sp>
         <p:nvSpPr>
           <p:cNvPr id="91" name="Google Shape;91;p12"/>
-          <p:cNvSpPr txBox="1"/>
+          <p:cNvSpPr txBox="1">
+            <a:spLocks noGrp="1"/>
+          </p:cNvSpPr>
           <p:nvPr>
-            <p:ph idx="12" type="sldNum"/>
+            <p:ph type="sldNum" idx="12"/>
           </p:nvPr>
         </p:nvSpPr>
         <p:spPr>
@@ -2248,67 +2302,67 @@
           </a:ln>
         </p:spPr>
         <p:txBody>
-          <a:bodyPr anchorCtr="0" anchor="ctr" bIns="45700" lIns="91425" spcFirstLastPara="1" rIns="91425" wrap="square" tIns="45700">
+          <a:bodyPr spcFirstLastPara="1" wrap="square" lIns="91425" tIns="45700" rIns="91425" bIns="45700" anchor="ctr" anchorCtr="0">
             <a:noAutofit/>
           </a:bodyPr>
           <a:lstStyle>
-            <a:lvl1pPr indent="0" lvl="0" marL="0" algn="r">
+            <a:lvl1pPr marL="0" lvl="0" indent="0" algn="r">
               <a:spcBef>
                 <a:spcPts val="0"/>
               </a:spcBef>
               <a:buNone/>
               <a:defRPr/>
             </a:lvl1pPr>
-            <a:lvl2pPr indent="0" lvl="1" marL="0" algn="r">
+            <a:lvl2pPr marL="0" lvl="1" indent="0" algn="r">
               <a:spcBef>
                 <a:spcPts val="0"/>
               </a:spcBef>
               <a:buNone/>
               <a:defRPr/>
             </a:lvl2pPr>
-            <a:lvl3pPr indent="0" lvl="2" marL="0" algn="r">
+            <a:lvl3pPr marL="0" lvl="2" indent="0" algn="r">
               <a:spcBef>
                 <a:spcPts val="0"/>
               </a:spcBef>
               <a:buNone/>
               <a:defRPr/>
             </a:lvl3pPr>
-            <a:lvl4pPr indent="0" lvl="3" marL="0" algn="r">
+            <a:lvl4pPr marL="0" lvl="3" indent="0" algn="r">
               <a:spcBef>
                 <a:spcPts val="0"/>
               </a:spcBef>
               <a:buNone/>
               <a:defRPr/>
             </a:lvl4pPr>
-            <a:lvl5pPr indent="0" lvl="4" marL="0" algn="r">
+            <a:lvl5pPr marL="0" lvl="4" indent="0" algn="r">
               <a:spcBef>
                 <a:spcPts val="0"/>
               </a:spcBef>
               <a:buNone/>
               <a:defRPr/>
             </a:lvl5pPr>
-            <a:lvl6pPr indent="0" lvl="5" marL="0" algn="r">
+            <a:lvl6pPr marL="0" lvl="5" indent="0" algn="r">
               <a:spcBef>
                 <a:spcPts val="0"/>
               </a:spcBef>
               <a:buNone/>
               <a:defRPr/>
             </a:lvl6pPr>
-            <a:lvl7pPr indent="0" lvl="6" marL="0" algn="r">
+            <a:lvl7pPr marL="0" lvl="6" indent="0" algn="r">
               <a:spcBef>
                 <a:spcPts val="0"/>
               </a:spcBef>
               <a:buNone/>
               <a:defRPr/>
             </a:lvl7pPr>
-            <a:lvl8pPr indent="0" lvl="7" marL="0" algn="r">
+            <a:lvl8pPr marL="0" lvl="7" indent="0" algn="r">
               <a:spcBef>
                 <a:spcPts val="0"/>
               </a:spcBef>
               <a:buNone/>
               <a:defRPr/>
             </a:lvl8pPr>
-            <a:lvl9pPr indent="0" lvl="8" marL="0" algn="r">
+            <a:lvl9pPr marL="0" lvl="8" indent="0" algn="r">
               <a:spcBef>
                 <a:spcPts val="0"/>
               </a:spcBef>
@@ -2317,7 +2371,7 @@
             </a:lvl9pPr>
           </a:lstStyle>
           <a:p>
-            <a:pPr indent="0" lvl="0" marL="0" rtl="0" algn="r">
+            <a:pPr marL="0" lvl="0" indent="0" algn="r" rtl="0">
               <a:spcBef>
                 <a:spcPts val="0"/>
               </a:spcBef>
@@ -2346,9 +2400,13 @@
             <a:ext cx="1737401" cy="959536"/>
           </a:xfrm>
           <a:custGeom>
-            <a:rect b="b" l="l" r="r" t="t"/>
+            <a:avLst/>
+            <a:gdLst/>
+            <a:ahLst/>
+            <a:cxnLst/>
+            <a:rect l="l" t="t" r="r" b="b"/>
             <a:pathLst>
-              <a:path extrusionOk="0" h="959536" w="1737401">
+              <a:path w="1737401" h="959536" extrusionOk="0">
                 <a:moveTo>
                   <a:pt x="0" y="0"/>
                 </a:moveTo>
@@ -2389,12 +2447,12 @@
           </a:ln>
         </p:spPr>
         <p:txBody>
-          <a:bodyPr anchorCtr="0" anchor="ctr" bIns="45700" lIns="91425" spcFirstLastPara="1" rIns="91425" wrap="square" tIns="45700">
+          <a:bodyPr spcFirstLastPara="1" wrap="square" lIns="91425" tIns="45700" rIns="91425" bIns="45700" anchor="ctr" anchorCtr="0">
             <a:noAutofit/>
           </a:bodyPr>
           <a:lstStyle/>
           <a:p>
-            <a:pPr indent="0" lvl="0" marL="0" marR="0" rtl="0" algn="l">
+            <a:pPr marL="0" marR="0" lvl="0" indent="0" algn="l" rtl="0">
               <a:lnSpc>
                 <a:spcPct val="100000"/>
               </a:lnSpc>
@@ -2411,10 +2469,7 @@
               <a:buFont typeface="Avenir"/>
               <a:buNone/>
             </a:pPr>
-            <a:r>
-              <a:t/>
-            </a:r>
-            <a:endParaRPr b="0" i="0" sz="1800" u="none" cap="none" strike="noStrike">
+            <a:endParaRPr sz="1800" b="0" i="0" u="none" strike="noStrike" cap="none">
               <a:solidFill>
                 <a:srgbClr val="000000"/>
               </a:solidFill>
@@ -2438,9 +2493,13 @@
             <a:ext cx="849328" cy="357668"/>
           </a:xfrm>
           <a:custGeom>
-            <a:rect b="b" l="l" r="r" t="t"/>
+            <a:avLst/>
+            <a:gdLst/>
+            <a:ahLst/>
+            <a:cxnLst/>
+            <a:rect l="l" t="t" r="r" b="b"/>
             <a:pathLst>
-              <a:path extrusionOk="0" h="477997" w="1135066">
+              <a:path w="1135066" h="477997" extrusionOk="0">
                 <a:moveTo>
                   <a:pt x="0" y="0"/>
                 </a:moveTo>
@@ -2472,12 +2531,12 @@
           </a:ln>
         </p:spPr>
         <p:txBody>
-          <a:bodyPr anchorCtr="0" anchor="ctr" bIns="45700" lIns="91425" spcFirstLastPara="1" rIns="91425" wrap="square" tIns="45700">
+          <a:bodyPr spcFirstLastPara="1" wrap="square" lIns="91425" tIns="45700" rIns="91425" bIns="45700" anchor="ctr" anchorCtr="0">
             <a:noAutofit/>
           </a:bodyPr>
           <a:lstStyle/>
           <a:p>
-            <a:pPr indent="0" lvl="0" marL="0" marR="0" rtl="0" algn="ctr">
+            <a:pPr marL="0" marR="0" lvl="0" indent="0" algn="ctr" rtl="0">
               <a:lnSpc>
                 <a:spcPct val="100000"/>
               </a:lnSpc>
@@ -2494,10 +2553,7 @@
               <a:buFont typeface="Avenir"/>
               <a:buNone/>
             </a:pPr>
-            <a:r>
-              <a:t/>
-            </a:r>
-            <a:endParaRPr b="0" i="0" sz="1800" u="none" cap="none" strike="noStrike">
+            <a:endParaRPr sz="1800" b="0" i="0" u="none" strike="noStrike" cap="none">
               <a:solidFill>
                 <a:srgbClr val="FFFFFF"/>
               </a:solidFill>
@@ -2518,11 +2574,11 @@
 </file>
 
 <file path=ppt/slideLayouts/slideLayout11.xml><?xml version="1.0" encoding="utf-8"?>
-<p:sldLayout xmlns:a="http://schemas.openxmlformats.org/drawingml/2006/main" xmlns:r="http://schemas.openxmlformats.org/officeDocument/2006/relationships" xmlns:mc="http://schemas.openxmlformats.org/markup-compatibility/2006" xmlns:mv="urn:schemas-microsoft-com:mac:vml" xmlns:p="http://schemas.openxmlformats.org/presentationml/2006/main" xmlns:c="http://schemas.openxmlformats.org/drawingml/2006/chart" xmlns:dgm="http://schemas.openxmlformats.org/drawingml/2006/diagram" xmlns:o="urn:schemas-microsoft-com:office:office" xmlns:v="urn:schemas-microsoft-com:vml" xmlns:pvml="urn:schemas-microsoft-com:office:powerpoint" xmlns:com="http://schemas.openxmlformats.org/drawingml/2006/compatibility" xmlns:p14="http://schemas.microsoft.com/office/powerpoint/2010/main" xmlns:p15="http://schemas.microsoft.com/office/powerpoint/2012/main" xmlns:ahyp="http://schemas.microsoft.com/office/drawing/2018/hyperlinkcolor" matchingName="Vertical Title and Text" type="vertTitleAndTx">
+<p:sldLayout xmlns:a="http://schemas.openxmlformats.org/drawingml/2006/main" xmlns:r="http://schemas.openxmlformats.org/officeDocument/2006/relationships" xmlns:p="http://schemas.openxmlformats.org/presentationml/2006/main" matchingName="Vertical Title and Text" type="vertTitleAndTx">
   <p:cSld name="VERTICAL_TITLE_AND_VERTICAL_TEXT">
     <p:spTree>
       <p:nvGrpSpPr>
-        <p:cNvPr id="94" name="Shape 94"/>
+        <p:cNvPr id="1" name="Shape 94"/>
         <p:cNvGrpSpPr/>
         <p:nvPr/>
       </p:nvGrpSpPr>
@@ -2537,7 +2593,9 @@
       <p:sp>
         <p:nvSpPr>
           <p:cNvPr id="95" name="Google Shape;95;p13"/>
-          <p:cNvSpPr txBox="1"/>
+          <p:cNvSpPr txBox="1">
+            <a:spLocks noGrp="1"/>
+          </p:cNvSpPr>
           <p:nvPr>
             <p:ph type="title"/>
           </p:nvPr>
@@ -2556,7 +2614,7 @@
           </a:ln>
         </p:spPr>
         <p:txBody>
-          <a:bodyPr anchorCtr="0" anchor="ctr" bIns="45700" lIns="91425" spcFirstLastPara="1" rIns="91425" wrap="square" tIns="45700">
+          <a:bodyPr spcFirstLastPara="1" wrap="square" lIns="91425" tIns="45700" rIns="91425" bIns="45700" anchor="ctr" anchorCtr="0">
             <a:normAutofit/>
           </a:bodyPr>
           <a:lstStyle>
@@ -2666,15 +2724,19 @@
               <a:defRPr/>
             </a:lvl9pPr>
           </a:lstStyle>
-          <a:p/>
+          <a:p>
+            <a:endParaRPr/>
+          </a:p>
         </p:txBody>
       </p:sp>
       <p:sp>
         <p:nvSpPr>
           <p:cNvPr id="96" name="Google Shape;96;p13"/>
-          <p:cNvSpPr txBox="1"/>
+          <p:cNvSpPr txBox="1">
+            <a:spLocks noGrp="1"/>
+          </p:cNvSpPr>
           <p:nvPr>
-            <p:ph idx="1" type="body"/>
+            <p:ph type="body" idx="1"/>
           </p:nvPr>
         </p:nvSpPr>
         <p:spPr>
@@ -2691,11 +2753,11 @@
           </a:ln>
         </p:spPr>
         <p:txBody>
-          <a:bodyPr anchorCtr="0" anchor="t" bIns="45700" lIns="91425" spcFirstLastPara="1" rIns="91425" wrap="square" tIns="45700">
+          <a:bodyPr spcFirstLastPara="1" wrap="square" lIns="91425" tIns="45700" rIns="91425" bIns="45700" anchor="t" anchorCtr="0">
             <a:normAutofit/>
           </a:bodyPr>
           <a:lstStyle>
-            <a:lvl1pPr indent="-342900" lvl="0" marL="457200" algn="l">
+            <a:lvl1pPr marL="457200" lvl="0" indent="-342900" algn="l">
               <a:lnSpc>
                 <a:spcPct val="90000"/>
               </a:lnSpc>
@@ -2712,7 +2774,7 @@
               <a:buChar char="•"/>
               <a:defRPr/>
             </a:lvl1pPr>
-            <a:lvl2pPr indent="-342900" lvl="1" marL="914400" algn="l">
+            <a:lvl2pPr marL="914400" lvl="1" indent="-342900" algn="l">
               <a:lnSpc>
                 <a:spcPct val="90000"/>
               </a:lnSpc>
@@ -2729,7 +2791,7 @@
               <a:buChar char="•"/>
               <a:defRPr/>
             </a:lvl2pPr>
-            <a:lvl3pPr indent="-342900" lvl="2" marL="1371600" algn="l">
+            <a:lvl3pPr marL="1371600" lvl="2" indent="-342900" algn="l">
               <a:lnSpc>
                 <a:spcPct val="90000"/>
               </a:lnSpc>
@@ -2746,7 +2808,7 @@
               <a:buChar char="•"/>
               <a:defRPr/>
             </a:lvl3pPr>
-            <a:lvl4pPr indent="-342900" lvl="3" marL="1828800" algn="l">
+            <a:lvl4pPr marL="1828800" lvl="3" indent="-342900" algn="l">
               <a:lnSpc>
                 <a:spcPct val="90000"/>
               </a:lnSpc>
@@ -2763,7 +2825,7 @@
               <a:buChar char="•"/>
               <a:defRPr/>
             </a:lvl4pPr>
-            <a:lvl5pPr indent="-342900" lvl="4" marL="2286000" algn="l">
+            <a:lvl5pPr marL="2286000" lvl="4" indent="-342900" algn="l">
               <a:lnSpc>
                 <a:spcPct val="90000"/>
               </a:lnSpc>
@@ -2780,7 +2842,7 @@
               <a:buChar char="•"/>
               <a:defRPr/>
             </a:lvl5pPr>
-            <a:lvl6pPr indent="-342900" lvl="5" marL="2743200" algn="l">
+            <a:lvl6pPr marL="2743200" lvl="5" indent="-342900" algn="l">
               <a:lnSpc>
                 <a:spcPct val="90000"/>
               </a:lnSpc>
@@ -2797,7 +2859,7 @@
               <a:buChar char="•"/>
               <a:defRPr/>
             </a:lvl6pPr>
-            <a:lvl7pPr indent="-342900" lvl="6" marL="3200400" algn="l">
+            <a:lvl7pPr marL="3200400" lvl="6" indent="-342900" algn="l">
               <a:lnSpc>
                 <a:spcPct val="90000"/>
               </a:lnSpc>
@@ -2814,7 +2876,7 @@
               <a:buChar char="•"/>
               <a:defRPr/>
             </a:lvl7pPr>
-            <a:lvl8pPr indent="-342900" lvl="7" marL="3657600" algn="l">
+            <a:lvl8pPr marL="3657600" lvl="7" indent="-342900" algn="l">
               <a:lnSpc>
                 <a:spcPct val="90000"/>
               </a:lnSpc>
@@ -2831,7 +2893,7 @@
               <a:buChar char="•"/>
               <a:defRPr/>
             </a:lvl8pPr>
-            <a:lvl9pPr indent="-342900" lvl="8" marL="4114800" algn="l">
+            <a:lvl9pPr marL="4114800" lvl="8" indent="-342900" algn="l">
               <a:lnSpc>
                 <a:spcPct val="90000"/>
               </a:lnSpc>
@@ -2849,15 +2911,19 @@
               <a:defRPr/>
             </a:lvl9pPr>
           </a:lstStyle>
-          <a:p/>
+          <a:p>
+            <a:endParaRPr/>
+          </a:p>
         </p:txBody>
       </p:sp>
       <p:sp>
         <p:nvSpPr>
           <p:cNvPr id="97" name="Google Shape;97;p13"/>
-          <p:cNvSpPr txBox="1"/>
+          <p:cNvSpPr txBox="1">
+            <a:spLocks noGrp="1"/>
+          </p:cNvSpPr>
           <p:nvPr>
-            <p:ph idx="10" type="dt"/>
+            <p:ph type="dt" idx="10"/>
           </p:nvPr>
         </p:nvSpPr>
         <p:spPr>
@@ -2874,7 +2940,7 @@
           </a:ln>
         </p:spPr>
         <p:txBody>
-          <a:bodyPr anchorCtr="0" anchor="ctr" bIns="45700" lIns="91425" spcFirstLastPara="1" rIns="91425" wrap="square" tIns="45700">
+          <a:bodyPr spcFirstLastPara="1" wrap="square" lIns="91425" tIns="45700" rIns="91425" bIns="45700" anchor="ctr" anchorCtr="0">
             <a:noAutofit/>
           </a:bodyPr>
           <a:lstStyle>
@@ -2978,15 +3044,19 @@
               <a:defRPr/>
             </a:lvl9pPr>
           </a:lstStyle>
-          <a:p/>
+          <a:p>
+            <a:endParaRPr/>
+          </a:p>
         </p:txBody>
       </p:sp>
       <p:sp>
         <p:nvSpPr>
           <p:cNvPr id="98" name="Google Shape;98;p13"/>
-          <p:cNvSpPr txBox="1"/>
+          <p:cNvSpPr txBox="1">
+            <a:spLocks noGrp="1"/>
+          </p:cNvSpPr>
           <p:nvPr>
-            <p:ph idx="11" type="ftr"/>
+            <p:ph type="ftr" idx="11"/>
           </p:nvPr>
         </p:nvSpPr>
         <p:spPr>
@@ -3003,7 +3073,7 @@
           </a:ln>
         </p:spPr>
         <p:txBody>
-          <a:bodyPr anchorCtr="0" anchor="ctr" bIns="45700" lIns="91425" spcFirstLastPara="1" rIns="91425" wrap="square" tIns="45700">
+          <a:bodyPr spcFirstLastPara="1" wrap="square" lIns="91425" tIns="45700" rIns="91425" bIns="45700" anchor="ctr" anchorCtr="0">
             <a:noAutofit/>
           </a:bodyPr>
           <a:lstStyle>
@@ -3107,15 +3177,19 @@
               <a:defRPr/>
             </a:lvl9pPr>
           </a:lstStyle>
-          <a:p/>
+          <a:p>
+            <a:endParaRPr/>
+          </a:p>
         </p:txBody>
       </p:sp>
       <p:sp>
         <p:nvSpPr>
           <p:cNvPr id="99" name="Google Shape;99;p13"/>
-          <p:cNvSpPr txBox="1"/>
+          <p:cNvSpPr txBox="1">
+            <a:spLocks noGrp="1"/>
+          </p:cNvSpPr>
           <p:nvPr>
-            <p:ph idx="12" type="sldNum"/>
+            <p:ph type="sldNum" idx="12"/>
           </p:nvPr>
         </p:nvSpPr>
         <p:spPr>
@@ -3132,67 +3206,67 @@
           </a:ln>
         </p:spPr>
         <p:txBody>
-          <a:bodyPr anchorCtr="0" anchor="ctr" bIns="45700" lIns="91425" spcFirstLastPara="1" rIns="91425" wrap="square" tIns="45700">
+          <a:bodyPr spcFirstLastPara="1" wrap="square" lIns="91425" tIns="45700" rIns="91425" bIns="45700" anchor="ctr" anchorCtr="0">
             <a:noAutofit/>
           </a:bodyPr>
           <a:lstStyle>
-            <a:lvl1pPr indent="0" lvl="0" marL="0" algn="r">
+            <a:lvl1pPr marL="0" lvl="0" indent="0" algn="r">
               <a:spcBef>
                 <a:spcPts val="0"/>
               </a:spcBef>
               <a:buNone/>
               <a:defRPr/>
             </a:lvl1pPr>
-            <a:lvl2pPr indent="0" lvl="1" marL="0" algn="r">
+            <a:lvl2pPr marL="0" lvl="1" indent="0" algn="r">
               <a:spcBef>
                 <a:spcPts val="0"/>
               </a:spcBef>
               <a:buNone/>
               <a:defRPr/>
             </a:lvl2pPr>
-            <a:lvl3pPr indent="0" lvl="2" marL="0" algn="r">
+            <a:lvl3pPr marL="0" lvl="2" indent="0" algn="r">
               <a:spcBef>
                 <a:spcPts val="0"/>
               </a:spcBef>
               <a:buNone/>
               <a:defRPr/>
             </a:lvl3pPr>
-            <a:lvl4pPr indent="0" lvl="3" marL="0" algn="r">
+            <a:lvl4pPr marL="0" lvl="3" indent="0" algn="r">
               <a:spcBef>
                 <a:spcPts val="0"/>
               </a:spcBef>
               <a:buNone/>
               <a:defRPr/>
             </a:lvl4pPr>
-            <a:lvl5pPr indent="0" lvl="4" marL="0" algn="r">
+            <a:lvl5pPr marL="0" lvl="4" indent="0" algn="r">
               <a:spcBef>
                 <a:spcPts val="0"/>
               </a:spcBef>
               <a:buNone/>
               <a:defRPr/>
             </a:lvl5pPr>
-            <a:lvl6pPr indent="0" lvl="5" marL="0" algn="r">
+            <a:lvl6pPr marL="0" lvl="5" indent="0" algn="r">
               <a:spcBef>
                 <a:spcPts val="0"/>
               </a:spcBef>
               <a:buNone/>
               <a:defRPr/>
             </a:lvl6pPr>
-            <a:lvl7pPr indent="0" lvl="6" marL="0" algn="r">
+            <a:lvl7pPr marL="0" lvl="6" indent="0" algn="r">
               <a:spcBef>
                 <a:spcPts val="0"/>
               </a:spcBef>
               <a:buNone/>
               <a:defRPr/>
             </a:lvl7pPr>
-            <a:lvl8pPr indent="0" lvl="7" marL="0" algn="r">
+            <a:lvl8pPr marL="0" lvl="7" indent="0" algn="r">
               <a:spcBef>
                 <a:spcPts val="0"/>
               </a:spcBef>
               <a:buNone/>
               <a:defRPr/>
             </a:lvl8pPr>
-            <a:lvl9pPr indent="0" lvl="8" marL="0" algn="r">
+            <a:lvl9pPr marL="0" lvl="8" indent="0" algn="r">
               <a:spcBef>
                 <a:spcPts val="0"/>
               </a:spcBef>
@@ -3201,7 +3275,7 @@
             </a:lvl9pPr>
           </a:lstStyle>
           <a:p>
-            <a:pPr indent="0" lvl="0" marL="0" rtl="0" algn="r">
+            <a:pPr marL="0" lvl="0" indent="0" algn="r" rtl="0">
               <a:spcBef>
                 <a:spcPts val="0"/>
               </a:spcBef>
@@ -3230,9 +3304,13 @@
             <a:ext cx="1737401" cy="959536"/>
           </a:xfrm>
           <a:custGeom>
-            <a:rect b="b" l="l" r="r" t="t"/>
+            <a:avLst/>
+            <a:gdLst/>
+            <a:ahLst/>
+            <a:cxnLst/>
+            <a:rect l="l" t="t" r="r" b="b"/>
             <a:pathLst>
-              <a:path extrusionOk="0" h="959536" w="1737401">
+              <a:path w="1737401" h="959536" extrusionOk="0">
                 <a:moveTo>
                   <a:pt x="0" y="0"/>
                 </a:moveTo>
@@ -3273,12 +3351,12 @@
           </a:ln>
         </p:spPr>
         <p:txBody>
-          <a:bodyPr anchorCtr="0" anchor="ctr" bIns="45700" lIns="91425" spcFirstLastPara="1" rIns="91425" wrap="square" tIns="45700">
+          <a:bodyPr spcFirstLastPara="1" wrap="square" lIns="91425" tIns="45700" rIns="91425" bIns="45700" anchor="ctr" anchorCtr="0">
             <a:noAutofit/>
           </a:bodyPr>
           <a:lstStyle/>
           <a:p>
-            <a:pPr indent="0" lvl="0" marL="0" marR="0" rtl="0" algn="l">
+            <a:pPr marL="0" marR="0" lvl="0" indent="0" algn="l" rtl="0">
               <a:lnSpc>
                 <a:spcPct val="100000"/>
               </a:lnSpc>
@@ -3295,10 +3373,7 @@
               <a:buFont typeface="Avenir"/>
               <a:buNone/>
             </a:pPr>
-            <a:r>
-              <a:t/>
-            </a:r>
-            <a:endParaRPr b="0" i="0" sz="1800" u="none" cap="none" strike="noStrike">
+            <a:endParaRPr sz="1800" b="0" i="0" u="none" strike="noStrike" cap="none">
               <a:solidFill>
                 <a:srgbClr val="000000"/>
               </a:solidFill>
@@ -3322,9 +3397,13 @@
             <a:ext cx="849328" cy="357668"/>
           </a:xfrm>
           <a:custGeom>
-            <a:rect b="b" l="l" r="r" t="t"/>
+            <a:avLst/>
+            <a:gdLst/>
+            <a:ahLst/>
+            <a:cxnLst/>
+            <a:rect l="l" t="t" r="r" b="b"/>
             <a:pathLst>
-              <a:path extrusionOk="0" h="477997" w="1135066">
+              <a:path w="1135066" h="477997" extrusionOk="0">
                 <a:moveTo>
                   <a:pt x="0" y="0"/>
                 </a:moveTo>
@@ -3356,12 +3435,12 @@
           </a:ln>
         </p:spPr>
         <p:txBody>
-          <a:bodyPr anchorCtr="0" anchor="ctr" bIns="45700" lIns="91425" spcFirstLastPara="1" rIns="91425" wrap="square" tIns="45700">
+          <a:bodyPr spcFirstLastPara="1" wrap="square" lIns="91425" tIns="45700" rIns="91425" bIns="45700" anchor="ctr" anchorCtr="0">
             <a:noAutofit/>
           </a:bodyPr>
           <a:lstStyle/>
           <a:p>
-            <a:pPr indent="0" lvl="0" marL="0" marR="0" rtl="0" algn="ctr">
+            <a:pPr marL="0" marR="0" lvl="0" indent="0" algn="ctr" rtl="0">
               <a:lnSpc>
                 <a:spcPct val="100000"/>
               </a:lnSpc>
@@ -3378,10 +3457,7 @@
               <a:buFont typeface="Avenir"/>
               <a:buNone/>
             </a:pPr>
-            <a:r>
-              <a:t/>
-            </a:r>
-            <a:endParaRPr b="0" i="0" sz="1800" u="none" cap="none" strike="noStrike">
+            <a:endParaRPr sz="1800" b="0" i="0" u="none" strike="noStrike" cap="none">
               <a:solidFill>
                 <a:srgbClr val="FFFFFF"/>
               </a:solidFill>
@@ -3402,11 +3478,11 @@
 </file>
 
 <file path=ppt/slideLayouts/slideLayout2.xml><?xml version="1.0" encoding="utf-8"?>
-<p:sldLayout xmlns:a="http://schemas.openxmlformats.org/drawingml/2006/main" xmlns:r="http://schemas.openxmlformats.org/officeDocument/2006/relationships" xmlns:mc="http://schemas.openxmlformats.org/markup-compatibility/2006" xmlns:mv="urn:schemas-microsoft-com:mac:vml" xmlns:p="http://schemas.openxmlformats.org/presentationml/2006/main" xmlns:c="http://schemas.openxmlformats.org/drawingml/2006/chart" xmlns:dgm="http://schemas.openxmlformats.org/drawingml/2006/diagram" xmlns:o="urn:schemas-microsoft-com:office:office" xmlns:v="urn:schemas-microsoft-com:vml" xmlns:pvml="urn:schemas-microsoft-com:office:powerpoint" xmlns:com="http://schemas.openxmlformats.org/drawingml/2006/compatibility" xmlns:p14="http://schemas.microsoft.com/office/powerpoint/2010/main" xmlns:p15="http://schemas.microsoft.com/office/powerpoint/2012/main" xmlns:ahyp="http://schemas.microsoft.com/office/drawing/2018/hyperlinkcolor" matchingName="Title and Content" type="obj">
+<p:sldLayout xmlns:a="http://schemas.openxmlformats.org/drawingml/2006/main" xmlns:r="http://schemas.openxmlformats.org/officeDocument/2006/relationships" xmlns:p="http://schemas.openxmlformats.org/presentationml/2006/main" matchingName="Title and Content" type="obj">
   <p:cSld name="OBJECT">
     <p:spTree>
       <p:nvGrpSpPr>
-        <p:cNvPr id="19" name="Shape 19"/>
+        <p:cNvPr id="1" name="Shape 19"/>
         <p:cNvGrpSpPr/>
         <p:nvPr/>
       </p:nvGrpSpPr>
@@ -3421,7 +3497,9 @@
       <p:sp>
         <p:nvSpPr>
           <p:cNvPr id="20" name="Google Shape;20;p4"/>
-          <p:cNvSpPr txBox="1"/>
+          <p:cNvSpPr txBox="1">
+            <a:spLocks noGrp="1"/>
+          </p:cNvSpPr>
           <p:nvPr>
             <p:ph type="title"/>
           </p:nvPr>
@@ -3440,7 +3518,7 @@
           </a:ln>
         </p:spPr>
         <p:txBody>
-          <a:bodyPr anchorCtr="0" anchor="ctr" bIns="45700" lIns="91425" spcFirstLastPara="1" rIns="91425" wrap="square" tIns="45700">
+          <a:bodyPr spcFirstLastPara="1" wrap="square" lIns="91425" tIns="45700" rIns="91425" bIns="45700" anchor="ctr" anchorCtr="0">
             <a:normAutofit/>
           </a:bodyPr>
           <a:lstStyle>
@@ -3550,15 +3628,19 @@
               <a:defRPr/>
             </a:lvl9pPr>
           </a:lstStyle>
-          <a:p/>
+          <a:p>
+            <a:endParaRPr/>
+          </a:p>
         </p:txBody>
       </p:sp>
       <p:sp>
         <p:nvSpPr>
           <p:cNvPr id="21" name="Google Shape;21;p4"/>
-          <p:cNvSpPr txBox="1"/>
+          <p:cNvSpPr txBox="1">
+            <a:spLocks noGrp="1"/>
+          </p:cNvSpPr>
           <p:nvPr>
-            <p:ph idx="1" type="body"/>
+            <p:ph type="body" idx="1"/>
           </p:nvPr>
         </p:nvSpPr>
         <p:spPr>
@@ -3575,11 +3657,11 @@
           </a:ln>
         </p:spPr>
         <p:txBody>
-          <a:bodyPr anchorCtr="0" anchor="t" bIns="45700" lIns="91425" spcFirstLastPara="1" rIns="91425" wrap="square" tIns="45700">
+          <a:bodyPr spcFirstLastPara="1" wrap="square" lIns="91425" tIns="45700" rIns="91425" bIns="45700" anchor="t" anchorCtr="0">
             <a:normAutofit/>
           </a:bodyPr>
           <a:lstStyle>
-            <a:lvl1pPr indent="-342900" lvl="0" marL="457200" algn="l">
+            <a:lvl1pPr marL="457200" lvl="0" indent="-342900" algn="l">
               <a:lnSpc>
                 <a:spcPct val="90000"/>
               </a:lnSpc>
@@ -3596,7 +3678,7 @@
               <a:buChar char="•"/>
               <a:defRPr/>
             </a:lvl1pPr>
-            <a:lvl2pPr indent="-342900" lvl="1" marL="914400" algn="l">
+            <a:lvl2pPr marL="914400" lvl="1" indent="-342900" algn="l">
               <a:lnSpc>
                 <a:spcPct val="90000"/>
               </a:lnSpc>
@@ -3613,7 +3695,7 @@
               <a:buChar char="•"/>
               <a:defRPr/>
             </a:lvl2pPr>
-            <a:lvl3pPr indent="-342900" lvl="2" marL="1371600" algn="l">
+            <a:lvl3pPr marL="1371600" lvl="2" indent="-342900" algn="l">
               <a:lnSpc>
                 <a:spcPct val="90000"/>
               </a:lnSpc>
@@ -3630,7 +3712,7 @@
               <a:buChar char="•"/>
               <a:defRPr/>
             </a:lvl3pPr>
-            <a:lvl4pPr indent="-342900" lvl="3" marL="1828800" algn="l">
+            <a:lvl4pPr marL="1828800" lvl="3" indent="-342900" algn="l">
               <a:lnSpc>
                 <a:spcPct val="90000"/>
               </a:lnSpc>
@@ -3647,7 +3729,7 @@
               <a:buChar char="•"/>
               <a:defRPr/>
             </a:lvl4pPr>
-            <a:lvl5pPr indent="-342900" lvl="4" marL="2286000" algn="l">
+            <a:lvl5pPr marL="2286000" lvl="4" indent="-342900" algn="l">
               <a:lnSpc>
                 <a:spcPct val="90000"/>
               </a:lnSpc>
@@ -3664,7 +3746,7 @@
               <a:buChar char="•"/>
               <a:defRPr/>
             </a:lvl5pPr>
-            <a:lvl6pPr indent="-342900" lvl="5" marL="2743200" algn="l">
+            <a:lvl6pPr marL="2743200" lvl="5" indent="-342900" algn="l">
               <a:lnSpc>
                 <a:spcPct val="90000"/>
               </a:lnSpc>
@@ -3681,7 +3763,7 @@
               <a:buChar char="•"/>
               <a:defRPr/>
             </a:lvl6pPr>
-            <a:lvl7pPr indent="-342900" lvl="6" marL="3200400" algn="l">
+            <a:lvl7pPr marL="3200400" lvl="6" indent="-342900" algn="l">
               <a:lnSpc>
                 <a:spcPct val="90000"/>
               </a:lnSpc>
@@ -3698,7 +3780,7 @@
               <a:buChar char="•"/>
               <a:defRPr/>
             </a:lvl7pPr>
-            <a:lvl8pPr indent="-342900" lvl="7" marL="3657600" algn="l">
+            <a:lvl8pPr marL="3657600" lvl="7" indent="-342900" algn="l">
               <a:lnSpc>
                 <a:spcPct val="90000"/>
               </a:lnSpc>
@@ -3715,7 +3797,7 @@
               <a:buChar char="•"/>
               <a:defRPr/>
             </a:lvl8pPr>
-            <a:lvl9pPr indent="-342900" lvl="8" marL="4114800" algn="l">
+            <a:lvl9pPr marL="4114800" lvl="8" indent="-342900" algn="l">
               <a:lnSpc>
                 <a:spcPct val="90000"/>
               </a:lnSpc>
@@ -3733,15 +3815,19 @@
               <a:defRPr/>
             </a:lvl9pPr>
           </a:lstStyle>
-          <a:p/>
+          <a:p>
+            <a:endParaRPr/>
+          </a:p>
         </p:txBody>
       </p:sp>
       <p:sp>
         <p:nvSpPr>
           <p:cNvPr id="22" name="Google Shape;22;p4"/>
-          <p:cNvSpPr txBox="1"/>
+          <p:cNvSpPr txBox="1">
+            <a:spLocks noGrp="1"/>
+          </p:cNvSpPr>
           <p:nvPr>
-            <p:ph idx="10" type="dt"/>
+            <p:ph type="dt" idx="10"/>
           </p:nvPr>
         </p:nvSpPr>
         <p:spPr>
@@ -3758,7 +3844,7 @@
           </a:ln>
         </p:spPr>
         <p:txBody>
-          <a:bodyPr anchorCtr="0" anchor="ctr" bIns="45700" lIns="91425" spcFirstLastPara="1" rIns="91425" wrap="square" tIns="45700">
+          <a:bodyPr spcFirstLastPara="1" wrap="square" lIns="91425" tIns="45700" rIns="91425" bIns="45700" anchor="ctr" anchorCtr="0">
             <a:noAutofit/>
           </a:bodyPr>
           <a:lstStyle>
@@ -3862,15 +3948,19 @@
               <a:defRPr/>
             </a:lvl9pPr>
           </a:lstStyle>
-          <a:p/>
+          <a:p>
+            <a:endParaRPr/>
+          </a:p>
         </p:txBody>
       </p:sp>
       <p:sp>
         <p:nvSpPr>
           <p:cNvPr id="23" name="Google Shape;23;p4"/>
-          <p:cNvSpPr txBox="1"/>
+          <p:cNvSpPr txBox="1">
+            <a:spLocks noGrp="1"/>
+          </p:cNvSpPr>
           <p:nvPr>
-            <p:ph idx="11" type="ftr"/>
+            <p:ph type="ftr" idx="11"/>
           </p:nvPr>
         </p:nvSpPr>
         <p:spPr>
@@ -3887,7 +3977,7 @@
           </a:ln>
         </p:spPr>
         <p:txBody>
-          <a:bodyPr anchorCtr="0" anchor="ctr" bIns="45700" lIns="91425" spcFirstLastPara="1" rIns="91425" wrap="square" tIns="45700">
+          <a:bodyPr spcFirstLastPara="1" wrap="square" lIns="91425" tIns="45700" rIns="91425" bIns="45700" anchor="ctr" anchorCtr="0">
             <a:noAutofit/>
           </a:bodyPr>
           <a:lstStyle>
@@ -3991,15 +4081,19 @@
               <a:defRPr/>
             </a:lvl9pPr>
           </a:lstStyle>
-          <a:p/>
+          <a:p>
+            <a:endParaRPr/>
+          </a:p>
         </p:txBody>
       </p:sp>
       <p:sp>
         <p:nvSpPr>
           <p:cNvPr id="24" name="Google Shape;24;p4"/>
-          <p:cNvSpPr txBox="1"/>
+          <p:cNvSpPr txBox="1">
+            <a:spLocks noGrp="1"/>
+          </p:cNvSpPr>
           <p:nvPr>
-            <p:ph idx="12" type="sldNum"/>
+            <p:ph type="sldNum" idx="12"/>
           </p:nvPr>
         </p:nvSpPr>
         <p:spPr>
@@ -4016,67 +4110,67 @@
           </a:ln>
         </p:spPr>
         <p:txBody>
-          <a:bodyPr anchorCtr="0" anchor="ctr" bIns="45700" lIns="91425" spcFirstLastPara="1" rIns="91425" wrap="square" tIns="45700">
+          <a:bodyPr spcFirstLastPara="1" wrap="square" lIns="91425" tIns="45700" rIns="91425" bIns="45700" anchor="ctr" anchorCtr="0">
             <a:noAutofit/>
           </a:bodyPr>
           <a:lstStyle>
-            <a:lvl1pPr indent="0" lvl="0" marL="0" algn="r">
+            <a:lvl1pPr marL="0" lvl="0" indent="0" algn="r">
               <a:spcBef>
                 <a:spcPts val="0"/>
               </a:spcBef>
               <a:buNone/>
               <a:defRPr/>
             </a:lvl1pPr>
-            <a:lvl2pPr indent="0" lvl="1" marL="0" algn="r">
+            <a:lvl2pPr marL="0" lvl="1" indent="0" algn="r">
               <a:spcBef>
                 <a:spcPts val="0"/>
               </a:spcBef>
               <a:buNone/>
               <a:defRPr/>
             </a:lvl2pPr>
-            <a:lvl3pPr indent="0" lvl="2" marL="0" algn="r">
+            <a:lvl3pPr marL="0" lvl="2" indent="0" algn="r">
               <a:spcBef>
                 <a:spcPts val="0"/>
               </a:spcBef>
               <a:buNone/>
               <a:defRPr/>
             </a:lvl3pPr>
-            <a:lvl4pPr indent="0" lvl="3" marL="0" algn="r">
+            <a:lvl4pPr marL="0" lvl="3" indent="0" algn="r">
               <a:spcBef>
                 <a:spcPts val="0"/>
               </a:spcBef>
               <a:buNone/>
               <a:defRPr/>
             </a:lvl4pPr>
-            <a:lvl5pPr indent="0" lvl="4" marL="0" algn="r">
+            <a:lvl5pPr marL="0" lvl="4" indent="0" algn="r">
               <a:spcBef>
                 <a:spcPts val="0"/>
               </a:spcBef>
               <a:buNone/>
               <a:defRPr/>
             </a:lvl5pPr>
-            <a:lvl6pPr indent="0" lvl="5" marL="0" algn="r">
+            <a:lvl6pPr marL="0" lvl="5" indent="0" algn="r">
               <a:spcBef>
                 <a:spcPts val="0"/>
               </a:spcBef>
               <a:buNone/>
               <a:defRPr/>
             </a:lvl6pPr>
-            <a:lvl7pPr indent="0" lvl="6" marL="0" algn="r">
+            <a:lvl7pPr marL="0" lvl="6" indent="0" algn="r">
               <a:spcBef>
                 <a:spcPts val="0"/>
               </a:spcBef>
               <a:buNone/>
               <a:defRPr/>
             </a:lvl7pPr>
-            <a:lvl8pPr indent="0" lvl="7" marL="0" algn="r">
+            <a:lvl8pPr marL="0" lvl="7" indent="0" algn="r">
               <a:spcBef>
                 <a:spcPts val="0"/>
               </a:spcBef>
               <a:buNone/>
               <a:defRPr/>
             </a:lvl8pPr>
-            <a:lvl9pPr indent="0" lvl="8" marL="0" algn="r">
+            <a:lvl9pPr marL="0" lvl="8" indent="0" algn="r">
               <a:spcBef>
                 <a:spcPts val="0"/>
               </a:spcBef>
@@ -4085,7 +4179,7 @@
             </a:lvl9pPr>
           </a:lstStyle>
           <a:p>
-            <a:pPr indent="0" lvl="0" marL="0" rtl="0" algn="r">
+            <a:pPr marL="0" lvl="0" indent="0" algn="r" rtl="0">
               <a:spcBef>
                 <a:spcPts val="0"/>
               </a:spcBef>
@@ -4114,9 +4208,13 @@
             <a:ext cx="849328" cy="357668"/>
           </a:xfrm>
           <a:custGeom>
-            <a:rect b="b" l="l" r="r" t="t"/>
+            <a:avLst/>
+            <a:gdLst/>
+            <a:ahLst/>
+            <a:cxnLst/>
+            <a:rect l="l" t="t" r="r" b="b"/>
             <a:pathLst>
-              <a:path extrusionOk="0" h="477997" w="1135066">
+              <a:path w="1135066" h="477997" extrusionOk="0">
                 <a:moveTo>
                   <a:pt x="0" y="0"/>
                 </a:moveTo>
@@ -4148,12 +4246,12 @@
           </a:ln>
         </p:spPr>
         <p:txBody>
-          <a:bodyPr anchorCtr="0" anchor="ctr" bIns="45700" lIns="91425" spcFirstLastPara="1" rIns="91425" wrap="square" tIns="45700">
+          <a:bodyPr spcFirstLastPara="1" wrap="square" lIns="91425" tIns="45700" rIns="91425" bIns="45700" anchor="ctr" anchorCtr="0">
             <a:noAutofit/>
           </a:bodyPr>
           <a:lstStyle/>
           <a:p>
-            <a:pPr indent="0" lvl="0" marL="0" marR="0" rtl="0" algn="ctr">
+            <a:pPr marL="0" marR="0" lvl="0" indent="0" algn="ctr" rtl="0">
               <a:lnSpc>
                 <a:spcPct val="100000"/>
               </a:lnSpc>
@@ -4170,10 +4268,7 @@
               <a:buFont typeface="Avenir"/>
               <a:buNone/>
             </a:pPr>
-            <a:r>
-              <a:t/>
-            </a:r>
-            <a:endParaRPr b="0" i="0" sz="1800" u="none" cap="none" strike="noStrike">
+            <a:endParaRPr sz="1800" b="0" i="0" u="none" strike="noStrike" cap="none">
               <a:solidFill>
                 <a:srgbClr val="FFFFFF"/>
               </a:solidFill>
@@ -4197,9 +4292,13 @@
             <a:ext cx="1771609" cy="1140095"/>
           </a:xfrm>
           <a:custGeom>
-            <a:rect b="b" l="l" r="r" t="t"/>
+            <a:avLst/>
+            <a:gdLst/>
+            <a:ahLst/>
+            <a:cxnLst/>
+            <a:rect l="l" t="t" r="r" b="b"/>
             <a:pathLst>
-              <a:path extrusionOk="0" h="1140095" w="1771609">
+              <a:path w="1771609" h="1140095" extrusionOk="0">
                 <a:moveTo>
                   <a:pt x="1561721" y="763041"/>
                 </a:moveTo>
@@ -4345,12 +4444,12 @@
           </a:ln>
         </p:spPr>
         <p:txBody>
-          <a:bodyPr anchorCtr="0" anchor="ctr" bIns="45700" lIns="91425" spcFirstLastPara="1" rIns="91425" wrap="square" tIns="45700">
+          <a:bodyPr spcFirstLastPara="1" wrap="square" lIns="91425" tIns="45700" rIns="91425" bIns="45700" anchor="ctr" anchorCtr="0">
             <a:noAutofit/>
           </a:bodyPr>
           <a:lstStyle/>
           <a:p>
-            <a:pPr indent="0" lvl="0" marL="0" marR="0" rtl="0" algn="l">
+            <a:pPr marL="0" marR="0" lvl="0" indent="0" algn="l" rtl="0">
               <a:lnSpc>
                 <a:spcPct val="100000"/>
               </a:lnSpc>
@@ -4367,10 +4466,7 @@
               <a:buFont typeface="Avenir"/>
               <a:buNone/>
             </a:pPr>
-            <a:r>
-              <a:t/>
-            </a:r>
-            <a:endParaRPr b="0" i="0" sz="1800" u="none" cap="none" strike="noStrike">
+            <a:endParaRPr sz="1800" b="0" i="0" u="none" strike="noStrike" cap="none">
               <a:solidFill>
                 <a:srgbClr val="000000"/>
               </a:solidFill>
@@ -4391,11 +4487,11 @@
 </file>
 
 <file path=ppt/slideLayouts/slideLayout3.xml><?xml version="1.0" encoding="utf-8"?>
-<p:sldLayout xmlns:a="http://schemas.openxmlformats.org/drawingml/2006/main" xmlns:r="http://schemas.openxmlformats.org/officeDocument/2006/relationships" xmlns:mc="http://schemas.openxmlformats.org/markup-compatibility/2006" xmlns:mv="urn:schemas-microsoft-com:mac:vml" xmlns:p="http://schemas.openxmlformats.org/presentationml/2006/main" xmlns:c="http://schemas.openxmlformats.org/drawingml/2006/chart" xmlns:dgm="http://schemas.openxmlformats.org/drawingml/2006/diagram" xmlns:o="urn:schemas-microsoft-com:office:office" xmlns:v="urn:schemas-microsoft-com:vml" xmlns:pvml="urn:schemas-microsoft-com:office:powerpoint" xmlns:com="http://schemas.openxmlformats.org/drawingml/2006/compatibility" xmlns:p14="http://schemas.microsoft.com/office/powerpoint/2010/main" xmlns:p15="http://schemas.microsoft.com/office/powerpoint/2012/main" xmlns:ahyp="http://schemas.microsoft.com/office/drawing/2018/hyperlinkcolor" matchingName="Section Header" type="secHead">
+<p:sldLayout xmlns:a="http://schemas.openxmlformats.org/drawingml/2006/main" xmlns:r="http://schemas.openxmlformats.org/officeDocument/2006/relationships" xmlns:p="http://schemas.openxmlformats.org/presentationml/2006/main" matchingName="Section Header" type="secHead">
   <p:cSld name="SECTION_HEADER">
     <p:spTree>
       <p:nvGrpSpPr>
-        <p:cNvPr id="27" name="Shape 27"/>
+        <p:cNvPr id="1" name="Shape 27"/>
         <p:cNvGrpSpPr/>
         <p:nvPr/>
       </p:nvGrpSpPr>
@@ -4410,7 +4506,9 @@
       <p:sp>
         <p:nvSpPr>
           <p:cNvPr id="28" name="Google Shape;28;p5"/>
-          <p:cNvSpPr txBox="1"/>
+          <p:cNvSpPr txBox="1">
+            <a:spLocks noGrp="1"/>
+          </p:cNvSpPr>
           <p:nvPr>
             <p:ph type="title"/>
           </p:nvPr>
@@ -4429,7 +4527,7 @@
           </a:ln>
         </p:spPr>
         <p:txBody>
-          <a:bodyPr anchorCtr="0" anchor="b" bIns="45700" lIns="91425" spcFirstLastPara="1" rIns="91425" wrap="square" tIns="45700">
+          <a:bodyPr spcFirstLastPara="1" wrap="square" lIns="91425" tIns="45700" rIns="91425" bIns="45700" anchor="b" anchorCtr="0">
             <a:normAutofit/>
           </a:bodyPr>
           <a:lstStyle>
@@ -4540,15 +4638,19 @@
               <a:defRPr/>
             </a:lvl9pPr>
           </a:lstStyle>
-          <a:p/>
+          <a:p>
+            <a:endParaRPr/>
+          </a:p>
         </p:txBody>
       </p:sp>
       <p:sp>
         <p:nvSpPr>
           <p:cNvPr id="29" name="Google Shape;29;p5"/>
-          <p:cNvSpPr txBox="1"/>
+          <p:cNvSpPr txBox="1">
+            <a:spLocks noGrp="1"/>
+          </p:cNvSpPr>
           <p:nvPr>
-            <p:ph idx="1" type="body"/>
+            <p:ph type="body" idx="1"/>
           </p:nvPr>
         </p:nvSpPr>
         <p:spPr>
@@ -4565,11 +4667,11 @@
           </a:ln>
         </p:spPr>
         <p:txBody>
-          <a:bodyPr anchorCtr="0" anchor="t" bIns="45700" lIns="91425" spcFirstLastPara="1" rIns="91425" wrap="square" tIns="45700">
+          <a:bodyPr spcFirstLastPara="1" wrap="square" lIns="91425" tIns="45700" rIns="91425" bIns="45700" anchor="t" anchorCtr="0">
             <a:normAutofit/>
           </a:bodyPr>
           <a:lstStyle>
-            <a:lvl1pPr indent="-228600" lvl="0" marL="457200" algn="l">
+            <a:lvl1pPr marL="457200" lvl="0" indent="-228600" algn="l">
               <a:lnSpc>
                 <a:spcPct val="90000"/>
               </a:lnSpc>
@@ -4590,7 +4692,7 @@
                 </a:solidFill>
               </a:defRPr>
             </a:lvl1pPr>
-            <a:lvl2pPr indent="-228600" lvl="1" marL="914400" algn="l">
+            <a:lvl2pPr marL="914400" lvl="1" indent="-228600" algn="l">
               <a:lnSpc>
                 <a:spcPct val="90000"/>
               </a:lnSpc>
@@ -4611,7 +4713,7 @@
                 </a:solidFill>
               </a:defRPr>
             </a:lvl2pPr>
-            <a:lvl3pPr indent="-228600" lvl="2" marL="1371600" algn="l">
+            <a:lvl3pPr marL="1371600" lvl="2" indent="-228600" algn="l">
               <a:lnSpc>
                 <a:spcPct val="90000"/>
               </a:lnSpc>
@@ -4632,7 +4734,7 @@
                 </a:solidFill>
               </a:defRPr>
             </a:lvl3pPr>
-            <a:lvl4pPr indent="-228600" lvl="3" marL="1828800" algn="l">
+            <a:lvl4pPr marL="1828800" lvl="3" indent="-228600" algn="l">
               <a:lnSpc>
                 <a:spcPct val="90000"/>
               </a:lnSpc>
@@ -4653,7 +4755,7 @@
                 </a:solidFill>
               </a:defRPr>
             </a:lvl4pPr>
-            <a:lvl5pPr indent="-228600" lvl="4" marL="2286000" algn="l">
+            <a:lvl5pPr marL="2286000" lvl="4" indent="-228600" algn="l">
               <a:lnSpc>
                 <a:spcPct val="90000"/>
               </a:lnSpc>
@@ -4674,7 +4776,7 @@
                 </a:solidFill>
               </a:defRPr>
             </a:lvl5pPr>
-            <a:lvl6pPr indent="-228600" lvl="5" marL="2743200" algn="l">
+            <a:lvl6pPr marL="2743200" lvl="5" indent="-228600" algn="l">
               <a:lnSpc>
                 <a:spcPct val="90000"/>
               </a:lnSpc>
@@ -4695,7 +4797,7 @@
                 </a:solidFill>
               </a:defRPr>
             </a:lvl6pPr>
-            <a:lvl7pPr indent="-228600" lvl="6" marL="3200400" algn="l">
+            <a:lvl7pPr marL="3200400" lvl="6" indent="-228600" algn="l">
               <a:lnSpc>
                 <a:spcPct val="90000"/>
               </a:lnSpc>
@@ -4716,7 +4818,7 @@
                 </a:solidFill>
               </a:defRPr>
             </a:lvl7pPr>
-            <a:lvl8pPr indent="-228600" lvl="7" marL="3657600" algn="l">
+            <a:lvl8pPr marL="3657600" lvl="7" indent="-228600" algn="l">
               <a:lnSpc>
                 <a:spcPct val="90000"/>
               </a:lnSpc>
@@ -4737,7 +4839,7 @@
                 </a:solidFill>
               </a:defRPr>
             </a:lvl8pPr>
-            <a:lvl9pPr indent="-228600" lvl="8" marL="4114800" algn="l">
+            <a:lvl9pPr marL="4114800" lvl="8" indent="-228600" algn="l">
               <a:lnSpc>
                 <a:spcPct val="90000"/>
               </a:lnSpc>
@@ -4759,15 +4861,19 @@
               </a:defRPr>
             </a:lvl9pPr>
           </a:lstStyle>
-          <a:p/>
+          <a:p>
+            <a:endParaRPr/>
+          </a:p>
         </p:txBody>
       </p:sp>
       <p:sp>
         <p:nvSpPr>
           <p:cNvPr id="30" name="Google Shape;30;p5"/>
-          <p:cNvSpPr txBox="1"/>
+          <p:cNvSpPr txBox="1">
+            <a:spLocks noGrp="1"/>
+          </p:cNvSpPr>
           <p:nvPr>
-            <p:ph idx="10" type="dt"/>
+            <p:ph type="dt" idx="10"/>
           </p:nvPr>
         </p:nvSpPr>
         <p:spPr>
@@ -4784,7 +4890,7 @@
           </a:ln>
         </p:spPr>
         <p:txBody>
-          <a:bodyPr anchorCtr="0" anchor="ctr" bIns="45700" lIns="91425" spcFirstLastPara="1" rIns="91425" wrap="square" tIns="45700">
+          <a:bodyPr spcFirstLastPara="1" wrap="square" lIns="91425" tIns="45700" rIns="91425" bIns="45700" anchor="ctr" anchorCtr="0">
             <a:noAutofit/>
           </a:bodyPr>
           <a:lstStyle>
@@ -4888,15 +4994,19 @@
               <a:defRPr/>
             </a:lvl9pPr>
           </a:lstStyle>
-          <a:p/>
+          <a:p>
+            <a:endParaRPr/>
+          </a:p>
         </p:txBody>
       </p:sp>
       <p:sp>
         <p:nvSpPr>
           <p:cNvPr id="31" name="Google Shape;31;p5"/>
-          <p:cNvSpPr txBox="1"/>
+          <p:cNvSpPr txBox="1">
+            <a:spLocks noGrp="1"/>
+          </p:cNvSpPr>
           <p:nvPr>
-            <p:ph idx="11" type="ftr"/>
+            <p:ph type="ftr" idx="11"/>
           </p:nvPr>
         </p:nvSpPr>
         <p:spPr>
@@ -4913,7 +5023,7 @@
           </a:ln>
         </p:spPr>
         <p:txBody>
-          <a:bodyPr anchorCtr="0" anchor="ctr" bIns="45700" lIns="91425" spcFirstLastPara="1" rIns="91425" wrap="square" tIns="45700">
+          <a:bodyPr spcFirstLastPara="1" wrap="square" lIns="91425" tIns="45700" rIns="91425" bIns="45700" anchor="ctr" anchorCtr="0">
             <a:noAutofit/>
           </a:bodyPr>
           <a:lstStyle>
@@ -5017,15 +5127,19 @@
               <a:defRPr/>
             </a:lvl9pPr>
           </a:lstStyle>
-          <a:p/>
+          <a:p>
+            <a:endParaRPr/>
+          </a:p>
         </p:txBody>
       </p:sp>
       <p:sp>
         <p:nvSpPr>
           <p:cNvPr id="32" name="Google Shape;32;p5"/>
-          <p:cNvSpPr txBox="1"/>
+          <p:cNvSpPr txBox="1">
+            <a:spLocks noGrp="1"/>
+          </p:cNvSpPr>
           <p:nvPr>
-            <p:ph idx="12" type="sldNum"/>
+            <p:ph type="sldNum" idx="12"/>
           </p:nvPr>
         </p:nvSpPr>
         <p:spPr>
@@ -5042,67 +5156,67 @@
           </a:ln>
         </p:spPr>
         <p:txBody>
-          <a:bodyPr anchorCtr="0" anchor="ctr" bIns="45700" lIns="91425" spcFirstLastPara="1" rIns="91425" wrap="square" tIns="45700">
+          <a:bodyPr spcFirstLastPara="1" wrap="square" lIns="91425" tIns="45700" rIns="91425" bIns="45700" anchor="ctr" anchorCtr="0">
             <a:noAutofit/>
           </a:bodyPr>
           <a:lstStyle>
-            <a:lvl1pPr indent="0" lvl="0" marL="0" algn="r">
+            <a:lvl1pPr marL="0" lvl="0" indent="0" algn="r">
               <a:spcBef>
                 <a:spcPts val="0"/>
               </a:spcBef>
               <a:buNone/>
               <a:defRPr/>
             </a:lvl1pPr>
-            <a:lvl2pPr indent="0" lvl="1" marL="0" algn="r">
+            <a:lvl2pPr marL="0" lvl="1" indent="0" algn="r">
               <a:spcBef>
                 <a:spcPts val="0"/>
               </a:spcBef>
               <a:buNone/>
               <a:defRPr/>
             </a:lvl2pPr>
-            <a:lvl3pPr indent="0" lvl="2" marL="0" algn="r">
+            <a:lvl3pPr marL="0" lvl="2" indent="0" algn="r">
               <a:spcBef>
                 <a:spcPts val="0"/>
               </a:spcBef>
               <a:buNone/>
               <a:defRPr/>
             </a:lvl3pPr>
-            <a:lvl4pPr indent="0" lvl="3" marL="0" algn="r">
+            <a:lvl4pPr marL="0" lvl="3" indent="0" algn="r">
               <a:spcBef>
                 <a:spcPts val="0"/>
               </a:spcBef>
               <a:buNone/>
               <a:defRPr/>
             </a:lvl4pPr>
-            <a:lvl5pPr indent="0" lvl="4" marL="0" algn="r">
+            <a:lvl5pPr marL="0" lvl="4" indent="0" algn="r">
               <a:spcBef>
                 <a:spcPts val="0"/>
               </a:spcBef>
               <a:buNone/>
               <a:defRPr/>
             </a:lvl5pPr>
-            <a:lvl6pPr indent="0" lvl="5" marL="0" algn="r">
+            <a:lvl6pPr marL="0" lvl="5" indent="0" algn="r">
               <a:spcBef>
                 <a:spcPts val="0"/>
               </a:spcBef>
               <a:buNone/>
               <a:defRPr/>
             </a:lvl6pPr>
-            <a:lvl7pPr indent="0" lvl="6" marL="0" algn="r">
+            <a:lvl7pPr marL="0" lvl="6" indent="0" algn="r">
               <a:spcBef>
                 <a:spcPts val="0"/>
               </a:spcBef>
               <a:buNone/>
               <a:defRPr/>
             </a:lvl7pPr>
-            <a:lvl8pPr indent="0" lvl="7" marL="0" algn="r">
+            <a:lvl8pPr marL="0" lvl="7" indent="0" algn="r">
               <a:spcBef>
                 <a:spcPts val="0"/>
               </a:spcBef>
               <a:buNone/>
               <a:defRPr/>
             </a:lvl8pPr>
-            <a:lvl9pPr indent="0" lvl="8" marL="0" algn="r">
+            <a:lvl9pPr marL="0" lvl="8" indent="0" algn="r">
               <a:spcBef>
                 <a:spcPts val="0"/>
               </a:spcBef>
@@ -5111,7 +5225,7 @@
             </a:lvl9pPr>
           </a:lstStyle>
           <a:p>
-            <a:pPr indent="0" lvl="0" marL="0" rtl="0" algn="r">
+            <a:pPr marL="0" lvl="0" indent="0" algn="r" rtl="0">
               <a:spcBef>
                 <a:spcPts val="0"/>
               </a:spcBef>
@@ -5140,9 +5254,13 @@
             <a:ext cx="1135066" cy="477997"/>
           </a:xfrm>
           <a:custGeom>
-            <a:rect b="b" l="l" r="r" t="t"/>
+            <a:avLst/>
+            <a:gdLst/>
+            <a:ahLst/>
+            <a:cxnLst/>
+            <a:rect l="l" t="t" r="r" b="b"/>
             <a:pathLst>
-              <a:path extrusionOk="0" h="477997" w="1135066">
+              <a:path w="1135066" h="477997" extrusionOk="0">
                 <a:moveTo>
                   <a:pt x="0" y="0"/>
                 </a:moveTo>
@@ -5174,12 +5292,12 @@
           </a:ln>
         </p:spPr>
         <p:txBody>
-          <a:bodyPr anchorCtr="0" anchor="ctr" bIns="45700" lIns="91425" spcFirstLastPara="1" rIns="91425" wrap="square" tIns="45700">
+          <a:bodyPr spcFirstLastPara="1" wrap="square" lIns="91425" tIns="45700" rIns="91425" bIns="45700" anchor="ctr" anchorCtr="0">
             <a:noAutofit/>
           </a:bodyPr>
           <a:lstStyle/>
           <a:p>
-            <a:pPr indent="0" lvl="0" marL="0" marR="0" rtl="0" algn="ctr">
+            <a:pPr marL="0" marR="0" lvl="0" indent="0" algn="ctr" rtl="0">
               <a:lnSpc>
                 <a:spcPct val="100000"/>
               </a:lnSpc>
@@ -5196,10 +5314,7 @@
               <a:buFont typeface="Avenir"/>
               <a:buNone/>
             </a:pPr>
-            <a:r>
-              <a:t/>
-            </a:r>
-            <a:endParaRPr b="0" i="0" sz="1800" u="none" cap="none" strike="noStrike">
+            <a:endParaRPr sz="1800" b="0" i="0" u="none" strike="noStrike" cap="none">
               <a:solidFill>
                 <a:srgbClr val="FFFFFF"/>
               </a:solidFill>
@@ -5224,28 +5339,28 @@
           </a:xfrm>
           <a:prstGeom prst="arc">
             <a:avLst>
-              <a:gd fmla="val 16200000" name="adj1"/>
-              <a:gd fmla="val 0" name="adj2"/>
+              <a:gd name="adj1" fmla="val 16200000"/>
+              <a:gd name="adj2" fmla="val 0"/>
             </a:avLst>
           </a:prstGeom>
           <a:noFill/>
-          <a:ln cap="rnd" cmpd="sng" w="127000">
+          <a:ln w="127000" cap="rnd" cmpd="sng">
             <a:solidFill>
               <a:schemeClr val="accent4"/>
             </a:solidFill>
             <a:prstDash val="dash"/>
             <a:miter lim="800000"/>
-            <a:headEnd len="sm" w="sm" type="none"/>
-            <a:tailEnd len="sm" w="sm" type="none"/>
+            <a:headEnd type="none" w="sm" len="sm"/>
+            <a:tailEnd type="none" w="sm" len="sm"/>
           </a:ln>
         </p:spPr>
         <p:txBody>
-          <a:bodyPr anchorCtr="0" anchor="ctr" bIns="45700" lIns="91425" spcFirstLastPara="1" rIns="91425" wrap="square" tIns="45700">
+          <a:bodyPr spcFirstLastPara="1" wrap="square" lIns="91425" tIns="45700" rIns="91425" bIns="45700" anchor="ctr" anchorCtr="0">
             <a:noAutofit/>
           </a:bodyPr>
           <a:lstStyle/>
           <a:p>
-            <a:pPr indent="0" lvl="0" marL="0" marR="0" rtl="0" algn="ctr">
+            <a:pPr marL="0" marR="0" lvl="0" indent="0" algn="ctr" rtl="0">
               <a:lnSpc>
                 <a:spcPct val="100000"/>
               </a:lnSpc>
@@ -5262,10 +5377,7 @@
               <a:buFont typeface="Avenir"/>
               <a:buNone/>
             </a:pPr>
-            <a:r>
-              <a:t/>
-            </a:r>
-            <a:endParaRPr b="0" i="0" sz="1800" u="none" cap="none" strike="noStrike">
+            <a:endParaRPr sz="1800" b="0" i="0" u="none" strike="noStrike" cap="none">
               <a:solidFill>
                 <a:srgbClr val="000000"/>
               </a:solidFill>
@@ -5286,11 +5398,11 @@
 </file>
 
 <file path=ppt/slideLayouts/slideLayout4.xml><?xml version="1.0" encoding="utf-8"?>
-<p:sldLayout xmlns:a="http://schemas.openxmlformats.org/drawingml/2006/main" xmlns:r="http://schemas.openxmlformats.org/officeDocument/2006/relationships" xmlns:mc="http://schemas.openxmlformats.org/markup-compatibility/2006" xmlns:mv="urn:schemas-microsoft-com:mac:vml" xmlns:p="http://schemas.openxmlformats.org/presentationml/2006/main" xmlns:c="http://schemas.openxmlformats.org/drawingml/2006/chart" xmlns:dgm="http://schemas.openxmlformats.org/drawingml/2006/diagram" xmlns:o="urn:schemas-microsoft-com:office:office" xmlns:v="urn:schemas-microsoft-com:vml" xmlns:pvml="urn:schemas-microsoft-com:office:powerpoint" xmlns:com="http://schemas.openxmlformats.org/drawingml/2006/compatibility" xmlns:p14="http://schemas.microsoft.com/office/powerpoint/2010/main" xmlns:p15="http://schemas.microsoft.com/office/powerpoint/2012/main" xmlns:ahyp="http://schemas.microsoft.com/office/drawing/2018/hyperlinkcolor" matchingName="Two Content" type="twoObj">
+<p:sldLayout xmlns:a="http://schemas.openxmlformats.org/drawingml/2006/main" xmlns:r="http://schemas.openxmlformats.org/officeDocument/2006/relationships" xmlns:p="http://schemas.openxmlformats.org/presentationml/2006/main" matchingName="Two Content" type="twoObj">
   <p:cSld name="TWO_OBJECTS">
     <p:spTree>
       <p:nvGrpSpPr>
-        <p:cNvPr id="35" name="Shape 35"/>
+        <p:cNvPr id="1" name="Shape 35"/>
         <p:cNvGrpSpPr/>
         <p:nvPr/>
       </p:nvGrpSpPr>
@@ -5305,7 +5417,9 @@
       <p:sp>
         <p:nvSpPr>
           <p:cNvPr id="36" name="Google Shape;36;p6"/>
-          <p:cNvSpPr txBox="1"/>
+          <p:cNvSpPr txBox="1">
+            <a:spLocks noGrp="1"/>
+          </p:cNvSpPr>
           <p:nvPr>
             <p:ph type="title"/>
           </p:nvPr>
@@ -5324,7 +5438,7 @@
           </a:ln>
         </p:spPr>
         <p:txBody>
-          <a:bodyPr anchorCtr="0" anchor="ctr" bIns="45700" lIns="91425" spcFirstLastPara="1" rIns="91425" wrap="square" tIns="45700">
+          <a:bodyPr spcFirstLastPara="1" wrap="square" lIns="91425" tIns="45700" rIns="91425" bIns="45700" anchor="ctr" anchorCtr="0">
             <a:normAutofit/>
           </a:bodyPr>
           <a:lstStyle>
@@ -5434,15 +5548,19 @@
               <a:defRPr/>
             </a:lvl9pPr>
           </a:lstStyle>
-          <a:p/>
+          <a:p>
+            <a:endParaRPr/>
+          </a:p>
         </p:txBody>
       </p:sp>
       <p:sp>
         <p:nvSpPr>
           <p:cNvPr id="37" name="Google Shape;37;p6"/>
-          <p:cNvSpPr txBox="1"/>
+          <p:cNvSpPr txBox="1">
+            <a:spLocks noGrp="1"/>
+          </p:cNvSpPr>
           <p:nvPr>
-            <p:ph idx="1" type="body"/>
+            <p:ph type="body" idx="1"/>
           </p:nvPr>
         </p:nvSpPr>
         <p:spPr>
@@ -5459,11 +5577,11 @@
           </a:ln>
         </p:spPr>
         <p:txBody>
-          <a:bodyPr anchorCtr="0" anchor="t" bIns="45700" lIns="91425" spcFirstLastPara="1" rIns="91425" wrap="square" tIns="45700">
+          <a:bodyPr spcFirstLastPara="1" wrap="square" lIns="91425" tIns="45700" rIns="91425" bIns="45700" anchor="t" anchorCtr="0">
             <a:normAutofit/>
           </a:bodyPr>
           <a:lstStyle>
-            <a:lvl1pPr indent="-342900" lvl="0" marL="457200" algn="l">
+            <a:lvl1pPr marL="457200" lvl="0" indent="-342900" algn="l">
               <a:lnSpc>
                 <a:spcPct val="90000"/>
               </a:lnSpc>
@@ -5480,7 +5598,7 @@
               <a:buChar char="•"/>
               <a:defRPr/>
             </a:lvl1pPr>
-            <a:lvl2pPr indent="-342900" lvl="1" marL="914400" algn="l">
+            <a:lvl2pPr marL="914400" lvl="1" indent="-342900" algn="l">
               <a:lnSpc>
                 <a:spcPct val="90000"/>
               </a:lnSpc>
@@ -5497,7 +5615,7 @@
               <a:buChar char="•"/>
               <a:defRPr/>
             </a:lvl2pPr>
-            <a:lvl3pPr indent="-342900" lvl="2" marL="1371600" algn="l">
+            <a:lvl3pPr marL="1371600" lvl="2" indent="-342900" algn="l">
               <a:lnSpc>
                 <a:spcPct val="90000"/>
               </a:lnSpc>
@@ -5514,7 +5632,7 @@
               <a:buChar char="•"/>
               <a:defRPr/>
             </a:lvl3pPr>
-            <a:lvl4pPr indent="-342900" lvl="3" marL="1828800" algn="l">
+            <a:lvl4pPr marL="1828800" lvl="3" indent="-342900" algn="l">
               <a:lnSpc>
                 <a:spcPct val="90000"/>
               </a:lnSpc>
@@ -5531,7 +5649,7 @@
               <a:buChar char="•"/>
               <a:defRPr/>
             </a:lvl4pPr>
-            <a:lvl5pPr indent="-342900" lvl="4" marL="2286000" algn="l">
+            <a:lvl5pPr marL="2286000" lvl="4" indent="-342900" algn="l">
               <a:lnSpc>
                 <a:spcPct val="90000"/>
               </a:lnSpc>
@@ -5548,7 +5666,7 @@
               <a:buChar char="•"/>
               <a:defRPr/>
             </a:lvl5pPr>
-            <a:lvl6pPr indent="-342900" lvl="5" marL="2743200" algn="l">
+            <a:lvl6pPr marL="2743200" lvl="5" indent="-342900" algn="l">
               <a:lnSpc>
                 <a:spcPct val="90000"/>
               </a:lnSpc>
@@ -5565,7 +5683,7 @@
               <a:buChar char="•"/>
               <a:defRPr/>
             </a:lvl6pPr>
-            <a:lvl7pPr indent="-342900" lvl="6" marL="3200400" algn="l">
+            <a:lvl7pPr marL="3200400" lvl="6" indent="-342900" algn="l">
               <a:lnSpc>
                 <a:spcPct val="90000"/>
               </a:lnSpc>
@@ -5582,7 +5700,7 @@
               <a:buChar char="•"/>
               <a:defRPr/>
             </a:lvl7pPr>
-            <a:lvl8pPr indent="-342900" lvl="7" marL="3657600" algn="l">
+            <a:lvl8pPr marL="3657600" lvl="7" indent="-342900" algn="l">
               <a:lnSpc>
                 <a:spcPct val="90000"/>
               </a:lnSpc>
@@ -5599,7 +5717,7 @@
               <a:buChar char="•"/>
               <a:defRPr/>
             </a:lvl8pPr>
-            <a:lvl9pPr indent="-342900" lvl="8" marL="4114800" algn="l">
+            <a:lvl9pPr marL="4114800" lvl="8" indent="-342900" algn="l">
               <a:lnSpc>
                 <a:spcPct val="90000"/>
               </a:lnSpc>
@@ -5617,15 +5735,19 @@
               <a:defRPr/>
             </a:lvl9pPr>
           </a:lstStyle>
-          <a:p/>
+          <a:p>
+            <a:endParaRPr/>
+          </a:p>
         </p:txBody>
       </p:sp>
       <p:sp>
         <p:nvSpPr>
           <p:cNvPr id="38" name="Google Shape;38;p6"/>
-          <p:cNvSpPr txBox="1"/>
+          <p:cNvSpPr txBox="1">
+            <a:spLocks noGrp="1"/>
+          </p:cNvSpPr>
           <p:nvPr>
-            <p:ph idx="2" type="body"/>
+            <p:ph type="body" idx="2"/>
           </p:nvPr>
         </p:nvSpPr>
         <p:spPr>
@@ -5642,11 +5764,11 @@
           </a:ln>
         </p:spPr>
         <p:txBody>
-          <a:bodyPr anchorCtr="0" anchor="t" bIns="45700" lIns="91425" spcFirstLastPara="1" rIns="91425" wrap="square" tIns="45700">
+          <a:bodyPr spcFirstLastPara="1" wrap="square" lIns="91425" tIns="45700" rIns="91425" bIns="45700" anchor="t" anchorCtr="0">
             <a:normAutofit/>
           </a:bodyPr>
           <a:lstStyle>
-            <a:lvl1pPr indent="-342900" lvl="0" marL="457200" algn="l">
+            <a:lvl1pPr marL="457200" lvl="0" indent="-342900" algn="l">
               <a:lnSpc>
                 <a:spcPct val="90000"/>
               </a:lnSpc>
@@ -5663,7 +5785,7 @@
               <a:buChar char="•"/>
               <a:defRPr/>
             </a:lvl1pPr>
-            <a:lvl2pPr indent="-342900" lvl="1" marL="914400" algn="l">
+            <a:lvl2pPr marL="914400" lvl="1" indent="-342900" algn="l">
               <a:lnSpc>
                 <a:spcPct val="90000"/>
               </a:lnSpc>
@@ -5680,7 +5802,7 @@
               <a:buChar char="•"/>
               <a:defRPr/>
             </a:lvl2pPr>
-            <a:lvl3pPr indent="-342900" lvl="2" marL="1371600" algn="l">
+            <a:lvl3pPr marL="1371600" lvl="2" indent="-342900" algn="l">
               <a:lnSpc>
                 <a:spcPct val="90000"/>
               </a:lnSpc>
@@ -5697,7 +5819,7 @@
               <a:buChar char="•"/>
               <a:defRPr/>
             </a:lvl3pPr>
-            <a:lvl4pPr indent="-342900" lvl="3" marL="1828800" algn="l">
+            <a:lvl4pPr marL="1828800" lvl="3" indent="-342900" algn="l">
               <a:lnSpc>
                 <a:spcPct val="90000"/>
               </a:lnSpc>
@@ -5714,7 +5836,7 @@
               <a:buChar char="•"/>
               <a:defRPr/>
             </a:lvl4pPr>
-            <a:lvl5pPr indent="-342900" lvl="4" marL="2286000" algn="l">
+            <a:lvl5pPr marL="2286000" lvl="4" indent="-342900" algn="l">
               <a:lnSpc>
                 <a:spcPct val="90000"/>
               </a:lnSpc>
@@ -5731,7 +5853,7 @@
               <a:buChar char="•"/>
               <a:defRPr/>
             </a:lvl5pPr>
-            <a:lvl6pPr indent="-342900" lvl="5" marL="2743200" algn="l">
+            <a:lvl6pPr marL="2743200" lvl="5" indent="-342900" algn="l">
               <a:lnSpc>
                 <a:spcPct val="90000"/>
               </a:lnSpc>
@@ -5748,7 +5870,7 @@
               <a:buChar char="•"/>
               <a:defRPr/>
             </a:lvl6pPr>
-            <a:lvl7pPr indent="-342900" lvl="6" marL="3200400" algn="l">
+            <a:lvl7pPr marL="3200400" lvl="6" indent="-342900" algn="l">
               <a:lnSpc>
                 <a:spcPct val="90000"/>
               </a:lnSpc>
@@ -5765,7 +5887,7 @@
               <a:buChar char="•"/>
               <a:defRPr/>
             </a:lvl7pPr>
-            <a:lvl8pPr indent="-342900" lvl="7" marL="3657600" algn="l">
+            <a:lvl8pPr marL="3657600" lvl="7" indent="-342900" algn="l">
               <a:lnSpc>
                 <a:spcPct val="90000"/>
               </a:lnSpc>
@@ -5782,7 +5904,7 @@
               <a:buChar char="•"/>
               <a:defRPr/>
             </a:lvl8pPr>
-            <a:lvl9pPr indent="-342900" lvl="8" marL="4114800" algn="l">
+            <a:lvl9pPr marL="4114800" lvl="8" indent="-342900" algn="l">
               <a:lnSpc>
                 <a:spcPct val="90000"/>
               </a:lnSpc>
@@ -5800,15 +5922,19 @@
               <a:defRPr/>
             </a:lvl9pPr>
           </a:lstStyle>
-          <a:p/>
+          <a:p>
+            <a:endParaRPr/>
+          </a:p>
         </p:txBody>
       </p:sp>
       <p:sp>
         <p:nvSpPr>
           <p:cNvPr id="39" name="Google Shape;39;p6"/>
-          <p:cNvSpPr txBox="1"/>
+          <p:cNvSpPr txBox="1">
+            <a:spLocks noGrp="1"/>
+          </p:cNvSpPr>
           <p:nvPr>
-            <p:ph idx="10" type="dt"/>
+            <p:ph type="dt" idx="10"/>
           </p:nvPr>
         </p:nvSpPr>
         <p:spPr>
@@ -5825,7 +5951,7 @@
           </a:ln>
         </p:spPr>
         <p:txBody>
-          <a:bodyPr anchorCtr="0" anchor="ctr" bIns="45700" lIns="91425" spcFirstLastPara="1" rIns="91425" wrap="square" tIns="45700">
+          <a:bodyPr spcFirstLastPara="1" wrap="square" lIns="91425" tIns="45700" rIns="91425" bIns="45700" anchor="ctr" anchorCtr="0">
             <a:noAutofit/>
           </a:bodyPr>
           <a:lstStyle>
@@ -5929,15 +6055,19 @@
               <a:defRPr/>
             </a:lvl9pPr>
           </a:lstStyle>
-          <a:p/>
+          <a:p>
+            <a:endParaRPr/>
+          </a:p>
         </p:txBody>
       </p:sp>
       <p:sp>
         <p:nvSpPr>
           <p:cNvPr id="40" name="Google Shape;40;p6"/>
-          <p:cNvSpPr txBox="1"/>
+          <p:cNvSpPr txBox="1">
+            <a:spLocks noGrp="1"/>
+          </p:cNvSpPr>
           <p:nvPr>
-            <p:ph idx="11" type="ftr"/>
+            <p:ph type="ftr" idx="11"/>
           </p:nvPr>
         </p:nvSpPr>
         <p:spPr>
@@ -5954,7 +6084,7 @@
           </a:ln>
         </p:spPr>
         <p:txBody>
-          <a:bodyPr anchorCtr="0" anchor="ctr" bIns="45700" lIns="91425" spcFirstLastPara="1" rIns="91425" wrap="square" tIns="45700">
+          <a:bodyPr spcFirstLastPara="1" wrap="square" lIns="91425" tIns="45700" rIns="91425" bIns="45700" anchor="ctr" anchorCtr="0">
             <a:noAutofit/>
           </a:bodyPr>
           <a:lstStyle>
@@ -6058,15 +6188,19 @@
               <a:defRPr/>
             </a:lvl9pPr>
           </a:lstStyle>
-          <a:p/>
+          <a:p>
+            <a:endParaRPr/>
+          </a:p>
         </p:txBody>
       </p:sp>
       <p:sp>
         <p:nvSpPr>
           <p:cNvPr id="41" name="Google Shape;41;p6"/>
-          <p:cNvSpPr txBox="1"/>
+          <p:cNvSpPr txBox="1">
+            <a:spLocks noGrp="1"/>
+          </p:cNvSpPr>
           <p:nvPr>
-            <p:ph idx="12" type="sldNum"/>
+            <p:ph type="sldNum" idx="12"/>
           </p:nvPr>
         </p:nvSpPr>
         <p:spPr>
@@ -6083,67 +6217,67 @@
           </a:ln>
         </p:spPr>
         <p:txBody>
-          <a:bodyPr anchorCtr="0" anchor="ctr" bIns="45700" lIns="91425" spcFirstLastPara="1" rIns="91425" wrap="square" tIns="45700">
+          <a:bodyPr spcFirstLastPara="1" wrap="square" lIns="91425" tIns="45700" rIns="91425" bIns="45700" anchor="ctr" anchorCtr="0">
             <a:noAutofit/>
           </a:bodyPr>
           <a:lstStyle>
-            <a:lvl1pPr indent="0" lvl="0" marL="0" algn="r">
+            <a:lvl1pPr marL="0" lvl="0" indent="0" algn="r">
               <a:spcBef>
                 <a:spcPts val="0"/>
               </a:spcBef>
               <a:buNone/>
               <a:defRPr/>
             </a:lvl1pPr>
-            <a:lvl2pPr indent="0" lvl="1" marL="0" algn="r">
+            <a:lvl2pPr marL="0" lvl="1" indent="0" algn="r">
               <a:spcBef>
                 <a:spcPts val="0"/>
               </a:spcBef>
               <a:buNone/>
               <a:defRPr/>
             </a:lvl2pPr>
-            <a:lvl3pPr indent="0" lvl="2" marL="0" algn="r">
+            <a:lvl3pPr marL="0" lvl="2" indent="0" algn="r">
               <a:spcBef>
                 <a:spcPts val="0"/>
               </a:spcBef>
               <a:buNone/>
               <a:defRPr/>
             </a:lvl3pPr>
-            <a:lvl4pPr indent="0" lvl="3" marL="0" algn="r">
+            <a:lvl4pPr marL="0" lvl="3" indent="0" algn="r">
               <a:spcBef>
                 <a:spcPts val="0"/>
               </a:spcBef>
               <a:buNone/>
               <a:defRPr/>
             </a:lvl4pPr>
-            <a:lvl5pPr indent="0" lvl="4" marL="0" algn="r">
+            <a:lvl5pPr marL="0" lvl="4" indent="0" algn="r">
               <a:spcBef>
                 <a:spcPts val="0"/>
               </a:spcBef>
               <a:buNone/>
               <a:defRPr/>
             </a:lvl5pPr>
-            <a:lvl6pPr indent="0" lvl="5" marL="0" algn="r">
+            <a:lvl6pPr marL="0" lvl="5" indent="0" algn="r">
               <a:spcBef>
                 <a:spcPts val="0"/>
               </a:spcBef>
               <a:buNone/>
               <a:defRPr/>
             </a:lvl6pPr>
-            <a:lvl7pPr indent="0" lvl="6" marL="0" algn="r">
+            <a:lvl7pPr marL="0" lvl="6" indent="0" algn="r">
               <a:spcBef>
                 <a:spcPts val="0"/>
               </a:spcBef>
               <a:buNone/>
               <a:defRPr/>
             </a:lvl7pPr>
-            <a:lvl8pPr indent="0" lvl="7" marL="0" algn="r">
+            <a:lvl8pPr marL="0" lvl="7" indent="0" algn="r">
               <a:spcBef>
                 <a:spcPts val="0"/>
               </a:spcBef>
               <a:buNone/>
               <a:defRPr/>
             </a:lvl8pPr>
-            <a:lvl9pPr indent="0" lvl="8" marL="0" algn="r">
+            <a:lvl9pPr marL="0" lvl="8" indent="0" algn="r">
               <a:spcBef>
                 <a:spcPts val="0"/>
               </a:spcBef>
@@ -6152,7 +6286,7 @@
             </a:lvl9pPr>
           </a:lstStyle>
           <a:p>
-            <a:pPr indent="0" lvl="0" marL="0" rtl="0" algn="r">
+            <a:pPr marL="0" lvl="0" indent="0" algn="r" rtl="0">
               <a:spcBef>
                 <a:spcPts val="0"/>
               </a:spcBef>
@@ -6181,9 +6315,13 @@
             <a:ext cx="1737401" cy="959536"/>
           </a:xfrm>
           <a:custGeom>
-            <a:rect b="b" l="l" r="r" t="t"/>
+            <a:avLst/>
+            <a:gdLst/>
+            <a:ahLst/>
+            <a:cxnLst/>
+            <a:rect l="l" t="t" r="r" b="b"/>
             <a:pathLst>
-              <a:path extrusionOk="0" h="959536" w="1737401">
+              <a:path w="1737401" h="959536" extrusionOk="0">
                 <a:moveTo>
                   <a:pt x="0" y="0"/>
                 </a:moveTo>
@@ -6224,12 +6362,12 @@
           </a:ln>
         </p:spPr>
         <p:txBody>
-          <a:bodyPr anchorCtr="0" anchor="ctr" bIns="45700" lIns="91425" spcFirstLastPara="1" rIns="91425" wrap="square" tIns="45700">
+          <a:bodyPr spcFirstLastPara="1" wrap="square" lIns="91425" tIns="45700" rIns="91425" bIns="45700" anchor="ctr" anchorCtr="0">
             <a:noAutofit/>
           </a:bodyPr>
           <a:lstStyle/>
           <a:p>
-            <a:pPr indent="0" lvl="0" marL="0" marR="0" rtl="0" algn="l">
+            <a:pPr marL="0" marR="0" lvl="0" indent="0" algn="l" rtl="0">
               <a:lnSpc>
                 <a:spcPct val="100000"/>
               </a:lnSpc>
@@ -6246,10 +6384,7 @@
               <a:buFont typeface="Avenir"/>
               <a:buNone/>
             </a:pPr>
-            <a:r>
-              <a:t/>
-            </a:r>
-            <a:endParaRPr b="0" i="0" sz="1800" u="none" cap="none" strike="noStrike">
+            <a:endParaRPr sz="1800" b="0" i="0" u="none" strike="noStrike" cap="none">
               <a:solidFill>
                 <a:srgbClr val="000000"/>
               </a:solidFill>
@@ -6273,9 +6408,13 @@
             <a:ext cx="849328" cy="357668"/>
           </a:xfrm>
           <a:custGeom>
-            <a:rect b="b" l="l" r="r" t="t"/>
+            <a:avLst/>
+            <a:gdLst/>
+            <a:ahLst/>
+            <a:cxnLst/>
+            <a:rect l="l" t="t" r="r" b="b"/>
             <a:pathLst>
-              <a:path extrusionOk="0" h="477997" w="1135066">
+              <a:path w="1135066" h="477997" extrusionOk="0">
                 <a:moveTo>
                   <a:pt x="0" y="0"/>
                 </a:moveTo>
@@ -6307,12 +6446,12 @@
           </a:ln>
         </p:spPr>
         <p:txBody>
-          <a:bodyPr anchorCtr="0" anchor="ctr" bIns="45700" lIns="91425" spcFirstLastPara="1" rIns="91425" wrap="square" tIns="45700">
+          <a:bodyPr spcFirstLastPara="1" wrap="square" lIns="91425" tIns="45700" rIns="91425" bIns="45700" anchor="ctr" anchorCtr="0">
             <a:noAutofit/>
           </a:bodyPr>
           <a:lstStyle/>
           <a:p>
-            <a:pPr indent="0" lvl="0" marL="0" marR="0" rtl="0" algn="ctr">
+            <a:pPr marL="0" marR="0" lvl="0" indent="0" algn="ctr" rtl="0">
               <a:lnSpc>
                 <a:spcPct val="100000"/>
               </a:lnSpc>
@@ -6329,10 +6468,7 @@
               <a:buFont typeface="Avenir"/>
               <a:buNone/>
             </a:pPr>
-            <a:r>
-              <a:t/>
-            </a:r>
-            <a:endParaRPr b="0" i="0" sz="1800" u="none" cap="none" strike="noStrike">
+            <a:endParaRPr sz="1800" b="0" i="0" u="none" strike="noStrike" cap="none">
               <a:solidFill>
                 <a:srgbClr val="FFFFFF"/>
               </a:solidFill>
@@ -6353,11 +6489,11 @@
 </file>
 
 <file path=ppt/slideLayouts/slideLayout5.xml><?xml version="1.0" encoding="utf-8"?>
-<p:sldLayout xmlns:a="http://schemas.openxmlformats.org/drawingml/2006/main" xmlns:r="http://schemas.openxmlformats.org/officeDocument/2006/relationships" xmlns:mc="http://schemas.openxmlformats.org/markup-compatibility/2006" xmlns:mv="urn:schemas-microsoft-com:mac:vml" xmlns:p="http://schemas.openxmlformats.org/presentationml/2006/main" xmlns:c="http://schemas.openxmlformats.org/drawingml/2006/chart" xmlns:dgm="http://schemas.openxmlformats.org/drawingml/2006/diagram" xmlns:o="urn:schemas-microsoft-com:office:office" xmlns:v="urn:schemas-microsoft-com:vml" xmlns:pvml="urn:schemas-microsoft-com:office:powerpoint" xmlns:com="http://schemas.openxmlformats.org/drawingml/2006/compatibility" xmlns:p14="http://schemas.microsoft.com/office/powerpoint/2010/main" xmlns:p15="http://schemas.microsoft.com/office/powerpoint/2012/main" xmlns:ahyp="http://schemas.microsoft.com/office/drawing/2018/hyperlinkcolor" matchingName="Comparison" type="twoTxTwoObj">
+<p:sldLayout xmlns:a="http://schemas.openxmlformats.org/drawingml/2006/main" xmlns:r="http://schemas.openxmlformats.org/officeDocument/2006/relationships" xmlns:p="http://schemas.openxmlformats.org/presentationml/2006/main" matchingName="Comparison" type="twoTxTwoObj">
   <p:cSld name="TWO_OBJECTS_WITH_TEXT">
     <p:spTree>
       <p:nvGrpSpPr>
-        <p:cNvPr id="44" name="Shape 44"/>
+        <p:cNvPr id="1" name="Shape 44"/>
         <p:cNvGrpSpPr/>
         <p:nvPr/>
       </p:nvGrpSpPr>
@@ -6372,7 +6508,9 @@
       <p:sp>
         <p:nvSpPr>
           <p:cNvPr id="45" name="Google Shape;45;p7"/>
-          <p:cNvSpPr txBox="1"/>
+          <p:cNvSpPr txBox="1">
+            <a:spLocks noGrp="1"/>
+          </p:cNvSpPr>
           <p:nvPr>
             <p:ph type="title"/>
           </p:nvPr>
@@ -6391,7 +6529,7 @@
           </a:ln>
         </p:spPr>
         <p:txBody>
-          <a:bodyPr anchorCtr="0" anchor="ctr" bIns="45700" lIns="91425" spcFirstLastPara="1" rIns="91425" wrap="square" tIns="45700">
+          <a:bodyPr spcFirstLastPara="1" wrap="square" lIns="91425" tIns="45700" rIns="91425" bIns="45700" anchor="ctr" anchorCtr="0">
             <a:normAutofit/>
           </a:bodyPr>
           <a:lstStyle>
@@ -6501,15 +6639,19 @@
               <a:defRPr/>
             </a:lvl9pPr>
           </a:lstStyle>
-          <a:p/>
+          <a:p>
+            <a:endParaRPr/>
+          </a:p>
         </p:txBody>
       </p:sp>
       <p:sp>
         <p:nvSpPr>
           <p:cNvPr id="46" name="Google Shape;46;p7"/>
-          <p:cNvSpPr txBox="1"/>
+          <p:cNvSpPr txBox="1">
+            <a:spLocks noGrp="1"/>
+          </p:cNvSpPr>
           <p:nvPr>
-            <p:ph idx="1" type="body"/>
+            <p:ph type="body" idx="1"/>
           </p:nvPr>
         </p:nvSpPr>
         <p:spPr>
@@ -6526,11 +6668,11 @@
           </a:ln>
         </p:spPr>
         <p:txBody>
-          <a:bodyPr anchorCtr="0" anchor="b" bIns="45700" lIns="91425" spcFirstLastPara="1" rIns="91425" wrap="square" tIns="45700">
+          <a:bodyPr spcFirstLastPara="1" wrap="square" lIns="91425" tIns="45700" rIns="91425" bIns="45700" anchor="b" anchorCtr="0">
             <a:normAutofit/>
           </a:bodyPr>
           <a:lstStyle>
-            <a:lvl1pPr indent="-228600" lvl="0" marL="457200" algn="l">
+            <a:lvl1pPr marL="457200" lvl="0" indent="-228600" algn="l">
               <a:lnSpc>
                 <a:spcPct val="90000"/>
               </a:lnSpc>
@@ -6545,9 +6687,9 @@
               </a:buClr>
               <a:buSzPts val="2400"/>
               <a:buNone/>
-              <a:defRPr b="1" sz="2400"/>
+              <a:defRPr sz="2400" b="1"/>
             </a:lvl1pPr>
-            <a:lvl2pPr indent="-228600" lvl="1" marL="914400" algn="l">
+            <a:lvl2pPr marL="914400" lvl="1" indent="-228600" algn="l">
               <a:lnSpc>
                 <a:spcPct val="90000"/>
               </a:lnSpc>
@@ -6562,9 +6704,9 @@
               </a:buClr>
               <a:buSzPts val="2000"/>
               <a:buNone/>
-              <a:defRPr b="1" sz="2000"/>
+              <a:defRPr sz="2000" b="1"/>
             </a:lvl2pPr>
-            <a:lvl3pPr indent="-228600" lvl="2" marL="1371600" algn="l">
+            <a:lvl3pPr marL="1371600" lvl="2" indent="-228600" algn="l">
               <a:lnSpc>
                 <a:spcPct val="90000"/>
               </a:lnSpc>
@@ -6579,9 +6721,9 @@
               </a:buClr>
               <a:buSzPts val="1800"/>
               <a:buNone/>
-              <a:defRPr b="1" sz="1800"/>
+              <a:defRPr sz="1800" b="1"/>
             </a:lvl3pPr>
-            <a:lvl4pPr indent="-228600" lvl="3" marL="1828800" algn="l">
+            <a:lvl4pPr marL="1828800" lvl="3" indent="-228600" algn="l">
               <a:lnSpc>
                 <a:spcPct val="90000"/>
               </a:lnSpc>
@@ -6596,9 +6738,9 @@
               </a:buClr>
               <a:buSzPts val="1600"/>
               <a:buNone/>
-              <a:defRPr b="1" sz="1600"/>
+              <a:defRPr sz="1600" b="1"/>
             </a:lvl4pPr>
-            <a:lvl5pPr indent="-228600" lvl="4" marL="2286000" algn="l">
+            <a:lvl5pPr marL="2286000" lvl="4" indent="-228600" algn="l">
               <a:lnSpc>
                 <a:spcPct val="90000"/>
               </a:lnSpc>
@@ -6613,9 +6755,9 @@
               </a:buClr>
               <a:buSzPts val="1600"/>
               <a:buNone/>
-              <a:defRPr b="1" sz="1600"/>
+              <a:defRPr sz="1600" b="1"/>
             </a:lvl5pPr>
-            <a:lvl6pPr indent="-228600" lvl="5" marL="2743200" algn="l">
+            <a:lvl6pPr marL="2743200" lvl="5" indent="-228600" algn="l">
               <a:lnSpc>
                 <a:spcPct val="90000"/>
               </a:lnSpc>
@@ -6630,9 +6772,9 @@
               </a:buClr>
               <a:buSzPts val="1600"/>
               <a:buNone/>
-              <a:defRPr b="1" sz="1600"/>
+              <a:defRPr sz="1600" b="1"/>
             </a:lvl6pPr>
-            <a:lvl7pPr indent="-228600" lvl="6" marL="3200400" algn="l">
+            <a:lvl7pPr marL="3200400" lvl="6" indent="-228600" algn="l">
               <a:lnSpc>
                 <a:spcPct val="90000"/>
               </a:lnSpc>
@@ -6647,9 +6789,9 @@
               </a:buClr>
               <a:buSzPts val="1600"/>
               <a:buNone/>
-              <a:defRPr b="1" sz="1600"/>
+              <a:defRPr sz="1600" b="1"/>
             </a:lvl7pPr>
-            <a:lvl8pPr indent="-228600" lvl="7" marL="3657600" algn="l">
+            <a:lvl8pPr marL="3657600" lvl="7" indent="-228600" algn="l">
               <a:lnSpc>
                 <a:spcPct val="90000"/>
               </a:lnSpc>
@@ -6664,9 +6806,9 @@
               </a:buClr>
               <a:buSzPts val="1600"/>
               <a:buNone/>
-              <a:defRPr b="1" sz="1600"/>
+              <a:defRPr sz="1600" b="1"/>
             </a:lvl8pPr>
-            <a:lvl9pPr indent="-228600" lvl="8" marL="4114800" algn="l">
+            <a:lvl9pPr marL="4114800" lvl="8" indent="-228600" algn="l">
               <a:lnSpc>
                 <a:spcPct val="90000"/>
               </a:lnSpc>
@@ -6681,18 +6823,22 @@
               </a:buClr>
               <a:buSzPts val="1600"/>
               <a:buNone/>
-              <a:defRPr b="1" sz="1600"/>
+              <a:defRPr sz="1600" b="1"/>
             </a:lvl9pPr>
           </a:lstStyle>
-          <a:p/>
+          <a:p>
+            <a:endParaRPr/>
+          </a:p>
         </p:txBody>
       </p:sp>
       <p:sp>
         <p:nvSpPr>
           <p:cNvPr id="47" name="Google Shape;47;p7"/>
-          <p:cNvSpPr txBox="1"/>
+          <p:cNvSpPr txBox="1">
+            <a:spLocks noGrp="1"/>
+          </p:cNvSpPr>
           <p:nvPr>
-            <p:ph idx="2" type="body"/>
+            <p:ph type="body" idx="2"/>
           </p:nvPr>
         </p:nvSpPr>
         <p:spPr>
@@ -6709,11 +6855,11 @@
           </a:ln>
         </p:spPr>
         <p:txBody>
-          <a:bodyPr anchorCtr="0" anchor="t" bIns="45700" lIns="91425" spcFirstLastPara="1" rIns="91425" wrap="square" tIns="45700">
+          <a:bodyPr spcFirstLastPara="1" wrap="square" lIns="91425" tIns="45700" rIns="91425" bIns="45700" anchor="t" anchorCtr="0">
             <a:normAutofit/>
           </a:bodyPr>
           <a:lstStyle>
-            <a:lvl1pPr indent="-342900" lvl="0" marL="457200" algn="l">
+            <a:lvl1pPr marL="457200" lvl="0" indent="-342900" algn="l">
               <a:lnSpc>
                 <a:spcPct val="90000"/>
               </a:lnSpc>
@@ -6730,7 +6876,7 @@
               <a:buChar char="•"/>
               <a:defRPr/>
             </a:lvl1pPr>
-            <a:lvl2pPr indent="-342900" lvl="1" marL="914400" algn="l">
+            <a:lvl2pPr marL="914400" lvl="1" indent="-342900" algn="l">
               <a:lnSpc>
                 <a:spcPct val="90000"/>
               </a:lnSpc>
@@ -6747,7 +6893,7 @@
               <a:buChar char="•"/>
               <a:defRPr/>
             </a:lvl2pPr>
-            <a:lvl3pPr indent="-342900" lvl="2" marL="1371600" algn="l">
+            <a:lvl3pPr marL="1371600" lvl="2" indent="-342900" algn="l">
               <a:lnSpc>
                 <a:spcPct val="90000"/>
               </a:lnSpc>
@@ -6764,7 +6910,7 @@
               <a:buChar char="•"/>
               <a:defRPr/>
             </a:lvl3pPr>
-            <a:lvl4pPr indent="-342900" lvl="3" marL="1828800" algn="l">
+            <a:lvl4pPr marL="1828800" lvl="3" indent="-342900" algn="l">
               <a:lnSpc>
                 <a:spcPct val="90000"/>
               </a:lnSpc>
@@ -6781,7 +6927,7 @@
               <a:buChar char="•"/>
               <a:defRPr/>
             </a:lvl4pPr>
-            <a:lvl5pPr indent="-342900" lvl="4" marL="2286000" algn="l">
+            <a:lvl5pPr marL="2286000" lvl="4" indent="-342900" algn="l">
               <a:lnSpc>
                 <a:spcPct val="90000"/>
               </a:lnSpc>
@@ -6798,7 +6944,7 @@
               <a:buChar char="•"/>
               <a:defRPr/>
             </a:lvl5pPr>
-            <a:lvl6pPr indent="-342900" lvl="5" marL="2743200" algn="l">
+            <a:lvl6pPr marL="2743200" lvl="5" indent="-342900" algn="l">
               <a:lnSpc>
                 <a:spcPct val="90000"/>
               </a:lnSpc>
@@ -6815,7 +6961,7 @@
               <a:buChar char="•"/>
               <a:defRPr/>
             </a:lvl6pPr>
-            <a:lvl7pPr indent="-342900" lvl="6" marL="3200400" algn="l">
+            <a:lvl7pPr marL="3200400" lvl="6" indent="-342900" algn="l">
               <a:lnSpc>
                 <a:spcPct val="90000"/>
               </a:lnSpc>
@@ -6832,7 +6978,7 @@
               <a:buChar char="•"/>
               <a:defRPr/>
             </a:lvl7pPr>
-            <a:lvl8pPr indent="-342900" lvl="7" marL="3657600" algn="l">
+            <a:lvl8pPr marL="3657600" lvl="7" indent="-342900" algn="l">
               <a:lnSpc>
                 <a:spcPct val="90000"/>
               </a:lnSpc>
@@ -6849,7 +6995,7 @@
               <a:buChar char="•"/>
               <a:defRPr/>
             </a:lvl8pPr>
-            <a:lvl9pPr indent="-342900" lvl="8" marL="4114800" algn="l">
+            <a:lvl9pPr marL="4114800" lvl="8" indent="-342900" algn="l">
               <a:lnSpc>
                 <a:spcPct val="90000"/>
               </a:lnSpc>
@@ -6867,15 +7013,19 @@
               <a:defRPr/>
             </a:lvl9pPr>
           </a:lstStyle>
-          <a:p/>
+          <a:p>
+            <a:endParaRPr/>
+          </a:p>
         </p:txBody>
       </p:sp>
       <p:sp>
         <p:nvSpPr>
           <p:cNvPr id="48" name="Google Shape;48;p7"/>
-          <p:cNvSpPr txBox="1"/>
+          <p:cNvSpPr txBox="1">
+            <a:spLocks noGrp="1"/>
+          </p:cNvSpPr>
           <p:nvPr>
-            <p:ph idx="3" type="body"/>
+            <p:ph type="body" idx="3"/>
           </p:nvPr>
         </p:nvSpPr>
         <p:spPr>
@@ -6892,11 +7042,11 @@
           </a:ln>
         </p:spPr>
         <p:txBody>
-          <a:bodyPr anchorCtr="0" anchor="b" bIns="45700" lIns="91425" spcFirstLastPara="1" rIns="91425" wrap="square" tIns="45700">
+          <a:bodyPr spcFirstLastPara="1" wrap="square" lIns="91425" tIns="45700" rIns="91425" bIns="45700" anchor="b" anchorCtr="0">
             <a:normAutofit/>
           </a:bodyPr>
           <a:lstStyle>
-            <a:lvl1pPr indent="-228600" lvl="0" marL="457200" algn="l">
+            <a:lvl1pPr marL="457200" lvl="0" indent="-228600" algn="l">
               <a:lnSpc>
                 <a:spcPct val="90000"/>
               </a:lnSpc>
@@ -6911,9 +7061,9 @@
               </a:buClr>
               <a:buSzPts val="2400"/>
               <a:buNone/>
-              <a:defRPr b="1" sz="2400"/>
+              <a:defRPr sz="2400" b="1"/>
             </a:lvl1pPr>
-            <a:lvl2pPr indent="-228600" lvl="1" marL="914400" algn="l">
+            <a:lvl2pPr marL="914400" lvl="1" indent="-228600" algn="l">
               <a:lnSpc>
                 <a:spcPct val="90000"/>
               </a:lnSpc>
@@ -6928,9 +7078,9 @@
               </a:buClr>
               <a:buSzPts val="2000"/>
               <a:buNone/>
-              <a:defRPr b="1" sz="2000"/>
+              <a:defRPr sz="2000" b="1"/>
             </a:lvl2pPr>
-            <a:lvl3pPr indent="-228600" lvl="2" marL="1371600" algn="l">
+            <a:lvl3pPr marL="1371600" lvl="2" indent="-228600" algn="l">
               <a:lnSpc>
                 <a:spcPct val="90000"/>
               </a:lnSpc>
@@ -6945,9 +7095,9 @@
               </a:buClr>
               <a:buSzPts val="1800"/>
               <a:buNone/>
-              <a:defRPr b="1" sz="1800"/>
+              <a:defRPr sz="1800" b="1"/>
             </a:lvl3pPr>
-            <a:lvl4pPr indent="-228600" lvl="3" marL="1828800" algn="l">
+            <a:lvl4pPr marL="1828800" lvl="3" indent="-228600" algn="l">
               <a:lnSpc>
                 <a:spcPct val="90000"/>
               </a:lnSpc>
@@ -6962,9 +7112,9 @@
               </a:buClr>
               <a:buSzPts val="1600"/>
               <a:buNone/>
-              <a:defRPr b="1" sz="1600"/>
+              <a:defRPr sz="1600" b="1"/>
             </a:lvl4pPr>
-            <a:lvl5pPr indent="-228600" lvl="4" marL="2286000" algn="l">
+            <a:lvl5pPr marL="2286000" lvl="4" indent="-228600" algn="l">
               <a:lnSpc>
                 <a:spcPct val="90000"/>
               </a:lnSpc>
@@ -6979,9 +7129,9 @@
               </a:buClr>
               <a:buSzPts val="1600"/>
               <a:buNone/>
-              <a:defRPr b="1" sz="1600"/>
+              <a:defRPr sz="1600" b="1"/>
             </a:lvl5pPr>
-            <a:lvl6pPr indent="-228600" lvl="5" marL="2743200" algn="l">
+            <a:lvl6pPr marL="2743200" lvl="5" indent="-228600" algn="l">
               <a:lnSpc>
                 <a:spcPct val="90000"/>
               </a:lnSpc>
@@ -6996,9 +7146,9 @@
               </a:buClr>
               <a:buSzPts val="1600"/>
               <a:buNone/>
-              <a:defRPr b="1" sz="1600"/>
+              <a:defRPr sz="1600" b="1"/>
             </a:lvl6pPr>
-            <a:lvl7pPr indent="-228600" lvl="6" marL="3200400" algn="l">
+            <a:lvl7pPr marL="3200400" lvl="6" indent="-228600" algn="l">
               <a:lnSpc>
                 <a:spcPct val="90000"/>
               </a:lnSpc>
@@ -7013,9 +7163,9 @@
               </a:buClr>
               <a:buSzPts val="1600"/>
               <a:buNone/>
-              <a:defRPr b="1" sz="1600"/>
+              <a:defRPr sz="1600" b="1"/>
             </a:lvl7pPr>
-            <a:lvl8pPr indent="-228600" lvl="7" marL="3657600" algn="l">
+            <a:lvl8pPr marL="3657600" lvl="7" indent="-228600" algn="l">
               <a:lnSpc>
                 <a:spcPct val="90000"/>
               </a:lnSpc>
@@ -7030,9 +7180,9 @@
               </a:buClr>
               <a:buSzPts val="1600"/>
               <a:buNone/>
-              <a:defRPr b="1" sz="1600"/>
+              <a:defRPr sz="1600" b="1"/>
             </a:lvl8pPr>
-            <a:lvl9pPr indent="-228600" lvl="8" marL="4114800" algn="l">
+            <a:lvl9pPr marL="4114800" lvl="8" indent="-228600" algn="l">
               <a:lnSpc>
                 <a:spcPct val="90000"/>
               </a:lnSpc>
@@ -7047,18 +7197,22 @@
               </a:buClr>
               <a:buSzPts val="1600"/>
               <a:buNone/>
-              <a:defRPr b="1" sz="1600"/>
+              <a:defRPr sz="1600" b="1"/>
             </a:lvl9pPr>
           </a:lstStyle>
-          <a:p/>
+          <a:p>
+            <a:endParaRPr/>
+          </a:p>
         </p:txBody>
       </p:sp>
       <p:sp>
         <p:nvSpPr>
           <p:cNvPr id="49" name="Google Shape;49;p7"/>
-          <p:cNvSpPr txBox="1"/>
+          <p:cNvSpPr txBox="1">
+            <a:spLocks noGrp="1"/>
+          </p:cNvSpPr>
           <p:nvPr>
-            <p:ph idx="4" type="body"/>
+            <p:ph type="body" idx="4"/>
           </p:nvPr>
         </p:nvSpPr>
         <p:spPr>
@@ -7075,11 +7229,11 @@
           </a:ln>
         </p:spPr>
         <p:txBody>
-          <a:bodyPr anchorCtr="0" anchor="t" bIns="45700" lIns="91425" spcFirstLastPara="1" rIns="91425" wrap="square" tIns="45700">
+          <a:bodyPr spcFirstLastPara="1" wrap="square" lIns="91425" tIns="45700" rIns="91425" bIns="45700" anchor="t" anchorCtr="0">
             <a:normAutofit/>
           </a:bodyPr>
           <a:lstStyle>
-            <a:lvl1pPr indent="-342900" lvl="0" marL="457200" algn="l">
+            <a:lvl1pPr marL="457200" lvl="0" indent="-342900" algn="l">
               <a:lnSpc>
                 <a:spcPct val="90000"/>
               </a:lnSpc>
@@ -7096,7 +7250,7 @@
               <a:buChar char="•"/>
               <a:defRPr/>
             </a:lvl1pPr>
-            <a:lvl2pPr indent="-342900" lvl="1" marL="914400" algn="l">
+            <a:lvl2pPr marL="914400" lvl="1" indent="-342900" algn="l">
               <a:lnSpc>
                 <a:spcPct val="90000"/>
               </a:lnSpc>
@@ -7113,7 +7267,7 @@
               <a:buChar char="•"/>
               <a:defRPr/>
             </a:lvl2pPr>
-            <a:lvl3pPr indent="-342900" lvl="2" marL="1371600" algn="l">
+            <a:lvl3pPr marL="1371600" lvl="2" indent="-342900" algn="l">
               <a:lnSpc>
                 <a:spcPct val="90000"/>
               </a:lnSpc>
@@ -7130,7 +7284,7 @@
               <a:buChar char="•"/>
               <a:defRPr/>
             </a:lvl3pPr>
-            <a:lvl4pPr indent="-342900" lvl="3" marL="1828800" algn="l">
+            <a:lvl4pPr marL="1828800" lvl="3" indent="-342900" algn="l">
               <a:lnSpc>
                 <a:spcPct val="90000"/>
               </a:lnSpc>
@@ -7147,7 +7301,7 @@
               <a:buChar char="•"/>
               <a:defRPr/>
             </a:lvl4pPr>
-            <a:lvl5pPr indent="-342900" lvl="4" marL="2286000" algn="l">
+            <a:lvl5pPr marL="2286000" lvl="4" indent="-342900" algn="l">
               <a:lnSpc>
                 <a:spcPct val="90000"/>
               </a:lnSpc>
@@ -7164,7 +7318,7 @@
               <a:buChar char="•"/>
               <a:defRPr/>
             </a:lvl5pPr>
-            <a:lvl6pPr indent="-342900" lvl="5" marL="2743200" algn="l">
+            <a:lvl6pPr marL="2743200" lvl="5" indent="-342900" algn="l">
               <a:lnSpc>
                 <a:spcPct val="90000"/>
               </a:lnSpc>
@@ -7181,7 +7335,7 @@
               <a:buChar char="•"/>
               <a:defRPr/>
             </a:lvl6pPr>
-            <a:lvl7pPr indent="-342900" lvl="6" marL="3200400" algn="l">
+            <a:lvl7pPr marL="3200400" lvl="6" indent="-342900" algn="l">
               <a:lnSpc>
                 <a:spcPct val="90000"/>
               </a:lnSpc>
@@ -7198,7 +7352,7 @@
               <a:buChar char="•"/>
               <a:defRPr/>
             </a:lvl7pPr>
-            <a:lvl8pPr indent="-342900" lvl="7" marL="3657600" algn="l">
+            <a:lvl8pPr marL="3657600" lvl="7" indent="-342900" algn="l">
               <a:lnSpc>
                 <a:spcPct val="90000"/>
               </a:lnSpc>
@@ -7215,7 +7369,7 @@
               <a:buChar char="•"/>
               <a:defRPr/>
             </a:lvl8pPr>
-            <a:lvl9pPr indent="-342900" lvl="8" marL="4114800" algn="l">
+            <a:lvl9pPr marL="4114800" lvl="8" indent="-342900" algn="l">
               <a:lnSpc>
                 <a:spcPct val="90000"/>
               </a:lnSpc>
@@ -7233,15 +7387,19 @@
               <a:defRPr/>
             </a:lvl9pPr>
           </a:lstStyle>
-          <a:p/>
+          <a:p>
+            <a:endParaRPr/>
+          </a:p>
         </p:txBody>
       </p:sp>
       <p:sp>
         <p:nvSpPr>
           <p:cNvPr id="50" name="Google Shape;50;p7"/>
-          <p:cNvSpPr txBox="1"/>
+          <p:cNvSpPr txBox="1">
+            <a:spLocks noGrp="1"/>
+          </p:cNvSpPr>
           <p:nvPr>
-            <p:ph idx="10" type="dt"/>
+            <p:ph type="dt" idx="10"/>
           </p:nvPr>
         </p:nvSpPr>
         <p:spPr>
@@ -7258,7 +7416,7 @@
           </a:ln>
         </p:spPr>
         <p:txBody>
-          <a:bodyPr anchorCtr="0" anchor="ctr" bIns="45700" lIns="91425" spcFirstLastPara="1" rIns="91425" wrap="square" tIns="45700">
+          <a:bodyPr spcFirstLastPara="1" wrap="square" lIns="91425" tIns="45700" rIns="91425" bIns="45700" anchor="ctr" anchorCtr="0">
             <a:noAutofit/>
           </a:bodyPr>
           <a:lstStyle>
@@ -7362,15 +7520,19 @@
               <a:defRPr/>
             </a:lvl9pPr>
           </a:lstStyle>
-          <a:p/>
+          <a:p>
+            <a:endParaRPr/>
+          </a:p>
         </p:txBody>
       </p:sp>
       <p:sp>
         <p:nvSpPr>
           <p:cNvPr id="51" name="Google Shape;51;p7"/>
-          <p:cNvSpPr txBox="1"/>
+          <p:cNvSpPr txBox="1">
+            <a:spLocks noGrp="1"/>
+          </p:cNvSpPr>
           <p:nvPr>
-            <p:ph idx="11" type="ftr"/>
+            <p:ph type="ftr" idx="11"/>
           </p:nvPr>
         </p:nvSpPr>
         <p:spPr>
@@ -7387,7 +7549,7 @@
           </a:ln>
         </p:spPr>
         <p:txBody>
-          <a:bodyPr anchorCtr="0" anchor="ctr" bIns="45700" lIns="91425" spcFirstLastPara="1" rIns="91425" wrap="square" tIns="45700">
+          <a:bodyPr spcFirstLastPara="1" wrap="square" lIns="91425" tIns="45700" rIns="91425" bIns="45700" anchor="ctr" anchorCtr="0">
             <a:noAutofit/>
           </a:bodyPr>
           <a:lstStyle>
@@ -7491,15 +7653,19 @@
               <a:defRPr/>
             </a:lvl9pPr>
           </a:lstStyle>
-          <a:p/>
+          <a:p>
+            <a:endParaRPr/>
+          </a:p>
         </p:txBody>
       </p:sp>
       <p:sp>
         <p:nvSpPr>
           <p:cNvPr id="52" name="Google Shape;52;p7"/>
-          <p:cNvSpPr txBox="1"/>
+          <p:cNvSpPr txBox="1">
+            <a:spLocks noGrp="1"/>
+          </p:cNvSpPr>
           <p:nvPr>
-            <p:ph idx="12" type="sldNum"/>
+            <p:ph type="sldNum" idx="12"/>
           </p:nvPr>
         </p:nvSpPr>
         <p:spPr>
@@ -7516,67 +7682,67 @@
           </a:ln>
         </p:spPr>
         <p:txBody>
-          <a:bodyPr anchorCtr="0" anchor="ctr" bIns="45700" lIns="91425" spcFirstLastPara="1" rIns="91425" wrap="square" tIns="45700">
+          <a:bodyPr spcFirstLastPara="1" wrap="square" lIns="91425" tIns="45700" rIns="91425" bIns="45700" anchor="ctr" anchorCtr="0">
             <a:noAutofit/>
           </a:bodyPr>
           <a:lstStyle>
-            <a:lvl1pPr indent="0" lvl="0" marL="0" algn="r">
+            <a:lvl1pPr marL="0" lvl="0" indent="0" algn="r">
               <a:spcBef>
                 <a:spcPts val="0"/>
               </a:spcBef>
               <a:buNone/>
               <a:defRPr/>
             </a:lvl1pPr>
-            <a:lvl2pPr indent="0" lvl="1" marL="0" algn="r">
+            <a:lvl2pPr marL="0" lvl="1" indent="0" algn="r">
               <a:spcBef>
                 <a:spcPts val="0"/>
               </a:spcBef>
               <a:buNone/>
               <a:defRPr/>
             </a:lvl2pPr>
-            <a:lvl3pPr indent="0" lvl="2" marL="0" algn="r">
+            <a:lvl3pPr marL="0" lvl="2" indent="0" algn="r">
               <a:spcBef>
                 <a:spcPts val="0"/>
               </a:spcBef>
               <a:buNone/>
               <a:defRPr/>
             </a:lvl3pPr>
-            <a:lvl4pPr indent="0" lvl="3" marL="0" algn="r">
+            <a:lvl4pPr marL="0" lvl="3" indent="0" algn="r">
               <a:spcBef>
                 <a:spcPts val="0"/>
               </a:spcBef>
               <a:buNone/>
               <a:defRPr/>
             </a:lvl4pPr>
-            <a:lvl5pPr indent="0" lvl="4" marL="0" algn="r">
+            <a:lvl5pPr marL="0" lvl="4" indent="0" algn="r">
               <a:spcBef>
                 <a:spcPts val="0"/>
               </a:spcBef>
               <a:buNone/>
               <a:defRPr/>
             </a:lvl5pPr>
-            <a:lvl6pPr indent="0" lvl="5" marL="0" algn="r">
+            <a:lvl6pPr marL="0" lvl="5" indent="0" algn="r">
               <a:spcBef>
                 <a:spcPts val="0"/>
               </a:spcBef>
               <a:buNone/>
               <a:defRPr/>
             </a:lvl6pPr>
-            <a:lvl7pPr indent="0" lvl="6" marL="0" algn="r">
+            <a:lvl7pPr marL="0" lvl="6" indent="0" algn="r">
               <a:spcBef>
                 <a:spcPts val="0"/>
               </a:spcBef>
               <a:buNone/>
               <a:defRPr/>
             </a:lvl7pPr>
-            <a:lvl8pPr indent="0" lvl="7" marL="0" algn="r">
+            <a:lvl8pPr marL="0" lvl="7" indent="0" algn="r">
               <a:spcBef>
                 <a:spcPts val="0"/>
               </a:spcBef>
               <a:buNone/>
               <a:defRPr/>
             </a:lvl8pPr>
-            <a:lvl9pPr indent="0" lvl="8" marL="0" algn="r">
+            <a:lvl9pPr marL="0" lvl="8" indent="0" algn="r">
               <a:spcBef>
                 <a:spcPts val="0"/>
               </a:spcBef>
@@ -7585,7 +7751,7 @@
             </a:lvl9pPr>
           </a:lstStyle>
           <a:p>
-            <a:pPr indent="0" lvl="0" marL="0" rtl="0" algn="r">
+            <a:pPr marL="0" lvl="0" indent="0" algn="r" rtl="0">
               <a:spcBef>
                 <a:spcPts val="0"/>
               </a:spcBef>
@@ -7614,9 +7780,13 @@
             <a:ext cx="1737401" cy="959536"/>
           </a:xfrm>
           <a:custGeom>
-            <a:rect b="b" l="l" r="r" t="t"/>
+            <a:avLst/>
+            <a:gdLst/>
+            <a:ahLst/>
+            <a:cxnLst/>
+            <a:rect l="l" t="t" r="r" b="b"/>
             <a:pathLst>
-              <a:path extrusionOk="0" h="959536" w="1737401">
+              <a:path w="1737401" h="959536" extrusionOk="0">
                 <a:moveTo>
                   <a:pt x="0" y="0"/>
                 </a:moveTo>
@@ -7657,12 +7827,12 @@
           </a:ln>
         </p:spPr>
         <p:txBody>
-          <a:bodyPr anchorCtr="0" anchor="ctr" bIns="45700" lIns="91425" spcFirstLastPara="1" rIns="91425" wrap="square" tIns="45700">
+          <a:bodyPr spcFirstLastPara="1" wrap="square" lIns="91425" tIns="45700" rIns="91425" bIns="45700" anchor="ctr" anchorCtr="0">
             <a:noAutofit/>
           </a:bodyPr>
           <a:lstStyle/>
           <a:p>
-            <a:pPr indent="0" lvl="0" marL="0" marR="0" rtl="0" algn="l">
+            <a:pPr marL="0" marR="0" lvl="0" indent="0" algn="l" rtl="0">
               <a:lnSpc>
                 <a:spcPct val="100000"/>
               </a:lnSpc>
@@ -7679,10 +7849,7 @@
               <a:buFont typeface="Avenir"/>
               <a:buNone/>
             </a:pPr>
-            <a:r>
-              <a:t/>
-            </a:r>
-            <a:endParaRPr b="0" i="0" sz="1800" u="none" cap="none" strike="noStrike">
+            <a:endParaRPr sz="1800" b="0" i="0" u="none" strike="noStrike" cap="none">
               <a:solidFill>
                 <a:srgbClr val="000000"/>
               </a:solidFill>
@@ -7706,9 +7873,13 @@
             <a:ext cx="849328" cy="357668"/>
           </a:xfrm>
           <a:custGeom>
-            <a:rect b="b" l="l" r="r" t="t"/>
+            <a:avLst/>
+            <a:gdLst/>
+            <a:ahLst/>
+            <a:cxnLst/>
+            <a:rect l="l" t="t" r="r" b="b"/>
             <a:pathLst>
-              <a:path extrusionOk="0" h="477997" w="1135066">
+              <a:path w="1135066" h="477997" extrusionOk="0">
                 <a:moveTo>
                   <a:pt x="0" y="0"/>
                 </a:moveTo>
@@ -7740,12 +7911,12 @@
           </a:ln>
         </p:spPr>
         <p:txBody>
-          <a:bodyPr anchorCtr="0" anchor="ctr" bIns="45700" lIns="91425" spcFirstLastPara="1" rIns="91425" wrap="square" tIns="45700">
+          <a:bodyPr spcFirstLastPara="1" wrap="square" lIns="91425" tIns="45700" rIns="91425" bIns="45700" anchor="ctr" anchorCtr="0">
             <a:noAutofit/>
           </a:bodyPr>
           <a:lstStyle/>
           <a:p>
-            <a:pPr indent="0" lvl="0" marL="0" marR="0" rtl="0" algn="ctr">
+            <a:pPr marL="0" marR="0" lvl="0" indent="0" algn="ctr" rtl="0">
               <a:lnSpc>
                 <a:spcPct val="100000"/>
               </a:lnSpc>
@@ -7762,10 +7933,7 @@
               <a:buFont typeface="Avenir"/>
               <a:buNone/>
             </a:pPr>
-            <a:r>
-              <a:t/>
-            </a:r>
-            <a:endParaRPr b="0" i="0" sz="1800" u="none" cap="none" strike="noStrike">
+            <a:endParaRPr sz="1800" b="0" i="0" u="none" strike="noStrike" cap="none">
               <a:solidFill>
                 <a:srgbClr val="FFFFFF"/>
               </a:solidFill>
@@ -7786,11 +7954,11 @@
 </file>
 
 <file path=ppt/slideLayouts/slideLayout6.xml><?xml version="1.0" encoding="utf-8"?>
-<p:sldLayout xmlns:a="http://schemas.openxmlformats.org/drawingml/2006/main" xmlns:r="http://schemas.openxmlformats.org/officeDocument/2006/relationships" xmlns:mc="http://schemas.openxmlformats.org/markup-compatibility/2006" xmlns:mv="urn:schemas-microsoft-com:mac:vml" xmlns:p="http://schemas.openxmlformats.org/presentationml/2006/main" xmlns:c="http://schemas.openxmlformats.org/drawingml/2006/chart" xmlns:dgm="http://schemas.openxmlformats.org/drawingml/2006/diagram" xmlns:o="urn:schemas-microsoft-com:office:office" xmlns:v="urn:schemas-microsoft-com:vml" xmlns:pvml="urn:schemas-microsoft-com:office:powerpoint" xmlns:com="http://schemas.openxmlformats.org/drawingml/2006/compatibility" xmlns:p14="http://schemas.microsoft.com/office/powerpoint/2010/main" xmlns:p15="http://schemas.microsoft.com/office/powerpoint/2012/main" xmlns:ahyp="http://schemas.microsoft.com/office/drawing/2018/hyperlinkcolor" matchingName="Title Only" type="titleOnly">
+<p:sldLayout xmlns:a="http://schemas.openxmlformats.org/drawingml/2006/main" xmlns:r="http://schemas.openxmlformats.org/officeDocument/2006/relationships" xmlns:p="http://schemas.openxmlformats.org/presentationml/2006/main" matchingName="Title Only" type="titleOnly">
   <p:cSld name="TITLE_ONLY">
     <p:spTree>
       <p:nvGrpSpPr>
-        <p:cNvPr id="55" name="Shape 55"/>
+        <p:cNvPr id="1" name="Shape 55"/>
         <p:cNvGrpSpPr/>
         <p:nvPr/>
       </p:nvGrpSpPr>
@@ -7805,7 +7973,9 @@
       <p:sp>
         <p:nvSpPr>
           <p:cNvPr id="56" name="Google Shape;56;p8"/>
-          <p:cNvSpPr txBox="1"/>
+          <p:cNvSpPr txBox="1">
+            <a:spLocks noGrp="1"/>
+          </p:cNvSpPr>
           <p:nvPr>
             <p:ph type="title"/>
           </p:nvPr>
@@ -7824,7 +7994,7 @@
           </a:ln>
         </p:spPr>
         <p:txBody>
-          <a:bodyPr anchorCtr="0" anchor="ctr" bIns="45700" lIns="91425" spcFirstLastPara="1" rIns="91425" wrap="square" tIns="45700">
+          <a:bodyPr spcFirstLastPara="1" wrap="square" lIns="91425" tIns="45700" rIns="91425" bIns="45700" anchor="ctr" anchorCtr="0">
             <a:normAutofit/>
           </a:bodyPr>
           <a:lstStyle>
@@ -7934,15 +8104,19 @@
               <a:defRPr/>
             </a:lvl9pPr>
           </a:lstStyle>
-          <a:p/>
+          <a:p>
+            <a:endParaRPr/>
+          </a:p>
         </p:txBody>
       </p:sp>
       <p:sp>
         <p:nvSpPr>
           <p:cNvPr id="57" name="Google Shape;57;p8"/>
-          <p:cNvSpPr txBox="1"/>
+          <p:cNvSpPr txBox="1">
+            <a:spLocks noGrp="1"/>
+          </p:cNvSpPr>
           <p:nvPr>
-            <p:ph idx="10" type="dt"/>
+            <p:ph type="dt" idx="10"/>
           </p:nvPr>
         </p:nvSpPr>
         <p:spPr>
@@ -7959,7 +8133,7 @@
           </a:ln>
         </p:spPr>
         <p:txBody>
-          <a:bodyPr anchorCtr="0" anchor="ctr" bIns="45700" lIns="91425" spcFirstLastPara="1" rIns="91425" wrap="square" tIns="45700">
+          <a:bodyPr spcFirstLastPara="1" wrap="square" lIns="91425" tIns="45700" rIns="91425" bIns="45700" anchor="ctr" anchorCtr="0">
             <a:noAutofit/>
           </a:bodyPr>
           <a:lstStyle>
@@ -8063,15 +8237,19 @@
               <a:defRPr/>
             </a:lvl9pPr>
           </a:lstStyle>
-          <a:p/>
+          <a:p>
+            <a:endParaRPr/>
+          </a:p>
         </p:txBody>
       </p:sp>
       <p:sp>
         <p:nvSpPr>
           <p:cNvPr id="58" name="Google Shape;58;p8"/>
-          <p:cNvSpPr txBox="1"/>
+          <p:cNvSpPr txBox="1">
+            <a:spLocks noGrp="1"/>
+          </p:cNvSpPr>
           <p:nvPr>
-            <p:ph idx="11" type="ftr"/>
+            <p:ph type="ftr" idx="11"/>
           </p:nvPr>
         </p:nvSpPr>
         <p:spPr>
@@ -8088,7 +8266,7 @@
           </a:ln>
         </p:spPr>
         <p:txBody>
-          <a:bodyPr anchorCtr="0" anchor="ctr" bIns="45700" lIns="91425" spcFirstLastPara="1" rIns="91425" wrap="square" tIns="45700">
+          <a:bodyPr spcFirstLastPara="1" wrap="square" lIns="91425" tIns="45700" rIns="91425" bIns="45700" anchor="ctr" anchorCtr="0">
             <a:noAutofit/>
           </a:bodyPr>
           <a:lstStyle>
@@ -8192,15 +8370,19 @@
               <a:defRPr/>
             </a:lvl9pPr>
           </a:lstStyle>
-          <a:p/>
+          <a:p>
+            <a:endParaRPr/>
+          </a:p>
         </p:txBody>
       </p:sp>
       <p:sp>
         <p:nvSpPr>
           <p:cNvPr id="59" name="Google Shape;59;p8"/>
-          <p:cNvSpPr txBox="1"/>
+          <p:cNvSpPr txBox="1">
+            <a:spLocks noGrp="1"/>
+          </p:cNvSpPr>
           <p:nvPr>
-            <p:ph idx="12" type="sldNum"/>
+            <p:ph type="sldNum" idx="12"/>
           </p:nvPr>
         </p:nvSpPr>
         <p:spPr>
@@ -8217,67 +8399,67 @@
           </a:ln>
         </p:spPr>
         <p:txBody>
-          <a:bodyPr anchorCtr="0" anchor="ctr" bIns="45700" lIns="91425" spcFirstLastPara="1" rIns="91425" wrap="square" tIns="45700">
+          <a:bodyPr spcFirstLastPara="1" wrap="square" lIns="91425" tIns="45700" rIns="91425" bIns="45700" anchor="ctr" anchorCtr="0">
             <a:noAutofit/>
           </a:bodyPr>
           <a:lstStyle>
-            <a:lvl1pPr indent="0" lvl="0" marL="0" algn="r">
+            <a:lvl1pPr marL="0" lvl="0" indent="0" algn="r">
               <a:spcBef>
                 <a:spcPts val="0"/>
               </a:spcBef>
               <a:buNone/>
               <a:defRPr/>
             </a:lvl1pPr>
-            <a:lvl2pPr indent="0" lvl="1" marL="0" algn="r">
+            <a:lvl2pPr marL="0" lvl="1" indent="0" algn="r">
               <a:spcBef>
                 <a:spcPts val="0"/>
               </a:spcBef>
               <a:buNone/>
               <a:defRPr/>
             </a:lvl2pPr>
-            <a:lvl3pPr indent="0" lvl="2" marL="0" algn="r">
+            <a:lvl3pPr marL="0" lvl="2" indent="0" algn="r">
               <a:spcBef>
                 <a:spcPts val="0"/>
               </a:spcBef>
               <a:buNone/>
               <a:defRPr/>
             </a:lvl3pPr>
-            <a:lvl4pPr indent="0" lvl="3" marL="0" algn="r">
+            <a:lvl4pPr marL="0" lvl="3" indent="0" algn="r">
               <a:spcBef>
                 <a:spcPts val="0"/>
               </a:spcBef>
               <a:buNone/>
               <a:defRPr/>
             </a:lvl4pPr>
-            <a:lvl5pPr indent="0" lvl="4" marL="0" algn="r">
+            <a:lvl5pPr marL="0" lvl="4" indent="0" algn="r">
               <a:spcBef>
                 <a:spcPts val="0"/>
               </a:spcBef>
               <a:buNone/>
               <a:defRPr/>
             </a:lvl5pPr>
-            <a:lvl6pPr indent="0" lvl="5" marL="0" algn="r">
+            <a:lvl6pPr marL="0" lvl="5" indent="0" algn="r">
               <a:spcBef>
                 <a:spcPts val="0"/>
               </a:spcBef>
               <a:buNone/>
               <a:defRPr/>
             </a:lvl6pPr>
-            <a:lvl7pPr indent="0" lvl="6" marL="0" algn="r">
+            <a:lvl7pPr marL="0" lvl="6" indent="0" algn="r">
               <a:spcBef>
                 <a:spcPts val="0"/>
               </a:spcBef>
               <a:buNone/>
               <a:defRPr/>
             </a:lvl7pPr>
-            <a:lvl8pPr indent="0" lvl="7" marL="0" algn="r">
+            <a:lvl8pPr marL="0" lvl="7" indent="0" algn="r">
               <a:spcBef>
                 <a:spcPts val="0"/>
               </a:spcBef>
               <a:buNone/>
               <a:defRPr/>
             </a:lvl8pPr>
-            <a:lvl9pPr indent="0" lvl="8" marL="0" algn="r">
+            <a:lvl9pPr marL="0" lvl="8" indent="0" algn="r">
               <a:spcBef>
                 <a:spcPts val="0"/>
               </a:spcBef>
@@ -8286,7 +8468,7 @@
             </a:lvl9pPr>
           </a:lstStyle>
           <a:p>
-            <a:pPr indent="0" lvl="0" marL="0" rtl="0" algn="r">
+            <a:pPr marL="0" lvl="0" indent="0" algn="r" rtl="0">
               <a:spcBef>
                 <a:spcPts val="0"/>
               </a:spcBef>
@@ -8315,9 +8497,13 @@
             <a:ext cx="1737401" cy="959536"/>
           </a:xfrm>
           <a:custGeom>
-            <a:rect b="b" l="l" r="r" t="t"/>
+            <a:avLst/>
+            <a:gdLst/>
+            <a:ahLst/>
+            <a:cxnLst/>
+            <a:rect l="l" t="t" r="r" b="b"/>
             <a:pathLst>
-              <a:path extrusionOk="0" h="959536" w="1737401">
+              <a:path w="1737401" h="959536" extrusionOk="0">
                 <a:moveTo>
                   <a:pt x="0" y="0"/>
                 </a:moveTo>
@@ -8358,12 +8544,12 @@
           </a:ln>
         </p:spPr>
         <p:txBody>
-          <a:bodyPr anchorCtr="0" anchor="ctr" bIns="45700" lIns="91425" spcFirstLastPara="1" rIns="91425" wrap="square" tIns="45700">
+          <a:bodyPr spcFirstLastPara="1" wrap="square" lIns="91425" tIns="45700" rIns="91425" bIns="45700" anchor="ctr" anchorCtr="0">
             <a:noAutofit/>
           </a:bodyPr>
           <a:lstStyle/>
           <a:p>
-            <a:pPr indent="0" lvl="0" marL="0" marR="0" rtl="0" algn="l">
+            <a:pPr marL="0" marR="0" lvl="0" indent="0" algn="l" rtl="0">
               <a:lnSpc>
                 <a:spcPct val="100000"/>
               </a:lnSpc>
@@ -8380,10 +8566,7 @@
               <a:buFont typeface="Avenir"/>
               <a:buNone/>
             </a:pPr>
-            <a:r>
-              <a:t/>
-            </a:r>
-            <a:endParaRPr b="0" i="0" sz="1800" u="none" cap="none" strike="noStrike">
+            <a:endParaRPr sz="1800" b="0" i="0" u="none" strike="noStrike" cap="none">
               <a:solidFill>
                 <a:srgbClr val="000000"/>
               </a:solidFill>
@@ -8407,9 +8590,13 @@
             <a:ext cx="849328" cy="357668"/>
           </a:xfrm>
           <a:custGeom>
-            <a:rect b="b" l="l" r="r" t="t"/>
+            <a:avLst/>
+            <a:gdLst/>
+            <a:ahLst/>
+            <a:cxnLst/>
+            <a:rect l="l" t="t" r="r" b="b"/>
             <a:pathLst>
-              <a:path extrusionOk="0" h="477997" w="1135066">
+              <a:path w="1135066" h="477997" extrusionOk="0">
                 <a:moveTo>
                   <a:pt x="0" y="0"/>
                 </a:moveTo>
@@ -8441,12 +8628,12 @@
           </a:ln>
         </p:spPr>
         <p:txBody>
-          <a:bodyPr anchorCtr="0" anchor="ctr" bIns="45700" lIns="91425" spcFirstLastPara="1" rIns="91425" wrap="square" tIns="45700">
+          <a:bodyPr spcFirstLastPara="1" wrap="square" lIns="91425" tIns="45700" rIns="91425" bIns="45700" anchor="ctr" anchorCtr="0">
             <a:noAutofit/>
           </a:bodyPr>
           <a:lstStyle/>
           <a:p>
-            <a:pPr indent="0" lvl="0" marL="0" marR="0" rtl="0" algn="ctr">
+            <a:pPr marL="0" marR="0" lvl="0" indent="0" algn="ctr" rtl="0">
               <a:lnSpc>
                 <a:spcPct val="100000"/>
               </a:lnSpc>
@@ -8463,10 +8650,7 @@
               <a:buFont typeface="Avenir"/>
               <a:buNone/>
             </a:pPr>
-            <a:r>
-              <a:t/>
-            </a:r>
-            <a:endParaRPr b="0" i="0" sz="1800" u="none" cap="none" strike="noStrike">
+            <a:endParaRPr sz="1800" b="0" i="0" u="none" strike="noStrike" cap="none">
               <a:solidFill>
                 <a:srgbClr val="FFFFFF"/>
               </a:solidFill>
@@ -8487,11 +8671,11 @@
 </file>
 
 <file path=ppt/slideLayouts/slideLayout7.xml><?xml version="1.0" encoding="utf-8"?>
-<p:sldLayout xmlns:a="http://schemas.openxmlformats.org/drawingml/2006/main" xmlns:r="http://schemas.openxmlformats.org/officeDocument/2006/relationships" xmlns:mc="http://schemas.openxmlformats.org/markup-compatibility/2006" xmlns:mv="urn:schemas-microsoft-com:mac:vml" xmlns:p="http://schemas.openxmlformats.org/presentationml/2006/main" xmlns:c="http://schemas.openxmlformats.org/drawingml/2006/chart" xmlns:dgm="http://schemas.openxmlformats.org/drawingml/2006/diagram" xmlns:o="urn:schemas-microsoft-com:office:office" xmlns:v="urn:schemas-microsoft-com:vml" xmlns:pvml="urn:schemas-microsoft-com:office:powerpoint" xmlns:com="http://schemas.openxmlformats.org/drawingml/2006/compatibility" xmlns:p14="http://schemas.microsoft.com/office/powerpoint/2010/main" xmlns:p15="http://schemas.microsoft.com/office/powerpoint/2012/main" xmlns:ahyp="http://schemas.microsoft.com/office/drawing/2018/hyperlinkcolor" matchingName="Blank" type="blank">
+<p:sldLayout xmlns:a="http://schemas.openxmlformats.org/drawingml/2006/main" xmlns:r="http://schemas.openxmlformats.org/officeDocument/2006/relationships" xmlns:p="http://schemas.openxmlformats.org/presentationml/2006/main" matchingName="Blank" type="blank">
   <p:cSld name="BLANK">
     <p:spTree>
       <p:nvGrpSpPr>
-        <p:cNvPr id="62" name="Shape 62"/>
+        <p:cNvPr id="1" name="Shape 62"/>
         <p:cNvGrpSpPr/>
         <p:nvPr/>
       </p:nvGrpSpPr>
@@ -8506,9 +8690,11 @@
       <p:sp>
         <p:nvSpPr>
           <p:cNvPr id="63" name="Google Shape;63;p9"/>
-          <p:cNvSpPr txBox="1"/>
+          <p:cNvSpPr txBox="1">
+            <a:spLocks noGrp="1"/>
+          </p:cNvSpPr>
           <p:nvPr>
-            <p:ph idx="10" type="dt"/>
+            <p:ph type="dt" idx="10"/>
           </p:nvPr>
         </p:nvSpPr>
         <p:spPr>
@@ -8525,7 +8711,7 @@
           </a:ln>
         </p:spPr>
         <p:txBody>
-          <a:bodyPr anchorCtr="0" anchor="ctr" bIns="45700" lIns="91425" spcFirstLastPara="1" rIns="91425" wrap="square" tIns="45700">
+          <a:bodyPr spcFirstLastPara="1" wrap="square" lIns="91425" tIns="45700" rIns="91425" bIns="45700" anchor="ctr" anchorCtr="0">
             <a:noAutofit/>
           </a:bodyPr>
           <a:lstStyle>
@@ -8629,15 +8815,19 @@
               <a:defRPr/>
             </a:lvl9pPr>
           </a:lstStyle>
-          <a:p/>
+          <a:p>
+            <a:endParaRPr/>
+          </a:p>
         </p:txBody>
       </p:sp>
       <p:sp>
         <p:nvSpPr>
           <p:cNvPr id="64" name="Google Shape;64;p9"/>
-          <p:cNvSpPr txBox="1"/>
+          <p:cNvSpPr txBox="1">
+            <a:spLocks noGrp="1"/>
+          </p:cNvSpPr>
           <p:nvPr>
-            <p:ph idx="11" type="ftr"/>
+            <p:ph type="ftr" idx="11"/>
           </p:nvPr>
         </p:nvSpPr>
         <p:spPr>
@@ -8654,7 +8844,7 @@
           </a:ln>
         </p:spPr>
         <p:txBody>
-          <a:bodyPr anchorCtr="0" anchor="ctr" bIns="45700" lIns="91425" spcFirstLastPara="1" rIns="91425" wrap="square" tIns="45700">
+          <a:bodyPr spcFirstLastPara="1" wrap="square" lIns="91425" tIns="45700" rIns="91425" bIns="45700" anchor="ctr" anchorCtr="0">
             <a:noAutofit/>
           </a:bodyPr>
           <a:lstStyle>
@@ -8758,15 +8948,19 @@
               <a:defRPr/>
             </a:lvl9pPr>
           </a:lstStyle>
-          <a:p/>
+          <a:p>
+            <a:endParaRPr/>
+          </a:p>
         </p:txBody>
       </p:sp>
       <p:sp>
         <p:nvSpPr>
           <p:cNvPr id="65" name="Google Shape;65;p9"/>
-          <p:cNvSpPr txBox="1"/>
+          <p:cNvSpPr txBox="1">
+            <a:spLocks noGrp="1"/>
+          </p:cNvSpPr>
           <p:nvPr>
-            <p:ph idx="12" type="sldNum"/>
+            <p:ph type="sldNum" idx="12"/>
           </p:nvPr>
         </p:nvSpPr>
         <p:spPr>
@@ -8783,67 +8977,67 @@
           </a:ln>
         </p:spPr>
         <p:txBody>
-          <a:bodyPr anchorCtr="0" anchor="ctr" bIns="45700" lIns="91425" spcFirstLastPara="1" rIns="91425" wrap="square" tIns="45700">
+          <a:bodyPr spcFirstLastPara="1" wrap="square" lIns="91425" tIns="45700" rIns="91425" bIns="45700" anchor="ctr" anchorCtr="0">
             <a:noAutofit/>
           </a:bodyPr>
           <a:lstStyle>
-            <a:lvl1pPr indent="0" lvl="0" marL="0" algn="r">
+            <a:lvl1pPr marL="0" lvl="0" indent="0" algn="r">
               <a:spcBef>
                 <a:spcPts val="0"/>
               </a:spcBef>
               <a:buNone/>
               <a:defRPr/>
             </a:lvl1pPr>
-            <a:lvl2pPr indent="0" lvl="1" marL="0" algn="r">
+            <a:lvl2pPr marL="0" lvl="1" indent="0" algn="r">
               <a:spcBef>
                 <a:spcPts val="0"/>
               </a:spcBef>
               <a:buNone/>
               <a:defRPr/>
             </a:lvl2pPr>
-            <a:lvl3pPr indent="0" lvl="2" marL="0" algn="r">
+            <a:lvl3pPr marL="0" lvl="2" indent="0" algn="r">
               <a:spcBef>
                 <a:spcPts val="0"/>
               </a:spcBef>
               <a:buNone/>
               <a:defRPr/>
             </a:lvl3pPr>
-            <a:lvl4pPr indent="0" lvl="3" marL="0" algn="r">
+            <a:lvl4pPr marL="0" lvl="3" indent="0" algn="r">
               <a:spcBef>
                 <a:spcPts val="0"/>
               </a:spcBef>
               <a:buNone/>
               <a:defRPr/>
             </a:lvl4pPr>
-            <a:lvl5pPr indent="0" lvl="4" marL="0" algn="r">
+            <a:lvl5pPr marL="0" lvl="4" indent="0" algn="r">
               <a:spcBef>
                 <a:spcPts val="0"/>
               </a:spcBef>
               <a:buNone/>
               <a:defRPr/>
             </a:lvl5pPr>
-            <a:lvl6pPr indent="0" lvl="5" marL="0" algn="r">
+            <a:lvl6pPr marL="0" lvl="5" indent="0" algn="r">
               <a:spcBef>
                 <a:spcPts val="0"/>
               </a:spcBef>
               <a:buNone/>
               <a:defRPr/>
             </a:lvl6pPr>
-            <a:lvl7pPr indent="0" lvl="6" marL="0" algn="r">
+            <a:lvl7pPr marL="0" lvl="6" indent="0" algn="r">
               <a:spcBef>
                 <a:spcPts val="0"/>
               </a:spcBef>
               <a:buNone/>
               <a:defRPr/>
             </a:lvl7pPr>
-            <a:lvl8pPr indent="0" lvl="7" marL="0" algn="r">
+            <a:lvl8pPr marL="0" lvl="7" indent="0" algn="r">
               <a:spcBef>
                 <a:spcPts val="0"/>
               </a:spcBef>
               <a:buNone/>
               <a:defRPr/>
             </a:lvl8pPr>
-            <a:lvl9pPr indent="0" lvl="8" marL="0" algn="r">
+            <a:lvl9pPr marL="0" lvl="8" indent="0" algn="r">
               <a:spcBef>
                 <a:spcPts val="0"/>
               </a:spcBef>
@@ -8852,7 +9046,7 @@
             </a:lvl9pPr>
           </a:lstStyle>
           <a:p>
-            <a:pPr indent="0" lvl="0" marL="0" rtl="0" algn="r">
+            <a:pPr marL="0" lvl="0" indent="0" algn="r" rtl="0">
               <a:spcBef>
                 <a:spcPts val="0"/>
               </a:spcBef>
@@ -8881,9 +9075,13 @@
             <a:ext cx="1737401" cy="959536"/>
           </a:xfrm>
           <a:custGeom>
-            <a:rect b="b" l="l" r="r" t="t"/>
+            <a:avLst/>
+            <a:gdLst/>
+            <a:ahLst/>
+            <a:cxnLst/>
+            <a:rect l="l" t="t" r="r" b="b"/>
             <a:pathLst>
-              <a:path extrusionOk="0" h="959536" w="1737401">
+              <a:path w="1737401" h="959536" extrusionOk="0">
                 <a:moveTo>
                   <a:pt x="0" y="0"/>
                 </a:moveTo>
@@ -8924,12 +9122,12 @@
           </a:ln>
         </p:spPr>
         <p:txBody>
-          <a:bodyPr anchorCtr="0" anchor="ctr" bIns="45700" lIns="91425" spcFirstLastPara="1" rIns="91425" wrap="square" tIns="45700">
+          <a:bodyPr spcFirstLastPara="1" wrap="square" lIns="91425" tIns="45700" rIns="91425" bIns="45700" anchor="ctr" anchorCtr="0">
             <a:noAutofit/>
           </a:bodyPr>
           <a:lstStyle/>
           <a:p>
-            <a:pPr indent="0" lvl="0" marL="0" marR="0" rtl="0" algn="l">
+            <a:pPr marL="0" marR="0" lvl="0" indent="0" algn="l" rtl="0">
               <a:lnSpc>
                 <a:spcPct val="100000"/>
               </a:lnSpc>
@@ -8946,10 +9144,7 @@
               <a:buFont typeface="Avenir"/>
               <a:buNone/>
             </a:pPr>
-            <a:r>
-              <a:t/>
-            </a:r>
-            <a:endParaRPr b="0" i="0" sz="1800" u="none" cap="none" strike="noStrike">
+            <a:endParaRPr sz="1800" b="0" i="0" u="none" strike="noStrike" cap="none">
               <a:solidFill>
                 <a:srgbClr val="000000"/>
               </a:solidFill>
@@ -8973,9 +9168,13 @@
             <a:ext cx="849328" cy="357668"/>
           </a:xfrm>
           <a:custGeom>
-            <a:rect b="b" l="l" r="r" t="t"/>
+            <a:avLst/>
+            <a:gdLst/>
+            <a:ahLst/>
+            <a:cxnLst/>
+            <a:rect l="l" t="t" r="r" b="b"/>
             <a:pathLst>
-              <a:path extrusionOk="0" h="477997" w="1135066">
+              <a:path w="1135066" h="477997" extrusionOk="0">
                 <a:moveTo>
                   <a:pt x="0" y="0"/>
                 </a:moveTo>
@@ -9007,12 +9206,12 @@
           </a:ln>
         </p:spPr>
         <p:txBody>
-          <a:bodyPr anchorCtr="0" anchor="ctr" bIns="45700" lIns="91425" spcFirstLastPara="1" rIns="91425" wrap="square" tIns="45700">
+          <a:bodyPr spcFirstLastPara="1" wrap="square" lIns="91425" tIns="45700" rIns="91425" bIns="45700" anchor="ctr" anchorCtr="0">
             <a:noAutofit/>
           </a:bodyPr>
           <a:lstStyle/>
           <a:p>
-            <a:pPr indent="0" lvl="0" marL="0" marR="0" rtl="0" algn="ctr">
+            <a:pPr marL="0" marR="0" lvl="0" indent="0" algn="ctr" rtl="0">
               <a:lnSpc>
                 <a:spcPct val="100000"/>
               </a:lnSpc>
@@ -9029,10 +9228,7 @@
               <a:buFont typeface="Avenir"/>
               <a:buNone/>
             </a:pPr>
-            <a:r>
-              <a:t/>
-            </a:r>
-            <a:endParaRPr b="0" i="0" sz="1800" u="none" cap="none" strike="noStrike">
+            <a:endParaRPr sz="1800" b="0" i="0" u="none" strike="noStrike" cap="none">
               <a:solidFill>
                 <a:srgbClr val="FFFFFF"/>
               </a:solidFill>
@@ -9053,11 +9249,11 @@
 </file>
 
 <file path=ppt/slideLayouts/slideLayout8.xml><?xml version="1.0" encoding="utf-8"?>
-<p:sldLayout xmlns:a="http://schemas.openxmlformats.org/drawingml/2006/main" xmlns:r="http://schemas.openxmlformats.org/officeDocument/2006/relationships" xmlns:mc="http://schemas.openxmlformats.org/markup-compatibility/2006" xmlns:mv="urn:schemas-microsoft-com:mac:vml" xmlns:p="http://schemas.openxmlformats.org/presentationml/2006/main" xmlns:c="http://schemas.openxmlformats.org/drawingml/2006/chart" xmlns:dgm="http://schemas.openxmlformats.org/drawingml/2006/diagram" xmlns:o="urn:schemas-microsoft-com:office:office" xmlns:v="urn:schemas-microsoft-com:vml" xmlns:pvml="urn:schemas-microsoft-com:office:powerpoint" xmlns:com="http://schemas.openxmlformats.org/drawingml/2006/compatibility" xmlns:p14="http://schemas.microsoft.com/office/powerpoint/2010/main" xmlns:p15="http://schemas.microsoft.com/office/powerpoint/2012/main" xmlns:ahyp="http://schemas.microsoft.com/office/drawing/2018/hyperlinkcolor" matchingName="Content with Caption" type="objTx">
+<p:sldLayout xmlns:a="http://schemas.openxmlformats.org/drawingml/2006/main" xmlns:r="http://schemas.openxmlformats.org/officeDocument/2006/relationships" xmlns:p="http://schemas.openxmlformats.org/presentationml/2006/main" matchingName="Content with Caption" type="objTx">
   <p:cSld name="OBJECT_WITH_CAPTION_TEXT">
     <p:spTree>
       <p:nvGrpSpPr>
-        <p:cNvPr id="68" name="Shape 68"/>
+        <p:cNvPr id="1" name="Shape 68"/>
         <p:cNvGrpSpPr/>
         <p:nvPr/>
       </p:nvGrpSpPr>
@@ -9072,7 +9268,9 @@
       <p:sp>
         <p:nvSpPr>
           <p:cNvPr id="69" name="Google Shape;69;p10"/>
-          <p:cNvSpPr txBox="1"/>
+          <p:cNvSpPr txBox="1">
+            <a:spLocks noGrp="1"/>
+          </p:cNvSpPr>
           <p:nvPr>
             <p:ph type="title"/>
           </p:nvPr>
@@ -9091,7 +9289,7 @@
           </a:ln>
         </p:spPr>
         <p:txBody>
-          <a:bodyPr anchorCtr="0" anchor="b" bIns="45700" lIns="91425" spcFirstLastPara="1" rIns="91425" wrap="square" tIns="45700">
+          <a:bodyPr spcFirstLastPara="1" wrap="square" lIns="91425" tIns="45700" rIns="91425" bIns="45700" anchor="b" anchorCtr="0">
             <a:normAutofit/>
           </a:bodyPr>
           <a:lstStyle>
@@ -9202,15 +9400,19 @@
               <a:defRPr/>
             </a:lvl9pPr>
           </a:lstStyle>
-          <a:p/>
+          <a:p>
+            <a:endParaRPr/>
+          </a:p>
         </p:txBody>
       </p:sp>
       <p:sp>
         <p:nvSpPr>
           <p:cNvPr id="70" name="Google Shape;70;p10"/>
-          <p:cNvSpPr txBox="1"/>
+          <p:cNvSpPr txBox="1">
+            <a:spLocks noGrp="1"/>
+          </p:cNvSpPr>
           <p:nvPr>
-            <p:ph idx="1" type="body"/>
+            <p:ph type="body" idx="1"/>
           </p:nvPr>
         </p:nvSpPr>
         <p:spPr>
@@ -9227,11 +9429,11 @@
           </a:ln>
         </p:spPr>
         <p:txBody>
-          <a:bodyPr anchorCtr="0" anchor="t" bIns="45700" lIns="91425" spcFirstLastPara="1" rIns="91425" wrap="square" tIns="45700">
+          <a:bodyPr spcFirstLastPara="1" wrap="square" lIns="91425" tIns="45700" rIns="91425" bIns="45700" anchor="t" anchorCtr="0">
             <a:normAutofit/>
           </a:bodyPr>
           <a:lstStyle>
-            <a:lvl1pPr indent="-431800" lvl="0" marL="457200" algn="l">
+            <a:lvl1pPr marL="457200" lvl="0" indent="-431800" algn="l">
               <a:lnSpc>
                 <a:spcPct val="90000"/>
               </a:lnSpc>
@@ -9248,7 +9450,7 @@
               <a:buChar char="•"/>
               <a:defRPr sz="3200"/>
             </a:lvl1pPr>
-            <a:lvl2pPr indent="-406400" lvl="1" marL="914400" algn="l">
+            <a:lvl2pPr marL="914400" lvl="1" indent="-406400" algn="l">
               <a:lnSpc>
                 <a:spcPct val="90000"/>
               </a:lnSpc>
@@ -9265,7 +9467,7 @@
               <a:buChar char="•"/>
               <a:defRPr sz="2800"/>
             </a:lvl2pPr>
-            <a:lvl3pPr indent="-381000" lvl="2" marL="1371600" algn="l">
+            <a:lvl3pPr marL="1371600" lvl="2" indent="-381000" algn="l">
               <a:lnSpc>
                 <a:spcPct val="90000"/>
               </a:lnSpc>
@@ -9282,7 +9484,7 @@
               <a:buChar char="•"/>
               <a:defRPr sz="2400"/>
             </a:lvl3pPr>
-            <a:lvl4pPr indent="-355600" lvl="3" marL="1828800" algn="l">
+            <a:lvl4pPr marL="1828800" lvl="3" indent="-355600" algn="l">
               <a:lnSpc>
                 <a:spcPct val="90000"/>
               </a:lnSpc>
@@ -9299,7 +9501,7 @@
               <a:buChar char="•"/>
               <a:defRPr sz="2000"/>
             </a:lvl4pPr>
-            <a:lvl5pPr indent="-355600" lvl="4" marL="2286000" algn="l">
+            <a:lvl5pPr marL="2286000" lvl="4" indent="-355600" algn="l">
               <a:lnSpc>
                 <a:spcPct val="90000"/>
               </a:lnSpc>
@@ -9316,7 +9518,7 @@
               <a:buChar char="•"/>
               <a:defRPr sz="2000"/>
             </a:lvl5pPr>
-            <a:lvl6pPr indent="-355600" lvl="5" marL="2743200" algn="l">
+            <a:lvl6pPr marL="2743200" lvl="5" indent="-355600" algn="l">
               <a:lnSpc>
                 <a:spcPct val="90000"/>
               </a:lnSpc>
@@ -9333,7 +9535,7 @@
               <a:buChar char="•"/>
               <a:defRPr sz="2000"/>
             </a:lvl6pPr>
-            <a:lvl7pPr indent="-355600" lvl="6" marL="3200400" algn="l">
+            <a:lvl7pPr marL="3200400" lvl="6" indent="-355600" algn="l">
               <a:lnSpc>
                 <a:spcPct val="90000"/>
               </a:lnSpc>
@@ -9350,7 +9552,7 @@
               <a:buChar char="•"/>
               <a:defRPr sz="2000"/>
             </a:lvl7pPr>
-            <a:lvl8pPr indent="-355600" lvl="7" marL="3657600" algn="l">
+            <a:lvl8pPr marL="3657600" lvl="7" indent="-355600" algn="l">
               <a:lnSpc>
                 <a:spcPct val="90000"/>
               </a:lnSpc>
@@ -9367,7 +9569,7 @@
               <a:buChar char="•"/>
               <a:defRPr sz="2000"/>
             </a:lvl8pPr>
-            <a:lvl9pPr indent="-355600" lvl="8" marL="4114800" algn="l">
+            <a:lvl9pPr marL="4114800" lvl="8" indent="-355600" algn="l">
               <a:lnSpc>
                 <a:spcPct val="90000"/>
               </a:lnSpc>
@@ -9385,15 +9587,19 @@
               <a:defRPr sz="2000"/>
             </a:lvl9pPr>
           </a:lstStyle>
-          <a:p/>
+          <a:p>
+            <a:endParaRPr/>
+          </a:p>
         </p:txBody>
       </p:sp>
       <p:sp>
         <p:nvSpPr>
           <p:cNvPr id="71" name="Google Shape;71;p10"/>
-          <p:cNvSpPr txBox="1"/>
+          <p:cNvSpPr txBox="1">
+            <a:spLocks noGrp="1"/>
+          </p:cNvSpPr>
           <p:nvPr>
-            <p:ph idx="2" type="body"/>
+            <p:ph type="body" idx="2"/>
           </p:nvPr>
         </p:nvSpPr>
         <p:spPr>
@@ -9410,11 +9616,11 @@
           </a:ln>
         </p:spPr>
         <p:txBody>
-          <a:bodyPr anchorCtr="0" anchor="t" bIns="45700" lIns="91425" spcFirstLastPara="1" rIns="91425" wrap="square" tIns="45700">
+          <a:bodyPr spcFirstLastPara="1" wrap="square" lIns="91425" tIns="45700" rIns="91425" bIns="45700" anchor="t" anchorCtr="0">
             <a:normAutofit/>
           </a:bodyPr>
           <a:lstStyle>
-            <a:lvl1pPr indent="-228600" lvl="0" marL="457200" algn="l">
+            <a:lvl1pPr marL="457200" lvl="0" indent="-228600" algn="l">
               <a:lnSpc>
                 <a:spcPct val="90000"/>
               </a:lnSpc>
@@ -9431,7 +9637,7 @@
               <a:buNone/>
               <a:defRPr sz="1600"/>
             </a:lvl1pPr>
-            <a:lvl2pPr indent="-228600" lvl="1" marL="914400" algn="l">
+            <a:lvl2pPr marL="914400" lvl="1" indent="-228600" algn="l">
               <a:lnSpc>
                 <a:spcPct val="90000"/>
               </a:lnSpc>
@@ -9448,7 +9654,7 @@
               <a:buNone/>
               <a:defRPr sz="1400"/>
             </a:lvl2pPr>
-            <a:lvl3pPr indent="-228600" lvl="2" marL="1371600" algn="l">
+            <a:lvl3pPr marL="1371600" lvl="2" indent="-228600" algn="l">
               <a:lnSpc>
                 <a:spcPct val="90000"/>
               </a:lnSpc>
@@ -9465,7 +9671,7 @@
               <a:buNone/>
               <a:defRPr sz="1200"/>
             </a:lvl3pPr>
-            <a:lvl4pPr indent="-228600" lvl="3" marL="1828800" algn="l">
+            <a:lvl4pPr marL="1828800" lvl="3" indent="-228600" algn="l">
               <a:lnSpc>
                 <a:spcPct val="90000"/>
               </a:lnSpc>
@@ -9482,7 +9688,7 @@
               <a:buNone/>
               <a:defRPr sz="1000"/>
             </a:lvl4pPr>
-            <a:lvl5pPr indent="-228600" lvl="4" marL="2286000" algn="l">
+            <a:lvl5pPr marL="2286000" lvl="4" indent="-228600" algn="l">
               <a:lnSpc>
                 <a:spcPct val="90000"/>
               </a:lnSpc>
@@ -9499,7 +9705,7 @@
               <a:buNone/>
               <a:defRPr sz="1000"/>
             </a:lvl5pPr>
-            <a:lvl6pPr indent="-228600" lvl="5" marL="2743200" algn="l">
+            <a:lvl6pPr marL="2743200" lvl="5" indent="-228600" algn="l">
               <a:lnSpc>
                 <a:spcPct val="90000"/>
               </a:lnSpc>
@@ -9516,7 +9722,7 @@
               <a:buNone/>
               <a:defRPr sz="1000"/>
             </a:lvl6pPr>
-            <a:lvl7pPr indent="-228600" lvl="6" marL="3200400" algn="l">
+            <a:lvl7pPr marL="3200400" lvl="6" indent="-228600" algn="l">
               <a:lnSpc>
                 <a:spcPct val="90000"/>
               </a:lnSpc>
@@ -9533,7 +9739,7 @@
               <a:buNone/>
               <a:defRPr sz="1000"/>
             </a:lvl7pPr>
-            <a:lvl8pPr indent="-228600" lvl="7" marL="3657600" algn="l">
+            <a:lvl8pPr marL="3657600" lvl="7" indent="-228600" algn="l">
               <a:lnSpc>
                 <a:spcPct val="90000"/>
               </a:lnSpc>
@@ -9550,7 +9756,7 @@
               <a:buNone/>
               <a:defRPr sz="1000"/>
             </a:lvl8pPr>
-            <a:lvl9pPr indent="-228600" lvl="8" marL="4114800" algn="l">
+            <a:lvl9pPr marL="4114800" lvl="8" indent="-228600" algn="l">
               <a:lnSpc>
                 <a:spcPct val="90000"/>
               </a:lnSpc>
@@ -9568,15 +9774,19 @@
               <a:defRPr sz="1000"/>
             </a:lvl9pPr>
           </a:lstStyle>
-          <a:p/>
+          <a:p>
+            <a:endParaRPr/>
+          </a:p>
         </p:txBody>
       </p:sp>
       <p:sp>
         <p:nvSpPr>
           <p:cNvPr id="72" name="Google Shape;72;p10"/>
-          <p:cNvSpPr txBox="1"/>
+          <p:cNvSpPr txBox="1">
+            <a:spLocks noGrp="1"/>
+          </p:cNvSpPr>
           <p:nvPr>
-            <p:ph idx="10" type="dt"/>
+            <p:ph type="dt" idx="10"/>
           </p:nvPr>
         </p:nvSpPr>
         <p:spPr>
@@ -9593,7 +9803,7 @@
           </a:ln>
         </p:spPr>
         <p:txBody>
-          <a:bodyPr anchorCtr="0" anchor="ctr" bIns="45700" lIns="91425" spcFirstLastPara="1" rIns="91425" wrap="square" tIns="45700">
+          <a:bodyPr spcFirstLastPara="1" wrap="square" lIns="91425" tIns="45700" rIns="91425" bIns="45700" anchor="ctr" anchorCtr="0">
             <a:noAutofit/>
           </a:bodyPr>
           <a:lstStyle>
@@ -9697,15 +9907,19 @@
               <a:defRPr/>
             </a:lvl9pPr>
           </a:lstStyle>
-          <a:p/>
+          <a:p>
+            <a:endParaRPr/>
+          </a:p>
         </p:txBody>
       </p:sp>
       <p:sp>
         <p:nvSpPr>
           <p:cNvPr id="73" name="Google Shape;73;p10"/>
-          <p:cNvSpPr txBox="1"/>
+          <p:cNvSpPr txBox="1">
+            <a:spLocks noGrp="1"/>
+          </p:cNvSpPr>
           <p:nvPr>
-            <p:ph idx="11" type="ftr"/>
+            <p:ph type="ftr" idx="11"/>
           </p:nvPr>
         </p:nvSpPr>
         <p:spPr>
@@ -9722,7 +9936,7 @@
           </a:ln>
         </p:spPr>
         <p:txBody>
-          <a:bodyPr anchorCtr="0" anchor="ctr" bIns="45700" lIns="91425" spcFirstLastPara="1" rIns="91425" wrap="square" tIns="45700">
+          <a:bodyPr spcFirstLastPara="1" wrap="square" lIns="91425" tIns="45700" rIns="91425" bIns="45700" anchor="ctr" anchorCtr="0">
             <a:noAutofit/>
           </a:bodyPr>
           <a:lstStyle>
@@ -9826,15 +10040,19 @@
               <a:defRPr/>
             </a:lvl9pPr>
           </a:lstStyle>
-          <a:p/>
+          <a:p>
+            <a:endParaRPr/>
+          </a:p>
         </p:txBody>
       </p:sp>
       <p:sp>
         <p:nvSpPr>
           <p:cNvPr id="74" name="Google Shape;74;p10"/>
-          <p:cNvSpPr txBox="1"/>
+          <p:cNvSpPr txBox="1">
+            <a:spLocks noGrp="1"/>
+          </p:cNvSpPr>
           <p:nvPr>
-            <p:ph idx="12" type="sldNum"/>
+            <p:ph type="sldNum" idx="12"/>
           </p:nvPr>
         </p:nvSpPr>
         <p:spPr>
@@ -9851,67 +10069,67 @@
           </a:ln>
         </p:spPr>
         <p:txBody>
-          <a:bodyPr anchorCtr="0" anchor="ctr" bIns="45700" lIns="91425" spcFirstLastPara="1" rIns="91425" wrap="square" tIns="45700">
+          <a:bodyPr spcFirstLastPara="1" wrap="square" lIns="91425" tIns="45700" rIns="91425" bIns="45700" anchor="ctr" anchorCtr="0">
             <a:noAutofit/>
           </a:bodyPr>
           <a:lstStyle>
-            <a:lvl1pPr indent="0" lvl="0" marL="0" algn="r">
+            <a:lvl1pPr marL="0" lvl="0" indent="0" algn="r">
               <a:spcBef>
                 <a:spcPts val="0"/>
               </a:spcBef>
               <a:buNone/>
               <a:defRPr/>
             </a:lvl1pPr>
-            <a:lvl2pPr indent="0" lvl="1" marL="0" algn="r">
+            <a:lvl2pPr marL="0" lvl="1" indent="0" algn="r">
               <a:spcBef>
                 <a:spcPts val="0"/>
               </a:spcBef>
               <a:buNone/>
               <a:defRPr/>
             </a:lvl2pPr>
-            <a:lvl3pPr indent="0" lvl="2" marL="0" algn="r">
+            <a:lvl3pPr marL="0" lvl="2" indent="0" algn="r">
               <a:spcBef>
                 <a:spcPts val="0"/>
               </a:spcBef>
               <a:buNone/>
               <a:defRPr/>
             </a:lvl3pPr>
-            <a:lvl4pPr indent="0" lvl="3" marL="0" algn="r">
+            <a:lvl4pPr marL="0" lvl="3" indent="0" algn="r">
               <a:spcBef>
                 <a:spcPts val="0"/>
               </a:spcBef>
               <a:buNone/>
               <a:defRPr/>
             </a:lvl4pPr>
-            <a:lvl5pPr indent="0" lvl="4" marL="0" algn="r">
+            <a:lvl5pPr marL="0" lvl="4" indent="0" algn="r">
               <a:spcBef>
                 <a:spcPts val="0"/>
               </a:spcBef>
               <a:buNone/>
               <a:defRPr/>
             </a:lvl5pPr>
-            <a:lvl6pPr indent="0" lvl="5" marL="0" algn="r">
+            <a:lvl6pPr marL="0" lvl="5" indent="0" algn="r">
               <a:spcBef>
                 <a:spcPts val="0"/>
               </a:spcBef>
               <a:buNone/>
               <a:defRPr/>
             </a:lvl6pPr>
-            <a:lvl7pPr indent="0" lvl="6" marL="0" algn="r">
+            <a:lvl7pPr marL="0" lvl="6" indent="0" algn="r">
               <a:spcBef>
                 <a:spcPts val="0"/>
               </a:spcBef>
               <a:buNone/>
               <a:defRPr/>
             </a:lvl7pPr>
-            <a:lvl8pPr indent="0" lvl="7" marL="0" algn="r">
+            <a:lvl8pPr marL="0" lvl="7" indent="0" algn="r">
               <a:spcBef>
                 <a:spcPts val="0"/>
               </a:spcBef>
               <a:buNone/>
               <a:defRPr/>
             </a:lvl8pPr>
-            <a:lvl9pPr indent="0" lvl="8" marL="0" algn="r">
+            <a:lvl9pPr marL="0" lvl="8" indent="0" algn="r">
               <a:spcBef>
                 <a:spcPts val="0"/>
               </a:spcBef>
@@ -9920,7 +10138,7 @@
             </a:lvl9pPr>
           </a:lstStyle>
           <a:p>
-            <a:pPr indent="0" lvl="0" marL="0" rtl="0" algn="r">
+            <a:pPr marL="0" lvl="0" indent="0" algn="r" rtl="0">
               <a:spcBef>
                 <a:spcPts val="0"/>
               </a:spcBef>
@@ -9949,9 +10167,13 @@
             <a:ext cx="1737401" cy="959536"/>
           </a:xfrm>
           <a:custGeom>
-            <a:rect b="b" l="l" r="r" t="t"/>
+            <a:avLst/>
+            <a:gdLst/>
+            <a:ahLst/>
+            <a:cxnLst/>
+            <a:rect l="l" t="t" r="r" b="b"/>
             <a:pathLst>
-              <a:path extrusionOk="0" h="959536" w="1737401">
+              <a:path w="1737401" h="959536" extrusionOk="0">
                 <a:moveTo>
                   <a:pt x="0" y="0"/>
                 </a:moveTo>
@@ -9992,12 +10214,12 @@
           </a:ln>
         </p:spPr>
         <p:txBody>
-          <a:bodyPr anchorCtr="0" anchor="ctr" bIns="45700" lIns="91425" spcFirstLastPara="1" rIns="91425" wrap="square" tIns="45700">
+          <a:bodyPr spcFirstLastPara="1" wrap="square" lIns="91425" tIns="45700" rIns="91425" bIns="45700" anchor="ctr" anchorCtr="0">
             <a:noAutofit/>
           </a:bodyPr>
           <a:lstStyle/>
           <a:p>
-            <a:pPr indent="0" lvl="0" marL="0" marR="0" rtl="0" algn="l">
+            <a:pPr marL="0" marR="0" lvl="0" indent="0" algn="l" rtl="0">
               <a:lnSpc>
                 <a:spcPct val="100000"/>
               </a:lnSpc>
@@ -10014,10 +10236,7 @@
               <a:buFont typeface="Avenir"/>
               <a:buNone/>
             </a:pPr>
-            <a:r>
-              <a:t/>
-            </a:r>
-            <a:endParaRPr b="0" i="0" sz="1800" u="none" cap="none" strike="noStrike">
+            <a:endParaRPr sz="1800" b="0" i="0" u="none" strike="noStrike" cap="none">
               <a:solidFill>
                 <a:srgbClr val="000000"/>
               </a:solidFill>
@@ -10041,9 +10260,13 @@
             <a:ext cx="849328" cy="357668"/>
           </a:xfrm>
           <a:custGeom>
-            <a:rect b="b" l="l" r="r" t="t"/>
+            <a:avLst/>
+            <a:gdLst/>
+            <a:ahLst/>
+            <a:cxnLst/>
+            <a:rect l="l" t="t" r="r" b="b"/>
             <a:pathLst>
-              <a:path extrusionOk="0" h="477997" w="1135066">
+              <a:path w="1135066" h="477997" extrusionOk="0">
                 <a:moveTo>
                   <a:pt x="0" y="0"/>
                 </a:moveTo>
@@ -10075,12 +10298,12 @@
           </a:ln>
         </p:spPr>
         <p:txBody>
-          <a:bodyPr anchorCtr="0" anchor="ctr" bIns="45700" lIns="91425" spcFirstLastPara="1" rIns="91425" wrap="square" tIns="45700">
+          <a:bodyPr spcFirstLastPara="1" wrap="square" lIns="91425" tIns="45700" rIns="91425" bIns="45700" anchor="ctr" anchorCtr="0">
             <a:noAutofit/>
           </a:bodyPr>
           <a:lstStyle/>
           <a:p>
-            <a:pPr indent="0" lvl="0" marL="0" marR="0" rtl="0" algn="ctr">
+            <a:pPr marL="0" marR="0" lvl="0" indent="0" algn="ctr" rtl="0">
               <a:lnSpc>
                 <a:spcPct val="100000"/>
               </a:lnSpc>
@@ -10097,10 +10320,7 @@
               <a:buFont typeface="Avenir"/>
               <a:buNone/>
             </a:pPr>
-            <a:r>
-              <a:t/>
-            </a:r>
-            <a:endParaRPr b="0" i="0" sz="1800" u="none" cap="none" strike="noStrike">
+            <a:endParaRPr sz="1800" b="0" i="0" u="none" strike="noStrike" cap="none">
               <a:solidFill>
                 <a:srgbClr val="FFFFFF"/>
               </a:solidFill>
@@ -10121,11 +10341,11 @@
 </file>
 
 <file path=ppt/slideLayouts/slideLayout9.xml><?xml version="1.0" encoding="utf-8"?>
-<p:sldLayout xmlns:a="http://schemas.openxmlformats.org/drawingml/2006/main" xmlns:r="http://schemas.openxmlformats.org/officeDocument/2006/relationships" xmlns:mc="http://schemas.openxmlformats.org/markup-compatibility/2006" xmlns:mv="urn:schemas-microsoft-com:mac:vml" xmlns:p="http://schemas.openxmlformats.org/presentationml/2006/main" xmlns:c="http://schemas.openxmlformats.org/drawingml/2006/chart" xmlns:dgm="http://schemas.openxmlformats.org/drawingml/2006/diagram" xmlns:o="urn:schemas-microsoft-com:office:office" xmlns:v="urn:schemas-microsoft-com:vml" xmlns:pvml="urn:schemas-microsoft-com:office:powerpoint" xmlns:com="http://schemas.openxmlformats.org/drawingml/2006/compatibility" xmlns:p14="http://schemas.microsoft.com/office/powerpoint/2010/main" xmlns:p15="http://schemas.microsoft.com/office/powerpoint/2012/main" xmlns:ahyp="http://schemas.microsoft.com/office/drawing/2018/hyperlinkcolor" matchingName="Picture with Caption" type="picTx">
+<p:sldLayout xmlns:a="http://schemas.openxmlformats.org/drawingml/2006/main" xmlns:r="http://schemas.openxmlformats.org/officeDocument/2006/relationships" xmlns:p="http://schemas.openxmlformats.org/presentationml/2006/main" matchingName="Picture with Caption" type="picTx">
   <p:cSld name="PICTURE_WITH_CAPTION_TEXT">
     <p:spTree>
       <p:nvGrpSpPr>
-        <p:cNvPr id="77" name="Shape 77"/>
+        <p:cNvPr id="1" name="Shape 77"/>
         <p:cNvGrpSpPr/>
         <p:nvPr/>
       </p:nvGrpSpPr>
@@ -10140,7 +10360,9 @@
       <p:sp>
         <p:nvSpPr>
           <p:cNvPr id="78" name="Google Shape;78;p11"/>
-          <p:cNvSpPr txBox="1"/>
+          <p:cNvSpPr txBox="1">
+            <a:spLocks noGrp="1"/>
+          </p:cNvSpPr>
           <p:nvPr>
             <p:ph type="title"/>
           </p:nvPr>
@@ -10159,7 +10381,7 @@
           </a:ln>
         </p:spPr>
         <p:txBody>
-          <a:bodyPr anchorCtr="0" anchor="b" bIns="45700" lIns="91425" spcFirstLastPara="1" rIns="91425" wrap="square" tIns="45700">
+          <a:bodyPr spcFirstLastPara="1" wrap="square" lIns="91425" tIns="45700" rIns="91425" bIns="45700" anchor="b" anchorCtr="0">
             <a:normAutofit/>
           </a:bodyPr>
           <a:lstStyle>
@@ -10270,15 +10492,19 @@
               <a:defRPr/>
             </a:lvl9pPr>
           </a:lstStyle>
-          <a:p/>
+          <a:p>
+            <a:endParaRPr/>
+          </a:p>
         </p:txBody>
       </p:sp>
       <p:sp>
         <p:nvSpPr>
           <p:cNvPr id="79" name="Google Shape;79;p11"/>
-          <p:cNvSpPr/>
+          <p:cNvSpPr>
+            <a:spLocks noGrp="1"/>
+          </p:cNvSpPr>
           <p:nvPr>
-            <p:ph idx="2" type="pic"/>
+            <p:ph type="pic" idx="2"/>
           </p:nvPr>
         </p:nvSpPr>
         <p:spPr>
@@ -10298,9 +10524,11 @@
       <p:sp>
         <p:nvSpPr>
           <p:cNvPr id="80" name="Google Shape;80;p11"/>
-          <p:cNvSpPr txBox="1"/>
+          <p:cNvSpPr txBox="1">
+            <a:spLocks noGrp="1"/>
+          </p:cNvSpPr>
           <p:nvPr>
-            <p:ph idx="1" type="body"/>
+            <p:ph type="body" idx="1"/>
           </p:nvPr>
         </p:nvSpPr>
         <p:spPr>
@@ -10317,11 +10545,11 @@
           </a:ln>
         </p:spPr>
         <p:txBody>
-          <a:bodyPr anchorCtr="0" anchor="t" bIns="45700" lIns="91425" spcFirstLastPara="1" rIns="91425" wrap="square" tIns="45700">
+          <a:bodyPr spcFirstLastPara="1" wrap="square" lIns="91425" tIns="45700" rIns="91425" bIns="45700" anchor="t" anchorCtr="0">
             <a:normAutofit/>
           </a:bodyPr>
           <a:lstStyle>
-            <a:lvl1pPr indent="-228600" lvl="0" marL="457200" algn="l">
+            <a:lvl1pPr marL="457200" lvl="0" indent="-228600" algn="l">
               <a:lnSpc>
                 <a:spcPct val="90000"/>
               </a:lnSpc>
@@ -10338,7 +10566,7 @@
               <a:buNone/>
               <a:defRPr sz="1600"/>
             </a:lvl1pPr>
-            <a:lvl2pPr indent="-228600" lvl="1" marL="914400" algn="l">
+            <a:lvl2pPr marL="914400" lvl="1" indent="-228600" algn="l">
               <a:lnSpc>
                 <a:spcPct val="90000"/>
               </a:lnSpc>
@@ -10355,7 +10583,7 @@
               <a:buNone/>
               <a:defRPr sz="1400"/>
             </a:lvl2pPr>
-            <a:lvl3pPr indent="-228600" lvl="2" marL="1371600" algn="l">
+            <a:lvl3pPr marL="1371600" lvl="2" indent="-228600" algn="l">
               <a:lnSpc>
                 <a:spcPct val="90000"/>
               </a:lnSpc>
@@ -10372,7 +10600,7 @@
               <a:buNone/>
               <a:defRPr sz="1200"/>
             </a:lvl3pPr>
-            <a:lvl4pPr indent="-228600" lvl="3" marL="1828800" algn="l">
+            <a:lvl4pPr marL="1828800" lvl="3" indent="-228600" algn="l">
               <a:lnSpc>
                 <a:spcPct val="90000"/>
               </a:lnSpc>
@@ -10389,7 +10617,7 @@
               <a:buNone/>
               <a:defRPr sz="1000"/>
             </a:lvl4pPr>
-            <a:lvl5pPr indent="-228600" lvl="4" marL="2286000" algn="l">
+            <a:lvl5pPr marL="2286000" lvl="4" indent="-228600" algn="l">
               <a:lnSpc>
                 <a:spcPct val="90000"/>
               </a:lnSpc>
@@ -10406,7 +10634,7 @@
               <a:buNone/>
               <a:defRPr sz="1000"/>
             </a:lvl5pPr>
-            <a:lvl6pPr indent="-228600" lvl="5" marL="2743200" algn="l">
+            <a:lvl6pPr marL="2743200" lvl="5" indent="-228600" algn="l">
               <a:lnSpc>
                 <a:spcPct val="90000"/>
               </a:lnSpc>
@@ -10423,7 +10651,7 @@
               <a:buNone/>
               <a:defRPr sz="1000"/>
             </a:lvl6pPr>
-            <a:lvl7pPr indent="-228600" lvl="6" marL="3200400" algn="l">
+            <a:lvl7pPr marL="3200400" lvl="6" indent="-228600" algn="l">
               <a:lnSpc>
                 <a:spcPct val="90000"/>
               </a:lnSpc>
@@ -10440,7 +10668,7 @@
               <a:buNone/>
               <a:defRPr sz="1000"/>
             </a:lvl7pPr>
-            <a:lvl8pPr indent="-228600" lvl="7" marL="3657600" algn="l">
+            <a:lvl8pPr marL="3657600" lvl="7" indent="-228600" algn="l">
               <a:lnSpc>
                 <a:spcPct val="90000"/>
               </a:lnSpc>
@@ -10457,7 +10685,7 @@
               <a:buNone/>
               <a:defRPr sz="1000"/>
             </a:lvl8pPr>
-            <a:lvl9pPr indent="-228600" lvl="8" marL="4114800" algn="l">
+            <a:lvl9pPr marL="4114800" lvl="8" indent="-228600" algn="l">
               <a:lnSpc>
                 <a:spcPct val="90000"/>
               </a:lnSpc>
@@ -10475,15 +10703,19 @@
               <a:defRPr sz="1000"/>
             </a:lvl9pPr>
           </a:lstStyle>
-          <a:p/>
+          <a:p>
+            <a:endParaRPr/>
+          </a:p>
         </p:txBody>
       </p:sp>
       <p:sp>
         <p:nvSpPr>
           <p:cNvPr id="81" name="Google Shape;81;p11"/>
-          <p:cNvSpPr txBox="1"/>
+          <p:cNvSpPr txBox="1">
+            <a:spLocks noGrp="1"/>
+          </p:cNvSpPr>
           <p:nvPr>
-            <p:ph idx="10" type="dt"/>
+            <p:ph type="dt" idx="10"/>
           </p:nvPr>
         </p:nvSpPr>
         <p:spPr>
@@ -10500,7 +10732,7 @@
           </a:ln>
         </p:spPr>
         <p:txBody>
-          <a:bodyPr anchorCtr="0" anchor="ctr" bIns="45700" lIns="91425" spcFirstLastPara="1" rIns="91425" wrap="square" tIns="45700">
+          <a:bodyPr spcFirstLastPara="1" wrap="square" lIns="91425" tIns="45700" rIns="91425" bIns="45700" anchor="ctr" anchorCtr="0">
             <a:noAutofit/>
           </a:bodyPr>
           <a:lstStyle>
@@ -10604,15 +10836,19 @@
               <a:defRPr/>
             </a:lvl9pPr>
           </a:lstStyle>
-          <a:p/>
+          <a:p>
+            <a:endParaRPr/>
+          </a:p>
         </p:txBody>
       </p:sp>
       <p:sp>
         <p:nvSpPr>
           <p:cNvPr id="82" name="Google Shape;82;p11"/>
-          <p:cNvSpPr txBox="1"/>
+          <p:cNvSpPr txBox="1">
+            <a:spLocks noGrp="1"/>
+          </p:cNvSpPr>
           <p:nvPr>
-            <p:ph idx="11" type="ftr"/>
+            <p:ph type="ftr" idx="11"/>
           </p:nvPr>
         </p:nvSpPr>
         <p:spPr>
@@ -10629,7 +10865,7 @@
           </a:ln>
         </p:spPr>
         <p:txBody>
-          <a:bodyPr anchorCtr="0" anchor="ctr" bIns="45700" lIns="91425" spcFirstLastPara="1" rIns="91425" wrap="square" tIns="45700">
+          <a:bodyPr spcFirstLastPara="1" wrap="square" lIns="91425" tIns="45700" rIns="91425" bIns="45700" anchor="ctr" anchorCtr="0">
             <a:noAutofit/>
           </a:bodyPr>
           <a:lstStyle>
@@ -10733,15 +10969,19 @@
               <a:defRPr/>
             </a:lvl9pPr>
           </a:lstStyle>
-          <a:p/>
+          <a:p>
+            <a:endParaRPr/>
+          </a:p>
         </p:txBody>
       </p:sp>
       <p:sp>
         <p:nvSpPr>
           <p:cNvPr id="83" name="Google Shape;83;p11"/>
-          <p:cNvSpPr txBox="1"/>
+          <p:cNvSpPr txBox="1">
+            <a:spLocks noGrp="1"/>
+          </p:cNvSpPr>
           <p:nvPr>
-            <p:ph idx="12" type="sldNum"/>
+            <p:ph type="sldNum" idx="12"/>
           </p:nvPr>
         </p:nvSpPr>
         <p:spPr>
@@ -10758,67 +10998,67 @@
           </a:ln>
         </p:spPr>
         <p:txBody>
-          <a:bodyPr anchorCtr="0" anchor="ctr" bIns="45700" lIns="91425" spcFirstLastPara="1" rIns="91425" wrap="square" tIns="45700">
+          <a:bodyPr spcFirstLastPara="1" wrap="square" lIns="91425" tIns="45700" rIns="91425" bIns="45700" anchor="ctr" anchorCtr="0">
             <a:noAutofit/>
           </a:bodyPr>
           <a:lstStyle>
-            <a:lvl1pPr indent="0" lvl="0" marL="0" algn="r">
+            <a:lvl1pPr marL="0" lvl="0" indent="0" algn="r">
               <a:spcBef>
                 <a:spcPts val="0"/>
               </a:spcBef>
               <a:buNone/>
               <a:defRPr/>
             </a:lvl1pPr>
-            <a:lvl2pPr indent="0" lvl="1" marL="0" algn="r">
+            <a:lvl2pPr marL="0" lvl="1" indent="0" algn="r">
               <a:spcBef>
                 <a:spcPts val="0"/>
               </a:spcBef>
               <a:buNone/>
               <a:defRPr/>
             </a:lvl2pPr>
-            <a:lvl3pPr indent="0" lvl="2" marL="0" algn="r">
+            <a:lvl3pPr marL="0" lvl="2" indent="0" algn="r">
               <a:spcBef>
                 <a:spcPts val="0"/>
               </a:spcBef>
               <a:buNone/>
               <a:defRPr/>
             </a:lvl3pPr>
-            <a:lvl4pPr indent="0" lvl="3" marL="0" algn="r">
+            <a:lvl4pPr marL="0" lvl="3" indent="0" algn="r">
               <a:spcBef>
                 <a:spcPts val="0"/>
               </a:spcBef>
               <a:buNone/>
               <a:defRPr/>
             </a:lvl4pPr>
-            <a:lvl5pPr indent="0" lvl="4" marL="0" algn="r">
+            <a:lvl5pPr marL="0" lvl="4" indent="0" algn="r">
               <a:spcBef>
                 <a:spcPts val="0"/>
               </a:spcBef>
               <a:buNone/>
               <a:defRPr/>
             </a:lvl5pPr>
-            <a:lvl6pPr indent="0" lvl="5" marL="0" algn="r">
+            <a:lvl6pPr marL="0" lvl="5" indent="0" algn="r">
               <a:spcBef>
                 <a:spcPts val="0"/>
               </a:spcBef>
               <a:buNone/>
               <a:defRPr/>
             </a:lvl6pPr>
-            <a:lvl7pPr indent="0" lvl="6" marL="0" algn="r">
+            <a:lvl7pPr marL="0" lvl="6" indent="0" algn="r">
               <a:spcBef>
                 <a:spcPts val="0"/>
               </a:spcBef>
               <a:buNone/>
               <a:defRPr/>
             </a:lvl7pPr>
-            <a:lvl8pPr indent="0" lvl="7" marL="0" algn="r">
+            <a:lvl8pPr marL="0" lvl="7" indent="0" algn="r">
               <a:spcBef>
                 <a:spcPts val="0"/>
               </a:spcBef>
               <a:buNone/>
               <a:defRPr/>
             </a:lvl8pPr>
-            <a:lvl9pPr indent="0" lvl="8" marL="0" algn="r">
+            <a:lvl9pPr marL="0" lvl="8" indent="0" algn="r">
               <a:spcBef>
                 <a:spcPts val="0"/>
               </a:spcBef>
@@ -10827,7 +11067,7 @@
             </a:lvl9pPr>
           </a:lstStyle>
           <a:p>
-            <a:pPr indent="0" lvl="0" marL="0" rtl="0" algn="r">
+            <a:pPr marL="0" lvl="0" indent="0" algn="r" rtl="0">
               <a:spcBef>
                 <a:spcPts val="0"/>
               </a:spcBef>
@@ -10856,9 +11096,13 @@
             <a:ext cx="1737401" cy="959536"/>
           </a:xfrm>
           <a:custGeom>
-            <a:rect b="b" l="l" r="r" t="t"/>
+            <a:avLst/>
+            <a:gdLst/>
+            <a:ahLst/>
+            <a:cxnLst/>
+            <a:rect l="l" t="t" r="r" b="b"/>
             <a:pathLst>
-              <a:path extrusionOk="0" h="959536" w="1737401">
+              <a:path w="1737401" h="959536" extrusionOk="0">
                 <a:moveTo>
                   <a:pt x="0" y="0"/>
                 </a:moveTo>
@@ -10899,12 +11143,12 @@
           </a:ln>
         </p:spPr>
         <p:txBody>
-          <a:bodyPr anchorCtr="0" anchor="ctr" bIns="45700" lIns="91425" spcFirstLastPara="1" rIns="91425" wrap="square" tIns="45700">
+          <a:bodyPr spcFirstLastPara="1" wrap="square" lIns="91425" tIns="45700" rIns="91425" bIns="45700" anchor="ctr" anchorCtr="0">
             <a:noAutofit/>
           </a:bodyPr>
           <a:lstStyle/>
           <a:p>
-            <a:pPr indent="0" lvl="0" marL="0" marR="0" rtl="0" algn="l">
+            <a:pPr marL="0" marR="0" lvl="0" indent="0" algn="l" rtl="0">
               <a:lnSpc>
                 <a:spcPct val="100000"/>
               </a:lnSpc>
@@ -10921,10 +11165,7 @@
               <a:buFont typeface="Avenir"/>
               <a:buNone/>
             </a:pPr>
-            <a:r>
-              <a:t/>
-            </a:r>
-            <a:endParaRPr b="0" i="0" sz="1800" u="none" cap="none" strike="noStrike">
+            <a:endParaRPr sz="1800" b="0" i="0" u="none" strike="noStrike" cap="none">
               <a:solidFill>
                 <a:srgbClr val="000000"/>
               </a:solidFill>
@@ -10948,9 +11189,13 @@
             <a:ext cx="849328" cy="357668"/>
           </a:xfrm>
           <a:custGeom>
-            <a:rect b="b" l="l" r="r" t="t"/>
+            <a:avLst/>
+            <a:gdLst/>
+            <a:ahLst/>
+            <a:cxnLst/>
+            <a:rect l="l" t="t" r="r" b="b"/>
             <a:pathLst>
-              <a:path extrusionOk="0" h="477997" w="1135066">
+              <a:path w="1135066" h="477997" extrusionOk="0">
                 <a:moveTo>
                   <a:pt x="0" y="0"/>
                 </a:moveTo>
@@ -10982,12 +11227,12 @@
           </a:ln>
         </p:spPr>
         <p:txBody>
-          <a:bodyPr anchorCtr="0" anchor="ctr" bIns="45700" lIns="91425" spcFirstLastPara="1" rIns="91425" wrap="square" tIns="45700">
+          <a:bodyPr spcFirstLastPara="1" wrap="square" lIns="91425" tIns="45700" rIns="91425" bIns="45700" anchor="ctr" anchorCtr="0">
             <a:noAutofit/>
           </a:bodyPr>
           <a:lstStyle/>
           <a:p>
-            <a:pPr indent="0" lvl="0" marL="0" marR="0" rtl="0" algn="ctr">
+            <a:pPr marL="0" marR="0" lvl="0" indent="0" algn="ctr" rtl="0">
               <a:lnSpc>
                 <a:spcPct val="100000"/>
               </a:lnSpc>
@@ -11004,10 +11249,7 @@
               <a:buFont typeface="Avenir"/>
               <a:buNone/>
             </a:pPr>
-            <a:r>
-              <a:t/>
-            </a:r>
-            <a:endParaRPr b="0" i="0" sz="1800" u="none" cap="none" strike="noStrike">
+            <a:endParaRPr sz="1800" b="0" i="0" u="none" strike="noStrike" cap="none">
               <a:solidFill>
                 <a:srgbClr val="FFFFFF"/>
               </a:solidFill>
@@ -11028,18 +11270,19 @@
 </file>
 
 <file path=ppt/slideMasters/slideMaster1.xml><?xml version="1.0" encoding="utf-8"?>
-<p:sldMaster xmlns:a="http://schemas.openxmlformats.org/drawingml/2006/main" xmlns:r="http://schemas.openxmlformats.org/officeDocument/2006/relationships" xmlns:mc="http://schemas.openxmlformats.org/markup-compatibility/2006" xmlns:mv="urn:schemas-microsoft-com:mac:vml" xmlns:p="http://schemas.openxmlformats.org/presentationml/2006/main" xmlns:c="http://schemas.openxmlformats.org/drawingml/2006/chart" xmlns:dgm="http://schemas.openxmlformats.org/drawingml/2006/diagram" xmlns:o="urn:schemas-microsoft-com:office:office" xmlns:v="urn:schemas-microsoft-com:vml" xmlns:pvml="urn:schemas-microsoft-com:office:powerpoint" xmlns:com="http://schemas.openxmlformats.org/drawingml/2006/compatibility" xmlns:p14="http://schemas.microsoft.com/office/powerpoint/2010/main" xmlns:p15="http://schemas.microsoft.com/office/powerpoint/2012/main" xmlns:ahyp="http://schemas.microsoft.com/office/drawing/2018/hyperlinkcolor">
+<p:sldMaster xmlns:a="http://schemas.openxmlformats.org/drawingml/2006/main" xmlns:r="http://schemas.openxmlformats.org/officeDocument/2006/relationships" xmlns:p="http://schemas.openxmlformats.org/presentationml/2006/main">
   <p:cSld>
     <p:bg>
       <p:bgPr>
         <a:solidFill>
           <a:schemeClr val="lt1"/>
         </a:solidFill>
+        <a:effectLst/>
       </p:bgPr>
     </p:bg>
     <p:spTree>
       <p:nvGrpSpPr>
-        <p:cNvPr id="5" name="Shape 5"/>
+        <p:cNvPr id="1" name="Shape 5"/>
         <p:cNvGrpSpPr/>
         <p:nvPr/>
       </p:nvGrpSpPr>
@@ -11054,7 +11297,9 @@
       <p:sp>
         <p:nvSpPr>
           <p:cNvPr id="6" name="Google Shape;6;p2"/>
-          <p:cNvSpPr txBox="1"/>
+          <p:cNvSpPr txBox="1">
+            <a:spLocks noGrp="1"/>
+          </p:cNvSpPr>
           <p:nvPr>
             <p:ph type="title"/>
           </p:nvPr>
@@ -11073,11 +11318,11 @@
           </a:ln>
         </p:spPr>
         <p:txBody>
-          <a:bodyPr anchorCtr="0" anchor="ctr" bIns="45700" lIns="91425" spcFirstLastPara="1" rIns="91425" wrap="square" tIns="45700">
+          <a:bodyPr spcFirstLastPara="1" wrap="square" lIns="91425" tIns="45700" rIns="91425" bIns="45700" anchor="ctr" anchorCtr="0">
             <a:normAutofit/>
           </a:bodyPr>
           <a:lstStyle>
-            <a:lvl1pPr lvl="0" marR="0" rtl="0" algn="l">
+            <a:lvl1pPr marR="0" lvl="0" algn="l" rtl="0">
               <a:lnSpc>
                 <a:spcPct val="90000"/>
               </a:lnSpc>
@@ -11093,7 +11338,7 @@
               <a:buSzPts val="4400"/>
               <a:buFont typeface="Twentieth Century"/>
               <a:buNone/>
-              <a:defRPr b="0" i="0" sz="4400" u="none" cap="none" strike="noStrike">
+              <a:defRPr sz="4400" b="0" i="0" u="none" strike="noStrike" cap="none">
                 <a:solidFill>
                   <a:schemeClr val="dk1"/>
                 </a:solidFill>
@@ -11192,15 +11437,19 @@
               <a:defRPr sz="1800"/>
             </a:lvl9pPr>
           </a:lstStyle>
-          <a:p/>
+          <a:p>
+            <a:endParaRPr/>
+          </a:p>
         </p:txBody>
       </p:sp>
       <p:sp>
         <p:nvSpPr>
           <p:cNvPr id="7" name="Google Shape;7;p2"/>
-          <p:cNvSpPr txBox="1"/>
+          <p:cNvSpPr txBox="1">
+            <a:spLocks noGrp="1"/>
+          </p:cNvSpPr>
           <p:nvPr>
-            <p:ph idx="1" type="body"/>
+            <p:ph type="body" idx="1"/>
           </p:nvPr>
         </p:nvSpPr>
         <p:spPr>
@@ -11217,11 +11466,11 @@
           </a:ln>
         </p:spPr>
         <p:txBody>
-          <a:bodyPr anchorCtr="0" anchor="t" bIns="45700" lIns="91425" spcFirstLastPara="1" rIns="91425" wrap="square" tIns="45700">
+          <a:bodyPr spcFirstLastPara="1" wrap="square" lIns="91425" tIns="45700" rIns="91425" bIns="45700" anchor="t" anchorCtr="0">
             <a:normAutofit/>
           </a:bodyPr>
           <a:lstStyle>
-            <a:lvl1pPr indent="-406400" lvl="0" marL="457200" marR="0" rtl="0" algn="l">
+            <a:lvl1pPr marL="457200" marR="0" lvl="0" indent="-406400" algn="l" rtl="0">
               <a:lnSpc>
                 <a:spcPct val="90000"/>
               </a:lnSpc>
@@ -11237,7 +11486,7 @@
               <a:buSzPts val="2800"/>
               <a:buFont typeface="Arial"/>
               <a:buChar char="•"/>
-              <a:defRPr b="0" i="0" sz="2800" u="none" cap="none" strike="noStrike">
+              <a:defRPr sz="2800" b="0" i="0" u="none" strike="noStrike" cap="none">
                 <a:solidFill>
                   <a:schemeClr val="dk1"/>
                 </a:solidFill>
@@ -11247,7 +11496,7 @@
                 <a:sym typeface="Avenir"/>
               </a:defRPr>
             </a:lvl1pPr>
-            <a:lvl2pPr indent="-381000" lvl="1" marL="914400" marR="0" rtl="0" algn="l">
+            <a:lvl2pPr marL="914400" marR="0" lvl="1" indent="-381000" algn="l" rtl="0">
               <a:lnSpc>
                 <a:spcPct val="90000"/>
               </a:lnSpc>
@@ -11263,7 +11512,7 @@
               <a:buSzPts val="2400"/>
               <a:buFont typeface="Arial"/>
               <a:buChar char="•"/>
-              <a:defRPr b="0" i="0" sz="2400" u="none" cap="none" strike="noStrike">
+              <a:defRPr sz="2400" b="0" i="0" u="none" strike="noStrike" cap="none">
                 <a:solidFill>
                   <a:schemeClr val="dk1"/>
                 </a:solidFill>
@@ -11273,7 +11522,7 @@
                 <a:sym typeface="Avenir"/>
               </a:defRPr>
             </a:lvl2pPr>
-            <a:lvl3pPr indent="-355600" lvl="2" marL="1371600" marR="0" rtl="0" algn="l">
+            <a:lvl3pPr marL="1371600" marR="0" lvl="2" indent="-355600" algn="l" rtl="0">
               <a:lnSpc>
                 <a:spcPct val="90000"/>
               </a:lnSpc>
@@ -11289,7 +11538,7 @@
               <a:buSzPts val="2000"/>
               <a:buFont typeface="Arial"/>
               <a:buChar char="•"/>
-              <a:defRPr b="0" i="0" sz="2000" u="none" cap="none" strike="noStrike">
+              <a:defRPr sz="2000" b="0" i="0" u="none" strike="noStrike" cap="none">
                 <a:solidFill>
                   <a:schemeClr val="dk1"/>
                 </a:solidFill>
@@ -11299,7 +11548,7 @@
                 <a:sym typeface="Avenir"/>
               </a:defRPr>
             </a:lvl3pPr>
-            <a:lvl4pPr indent="-342900" lvl="3" marL="1828800" marR="0" rtl="0" algn="l">
+            <a:lvl4pPr marL="1828800" marR="0" lvl="3" indent="-342900" algn="l" rtl="0">
               <a:lnSpc>
                 <a:spcPct val="90000"/>
               </a:lnSpc>
@@ -11315,7 +11564,7 @@
               <a:buSzPts val="1800"/>
               <a:buFont typeface="Arial"/>
               <a:buChar char="•"/>
-              <a:defRPr b="0" i="0" sz="1800" u="none" cap="none" strike="noStrike">
+              <a:defRPr sz="1800" b="0" i="0" u="none" strike="noStrike" cap="none">
                 <a:solidFill>
                   <a:schemeClr val="dk1"/>
                 </a:solidFill>
@@ -11325,7 +11574,7 @@
                 <a:sym typeface="Avenir"/>
               </a:defRPr>
             </a:lvl4pPr>
-            <a:lvl5pPr indent="-342900" lvl="4" marL="2286000" marR="0" rtl="0" algn="l">
+            <a:lvl5pPr marL="2286000" marR="0" lvl="4" indent="-342900" algn="l" rtl="0">
               <a:lnSpc>
                 <a:spcPct val="90000"/>
               </a:lnSpc>
@@ -11341,7 +11590,7 @@
               <a:buSzPts val="1800"/>
               <a:buFont typeface="Arial"/>
               <a:buChar char="•"/>
-              <a:defRPr b="0" i="0" sz="1800" u="none" cap="none" strike="noStrike">
+              <a:defRPr sz="1800" b="0" i="0" u="none" strike="noStrike" cap="none">
                 <a:solidFill>
                   <a:schemeClr val="dk1"/>
                 </a:solidFill>
@@ -11351,7 +11600,7 @@
                 <a:sym typeface="Avenir"/>
               </a:defRPr>
             </a:lvl5pPr>
-            <a:lvl6pPr indent="-342900" lvl="5" marL="2743200" marR="0" rtl="0" algn="l">
+            <a:lvl6pPr marL="2743200" marR="0" lvl="5" indent="-342900" algn="l" rtl="0">
               <a:lnSpc>
                 <a:spcPct val="90000"/>
               </a:lnSpc>
@@ -11367,7 +11616,7 @@
               <a:buSzPts val="1800"/>
               <a:buFont typeface="Arial"/>
               <a:buChar char="•"/>
-              <a:defRPr b="0" i="0" sz="1800" u="none" cap="none" strike="noStrike">
+              <a:defRPr sz="1800" b="0" i="0" u="none" strike="noStrike" cap="none">
                 <a:solidFill>
                   <a:schemeClr val="dk1"/>
                 </a:solidFill>
@@ -11377,7 +11626,7 @@
                 <a:sym typeface="Avenir"/>
               </a:defRPr>
             </a:lvl6pPr>
-            <a:lvl7pPr indent="-342900" lvl="6" marL="3200400" marR="0" rtl="0" algn="l">
+            <a:lvl7pPr marL="3200400" marR="0" lvl="6" indent="-342900" algn="l" rtl="0">
               <a:lnSpc>
                 <a:spcPct val="90000"/>
               </a:lnSpc>
@@ -11393,7 +11642,7 @@
               <a:buSzPts val="1800"/>
               <a:buFont typeface="Arial"/>
               <a:buChar char="•"/>
-              <a:defRPr b="0" i="0" sz="1800" u="none" cap="none" strike="noStrike">
+              <a:defRPr sz="1800" b="0" i="0" u="none" strike="noStrike" cap="none">
                 <a:solidFill>
                   <a:schemeClr val="dk1"/>
                 </a:solidFill>
@@ -11403,7 +11652,7 @@
                 <a:sym typeface="Avenir"/>
               </a:defRPr>
             </a:lvl7pPr>
-            <a:lvl8pPr indent="-342900" lvl="7" marL="3657600" marR="0" rtl="0" algn="l">
+            <a:lvl8pPr marL="3657600" marR="0" lvl="7" indent="-342900" algn="l" rtl="0">
               <a:lnSpc>
                 <a:spcPct val="90000"/>
               </a:lnSpc>
@@ -11419,7 +11668,7 @@
               <a:buSzPts val="1800"/>
               <a:buFont typeface="Arial"/>
               <a:buChar char="•"/>
-              <a:defRPr b="0" i="0" sz="1800" u="none" cap="none" strike="noStrike">
+              <a:defRPr sz="1800" b="0" i="0" u="none" strike="noStrike" cap="none">
                 <a:solidFill>
                   <a:schemeClr val="dk1"/>
                 </a:solidFill>
@@ -11429,7 +11678,7 @@
                 <a:sym typeface="Avenir"/>
               </a:defRPr>
             </a:lvl8pPr>
-            <a:lvl9pPr indent="-342900" lvl="8" marL="4114800" marR="0" rtl="0" algn="l">
+            <a:lvl9pPr marL="4114800" marR="0" lvl="8" indent="-342900" algn="l" rtl="0">
               <a:lnSpc>
                 <a:spcPct val="90000"/>
               </a:lnSpc>
@@ -11445,7 +11694,7 @@
               <a:buSzPts val="1800"/>
               <a:buFont typeface="Arial"/>
               <a:buChar char="•"/>
-              <a:defRPr b="0" i="0" sz="1800" u="none" cap="none" strike="noStrike">
+              <a:defRPr sz="1800" b="0" i="0" u="none" strike="noStrike" cap="none">
                 <a:solidFill>
                   <a:schemeClr val="dk1"/>
                 </a:solidFill>
@@ -11456,15 +11705,19 @@
               </a:defRPr>
             </a:lvl9pPr>
           </a:lstStyle>
-          <a:p/>
+          <a:p>
+            <a:endParaRPr/>
+          </a:p>
         </p:txBody>
       </p:sp>
       <p:sp>
         <p:nvSpPr>
           <p:cNvPr id="8" name="Google Shape;8;p2"/>
-          <p:cNvSpPr txBox="1"/>
+          <p:cNvSpPr txBox="1">
+            <a:spLocks noGrp="1"/>
+          </p:cNvSpPr>
           <p:nvPr>
-            <p:ph idx="10" type="dt"/>
+            <p:ph type="dt" idx="10"/>
           </p:nvPr>
         </p:nvSpPr>
         <p:spPr>
@@ -11481,20 +11734,20 @@
           </a:ln>
         </p:spPr>
         <p:txBody>
-          <a:bodyPr anchorCtr="0" anchor="ctr" bIns="45700" lIns="91425" spcFirstLastPara="1" rIns="91425" wrap="square" tIns="45700">
+          <a:bodyPr spcFirstLastPara="1" wrap="square" lIns="91425" tIns="45700" rIns="91425" bIns="45700" anchor="ctr" anchorCtr="0">
             <a:noAutofit/>
           </a:bodyPr>
           <a:lstStyle>
-            <a:lvl1pPr lvl="0" marR="0" rtl="0" algn="l">
-              <a:spcBef>
-                <a:spcPts val="0"/>
-              </a:spcBef>
-              <a:spcAft>
-                <a:spcPts val="0"/>
-              </a:spcAft>
-              <a:buSzPts val="1400"/>
-              <a:buNone/>
-              <a:defRPr b="0" i="0" sz="1200" u="none" cap="none" strike="noStrike">
+            <a:lvl1pPr marR="0" lvl="0" algn="l" rtl="0">
+              <a:spcBef>
+                <a:spcPts val="0"/>
+              </a:spcBef>
+              <a:spcAft>
+                <a:spcPts val="0"/>
+              </a:spcAft>
+              <a:buSzPts val="1400"/>
+              <a:buNone/>
+              <a:defRPr sz="1200" b="0" i="0" u="none" strike="noStrike" cap="none">
                 <a:solidFill>
                   <a:srgbClr val="888888"/>
                 </a:solidFill>
@@ -11504,16 +11757,16 @@
                 <a:sym typeface="Avenir"/>
               </a:defRPr>
             </a:lvl1pPr>
-            <a:lvl2pPr lvl="1" marR="0" rtl="0" algn="l">
-              <a:spcBef>
-                <a:spcPts val="0"/>
-              </a:spcBef>
-              <a:spcAft>
-                <a:spcPts val="0"/>
-              </a:spcAft>
-              <a:buSzPts val="1400"/>
-              <a:buNone/>
-              <a:defRPr b="0" i="0" sz="1800" u="none" cap="none" strike="noStrike">
+            <a:lvl2pPr marR="0" lvl="1" algn="l" rtl="0">
+              <a:spcBef>
+                <a:spcPts val="0"/>
+              </a:spcBef>
+              <a:spcAft>
+                <a:spcPts val="0"/>
+              </a:spcAft>
+              <a:buSzPts val="1400"/>
+              <a:buNone/>
+              <a:defRPr sz="1800" b="0" i="0" u="none" strike="noStrike" cap="none">
                 <a:solidFill>
                   <a:schemeClr val="dk1"/>
                 </a:solidFill>
@@ -11523,16 +11776,16 @@
                 <a:sym typeface="Avenir"/>
               </a:defRPr>
             </a:lvl2pPr>
-            <a:lvl3pPr lvl="2" marR="0" rtl="0" algn="l">
-              <a:spcBef>
-                <a:spcPts val="0"/>
-              </a:spcBef>
-              <a:spcAft>
-                <a:spcPts val="0"/>
-              </a:spcAft>
-              <a:buSzPts val="1400"/>
-              <a:buNone/>
-              <a:defRPr b="0" i="0" sz="1800" u="none" cap="none" strike="noStrike">
+            <a:lvl3pPr marR="0" lvl="2" algn="l" rtl="0">
+              <a:spcBef>
+                <a:spcPts val="0"/>
+              </a:spcBef>
+              <a:spcAft>
+                <a:spcPts val="0"/>
+              </a:spcAft>
+              <a:buSzPts val="1400"/>
+              <a:buNone/>
+              <a:defRPr sz="1800" b="0" i="0" u="none" strike="noStrike" cap="none">
                 <a:solidFill>
                   <a:schemeClr val="dk1"/>
                 </a:solidFill>
@@ -11542,16 +11795,16 @@
                 <a:sym typeface="Avenir"/>
               </a:defRPr>
             </a:lvl3pPr>
-            <a:lvl4pPr lvl="3" marR="0" rtl="0" algn="l">
-              <a:spcBef>
-                <a:spcPts val="0"/>
-              </a:spcBef>
-              <a:spcAft>
-                <a:spcPts val="0"/>
-              </a:spcAft>
-              <a:buSzPts val="1400"/>
-              <a:buNone/>
-              <a:defRPr b="0" i="0" sz="1800" u="none" cap="none" strike="noStrike">
+            <a:lvl4pPr marR="0" lvl="3" algn="l" rtl="0">
+              <a:spcBef>
+                <a:spcPts val="0"/>
+              </a:spcBef>
+              <a:spcAft>
+                <a:spcPts val="0"/>
+              </a:spcAft>
+              <a:buSzPts val="1400"/>
+              <a:buNone/>
+              <a:defRPr sz="1800" b="0" i="0" u="none" strike="noStrike" cap="none">
                 <a:solidFill>
                   <a:schemeClr val="dk1"/>
                 </a:solidFill>
@@ -11561,16 +11814,16 @@
                 <a:sym typeface="Avenir"/>
               </a:defRPr>
             </a:lvl4pPr>
-            <a:lvl5pPr lvl="4" marR="0" rtl="0" algn="l">
-              <a:spcBef>
-                <a:spcPts val="0"/>
-              </a:spcBef>
-              <a:spcAft>
-                <a:spcPts val="0"/>
-              </a:spcAft>
-              <a:buSzPts val="1400"/>
-              <a:buNone/>
-              <a:defRPr b="0" i="0" sz="1800" u="none" cap="none" strike="noStrike">
+            <a:lvl5pPr marR="0" lvl="4" algn="l" rtl="0">
+              <a:spcBef>
+                <a:spcPts val="0"/>
+              </a:spcBef>
+              <a:spcAft>
+                <a:spcPts val="0"/>
+              </a:spcAft>
+              <a:buSzPts val="1400"/>
+              <a:buNone/>
+              <a:defRPr sz="1800" b="0" i="0" u="none" strike="noStrike" cap="none">
                 <a:solidFill>
                   <a:schemeClr val="dk1"/>
                 </a:solidFill>
@@ -11580,16 +11833,16 @@
                 <a:sym typeface="Avenir"/>
               </a:defRPr>
             </a:lvl5pPr>
-            <a:lvl6pPr lvl="5" marR="0" rtl="0" algn="l">
-              <a:spcBef>
-                <a:spcPts val="0"/>
-              </a:spcBef>
-              <a:spcAft>
-                <a:spcPts val="0"/>
-              </a:spcAft>
-              <a:buSzPts val="1400"/>
-              <a:buNone/>
-              <a:defRPr b="0" i="0" sz="1800" u="none" cap="none" strike="noStrike">
+            <a:lvl6pPr marR="0" lvl="5" algn="l" rtl="0">
+              <a:spcBef>
+                <a:spcPts val="0"/>
+              </a:spcBef>
+              <a:spcAft>
+                <a:spcPts val="0"/>
+              </a:spcAft>
+              <a:buSzPts val="1400"/>
+              <a:buNone/>
+              <a:defRPr sz="1800" b="0" i="0" u="none" strike="noStrike" cap="none">
                 <a:solidFill>
                   <a:schemeClr val="dk1"/>
                 </a:solidFill>
@@ -11599,16 +11852,16 @@
                 <a:sym typeface="Avenir"/>
               </a:defRPr>
             </a:lvl6pPr>
-            <a:lvl7pPr lvl="6" marR="0" rtl="0" algn="l">
-              <a:spcBef>
-                <a:spcPts val="0"/>
-              </a:spcBef>
-              <a:spcAft>
-                <a:spcPts val="0"/>
-              </a:spcAft>
-              <a:buSzPts val="1400"/>
-              <a:buNone/>
-              <a:defRPr b="0" i="0" sz="1800" u="none" cap="none" strike="noStrike">
+            <a:lvl7pPr marR="0" lvl="6" algn="l" rtl="0">
+              <a:spcBef>
+                <a:spcPts val="0"/>
+              </a:spcBef>
+              <a:spcAft>
+                <a:spcPts val="0"/>
+              </a:spcAft>
+              <a:buSzPts val="1400"/>
+              <a:buNone/>
+              <a:defRPr sz="1800" b="0" i="0" u="none" strike="noStrike" cap="none">
                 <a:solidFill>
                   <a:schemeClr val="dk1"/>
                 </a:solidFill>
@@ -11618,16 +11871,16 @@
                 <a:sym typeface="Avenir"/>
               </a:defRPr>
             </a:lvl7pPr>
-            <a:lvl8pPr lvl="7" marR="0" rtl="0" algn="l">
-              <a:spcBef>
-                <a:spcPts val="0"/>
-              </a:spcBef>
-              <a:spcAft>
-                <a:spcPts val="0"/>
-              </a:spcAft>
-              <a:buSzPts val="1400"/>
-              <a:buNone/>
-              <a:defRPr b="0" i="0" sz="1800" u="none" cap="none" strike="noStrike">
+            <a:lvl8pPr marR="0" lvl="7" algn="l" rtl="0">
+              <a:spcBef>
+                <a:spcPts val="0"/>
+              </a:spcBef>
+              <a:spcAft>
+                <a:spcPts val="0"/>
+              </a:spcAft>
+              <a:buSzPts val="1400"/>
+              <a:buNone/>
+              <a:defRPr sz="1800" b="0" i="0" u="none" strike="noStrike" cap="none">
                 <a:solidFill>
                   <a:schemeClr val="dk1"/>
                 </a:solidFill>
@@ -11637,16 +11890,16 @@
                 <a:sym typeface="Avenir"/>
               </a:defRPr>
             </a:lvl8pPr>
-            <a:lvl9pPr lvl="8" marR="0" rtl="0" algn="l">
-              <a:spcBef>
-                <a:spcPts val="0"/>
-              </a:spcBef>
-              <a:spcAft>
-                <a:spcPts val="0"/>
-              </a:spcAft>
-              <a:buSzPts val="1400"/>
-              <a:buNone/>
-              <a:defRPr b="0" i="0" sz="1800" u="none" cap="none" strike="noStrike">
+            <a:lvl9pPr marR="0" lvl="8" algn="l" rtl="0">
+              <a:spcBef>
+                <a:spcPts val="0"/>
+              </a:spcBef>
+              <a:spcAft>
+                <a:spcPts val="0"/>
+              </a:spcAft>
+              <a:buSzPts val="1400"/>
+              <a:buNone/>
+              <a:defRPr sz="1800" b="0" i="0" u="none" strike="noStrike" cap="none">
                 <a:solidFill>
                   <a:schemeClr val="dk1"/>
                 </a:solidFill>
@@ -11657,15 +11910,19 @@
               </a:defRPr>
             </a:lvl9pPr>
           </a:lstStyle>
-          <a:p/>
+          <a:p>
+            <a:endParaRPr/>
+          </a:p>
         </p:txBody>
       </p:sp>
       <p:sp>
         <p:nvSpPr>
           <p:cNvPr id="9" name="Google Shape;9;p2"/>
-          <p:cNvSpPr txBox="1"/>
+          <p:cNvSpPr txBox="1">
+            <a:spLocks noGrp="1"/>
+          </p:cNvSpPr>
           <p:nvPr>
-            <p:ph idx="11" type="ftr"/>
+            <p:ph type="ftr" idx="11"/>
           </p:nvPr>
         </p:nvSpPr>
         <p:spPr>
@@ -11682,20 +11939,20 @@
           </a:ln>
         </p:spPr>
         <p:txBody>
-          <a:bodyPr anchorCtr="0" anchor="ctr" bIns="45700" lIns="91425" spcFirstLastPara="1" rIns="91425" wrap="square" tIns="45700">
+          <a:bodyPr spcFirstLastPara="1" wrap="square" lIns="91425" tIns="45700" rIns="91425" bIns="45700" anchor="ctr" anchorCtr="0">
             <a:noAutofit/>
           </a:bodyPr>
           <a:lstStyle>
-            <a:lvl1pPr lvl="0" marR="0" rtl="0" algn="ctr">
-              <a:spcBef>
-                <a:spcPts val="0"/>
-              </a:spcBef>
-              <a:spcAft>
-                <a:spcPts val="0"/>
-              </a:spcAft>
-              <a:buSzPts val="1400"/>
-              <a:buNone/>
-              <a:defRPr b="0" i="0" sz="1200" u="none" cap="none" strike="noStrike">
+            <a:lvl1pPr marR="0" lvl="0" algn="ctr" rtl="0">
+              <a:spcBef>
+                <a:spcPts val="0"/>
+              </a:spcBef>
+              <a:spcAft>
+                <a:spcPts val="0"/>
+              </a:spcAft>
+              <a:buSzPts val="1400"/>
+              <a:buNone/>
+              <a:defRPr sz="1200" b="0" i="0" u="none" strike="noStrike" cap="none">
                 <a:solidFill>
                   <a:srgbClr val="888888"/>
                 </a:solidFill>
@@ -11705,16 +11962,16 @@
                 <a:sym typeface="Avenir"/>
               </a:defRPr>
             </a:lvl1pPr>
-            <a:lvl2pPr lvl="1" marR="0" rtl="0" algn="l">
-              <a:spcBef>
-                <a:spcPts val="0"/>
-              </a:spcBef>
-              <a:spcAft>
-                <a:spcPts val="0"/>
-              </a:spcAft>
-              <a:buSzPts val="1400"/>
-              <a:buNone/>
-              <a:defRPr b="0" i="0" sz="1800" u="none" cap="none" strike="noStrike">
+            <a:lvl2pPr marR="0" lvl="1" algn="l" rtl="0">
+              <a:spcBef>
+                <a:spcPts val="0"/>
+              </a:spcBef>
+              <a:spcAft>
+                <a:spcPts val="0"/>
+              </a:spcAft>
+              <a:buSzPts val="1400"/>
+              <a:buNone/>
+              <a:defRPr sz="1800" b="0" i="0" u="none" strike="noStrike" cap="none">
                 <a:solidFill>
                   <a:schemeClr val="dk1"/>
                 </a:solidFill>
@@ -11724,16 +11981,16 @@
                 <a:sym typeface="Avenir"/>
               </a:defRPr>
             </a:lvl2pPr>
-            <a:lvl3pPr lvl="2" marR="0" rtl="0" algn="l">
-              <a:spcBef>
-                <a:spcPts val="0"/>
-              </a:spcBef>
-              <a:spcAft>
-                <a:spcPts val="0"/>
-              </a:spcAft>
-              <a:buSzPts val="1400"/>
-              <a:buNone/>
-              <a:defRPr b="0" i="0" sz="1800" u="none" cap="none" strike="noStrike">
+            <a:lvl3pPr marR="0" lvl="2" algn="l" rtl="0">
+              <a:spcBef>
+                <a:spcPts val="0"/>
+              </a:spcBef>
+              <a:spcAft>
+                <a:spcPts val="0"/>
+              </a:spcAft>
+              <a:buSzPts val="1400"/>
+              <a:buNone/>
+              <a:defRPr sz="1800" b="0" i="0" u="none" strike="noStrike" cap="none">
                 <a:solidFill>
                   <a:schemeClr val="dk1"/>
                 </a:solidFill>
@@ -11743,16 +12000,16 @@
                 <a:sym typeface="Avenir"/>
               </a:defRPr>
             </a:lvl3pPr>
-            <a:lvl4pPr lvl="3" marR="0" rtl="0" algn="l">
-              <a:spcBef>
-                <a:spcPts val="0"/>
-              </a:spcBef>
-              <a:spcAft>
-                <a:spcPts val="0"/>
-              </a:spcAft>
-              <a:buSzPts val="1400"/>
-              <a:buNone/>
-              <a:defRPr b="0" i="0" sz="1800" u="none" cap="none" strike="noStrike">
+            <a:lvl4pPr marR="0" lvl="3" algn="l" rtl="0">
+              <a:spcBef>
+                <a:spcPts val="0"/>
+              </a:spcBef>
+              <a:spcAft>
+                <a:spcPts val="0"/>
+              </a:spcAft>
+              <a:buSzPts val="1400"/>
+              <a:buNone/>
+              <a:defRPr sz="1800" b="0" i="0" u="none" strike="noStrike" cap="none">
                 <a:solidFill>
                   <a:schemeClr val="dk1"/>
                 </a:solidFill>
@@ -11762,16 +12019,16 @@
                 <a:sym typeface="Avenir"/>
               </a:defRPr>
             </a:lvl4pPr>
-            <a:lvl5pPr lvl="4" marR="0" rtl="0" algn="l">
-              <a:spcBef>
-                <a:spcPts val="0"/>
-              </a:spcBef>
-              <a:spcAft>
-                <a:spcPts val="0"/>
-              </a:spcAft>
-              <a:buSzPts val="1400"/>
-              <a:buNone/>
-              <a:defRPr b="0" i="0" sz="1800" u="none" cap="none" strike="noStrike">
+            <a:lvl5pPr marR="0" lvl="4" algn="l" rtl="0">
+              <a:spcBef>
+                <a:spcPts val="0"/>
+              </a:spcBef>
+              <a:spcAft>
+                <a:spcPts val="0"/>
+              </a:spcAft>
+              <a:buSzPts val="1400"/>
+              <a:buNone/>
+              <a:defRPr sz="1800" b="0" i="0" u="none" strike="noStrike" cap="none">
                 <a:solidFill>
                   <a:schemeClr val="dk1"/>
                 </a:solidFill>
@@ -11781,16 +12038,16 @@
                 <a:sym typeface="Avenir"/>
               </a:defRPr>
             </a:lvl5pPr>
-            <a:lvl6pPr lvl="5" marR="0" rtl="0" algn="l">
-              <a:spcBef>
-                <a:spcPts val="0"/>
-              </a:spcBef>
-              <a:spcAft>
-                <a:spcPts val="0"/>
-              </a:spcAft>
-              <a:buSzPts val="1400"/>
-              <a:buNone/>
-              <a:defRPr b="0" i="0" sz="1800" u="none" cap="none" strike="noStrike">
+            <a:lvl6pPr marR="0" lvl="5" algn="l" rtl="0">
+              <a:spcBef>
+                <a:spcPts val="0"/>
+              </a:spcBef>
+              <a:spcAft>
+                <a:spcPts val="0"/>
+              </a:spcAft>
+              <a:buSzPts val="1400"/>
+              <a:buNone/>
+              <a:defRPr sz="1800" b="0" i="0" u="none" strike="noStrike" cap="none">
                 <a:solidFill>
                   <a:schemeClr val="dk1"/>
                 </a:solidFill>
@@ -11800,16 +12057,16 @@
                 <a:sym typeface="Avenir"/>
               </a:defRPr>
             </a:lvl6pPr>
-            <a:lvl7pPr lvl="6" marR="0" rtl="0" algn="l">
-              <a:spcBef>
-                <a:spcPts val="0"/>
-              </a:spcBef>
-              <a:spcAft>
-                <a:spcPts val="0"/>
-              </a:spcAft>
-              <a:buSzPts val="1400"/>
-              <a:buNone/>
-              <a:defRPr b="0" i="0" sz="1800" u="none" cap="none" strike="noStrike">
+            <a:lvl7pPr marR="0" lvl="6" algn="l" rtl="0">
+              <a:spcBef>
+                <a:spcPts val="0"/>
+              </a:spcBef>
+              <a:spcAft>
+                <a:spcPts val="0"/>
+              </a:spcAft>
+              <a:buSzPts val="1400"/>
+              <a:buNone/>
+              <a:defRPr sz="1800" b="0" i="0" u="none" strike="noStrike" cap="none">
                 <a:solidFill>
                   <a:schemeClr val="dk1"/>
                 </a:solidFill>
@@ -11819,16 +12076,16 @@
                 <a:sym typeface="Avenir"/>
               </a:defRPr>
             </a:lvl7pPr>
-            <a:lvl8pPr lvl="7" marR="0" rtl="0" algn="l">
-              <a:spcBef>
-                <a:spcPts val="0"/>
-              </a:spcBef>
-              <a:spcAft>
-                <a:spcPts val="0"/>
-              </a:spcAft>
-              <a:buSzPts val="1400"/>
-              <a:buNone/>
-              <a:defRPr b="0" i="0" sz="1800" u="none" cap="none" strike="noStrike">
+            <a:lvl8pPr marR="0" lvl="7" algn="l" rtl="0">
+              <a:spcBef>
+                <a:spcPts val="0"/>
+              </a:spcBef>
+              <a:spcAft>
+                <a:spcPts val="0"/>
+              </a:spcAft>
+              <a:buSzPts val="1400"/>
+              <a:buNone/>
+              <a:defRPr sz="1800" b="0" i="0" u="none" strike="noStrike" cap="none">
                 <a:solidFill>
                   <a:schemeClr val="dk1"/>
                 </a:solidFill>
@@ -11838,16 +12095,16 @@
                 <a:sym typeface="Avenir"/>
               </a:defRPr>
             </a:lvl8pPr>
-            <a:lvl9pPr lvl="8" marR="0" rtl="0" algn="l">
-              <a:spcBef>
-                <a:spcPts val="0"/>
-              </a:spcBef>
-              <a:spcAft>
-                <a:spcPts val="0"/>
-              </a:spcAft>
-              <a:buSzPts val="1400"/>
-              <a:buNone/>
-              <a:defRPr b="0" i="0" sz="1800" u="none" cap="none" strike="noStrike">
+            <a:lvl9pPr marR="0" lvl="8" algn="l" rtl="0">
+              <a:spcBef>
+                <a:spcPts val="0"/>
+              </a:spcBef>
+              <a:spcAft>
+                <a:spcPts val="0"/>
+              </a:spcAft>
+              <a:buSzPts val="1400"/>
+              <a:buNone/>
+              <a:defRPr sz="1800" b="0" i="0" u="none" strike="noStrike" cap="none">
                 <a:solidFill>
                   <a:schemeClr val="dk1"/>
                 </a:solidFill>
@@ -11858,15 +12115,19 @@
               </a:defRPr>
             </a:lvl9pPr>
           </a:lstStyle>
-          <a:p/>
+          <a:p>
+            <a:endParaRPr/>
+          </a:p>
         </p:txBody>
       </p:sp>
       <p:sp>
         <p:nvSpPr>
           <p:cNvPr id="10" name="Google Shape;10;p2"/>
-          <p:cNvSpPr txBox="1"/>
+          <p:cNvSpPr txBox="1">
+            <a:spLocks noGrp="1"/>
+          </p:cNvSpPr>
           <p:nvPr>
-            <p:ph idx="12" type="sldNum"/>
+            <p:ph type="sldNum" idx="12"/>
           </p:nvPr>
         </p:nvSpPr>
         <p:spPr>
@@ -11883,16 +12144,16 @@
           </a:ln>
         </p:spPr>
         <p:txBody>
-          <a:bodyPr anchorCtr="0" anchor="ctr" bIns="45700" lIns="91425" spcFirstLastPara="1" rIns="91425" wrap="square" tIns="45700">
+          <a:bodyPr spcFirstLastPara="1" wrap="square" lIns="91425" tIns="45700" rIns="91425" bIns="45700" anchor="ctr" anchorCtr="0">
             <a:noAutofit/>
           </a:bodyPr>
           <a:lstStyle>
-            <a:lvl1pPr indent="0" lvl="0" marL="0" marR="0" rtl="0" algn="r">
-              <a:spcBef>
-                <a:spcPts val="0"/>
-              </a:spcBef>
-              <a:buNone/>
-              <a:defRPr b="0" i="0" sz="1200" u="none" cap="none" strike="noStrike">
+            <a:lvl1pPr marL="0" marR="0" lvl="0" indent="0" algn="r" rtl="0">
+              <a:spcBef>
+                <a:spcPts val="0"/>
+              </a:spcBef>
+              <a:buNone/>
+              <a:defRPr sz="1200" b="0" i="0" u="none" strike="noStrike" cap="none">
                 <a:solidFill>
                   <a:srgbClr val="888888"/>
                 </a:solidFill>
@@ -11902,12 +12163,12 @@
                 <a:sym typeface="Avenir"/>
               </a:defRPr>
             </a:lvl1pPr>
-            <a:lvl2pPr indent="0" lvl="1" marL="0" marR="0" rtl="0" algn="r">
-              <a:spcBef>
-                <a:spcPts val="0"/>
-              </a:spcBef>
-              <a:buNone/>
-              <a:defRPr b="0" i="0" sz="1200" u="none" cap="none" strike="noStrike">
+            <a:lvl2pPr marL="0" marR="0" lvl="1" indent="0" algn="r" rtl="0">
+              <a:spcBef>
+                <a:spcPts val="0"/>
+              </a:spcBef>
+              <a:buNone/>
+              <a:defRPr sz="1200" b="0" i="0" u="none" strike="noStrike" cap="none">
                 <a:solidFill>
                   <a:srgbClr val="888888"/>
                 </a:solidFill>
@@ -11917,12 +12178,12 @@
                 <a:sym typeface="Avenir"/>
               </a:defRPr>
             </a:lvl2pPr>
-            <a:lvl3pPr indent="0" lvl="2" marL="0" marR="0" rtl="0" algn="r">
-              <a:spcBef>
-                <a:spcPts val="0"/>
-              </a:spcBef>
-              <a:buNone/>
-              <a:defRPr b="0" i="0" sz="1200" u="none" cap="none" strike="noStrike">
+            <a:lvl3pPr marL="0" marR="0" lvl="2" indent="0" algn="r" rtl="0">
+              <a:spcBef>
+                <a:spcPts val="0"/>
+              </a:spcBef>
+              <a:buNone/>
+              <a:defRPr sz="1200" b="0" i="0" u="none" strike="noStrike" cap="none">
                 <a:solidFill>
                   <a:srgbClr val="888888"/>
                 </a:solidFill>
@@ -11932,12 +12193,12 @@
                 <a:sym typeface="Avenir"/>
               </a:defRPr>
             </a:lvl3pPr>
-            <a:lvl4pPr indent="0" lvl="3" marL="0" marR="0" rtl="0" algn="r">
-              <a:spcBef>
-                <a:spcPts val="0"/>
-              </a:spcBef>
-              <a:buNone/>
-              <a:defRPr b="0" i="0" sz="1200" u="none" cap="none" strike="noStrike">
+            <a:lvl4pPr marL="0" marR="0" lvl="3" indent="0" algn="r" rtl="0">
+              <a:spcBef>
+                <a:spcPts val="0"/>
+              </a:spcBef>
+              <a:buNone/>
+              <a:defRPr sz="1200" b="0" i="0" u="none" strike="noStrike" cap="none">
                 <a:solidFill>
                   <a:srgbClr val="888888"/>
                 </a:solidFill>
@@ -11947,12 +12208,12 @@
                 <a:sym typeface="Avenir"/>
               </a:defRPr>
             </a:lvl4pPr>
-            <a:lvl5pPr indent="0" lvl="4" marL="0" marR="0" rtl="0" algn="r">
-              <a:spcBef>
-                <a:spcPts val="0"/>
-              </a:spcBef>
-              <a:buNone/>
-              <a:defRPr b="0" i="0" sz="1200" u="none" cap="none" strike="noStrike">
+            <a:lvl5pPr marL="0" marR="0" lvl="4" indent="0" algn="r" rtl="0">
+              <a:spcBef>
+                <a:spcPts val="0"/>
+              </a:spcBef>
+              <a:buNone/>
+              <a:defRPr sz="1200" b="0" i="0" u="none" strike="noStrike" cap="none">
                 <a:solidFill>
                   <a:srgbClr val="888888"/>
                 </a:solidFill>
@@ -11962,12 +12223,12 @@
                 <a:sym typeface="Avenir"/>
               </a:defRPr>
             </a:lvl5pPr>
-            <a:lvl6pPr indent="0" lvl="5" marL="0" marR="0" rtl="0" algn="r">
-              <a:spcBef>
-                <a:spcPts val="0"/>
-              </a:spcBef>
-              <a:buNone/>
-              <a:defRPr b="0" i="0" sz="1200" u="none" cap="none" strike="noStrike">
+            <a:lvl6pPr marL="0" marR="0" lvl="5" indent="0" algn="r" rtl="0">
+              <a:spcBef>
+                <a:spcPts val="0"/>
+              </a:spcBef>
+              <a:buNone/>
+              <a:defRPr sz="1200" b="0" i="0" u="none" strike="noStrike" cap="none">
                 <a:solidFill>
                   <a:srgbClr val="888888"/>
                 </a:solidFill>
@@ -11977,12 +12238,12 @@
                 <a:sym typeface="Avenir"/>
               </a:defRPr>
             </a:lvl6pPr>
-            <a:lvl7pPr indent="0" lvl="6" marL="0" marR="0" rtl="0" algn="r">
-              <a:spcBef>
-                <a:spcPts val="0"/>
-              </a:spcBef>
-              <a:buNone/>
-              <a:defRPr b="0" i="0" sz="1200" u="none" cap="none" strike="noStrike">
+            <a:lvl7pPr marL="0" marR="0" lvl="6" indent="0" algn="r" rtl="0">
+              <a:spcBef>
+                <a:spcPts val="0"/>
+              </a:spcBef>
+              <a:buNone/>
+              <a:defRPr sz="1200" b="0" i="0" u="none" strike="noStrike" cap="none">
                 <a:solidFill>
                   <a:srgbClr val="888888"/>
                 </a:solidFill>
@@ -11992,12 +12253,12 @@
                 <a:sym typeface="Avenir"/>
               </a:defRPr>
             </a:lvl7pPr>
-            <a:lvl8pPr indent="0" lvl="7" marL="0" marR="0" rtl="0" algn="r">
-              <a:spcBef>
-                <a:spcPts val="0"/>
-              </a:spcBef>
-              <a:buNone/>
-              <a:defRPr b="0" i="0" sz="1200" u="none" cap="none" strike="noStrike">
+            <a:lvl8pPr marL="0" marR="0" lvl="7" indent="0" algn="r" rtl="0">
+              <a:spcBef>
+                <a:spcPts val="0"/>
+              </a:spcBef>
+              <a:buNone/>
+              <a:defRPr sz="1200" b="0" i="0" u="none" strike="noStrike" cap="none">
                 <a:solidFill>
                   <a:srgbClr val="888888"/>
                 </a:solidFill>
@@ -12007,12 +12268,12 @@
                 <a:sym typeface="Avenir"/>
               </a:defRPr>
             </a:lvl8pPr>
-            <a:lvl9pPr indent="0" lvl="8" marL="0" marR="0" rtl="0" algn="r">
-              <a:spcBef>
-                <a:spcPts val="0"/>
-              </a:spcBef>
-              <a:buNone/>
-              <a:defRPr b="0" i="0" sz="1200" u="none" cap="none" strike="noStrike">
+            <a:lvl9pPr marL="0" marR="0" lvl="8" indent="0" algn="r" rtl="0">
+              <a:spcBef>
+                <a:spcPts val="0"/>
+              </a:spcBef>
+              <a:buNone/>
+              <a:defRPr sz="1200" b="0" i="0" u="none" strike="noStrike" cap="none">
                 <a:solidFill>
                   <a:srgbClr val="888888"/>
                 </a:solidFill>
@@ -12024,7 +12285,7 @@
             </a:lvl9pPr>
           </a:lstStyle>
           <a:p>
-            <a:pPr indent="0" lvl="0" marL="0" rtl="0" algn="r">
+            <a:pPr marL="0" lvl="0" indent="0" algn="r" rtl="0">
               <a:spcBef>
                 <a:spcPts val="0"/>
               </a:spcBef>
@@ -12043,7 +12304,7 @@
       </p:sp>
     </p:spTree>
   </p:cSld>
-  <p:clrMap accent1="accent1" accent2="accent2" accent3="accent3" accent4="accent4" accent5="accent5" accent6="accent6" bg1="lt1" bg2="dk2" tx1="dk1" tx2="lt2" folHlink="folHlink" hlink="hlink"/>
+  <p:clrMap bg1="lt1" tx1="dk1" bg2="dk2" tx2="lt2" accent1="accent1" accent2="accent2" accent3="accent3" accent4="accent4" accent5="accent5" accent6="accent6" hlink="hlink" folHlink="folHlink"/>
   <p:sldLayoutIdLst>
     <p:sldLayoutId id="2147483649" r:id="rId1"/>
     <p:sldLayoutId id="2147483650" r:id="rId2"/>
@@ -12057,10 +12318,10 @@
     <p:sldLayoutId id="2147483658" r:id="rId10"/>
     <p:sldLayoutId id="2147483659" r:id="rId11"/>
   </p:sldLayoutIdLst>
-  <p:hf dt="0" ftr="0" hdr="0" sldNum="0"/>
+  <p:hf sldNum="0" hdr="0" ftr="0" dt="0"/>
   <p:txStyles>
     <p:titleStyle>
-      <a:defPPr lvl="0" marR="0" rtl="0" algn="l">
+      <a:defPPr marR="0" lvl="0" algn="l" rtl="0">
         <a:lnSpc>
           <a:spcPct val="100000"/>
         </a:lnSpc>
@@ -12071,7 +12332,7 @@
           <a:spcPts val="0"/>
         </a:spcAft>
       </a:defPPr>
-      <a:lvl1pPr lvl="0" marR="0" rtl="0" algn="l">
+      <a:lvl1pPr marR="0" lvl="0" algn="l" rtl="0">
         <a:lnSpc>
           <a:spcPct val="100000"/>
         </a:lnSpc>
@@ -12085,7 +12346,7 @@
           <a:srgbClr val="000000"/>
         </a:buClr>
         <a:buFont typeface="Arial"/>
-        <a:defRPr b="0" i="0" sz="1400" u="none" cap="none" strike="noStrike">
+        <a:defRPr sz="1400" b="0" i="0" u="none" strike="noStrike" cap="none">
           <a:solidFill>
             <a:srgbClr val="000000"/>
           </a:solidFill>
@@ -12095,7 +12356,7 @@
           <a:sym typeface="Arial"/>
         </a:defRPr>
       </a:lvl1pPr>
-      <a:lvl2pPr lvl="1" marR="0" rtl="0" algn="l">
+      <a:lvl2pPr marR="0" lvl="1" algn="l" rtl="0">
         <a:lnSpc>
           <a:spcPct val="100000"/>
         </a:lnSpc>
@@ -12109,7 +12370,7 @@
           <a:srgbClr val="000000"/>
         </a:buClr>
         <a:buFont typeface="Arial"/>
-        <a:defRPr b="0" i="0" sz="1400" u="none" cap="none" strike="noStrike">
+        <a:defRPr sz="1400" b="0" i="0" u="none" strike="noStrike" cap="none">
           <a:solidFill>
             <a:srgbClr val="000000"/>
           </a:solidFill>
@@ -12119,7 +12380,7 @@
           <a:sym typeface="Arial"/>
         </a:defRPr>
       </a:lvl2pPr>
-      <a:lvl3pPr lvl="2" marR="0" rtl="0" algn="l">
+      <a:lvl3pPr marR="0" lvl="2" algn="l" rtl="0">
         <a:lnSpc>
           <a:spcPct val="100000"/>
         </a:lnSpc>
@@ -12133,7 +12394,7 @@
           <a:srgbClr val="000000"/>
         </a:buClr>
         <a:buFont typeface="Arial"/>
-        <a:defRPr b="0" i="0" sz="1400" u="none" cap="none" strike="noStrike">
+        <a:defRPr sz="1400" b="0" i="0" u="none" strike="noStrike" cap="none">
           <a:solidFill>
             <a:srgbClr val="000000"/>
           </a:solidFill>
@@ -12143,7 +12404,7 @@
           <a:sym typeface="Arial"/>
         </a:defRPr>
       </a:lvl3pPr>
-      <a:lvl4pPr lvl="3" marR="0" rtl="0" algn="l">
+      <a:lvl4pPr marR="0" lvl="3" algn="l" rtl="0">
         <a:lnSpc>
           <a:spcPct val="100000"/>
         </a:lnSpc>
@@ -12157,7 +12418,7 @@
           <a:srgbClr val="000000"/>
         </a:buClr>
         <a:buFont typeface="Arial"/>
-        <a:defRPr b="0" i="0" sz="1400" u="none" cap="none" strike="noStrike">
+        <a:defRPr sz="1400" b="0" i="0" u="none" strike="noStrike" cap="none">
           <a:solidFill>
             <a:srgbClr val="000000"/>
           </a:solidFill>
@@ -12167,7 +12428,7 @@
           <a:sym typeface="Arial"/>
         </a:defRPr>
       </a:lvl4pPr>
-      <a:lvl5pPr lvl="4" marR="0" rtl="0" algn="l">
+      <a:lvl5pPr marR="0" lvl="4" algn="l" rtl="0">
         <a:lnSpc>
           <a:spcPct val="100000"/>
         </a:lnSpc>
@@ -12181,7 +12442,7 @@
           <a:srgbClr val="000000"/>
         </a:buClr>
         <a:buFont typeface="Arial"/>
-        <a:defRPr b="0" i="0" sz="1400" u="none" cap="none" strike="noStrike">
+        <a:defRPr sz="1400" b="0" i="0" u="none" strike="noStrike" cap="none">
           <a:solidFill>
             <a:srgbClr val="000000"/>
           </a:solidFill>
@@ -12191,7 +12452,7 @@
           <a:sym typeface="Arial"/>
         </a:defRPr>
       </a:lvl5pPr>
-      <a:lvl6pPr lvl="5" marR="0" rtl="0" algn="l">
+      <a:lvl6pPr marR="0" lvl="5" algn="l" rtl="0">
         <a:lnSpc>
           <a:spcPct val="100000"/>
         </a:lnSpc>
@@ -12205,7 +12466,7 @@
           <a:srgbClr val="000000"/>
         </a:buClr>
         <a:buFont typeface="Arial"/>
-        <a:defRPr b="0" i="0" sz="1400" u="none" cap="none" strike="noStrike">
+        <a:defRPr sz="1400" b="0" i="0" u="none" strike="noStrike" cap="none">
           <a:solidFill>
             <a:srgbClr val="000000"/>
           </a:solidFill>
@@ -12215,7 +12476,7 @@
           <a:sym typeface="Arial"/>
         </a:defRPr>
       </a:lvl6pPr>
-      <a:lvl7pPr lvl="6" marR="0" rtl="0" algn="l">
+      <a:lvl7pPr marR="0" lvl="6" algn="l" rtl="0">
         <a:lnSpc>
           <a:spcPct val="100000"/>
         </a:lnSpc>
@@ -12229,7 +12490,7 @@
           <a:srgbClr val="000000"/>
         </a:buClr>
         <a:buFont typeface="Arial"/>
-        <a:defRPr b="0" i="0" sz="1400" u="none" cap="none" strike="noStrike">
+        <a:defRPr sz="1400" b="0" i="0" u="none" strike="noStrike" cap="none">
           <a:solidFill>
             <a:srgbClr val="000000"/>
           </a:solidFill>
@@ -12239,7 +12500,7 @@
           <a:sym typeface="Arial"/>
         </a:defRPr>
       </a:lvl7pPr>
-      <a:lvl8pPr lvl="7" marR="0" rtl="0" algn="l">
+      <a:lvl8pPr marR="0" lvl="7" algn="l" rtl="0">
         <a:lnSpc>
           <a:spcPct val="100000"/>
         </a:lnSpc>
@@ -12253,7 +12514,7 @@
           <a:srgbClr val="000000"/>
         </a:buClr>
         <a:buFont typeface="Arial"/>
-        <a:defRPr b="0" i="0" sz="1400" u="none" cap="none" strike="noStrike">
+        <a:defRPr sz="1400" b="0" i="0" u="none" strike="noStrike" cap="none">
           <a:solidFill>
             <a:srgbClr val="000000"/>
           </a:solidFill>
@@ -12263,7 +12524,7 @@
           <a:sym typeface="Arial"/>
         </a:defRPr>
       </a:lvl8pPr>
-      <a:lvl9pPr lvl="8" marR="0" rtl="0" algn="l">
+      <a:lvl9pPr marR="0" lvl="8" algn="l" rtl="0">
         <a:lnSpc>
           <a:spcPct val="100000"/>
         </a:lnSpc>
@@ -12277,7 +12538,7 @@
           <a:srgbClr val="000000"/>
         </a:buClr>
         <a:buFont typeface="Arial"/>
-        <a:defRPr b="0" i="0" sz="1400" u="none" cap="none" strike="noStrike">
+        <a:defRPr sz="1400" b="0" i="0" u="none" strike="noStrike" cap="none">
           <a:solidFill>
             <a:srgbClr val="000000"/>
           </a:solidFill>
@@ -12289,7 +12550,7 @@
       </a:lvl9pPr>
     </p:titleStyle>
     <p:bodyStyle>
-      <a:defPPr lvl="0" marR="0" rtl="0" algn="l">
+      <a:defPPr marR="0" lvl="0" algn="l" rtl="0">
         <a:lnSpc>
           <a:spcPct val="100000"/>
         </a:lnSpc>
@@ -12300,7 +12561,7 @@
           <a:spcPts val="0"/>
         </a:spcAft>
       </a:defPPr>
-      <a:lvl1pPr lvl="0" marR="0" rtl="0" algn="l">
+      <a:lvl1pPr marR="0" lvl="0" algn="l" rtl="0">
         <a:lnSpc>
           <a:spcPct val="100000"/>
         </a:lnSpc>
@@ -12314,7 +12575,7 @@
           <a:srgbClr val="000000"/>
         </a:buClr>
         <a:buFont typeface="Arial"/>
-        <a:defRPr b="0" i="0" sz="1400" u="none" cap="none" strike="noStrike">
+        <a:defRPr sz="1400" b="0" i="0" u="none" strike="noStrike" cap="none">
           <a:solidFill>
             <a:srgbClr val="000000"/>
           </a:solidFill>
@@ -12324,7 +12585,7 @@
           <a:sym typeface="Arial"/>
         </a:defRPr>
       </a:lvl1pPr>
-      <a:lvl2pPr lvl="1" marR="0" rtl="0" algn="l">
+      <a:lvl2pPr marR="0" lvl="1" algn="l" rtl="0">
         <a:lnSpc>
           <a:spcPct val="100000"/>
         </a:lnSpc>
@@ -12338,7 +12599,7 @@
           <a:srgbClr val="000000"/>
         </a:buClr>
         <a:buFont typeface="Arial"/>
-        <a:defRPr b="0" i="0" sz="1400" u="none" cap="none" strike="noStrike">
+        <a:defRPr sz="1400" b="0" i="0" u="none" strike="noStrike" cap="none">
           <a:solidFill>
             <a:srgbClr val="000000"/>
           </a:solidFill>
@@ -12348,7 +12609,7 @@
           <a:sym typeface="Arial"/>
         </a:defRPr>
       </a:lvl2pPr>
-      <a:lvl3pPr lvl="2" marR="0" rtl="0" algn="l">
+      <a:lvl3pPr marR="0" lvl="2" algn="l" rtl="0">
         <a:lnSpc>
           <a:spcPct val="100000"/>
         </a:lnSpc>
@@ -12362,7 +12623,7 @@
           <a:srgbClr val="000000"/>
         </a:buClr>
         <a:buFont typeface="Arial"/>
-        <a:defRPr b="0" i="0" sz="1400" u="none" cap="none" strike="noStrike">
+        <a:defRPr sz="1400" b="0" i="0" u="none" strike="noStrike" cap="none">
           <a:solidFill>
             <a:srgbClr val="000000"/>
           </a:solidFill>
@@ -12372,7 +12633,7 @@
           <a:sym typeface="Arial"/>
         </a:defRPr>
       </a:lvl3pPr>
-      <a:lvl4pPr lvl="3" marR="0" rtl="0" algn="l">
+      <a:lvl4pPr marR="0" lvl="3" algn="l" rtl="0">
         <a:lnSpc>
           <a:spcPct val="100000"/>
         </a:lnSpc>
@@ -12386,7 +12647,7 @@
           <a:srgbClr val="000000"/>
         </a:buClr>
         <a:buFont typeface="Arial"/>
-        <a:defRPr b="0" i="0" sz="1400" u="none" cap="none" strike="noStrike">
+        <a:defRPr sz="1400" b="0" i="0" u="none" strike="noStrike" cap="none">
           <a:solidFill>
             <a:srgbClr val="000000"/>
           </a:solidFill>
@@ -12396,7 +12657,7 @@
           <a:sym typeface="Arial"/>
         </a:defRPr>
       </a:lvl4pPr>
-      <a:lvl5pPr lvl="4" marR="0" rtl="0" algn="l">
+      <a:lvl5pPr marR="0" lvl="4" algn="l" rtl="0">
         <a:lnSpc>
           <a:spcPct val="100000"/>
         </a:lnSpc>
@@ -12410,7 +12671,7 @@
           <a:srgbClr val="000000"/>
         </a:buClr>
         <a:buFont typeface="Arial"/>
-        <a:defRPr b="0" i="0" sz="1400" u="none" cap="none" strike="noStrike">
+        <a:defRPr sz="1400" b="0" i="0" u="none" strike="noStrike" cap="none">
           <a:solidFill>
             <a:srgbClr val="000000"/>
           </a:solidFill>
@@ -12420,7 +12681,7 @@
           <a:sym typeface="Arial"/>
         </a:defRPr>
       </a:lvl5pPr>
-      <a:lvl6pPr lvl="5" marR="0" rtl="0" algn="l">
+      <a:lvl6pPr marR="0" lvl="5" algn="l" rtl="0">
         <a:lnSpc>
           <a:spcPct val="100000"/>
         </a:lnSpc>
@@ -12434,7 +12695,7 @@
           <a:srgbClr val="000000"/>
         </a:buClr>
         <a:buFont typeface="Arial"/>
-        <a:defRPr b="0" i="0" sz="1400" u="none" cap="none" strike="noStrike">
+        <a:defRPr sz="1400" b="0" i="0" u="none" strike="noStrike" cap="none">
           <a:solidFill>
             <a:srgbClr val="000000"/>
           </a:solidFill>
@@ -12444,7 +12705,7 @@
           <a:sym typeface="Arial"/>
         </a:defRPr>
       </a:lvl6pPr>
-      <a:lvl7pPr lvl="6" marR="0" rtl="0" algn="l">
+      <a:lvl7pPr marR="0" lvl="6" algn="l" rtl="0">
         <a:lnSpc>
           <a:spcPct val="100000"/>
         </a:lnSpc>
@@ -12458,7 +12719,7 @@
           <a:srgbClr val="000000"/>
         </a:buClr>
         <a:buFont typeface="Arial"/>
-        <a:defRPr b="0" i="0" sz="1400" u="none" cap="none" strike="noStrike">
+        <a:defRPr sz="1400" b="0" i="0" u="none" strike="noStrike" cap="none">
           <a:solidFill>
             <a:srgbClr val="000000"/>
           </a:solidFill>
@@ -12468,7 +12729,7 @@
           <a:sym typeface="Arial"/>
         </a:defRPr>
       </a:lvl7pPr>
-      <a:lvl8pPr lvl="7" marR="0" rtl="0" algn="l">
+      <a:lvl8pPr marR="0" lvl="7" algn="l" rtl="0">
         <a:lnSpc>
           <a:spcPct val="100000"/>
         </a:lnSpc>
@@ -12482,7 +12743,7 @@
           <a:srgbClr val="000000"/>
         </a:buClr>
         <a:buFont typeface="Arial"/>
-        <a:defRPr b="0" i="0" sz="1400" u="none" cap="none" strike="noStrike">
+        <a:defRPr sz="1400" b="0" i="0" u="none" strike="noStrike" cap="none">
           <a:solidFill>
             <a:srgbClr val="000000"/>
           </a:solidFill>
@@ -12492,7 +12753,7 @@
           <a:sym typeface="Arial"/>
         </a:defRPr>
       </a:lvl8pPr>
-      <a:lvl9pPr lvl="8" marR="0" rtl="0" algn="l">
+      <a:lvl9pPr marR="0" lvl="8" algn="l" rtl="0">
         <a:lnSpc>
           <a:spcPct val="100000"/>
         </a:lnSpc>
@@ -12506,7 +12767,7 @@
           <a:srgbClr val="000000"/>
         </a:buClr>
         <a:buFont typeface="Arial"/>
-        <a:defRPr b="0" i="0" sz="1400" u="none" cap="none" strike="noStrike">
+        <a:defRPr sz="1400" b="0" i="0" u="none" strike="noStrike" cap="none">
           <a:solidFill>
             <a:srgbClr val="000000"/>
           </a:solidFill>
@@ -12518,7 +12779,7 @@
       </a:lvl9pPr>
     </p:bodyStyle>
     <p:otherStyle>
-      <a:defPPr lvl="0" marR="0" rtl="0" algn="l">
+      <a:defPPr marR="0" lvl="0" algn="l" rtl="0">
         <a:lnSpc>
           <a:spcPct val="100000"/>
         </a:lnSpc>
@@ -12529,7 +12790,7 @@
           <a:spcPts val="0"/>
         </a:spcAft>
       </a:defPPr>
-      <a:lvl1pPr lvl="0" marR="0" rtl="0" algn="l">
+      <a:lvl1pPr marR="0" lvl="0" algn="l" rtl="0">
         <a:lnSpc>
           <a:spcPct val="100000"/>
         </a:lnSpc>
@@ -12543,7 +12804,7 @@
           <a:srgbClr val="000000"/>
         </a:buClr>
         <a:buFont typeface="Arial"/>
-        <a:defRPr b="0" i="0" sz="1400" u="none" cap="none" strike="noStrike">
+        <a:defRPr sz="1400" b="0" i="0" u="none" strike="noStrike" cap="none">
           <a:solidFill>
             <a:srgbClr val="000000"/>
           </a:solidFill>
@@ -12553,7 +12814,7 @@
           <a:sym typeface="Arial"/>
         </a:defRPr>
       </a:lvl1pPr>
-      <a:lvl2pPr lvl="1" marR="0" rtl="0" algn="l">
+      <a:lvl2pPr marR="0" lvl="1" algn="l" rtl="0">
         <a:lnSpc>
           <a:spcPct val="100000"/>
         </a:lnSpc>
@@ -12567,7 +12828,7 @@
           <a:srgbClr val="000000"/>
         </a:buClr>
         <a:buFont typeface="Arial"/>
-        <a:defRPr b="0" i="0" sz="1400" u="none" cap="none" strike="noStrike">
+        <a:defRPr sz="1400" b="0" i="0" u="none" strike="noStrike" cap="none">
           <a:solidFill>
             <a:srgbClr val="000000"/>
           </a:solidFill>
@@ -12577,7 +12838,7 @@
           <a:sym typeface="Arial"/>
         </a:defRPr>
       </a:lvl2pPr>
-      <a:lvl3pPr lvl="2" marR="0" rtl="0" algn="l">
+      <a:lvl3pPr marR="0" lvl="2" algn="l" rtl="0">
         <a:lnSpc>
           <a:spcPct val="100000"/>
         </a:lnSpc>
@@ -12591,7 +12852,7 @@
           <a:srgbClr val="000000"/>
         </a:buClr>
         <a:buFont typeface="Arial"/>
-        <a:defRPr b="0" i="0" sz="1400" u="none" cap="none" strike="noStrike">
+        <a:defRPr sz="1400" b="0" i="0" u="none" strike="noStrike" cap="none">
           <a:solidFill>
             <a:srgbClr val="000000"/>
           </a:solidFill>
@@ -12601,7 +12862,7 @@
           <a:sym typeface="Arial"/>
         </a:defRPr>
       </a:lvl3pPr>
-      <a:lvl4pPr lvl="3" marR="0" rtl="0" algn="l">
+      <a:lvl4pPr marR="0" lvl="3" algn="l" rtl="0">
         <a:lnSpc>
           <a:spcPct val="100000"/>
         </a:lnSpc>
@@ -12615,7 +12876,7 @@
           <a:srgbClr val="000000"/>
         </a:buClr>
         <a:buFont typeface="Arial"/>
-        <a:defRPr b="0" i="0" sz="1400" u="none" cap="none" strike="noStrike">
+        <a:defRPr sz="1400" b="0" i="0" u="none" strike="noStrike" cap="none">
           <a:solidFill>
             <a:srgbClr val="000000"/>
           </a:solidFill>
@@ -12625,7 +12886,7 @@
           <a:sym typeface="Arial"/>
         </a:defRPr>
       </a:lvl4pPr>
-      <a:lvl5pPr lvl="4" marR="0" rtl="0" algn="l">
+      <a:lvl5pPr marR="0" lvl="4" algn="l" rtl="0">
         <a:lnSpc>
           <a:spcPct val="100000"/>
         </a:lnSpc>
@@ -12639,7 +12900,7 @@
           <a:srgbClr val="000000"/>
         </a:buClr>
         <a:buFont typeface="Arial"/>
-        <a:defRPr b="0" i="0" sz="1400" u="none" cap="none" strike="noStrike">
+        <a:defRPr sz="1400" b="0" i="0" u="none" strike="noStrike" cap="none">
           <a:solidFill>
             <a:srgbClr val="000000"/>
           </a:solidFill>
@@ -12649,7 +12910,7 @@
           <a:sym typeface="Arial"/>
         </a:defRPr>
       </a:lvl5pPr>
-      <a:lvl6pPr lvl="5" marR="0" rtl="0" algn="l">
+      <a:lvl6pPr marR="0" lvl="5" algn="l" rtl="0">
         <a:lnSpc>
           <a:spcPct val="100000"/>
         </a:lnSpc>
@@ -12663,7 +12924,7 @@
           <a:srgbClr val="000000"/>
         </a:buClr>
         <a:buFont typeface="Arial"/>
-        <a:defRPr b="0" i="0" sz="1400" u="none" cap="none" strike="noStrike">
+        <a:defRPr sz="1400" b="0" i="0" u="none" strike="noStrike" cap="none">
           <a:solidFill>
             <a:srgbClr val="000000"/>
           </a:solidFill>
@@ -12673,7 +12934,7 @@
           <a:sym typeface="Arial"/>
         </a:defRPr>
       </a:lvl6pPr>
-      <a:lvl7pPr lvl="6" marR="0" rtl="0" algn="l">
+      <a:lvl7pPr marR="0" lvl="6" algn="l" rtl="0">
         <a:lnSpc>
           <a:spcPct val="100000"/>
         </a:lnSpc>
@@ -12687,7 +12948,7 @@
           <a:srgbClr val="000000"/>
         </a:buClr>
         <a:buFont typeface="Arial"/>
-        <a:defRPr b="0" i="0" sz="1400" u="none" cap="none" strike="noStrike">
+        <a:defRPr sz="1400" b="0" i="0" u="none" strike="noStrike" cap="none">
           <a:solidFill>
             <a:srgbClr val="000000"/>
           </a:solidFill>
@@ -12697,7 +12958,7 @@
           <a:sym typeface="Arial"/>
         </a:defRPr>
       </a:lvl7pPr>
-      <a:lvl8pPr lvl="7" marR="0" rtl="0" algn="l">
+      <a:lvl8pPr marR="0" lvl="7" algn="l" rtl="0">
         <a:lnSpc>
           <a:spcPct val="100000"/>
         </a:lnSpc>
@@ -12711,7 +12972,7 @@
           <a:srgbClr val="000000"/>
         </a:buClr>
         <a:buFont typeface="Arial"/>
-        <a:defRPr b="0" i="0" sz="1400" u="none" cap="none" strike="noStrike">
+        <a:defRPr sz="1400" b="0" i="0" u="none" strike="noStrike" cap="none">
           <a:solidFill>
             <a:srgbClr val="000000"/>
           </a:solidFill>
@@ -12721,7 +12982,7 @@
           <a:sym typeface="Arial"/>
         </a:defRPr>
       </a:lvl8pPr>
-      <a:lvl9pPr lvl="8" marR="0" rtl="0" algn="l">
+      <a:lvl9pPr marR="0" lvl="8" algn="l" rtl="0">
         <a:lnSpc>
           <a:spcPct val="100000"/>
         </a:lnSpc>
@@ -12735,7 +12996,7 @@
           <a:srgbClr val="000000"/>
         </a:buClr>
         <a:buFont typeface="Arial"/>
-        <a:defRPr b="0" i="0" sz="1400" u="none" cap="none" strike="noStrike">
+        <a:defRPr sz="1400" b="0" i="0" u="none" strike="noStrike" cap="none">
           <a:solidFill>
             <a:srgbClr val="000000"/>
           </a:solidFill>
@@ -12751,18 +13012,19 @@
 </file>
 
 <file path=ppt/slides/slide1.xml><?xml version="1.0" encoding="utf-8"?>
-<p:sld xmlns:a="http://schemas.openxmlformats.org/drawingml/2006/main" xmlns:r="http://schemas.openxmlformats.org/officeDocument/2006/relationships" xmlns:mc="http://schemas.openxmlformats.org/markup-compatibility/2006" xmlns:mv="urn:schemas-microsoft-com:mac:vml" xmlns:p="http://schemas.openxmlformats.org/presentationml/2006/main" xmlns:c="http://schemas.openxmlformats.org/drawingml/2006/chart" xmlns:dgm="http://schemas.openxmlformats.org/drawingml/2006/diagram" xmlns:o="urn:schemas-microsoft-com:office:office" xmlns:v="urn:schemas-microsoft-com:vml" xmlns:pvml="urn:schemas-microsoft-com:office:powerpoint" xmlns:com="http://schemas.openxmlformats.org/drawingml/2006/compatibility" xmlns:p14="http://schemas.microsoft.com/office/powerpoint/2010/main" xmlns:p15="http://schemas.microsoft.com/office/powerpoint/2012/main" xmlns:ahyp="http://schemas.microsoft.com/office/drawing/2018/hyperlinkcolor">
+<p:sld xmlns:a="http://schemas.openxmlformats.org/drawingml/2006/main" xmlns:r="http://schemas.openxmlformats.org/officeDocument/2006/relationships" xmlns:p="http://schemas.openxmlformats.org/presentationml/2006/main">
   <p:cSld>
     <p:bg>
       <p:bgPr>
         <a:solidFill>
           <a:schemeClr val="lt1"/>
         </a:solidFill>
+        <a:effectLst/>
       </p:bgPr>
     </p:bg>
     <p:spTree>
       <p:nvGrpSpPr>
-        <p:cNvPr id="105" name="Shape 105"/>
+        <p:cNvPr id="1" name="Shape 105"/>
         <p:cNvGrpSpPr/>
         <p:nvPr/>
       </p:nvGrpSpPr>
@@ -12796,12 +13058,12 @@
           </a:ln>
         </p:spPr>
         <p:txBody>
-          <a:bodyPr anchorCtr="0" anchor="ctr" bIns="45700" lIns="91425" spcFirstLastPara="1" rIns="91425" wrap="square" tIns="45700">
+          <a:bodyPr spcFirstLastPara="1" wrap="square" lIns="91425" tIns="45700" rIns="91425" bIns="45700" anchor="ctr" anchorCtr="0">
             <a:noAutofit/>
           </a:bodyPr>
           <a:lstStyle/>
           <a:p>
-            <a:pPr indent="0" lvl="0" marL="0" marR="0" rtl="0" algn="ctr">
+            <a:pPr marL="0" marR="0" lvl="0" indent="0" algn="ctr" rtl="0">
               <a:spcBef>
                 <a:spcPts val="0"/>
               </a:spcBef>
@@ -12810,10 +13072,7 @@
               </a:spcAft>
               <a:buNone/>
             </a:pPr>
-            <a:r>
-              <a:t/>
-            </a:r>
-            <a:endParaRPr b="0" i="0" sz="1800" u="none" cap="none" strike="noStrike">
+            <a:endParaRPr sz="1800" b="0" i="0" u="none" strike="noStrike" cap="none">
               <a:solidFill>
                 <a:schemeClr val="lt1"/>
               </a:solidFill>
@@ -12835,7 +13094,7 @@
           <a:blip r:embed="rId3">
             <a:alphaModFix/>
           </a:blip>
-          <a:srcRect b="8326" l="0" r="-1" t="12148"/>
+          <a:srcRect t="12148" r="-1" b="8326"/>
           <a:stretch/>
         </p:blipFill>
         <p:spPr>
@@ -12891,12 +13150,12 @@
           </a:ln>
         </p:spPr>
         <p:txBody>
-          <a:bodyPr anchorCtr="0" anchor="ctr" bIns="45700" lIns="91425" spcFirstLastPara="1" rIns="91425" wrap="square" tIns="45700">
+          <a:bodyPr spcFirstLastPara="1" wrap="square" lIns="91425" tIns="45700" rIns="91425" bIns="45700" anchor="ctr" anchorCtr="0">
             <a:noAutofit/>
           </a:bodyPr>
           <a:lstStyle/>
           <a:p>
-            <a:pPr indent="0" lvl="0" marL="0" marR="0" rtl="0" algn="ctr">
+            <a:pPr marL="0" marR="0" lvl="0" indent="0" algn="ctr" rtl="0">
               <a:spcBef>
                 <a:spcPts val="0"/>
               </a:spcBef>
@@ -12905,10 +13164,7 @@
               </a:spcAft>
               <a:buNone/>
             </a:pPr>
-            <a:r>
-              <a:t/>
-            </a:r>
-            <a:endParaRPr b="0" i="0" sz="1800" u="none" cap="none" strike="noStrike">
+            <a:endParaRPr sz="1800" b="0" i="0" u="none" strike="noStrike" cap="none">
               <a:solidFill>
                 <a:schemeClr val="lt1"/>
               </a:solidFill>
@@ -12923,7 +13179,9 @@
       <p:sp>
         <p:nvSpPr>
           <p:cNvPr id="109" name="Google Shape;109;p1"/>
-          <p:cNvSpPr txBox="1"/>
+          <p:cNvSpPr txBox="1">
+            <a:spLocks noGrp="1"/>
+          </p:cNvSpPr>
           <p:nvPr>
             <p:ph type="ctrTitle"/>
           </p:nvPr>
@@ -12942,12 +13200,12 @@
           </a:ln>
         </p:spPr>
         <p:txBody>
-          <a:bodyPr anchorCtr="0" anchor="b" bIns="45700" lIns="91425" spcFirstLastPara="1" rIns="91425" wrap="square" tIns="45700">
+          <a:bodyPr spcFirstLastPara="1" wrap="square" lIns="91425" tIns="45700" rIns="91425" bIns="45700" anchor="b" anchorCtr="0">
             <a:normAutofit/>
           </a:bodyPr>
           <a:lstStyle/>
           <a:p>
-            <a:pPr indent="0" lvl="0" marL="0" rtl="0" algn="ctr">
+            <a:pPr marL="0" lvl="0" indent="0" algn="ctr" rtl="0">
               <a:lnSpc>
                 <a:spcPct val="90000"/>
               </a:lnSpc>
@@ -12965,19 +13223,21 @@
               <a:buNone/>
             </a:pPr>
             <a:r>
-              <a:rPr b="1" lang="en-US" sz="2400"/>
+              <a:rPr lang="en-US" sz="2400" b="1"/>
               <a:t>Java Professional Program</a:t>
             </a:r>
-            <a:endParaRPr b="1" sz="2400"/>
+            <a:endParaRPr sz="2400" b="1"/>
           </a:p>
         </p:txBody>
       </p:sp>
       <p:sp>
         <p:nvSpPr>
           <p:cNvPr id="110" name="Google Shape;110;p1"/>
-          <p:cNvSpPr txBox="1"/>
+          <p:cNvSpPr txBox="1">
+            <a:spLocks noGrp="1"/>
+          </p:cNvSpPr>
           <p:nvPr>
-            <p:ph idx="1" type="subTitle"/>
+            <p:ph type="subTitle" idx="1"/>
           </p:nvPr>
         </p:nvSpPr>
         <p:spPr>
@@ -12994,12 +13254,12 @@
           </a:ln>
         </p:spPr>
         <p:txBody>
-          <a:bodyPr anchorCtr="0" anchor="t" bIns="45700" lIns="91425" spcFirstLastPara="1" rIns="91425" wrap="square" tIns="45700">
+          <a:bodyPr spcFirstLastPara="1" wrap="square" lIns="91425" tIns="45700" rIns="91425" bIns="45700" anchor="t" anchorCtr="0">
             <a:noAutofit/>
           </a:bodyPr>
           <a:lstStyle/>
           <a:p>
-            <a:pPr indent="-342900" lvl="0" marL="342900" rtl="0" algn="l">
+            <a:pPr marL="342900" lvl="0" indent="-342900" algn="l" rtl="0">
               <a:lnSpc>
                 <a:spcPct val="90000"/>
               </a:lnSpc>
@@ -13017,7 +13277,7 @@
               <a:buAutoNum type="arabicPeriod"/>
             </a:pPr>
             <a:r>
-              <a:rPr b="1" lang="en-US" sz="1200">
+              <a:rPr lang="en-US" sz="1200" b="1">
                 <a:latin typeface="Verdana"/>
                 <a:ea typeface="Verdana"/>
                 <a:cs typeface="Verdana"/>
@@ -13028,7 +13288,7 @@
             <a:endParaRPr/>
           </a:p>
           <a:p>
-            <a:pPr indent="-342900" lvl="1" marL="800100" rtl="0" algn="l">
+            <a:pPr marL="800100" lvl="1" indent="-342900" algn="l" rtl="0">
               <a:lnSpc>
                 <a:spcPct val="90000"/>
               </a:lnSpc>
@@ -13046,7 +13306,7 @@
               <a:buAutoNum type="arabicPeriod"/>
             </a:pPr>
             <a:r>
-              <a:rPr b="1" lang="en-US" sz="800">
+              <a:rPr lang="en-US" sz="800" b="1">
                 <a:latin typeface="Verdana"/>
                 <a:ea typeface="Verdana"/>
                 <a:cs typeface="Verdana"/>
@@ -13057,7 +13317,7 @@
             <a:endParaRPr/>
           </a:p>
           <a:p>
-            <a:pPr indent="-342900" lvl="1" marL="800100" rtl="0" algn="l">
+            <a:pPr marL="800100" lvl="1" indent="-342900" algn="l" rtl="0">
               <a:lnSpc>
                 <a:spcPct val="90000"/>
               </a:lnSpc>
@@ -13075,7 +13335,7 @@
               <a:buAutoNum type="arabicPeriod"/>
             </a:pPr>
             <a:r>
-              <a:rPr b="1" lang="en-US" sz="800">
+              <a:rPr lang="en-US" sz="800" b="1">
                 <a:latin typeface="Verdana"/>
                 <a:ea typeface="Verdana"/>
                 <a:cs typeface="Verdana"/>
@@ -13086,7 +13346,7 @@
             <a:endParaRPr/>
           </a:p>
           <a:p>
-            <a:pPr indent="-342900" lvl="1" marL="800100" rtl="0" algn="l">
+            <a:pPr marL="800100" lvl="1" indent="-342900" algn="l" rtl="0">
               <a:lnSpc>
                 <a:spcPct val="90000"/>
               </a:lnSpc>
@@ -13104,7 +13364,7 @@
               <a:buAutoNum type="arabicPeriod"/>
             </a:pPr>
             <a:r>
-              <a:rPr b="1" lang="en-US" sz="800">
+              <a:rPr lang="en-US" sz="800" b="1">
                 <a:latin typeface="Verdana"/>
                 <a:ea typeface="Verdana"/>
                 <a:cs typeface="Verdana"/>
@@ -13115,7 +13375,7 @@
             <a:endParaRPr/>
           </a:p>
           <a:p>
-            <a:pPr indent="-342900" lvl="1" marL="800100" rtl="0" algn="l">
+            <a:pPr marL="800100" lvl="1" indent="-342900" algn="l" rtl="0">
               <a:lnSpc>
                 <a:spcPct val="90000"/>
               </a:lnSpc>
@@ -13133,7 +13393,7 @@
               <a:buAutoNum type="arabicPeriod"/>
             </a:pPr>
             <a:r>
-              <a:rPr b="1" lang="en-US" sz="800">
+              <a:rPr lang="en-US" sz="800" b="1">
                 <a:latin typeface="Verdana"/>
                 <a:ea typeface="Verdana"/>
                 <a:cs typeface="Verdana"/>
@@ -13144,7 +13404,7 @@
             <a:endParaRPr/>
           </a:p>
           <a:p>
-            <a:pPr indent="-342900" lvl="1" marL="800100" rtl="0" algn="l">
+            <a:pPr marL="800100" lvl="1" indent="-342900" algn="l" rtl="0">
               <a:lnSpc>
                 <a:spcPct val="90000"/>
               </a:lnSpc>
@@ -13162,7 +13422,7 @@
               <a:buAutoNum type="arabicPeriod"/>
             </a:pPr>
             <a:r>
-              <a:rPr b="1" lang="en-US" sz="800">
+              <a:rPr lang="en-US" sz="800" b="1">
                 <a:latin typeface="Verdana"/>
                 <a:ea typeface="Verdana"/>
                 <a:cs typeface="Verdana"/>
@@ -13173,7 +13433,7 @@
             <a:endParaRPr/>
           </a:p>
           <a:p>
-            <a:pPr indent="-342900" lvl="0" marL="342900" rtl="0" algn="l">
+            <a:pPr marL="342900" lvl="0" indent="-342900" algn="l" rtl="0">
               <a:lnSpc>
                 <a:spcPct val="90000"/>
               </a:lnSpc>
@@ -13191,7 +13451,7 @@
               <a:buAutoNum type="arabicPeriod"/>
             </a:pPr>
             <a:r>
-              <a:rPr b="1" lang="en-US" sz="1200">
+              <a:rPr lang="en-US" sz="1200" b="1">
                 <a:latin typeface="Verdana"/>
                 <a:ea typeface="Verdana"/>
                 <a:cs typeface="Verdana"/>
@@ -13202,7 +13462,7 @@
             <a:endParaRPr/>
           </a:p>
           <a:p>
-            <a:pPr indent="-342900" lvl="1" marL="800100" rtl="0" algn="l">
+            <a:pPr marL="800100" lvl="1" indent="-342900" algn="l" rtl="0">
               <a:lnSpc>
                 <a:spcPct val="90000"/>
               </a:lnSpc>
@@ -13220,7 +13480,7 @@
               <a:buAutoNum type="arabicPeriod"/>
             </a:pPr>
             <a:r>
-              <a:rPr b="1" lang="en-US" sz="800">
+              <a:rPr lang="en-US" sz="800" b="1">
                 <a:latin typeface="Verdana"/>
                 <a:ea typeface="Verdana"/>
                 <a:cs typeface="Verdana"/>
@@ -13231,7 +13491,7 @@
             <a:endParaRPr/>
           </a:p>
           <a:p>
-            <a:pPr indent="-342900" lvl="1" marL="800100" rtl="0" algn="l">
+            <a:pPr marL="800100" lvl="1" indent="-342900" algn="l" rtl="0">
               <a:lnSpc>
                 <a:spcPct val="90000"/>
               </a:lnSpc>
@@ -13249,7 +13509,7 @@
               <a:buAutoNum type="arabicPeriod"/>
             </a:pPr>
             <a:r>
-              <a:rPr b="1" lang="en-US" sz="800">
+              <a:rPr lang="en-US" sz="800" b="1">
                 <a:latin typeface="Verdana"/>
                 <a:ea typeface="Verdana"/>
                 <a:cs typeface="Verdana"/>
@@ -13260,7 +13520,7 @@
             <a:endParaRPr/>
           </a:p>
           <a:p>
-            <a:pPr indent="-342900" lvl="1" marL="800100" rtl="0" algn="l">
+            <a:pPr marL="800100" lvl="1" indent="-342900" algn="l" rtl="0">
               <a:lnSpc>
                 <a:spcPct val="90000"/>
               </a:lnSpc>
@@ -13278,7 +13538,7 @@
               <a:buAutoNum type="arabicPeriod"/>
             </a:pPr>
             <a:r>
-              <a:rPr b="1" lang="en-US" sz="800">
+              <a:rPr lang="en-US" sz="800" b="1">
                 <a:latin typeface="Verdana"/>
                 <a:ea typeface="Verdana"/>
                 <a:cs typeface="Verdana"/>
@@ -13289,7 +13549,7 @@
             <a:endParaRPr/>
           </a:p>
           <a:p>
-            <a:pPr indent="-342900" lvl="1" marL="800100" rtl="0" algn="l">
+            <a:pPr marL="800100" lvl="1" indent="-342900" algn="l" rtl="0">
               <a:lnSpc>
                 <a:spcPct val="90000"/>
               </a:lnSpc>
@@ -13307,7 +13567,7 @@
               <a:buAutoNum type="arabicPeriod"/>
             </a:pPr>
             <a:r>
-              <a:rPr b="1" lang="en-US" sz="800">
+              <a:rPr lang="en-US" sz="800" b="1">
                 <a:latin typeface="Verdana"/>
                 <a:ea typeface="Verdana"/>
                 <a:cs typeface="Verdana"/>
@@ -13318,7 +13578,7 @@
             <a:endParaRPr/>
           </a:p>
           <a:p>
-            <a:pPr indent="-342900" lvl="1" marL="800100" rtl="0" algn="l">
+            <a:pPr marL="800100" lvl="1" indent="-342900" algn="l" rtl="0">
               <a:lnSpc>
                 <a:spcPct val="90000"/>
               </a:lnSpc>
@@ -13336,7 +13596,7 @@
               <a:buAutoNum type="arabicPeriod"/>
             </a:pPr>
             <a:r>
-              <a:rPr b="1" lang="en-US" sz="800">
+              <a:rPr lang="en-US" sz="800" b="1">
                 <a:latin typeface="Verdana"/>
                 <a:ea typeface="Verdana"/>
                 <a:cs typeface="Verdana"/>
@@ -13347,7 +13607,7 @@
             <a:endParaRPr/>
           </a:p>
           <a:p>
-            <a:pPr indent="-342900" lvl="1" marL="800100" rtl="0" algn="l">
+            <a:pPr marL="800100" lvl="1" indent="-342900" algn="l" rtl="0">
               <a:lnSpc>
                 <a:spcPct val="90000"/>
               </a:lnSpc>
@@ -13365,7 +13625,7 @@
               <a:buAutoNum type="arabicPeriod"/>
             </a:pPr>
             <a:r>
-              <a:rPr b="1" lang="en-US" sz="800">
+              <a:rPr lang="en-US" sz="800" b="1">
                 <a:latin typeface="Verdana"/>
                 <a:ea typeface="Verdana"/>
                 <a:cs typeface="Verdana"/>
@@ -13376,7 +13636,7 @@
             <a:endParaRPr/>
           </a:p>
           <a:p>
-            <a:pPr indent="-342900" lvl="1" marL="800100" rtl="0" algn="l">
+            <a:pPr marL="800100" lvl="1" indent="-342900" algn="l" rtl="0">
               <a:lnSpc>
                 <a:spcPct val="90000"/>
               </a:lnSpc>
@@ -13394,7 +13654,7 @@
               <a:buAutoNum type="arabicPeriod"/>
             </a:pPr>
             <a:r>
-              <a:rPr b="1" lang="en-US" sz="800">
+              <a:rPr lang="en-US" sz="800" b="1">
                 <a:latin typeface="Verdana"/>
                 <a:ea typeface="Verdana"/>
                 <a:cs typeface="Verdana"/>
@@ -13405,7 +13665,7 @@
             <a:endParaRPr/>
           </a:p>
           <a:p>
-            <a:pPr indent="-342900" lvl="1" marL="800100" rtl="0" algn="l">
+            <a:pPr marL="800100" lvl="1" indent="-342900" algn="l" rtl="0">
               <a:lnSpc>
                 <a:spcPct val="90000"/>
               </a:lnSpc>
@@ -13423,7 +13683,7 @@
               <a:buAutoNum type="arabicPeriod"/>
             </a:pPr>
             <a:r>
-              <a:rPr b="1" lang="en-US" sz="800">
+              <a:rPr lang="en-US" sz="800" b="1">
                 <a:latin typeface="Verdana"/>
                 <a:ea typeface="Verdana"/>
                 <a:cs typeface="Verdana"/>
@@ -13434,7 +13694,7 @@
             <a:endParaRPr/>
           </a:p>
           <a:p>
-            <a:pPr indent="-342900" lvl="1" marL="800100" rtl="0" algn="l">
+            <a:pPr marL="800100" lvl="1" indent="-342900" algn="l" rtl="0">
               <a:lnSpc>
                 <a:spcPct val="90000"/>
               </a:lnSpc>
@@ -13452,7 +13712,7 @@
               <a:buAutoNum type="arabicPeriod"/>
             </a:pPr>
             <a:r>
-              <a:rPr b="1" lang="en-US" sz="800">
+              <a:rPr lang="en-US" sz="800" b="1">
                 <a:latin typeface="Verdana"/>
                 <a:ea typeface="Verdana"/>
                 <a:cs typeface="Verdana"/>
@@ -13463,7 +13723,7 @@
             <a:endParaRPr/>
           </a:p>
           <a:p>
-            <a:pPr indent="-342900" lvl="1" marL="800100" rtl="0" algn="l">
+            <a:pPr marL="800100" lvl="1" indent="-342900" algn="l" rtl="0">
               <a:lnSpc>
                 <a:spcPct val="90000"/>
               </a:lnSpc>
@@ -13481,7 +13741,7 @@
               <a:buAutoNum type="arabicPeriod"/>
             </a:pPr>
             <a:r>
-              <a:rPr b="1" lang="en-US" sz="800">
+              <a:rPr lang="en-US" sz="800" b="1">
                 <a:latin typeface="Verdana"/>
                 <a:ea typeface="Verdana"/>
                 <a:cs typeface="Verdana"/>
@@ -13492,7 +13752,7 @@
             <a:endParaRPr/>
           </a:p>
           <a:p>
-            <a:pPr indent="0" lvl="1" marL="457200" rtl="0" algn="l">
+            <a:pPr marL="457200" lvl="1" indent="0" algn="l" rtl="0">
               <a:lnSpc>
                 <a:spcPct val="90000"/>
               </a:lnSpc>
@@ -13509,7 +13769,7 @@
               <a:buNone/>
             </a:pPr>
             <a:r>
-              <a:rPr b="1" lang="en-US" sz="800">
+              <a:rPr lang="en-US" sz="800" b="1">
                 <a:latin typeface="Verdana"/>
                 <a:ea typeface="Verdana"/>
                 <a:cs typeface="Verdana"/>
@@ -13517,7 +13777,7 @@
               </a:rPr>
               <a:t>test</a:t>
             </a:r>
-            <a:endParaRPr b="1" sz="1200">
+            <a:endParaRPr sz="1200" b="1">
               <a:latin typeface="Verdana"/>
               <a:ea typeface="Verdana"/>
               <a:cs typeface="Verdana"/>
@@ -13525,7 +13785,7 @@
             </a:endParaRPr>
           </a:p>
           <a:p>
-            <a:pPr indent="-342900" lvl="0" marL="342900" rtl="0" algn="l">
+            <a:pPr marL="342900" lvl="0" indent="-342900" algn="l" rtl="0">
               <a:lnSpc>
                 <a:spcPct val="90000"/>
               </a:lnSpc>
@@ -13543,7 +13803,7 @@
               <a:buAutoNum type="arabicPeriod"/>
             </a:pPr>
             <a:r>
-              <a:rPr b="1" lang="en-US" sz="1200">
+              <a:rPr lang="en-US" sz="1200" b="1">
                 <a:latin typeface="Verdana"/>
                 <a:ea typeface="Verdana"/>
                 <a:cs typeface="Verdana"/>
@@ -13554,7 +13814,7 @@
             <a:endParaRPr/>
           </a:p>
           <a:p>
-            <a:pPr indent="-342900" lvl="1" marL="800100" rtl="0" algn="l">
+            <a:pPr marL="800100" lvl="1" indent="-342900" algn="l" rtl="0">
               <a:lnSpc>
                 <a:spcPct val="90000"/>
               </a:lnSpc>
@@ -13572,7 +13832,7 @@
               <a:buAutoNum type="arabicPeriod"/>
             </a:pPr>
             <a:r>
-              <a:rPr b="1" lang="en-US" sz="800">
+              <a:rPr lang="en-US" sz="800" b="1">
                 <a:latin typeface="Verdana"/>
                 <a:ea typeface="Verdana"/>
                 <a:cs typeface="Verdana"/>
@@ -13583,7 +13843,7 @@
             <a:endParaRPr/>
           </a:p>
           <a:p>
-            <a:pPr indent="-342900" lvl="1" marL="800100" rtl="0" algn="l">
+            <a:pPr marL="800100" lvl="1" indent="-342900" algn="l" rtl="0">
               <a:lnSpc>
                 <a:spcPct val="90000"/>
               </a:lnSpc>
@@ -13601,7 +13861,7 @@
               <a:buAutoNum type="arabicPeriod"/>
             </a:pPr>
             <a:r>
-              <a:rPr b="1" lang="en-US" sz="800">
+              <a:rPr lang="en-US" sz="800" b="1">
                 <a:latin typeface="Verdana"/>
                 <a:ea typeface="Verdana"/>
                 <a:cs typeface="Verdana"/>
@@ -13612,7 +13872,7 @@
             <a:endParaRPr/>
           </a:p>
           <a:p>
-            <a:pPr indent="-342900" lvl="1" marL="800100" rtl="0" algn="l">
+            <a:pPr marL="800100" lvl="1" indent="-342900" algn="l" rtl="0">
               <a:lnSpc>
                 <a:spcPct val="90000"/>
               </a:lnSpc>
@@ -13630,7 +13890,7 @@
               <a:buAutoNum type="arabicPeriod"/>
             </a:pPr>
             <a:r>
-              <a:rPr b="1" lang="en-US" sz="800">
+              <a:rPr lang="en-US" sz="800" b="1">
                 <a:latin typeface="Verdana"/>
                 <a:ea typeface="Verdana"/>
                 <a:cs typeface="Verdana"/>
@@ -13641,7 +13901,7 @@
             <a:endParaRPr/>
           </a:p>
           <a:p>
-            <a:pPr indent="-342900" lvl="1" marL="800100" rtl="0" algn="l">
+            <a:pPr marL="800100" lvl="1" indent="-342900" algn="l" rtl="0">
               <a:lnSpc>
                 <a:spcPct val="90000"/>
               </a:lnSpc>
@@ -13659,7 +13919,7 @@
               <a:buAutoNum type="arabicPeriod"/>
             </a:pPr>
             <a:r>
-              <a:rPr b="1" lang="en-US" sz="800">
+              <a:rPr lang="en-US" sz="800" b="1">
                 <a:latin typeface="Verdana"/>
                 <a:ea typeface="Verdana"/>
                 <a:cs typeface="Verdana"/>
@@ -13670,7 +13930,7 @@
             <a:endParaRPr/>
           </a:p>
           <a:p>
-            <a:pPr indent="-342900" lvl="0" marL="342900" rtl="0" algn="l">
+            <a:pPr marL="342900" lvl="0" indent="-342900" algn="l" rtl="0">
               <a:lnSpc>
                 <a:spcPct val="90000"/>
               </a:lnSpc>
@@ -13688,7 +13948,7 @@
               <a:buAutoNum type="arabicPeriod" startAt="4"/>
             </a:pPr>
             <a:r>
-              <a:rPr b="1" lang="en-US" sz="1200">
+              <a:rPr lang="en-US" sz="1200" b="1">
                 <a:latin typeface="Verdana"/>
                 <a:ea typeface="Verdana"/>
                 <a:cs typeface="Verdana"/>
@@ -13696,7 +13956,7 @@
               </a:rPr>
               <a:t>Input and Output in Java.</a:t>
             </a:r>
-            <a:endParaRPr b="1" sz="800">
+            <a:endParaRPr sz="800" b="1">
               <a:latin typeface="Verdana"/>
               <a:ea typeface="Verdana"/>
               <a:cs typeface="Verdana"/>
@@ -13704,7 +13964,7 @@
             </a:endParaRPr>
           </a:p>
           <a:p>
-            <a:pPr indent="-342900" lvl="1" marL="800100" rtl="0" algn="l">
+            <a:pPr marL="800100" lvl="1" indent="-342900" algn="l" rtl="0">
               <a:lnSpc>
                 <a:spcPct val="90000"/>
               </a:lnSpc>
@@ -13722,7 +13982,7 @@
               <a:buAutoNum type="arabicPeriod"/>
             </a:pPr>
             <a:r>
-              <a:rPr b="1" lang="en-US" sz="800">
+              <a:rPr lang="en-US" sz="800" b="1">
                 <a:latin typeface="Verdana"/>
                 <a:ea typeface="Verdana"/>
                 <a:cs typeface="Verdana"/>
@@ -13733,7 +13993,7 @@
             <a:endParaRPr/>
           </a:p>
           <a:p>
-            <a:pPr indent="-342900" lvl="1" marL="800100" rtl="0" algn="l">
+            <a:pPr marL="800100" lvl="1" indent="-342900" algn="l" rtl="0">
               <a:lnSpc>
                 <a:spcPct val="90000"/>
               </a:lnSpc>
@@ -13751,7 +14011,7 @@
               <a:buAutoNum type="arabicPeriod"/>
             </a:pPr>
             <a:r>
-              <a:rPr b="1" lang="en-US" sz="800">
+              <a:rPr lang="en-US" sz="800" b="1">
                 <a:latin typeface="Verdana"/>
                 <a:ea typeface="Verdana"/>
                 <a:cs typeface="Verdana"/>
@@ -13783,12 +14043,12 @@
           </a:ln>
         </p:spPr>
         <p:txBody>
-          <a:bodyPr anchorCtr="0" anchor="t" bIns="45700" lIns="91425" spcFirstLastPara="1" rIns="91425" wrap="square" tIns="45700">
+          <a:bodyPr spcFirstLastPara="1" wrap="square" lIns="91425" tIns="45700" rIns="91425" bIns="45700" anchor="t" anchorCtr="0">
             <a:noAutofit/>
           </a:bodyPr>
           <a:lstStyle/>
           <a:p>
-            <a:pPr indent="-342900" lvl="0" marL="342900" marR="0" rtl="0" algn="l">
+            <a:pPr marL="342900" marR="0" lvl="0" indent="-342900" algn="l" rtl="0">
               <a:lnSpc>
                 <a:spcPct val="90000"/>
               </a:lnSpc>
@@ -13806,7 +14066,7 @@
               <a:buAutoNum type="arabicPeriod" startAt="5"/>
             </a:pPr>
             <a:r>
-              <a:rPr b="1" i="0" lang="en-US" sz="1200" u="none" cap="none" strike="noStrike">
+              <a:rPr lang="en-US" sz="1200" b="1" i="0" u="none" strike="noStrike" cap="none">
                 <a:solidFill>
                   <a:schemeClr val="dk1"/>
                 </a:solidFill>
@@ -13820,7 +14080,7 @@
             <a:endParaRPr/>
           </a:p>
           <a:p>
-            <a:pPr indent="-342900" lvl="1" marL="800100" marR="0" rtl="0" algn="l">
+            <a:pPr marL="800100" marR="0" lvl="1" indent="-342900" algn="l" rtl="0">
               <a:lnSpc>
                 <a:spcPct val="90000"/>
               </a:lnSpc>
@@ -13838,7 +14098,7 @@
               <a:buAutoNum type="arabicPeriod"/>
             </a:pPr>
             <a:r>
-              <a:rPr b="1" i="0" lang="en-US" sz="800" u="none" cap="none" strike="noStrike">
+              <a:rPr lang="en-US" sz="800" b="1" i="0" u="none" strike="noStrike" cap="none">
                 <a:solidFill>
                   <a:schemeClr val="dk1"/>
                 </a:solidFill>
@@ -13852,7 +14112,7 @@
             <a:endParaRPr/>
           </a:p>
           <a:p>
-            <a:pPr indent="-342900" lvl="1" marL="800100" marR="0" rtl="0" algn="l">
+            <a:pPr marL="800100" marR="0" lvl="1" indent="-342900" algn="l" rtl="0">
               <a:lnSpc>
                 <a:spcPct val="90000"/>
               </a:lnSpc>
@@ -13870,7 +14130,7 @@
               <a:buAutoNum type="arabicPeriod"/>
             </a:pPr>
             <a:r>
-              <a:rPr b="1" i="0" lang="en-US" sz="800" u="none" cap="none" strike="noStrike">
+              <a:rPr lang="en-US" sz="800" b="1" i="0" u="none" strike="noStrike" cap="none">
                 <a:solidFill>
                   <a:schemeClr val="dk1"/>
                 </a:solidFill>
@@ -13884,7 +14144,7 @@
             <a:endParaRPr/>
           </a:p>
           <a:p>
-            <a:pPr indent="-342900" lvl="1" marL="800100" marR="0" rtl="0" algn="l">
+            <a:pPr marL="800100" marR="0" lvl="1" indent="-342900" algn="l" rtl="0">
               <a:lnSpc>
                 <a:spcPct val="90000"/>
               </a:lnSpc>
@@ -13902,7 +14162,7 @@
               <a:buAutoNum type="arabicPeriod"/>
             </a:pPr>
             <a:r>
-              <a:rPr b="1" i="0" lang="en-US" sz="800" u="none" cap="none" strike="noStrike">
+              <a:rPr lang="en-US" sz="800" b="1" i="0" u="none" strike="noStrike" cap="none">
                 <a:solidFill>
                   <a:schemeClr val="dk1"/>
                 </a:solidFill>
@@ -13913,7 +14173,7 @@
               </a:rPr>
               <a:t>Exceptions.</a:t>
             </a:r>
-            <a:endParaRPr b="1" i="0" sz="800" u="none" cap="none" strike="noStrike">
+            <a:endParaRPr sz="800" b="1" i="0" u="none" strike="noStrike" cap="none">
               <a:solidFill>
                 <a:schemeClr val="dk1"/>
               </a:solidFill>
@@ -13924,7 +14184,7 @@
             </a:endParaRPr>
           </a:p>
           <a:p>
-            <a:pPr indent="-342900" lvl="1" marL="800100" marR="0" rtl="0" algn="l">
+            <a:pPr marL="800100" marR="0" lvl="1" indent="-342900" algn="l" rtl="0">
               <a:lnSpc>
                 <a:spcPct val="90000"/>
               </a:lnSpc>
@@ -13942,7 +14202,7 @@
               <a:buAutoNum type="arabicPeriod"/>
             </a:pPr>
             <a:r>
-              <a:rPr b="1" i="0" lang="en-US" sz="800" u="none" cap="none" strike="noStrike">
+              <a:rPr lang="en-US" sz="800" b="1" i="0" u="none" strike="noStrike" cap="none">
                 <a:solidFill>
                   <a:schemeClr val="dk1"/>
                 </a:solidFill>
@@ -13956,7 +14216,7 @@
             <a:endParaRPr/>
           </a:p>
           <a:p>
-            <a:pPr indent="-342900" lvl="1" marL="800100" marR="0" rtl="0" algn="l">
+            <a:pPr marL="800100" marR="0" lvl="1" indent="-342900" algn="l" rtl="0">
               <a:lnSpc>
                 <a:spcPct val="90000"/>
               </a:lnSpc>
@@ -13974,7 +14234,7 @@
               <a:buAutoNum type="arabicPeriod"/>
             </a:pPr>
             <a:r>
-              <a:rPr b="1" i="0" lang="en-US" sz="800" u="none" cap="none" strike="noStrike">
+              <a:rPr lang="en-US" sz="800" b="1" i="0" u="none" strike="noStrike" cap="none">
                 <a:solidFill>
                   <a:schemeClr val="dk1"/>
                 </a:solidFill>
@@ -13988,7 +14248,7 @@
             <a:endParaRPr/>
           </a:p>
           <a:p>
-            <a:pPr indent="0" lvl="1" marL="457200" marR="0" rtl="0" algn="l">
+            <a:pPr marL="457200" marR="0" lvl="1" indent="0" algn="l" rtl="0">
               <a:lnSpc>
                 <a:spcPct val="90000"/>
               </a:lnSpc>
@@ -14006,7 +14266,7 @@
               <a:buNone/>
             </a:pPr>
             <a:r>
-              <a:rPr b="1" i="0" lang="en-US" sz="800" u="none" cap="none" strike="noStrike">
+              <a:rPr lang="en-US" sz="800" b="1" i="0" u="none" strike="noStrike" cap="none">
                 <a:solidFill>
                   <a:schemeClr val="dk1"/>
                 </a:solidFill>
@@ -14020,7 +14280,7 @@
             <a:endParaRPr/>
           </a:p>
           <a:p>
-            <a:pPr indent="-342900" lvl="0" marL="342900" marR="0" rtl="0" algn="l">
+            <a:pPr marL="342900" marR="0" lvl="0" indent="-342900" algn="l" rtl="0">
               <a:lnSpc>
                 <a:spcPct val="90000"/>
               </a:lnSpc>
@@ -14038,7 +14298,7 @@
               <a:buAutoNum type="arabicPeriod" startAt="5"/>
             </a:pPr>
             <a:r>
-              <a:rPr b="1" i="0" lang="en-US" sz="1200" u="none" cap="none" strike="noStrike">
+              <a:rPr lang="en-US" sz="1200" b="1" i="0" u="none" strike="noStrike" cap="none">
                 <a:solidFill>
                   <a:schemeClr val="dk1"/>
                 </a:solidFill>
@@ -14052,7 +14312,7 @@
             <a:endParaRPr/>
           </a:p>
           <a:p>
-            <a:pPr indent="-342900" lvl="1" marL="800100" marR="0" rtl="0" algn="l">
+            <a:pPr marL="800100" marR="0" lvl="1" indent="-342900" algn="l" rtl="0">
               <a:lnSpc>
                 <a:spcPct val="90000"/>
               </a:lnSpc>
@@ -14070,7 +14330,7 @@
               <a:buAutoNum type="arabicPeriod"/>
             </a:pPr>
             <a:r>
-              <a:rPr b="1" i="0" lang="en-US" sz="800" u="none" cap="none" strike="noStrike">
+              <a:rPr lang="en-US" sz="800" b="1" i="0" u="none" strike="noStrike" cap="none">
                 <a:solidFill>
                   <a:schemeClr val="dk1"/>
                 </a:solidFill>
@@ -14084,7 +14344,7 @@
             <a:endParaRPr/>
           </a:p>
           <a:p>
-            <a:pPr indent="-342900" lvl="1" marL="800100" marR="0" rtl="0" algn="l">
+            <a:pPr marL="800100" marR="0" lvl="1" indent="-342900" algn="l" rtl="0">
               <a:lnSpc>
                 <a:spcPct val="90000"/>
               </a:lnSpc>
@@ -14102,7 +14362,7 @@
               <a:buAutoNum type="arabicPeriod"/>
             </a:pPr>
             <a:r>
-              <a:rPr b="1" i="0" lang="en-US" sz="800" u="none" cap="none" strike="noStrike">
+              <a:rPr lang="en-US" sz="800" b="1" i="0" u="none" strike="noStrike" cap="none">
                 <a:solidFill>
                   <a:schemeClr val="dk1"/>
                 </a:solidFill>
@@ -14116,7 +14376,7 @@
             <a:endParaRPr/>
           </a:p>
           <a:p>
-            <a:pPr indent="-342900" lvl="1" marL="800100" marR="0" rtl="0" algn="l">
+            <a:pPr marL="800100" marR="0" lvl="1" indent="-342900" algn="l" rtl="0">
               <a:lnSpc>
                 <a:spcPct val="90000"/>
               </a:lnSpc>
@@ -14134,7 +14394,7 @@
               <a:buAutoNum type="arabicPeriod"/>
             </a:pPr>
             <a:r>
-              <a:rPr b="1" i="0" lang="en-US" sz="800" u="none" cap="none" strike="noStrike">
+              <a:rPr lang="en-US" sz="800" b="1" i="0" u="none" strike="noStrike" cap="none">
                 <a:solidFill>
                   <a:schemeClr val="dk1"/>
                 </a:solidFill>
@@ -14148,7 +14408,7 @@
             <a:endParaRPr/>
           </a:p>
           <a:p>
-            <a:pPr indent="-342900" lvl="1" marL="800100" marR="0" rtl="0" algn="l">
+            <a:pPr marL="800100" marR="0" lvl="1" indent="-342900" algn="l" rtl="0">
               <a:lnSpc>
                 <a:spcPct val="90000"/>
               </a:lnSpc>
@@ -14166,7 +14426,7 @@
               <a:buAutoNum type="arabicPeriod"/>
             </a:pPr>
             <a:r>
-              <a:rPr b="1" i="0" lang="en-US" sz="800" u="none" cap="none" strike="noStrike">
+              <a:rPr lang="en-US" sz="800" b="1" i="0" u="none" strike="noStrike" cap="none">
                 <a:solidFill>
                   <a:schemeClr val="dk1"/>
                 </a:solidFill>
@@ -14177,7 +14437,7 @@
               </a:rPr>
               <a:t>Object.wait, Object.join. One-element blocking queue (Messenger).</a:t>
             </a:r>
-            <a:endParaRPr b="1" i="0" sz="800" u="none" cap="none" strike="noStrike">
+            <a:endParaRPr sz="800" b="1" i="0" u="none" strike="noStrike" cap="none">
               <a:solidFill>
                 <a:schemeClr val="dk1"/>
               </a:solidFill>
@@ -14188,7 +14448,7 @@
             </a:endParaRPr>
           </a:p>
           <a:p>
-            <a:pPr indent="-342900" lvl="1" marL="800100" marR="0" rtl="0" algn="l">
+            <a:pPr marL="800100" marR="0" lvl="1" indent="-342900" algn="l" rtl="0">
               <a:lnSpc>
                 <a:spcPct val="90000"/>
               </a:lnSpc>
@@ -14206,7 +14466,7 @@
               <a:buAutoNum type="arabicPeriod"/>
             </a:pPr>
             <a:r>
-              <a:rPr b="1" i="0" lang="en-US" sz="800" u="none" cap="none" strike="noStrike">
+              <a:rPr lang="en-US" sz="800" b="1" i="0" u="none" strike="noStrike" cap="none">
                 <a:solidFill>
                   <a:schemeClr val="dk1"/>
                 </a:solidFill>
@@ -14220,7 +14480,7 @@
             <a:endParaRPr/>
           </a:p>
           <a:p>
-            <a:pPr indent="-342900" lvl="1" marL="800100" marR="0" rtl="0" algn="l">
+            <a:pPr marL="800100" marR="0" lvl="1" indent="-342900" algn="l" rtl="0">
               <a:lnSpc>
                 <a:spcPct val="90000"/>
               </a:lnSpc>
@@ -14238,7 +14498,7 @@
               <a:buAutoNum type="arabicPeriod"/>
             </a:pPr>
             <a:r>
-              <a:rPr b="1" i="0" lang="en-US" sz="800" u="none" cap="none" strike="noStrike">
+              <a:rPr lang="en-US" sz="800" b="1" i="0" u="none" strike="noStrike" cap="none">
                 <a:solidFill>
                   <a:schemeClr val="dk1"/>
                 </a:solidFill>
@@ -14249,7 +14509,7 @@
               </a:rPr>
               <a:t>Threads Executors.</a:t>
             </a:r>
-            <a:endParaRPr b="1" i="0" sz="1200" u="none" cap="none" strike="noStrike">
+            <a:endParaRPr sz="1200" b="1" i="0" u="none" strike="noStrike" cap="none">
               <a:solidFill>
                 <a:schemeClr val="dk1"/>
               </a:solidFill>
@@ -14260,7 +14520,7 @@
             </a:endParaRPr>
           </a:p>
           <a:p>
-            <a:pPr indent="-342900" lvl="0" marL="342900" marR="0" rtl="0" algn="l">
+            <a:pPr marL="342900" marR="0" lvl="0" indent="-342900" algn="l" rtl="0">
               <a:lnSpc>
                 <a:spcPct val="90000"/>
               </a:lnSpc>
@@ -14278,7 +14538,7 @@
               <a:buAutoNum type="arabicPeriod" startAt="7"/>
             </a:pPr>
             <a:r>
-              <a:rPr b="1" i="0" lang="en-US" sz="1200" u="none" cap="none" strike="noStrike">
+              <a:rPr lang="en-US" sz="1200" b="1" i="0" u="none" strike="noStrike" cap="none">
                 <a:solidFill>
                   <a:schemeClr val="dk1"/>
                 </a:solidFill>
@@ -14289,7 +14549,7 @@
               </a:rPr>
               <a:t>Spring &amp; Spring Boot</a:t>
             </a:r>
-            <a:endParaRPr b="1" i="0" sz="800" u="none" cap="none" strike="noStrike">
+            <a:endParaRPr sz="800" b="1" i="0" u="none" strike="noStrike" cap="none">
               <a:solidFill>
                 <a:schemeClr val="dk1"/>
               </a:solidFill>
@@ -14300,7 +14560,7 @@
             </a:endParaRPr>
           </a:p>
           <a:p>
-            <a:pPr indent="-342900" lvl="1" marL="800100" marR="0" rtl="0" algn="l">
+            <a:pPr marL="800100" marR="0" lvl="1" indent="-342900" algn="l" rtl="0">
               <a:lnSpc>
                 <a:spcPct val="90000"/>
               </a:lnSpc>
@@ -14318,7 +14578,7 @@
               <a:buAutoNum type="arabicPeriod"/>
             </a:pPr>
             <a:r>
-              <a:rPr b="1" i="0" lang="en-US" sz="800" u="none" cap="none" strike="noStrike">
+              <a:rPr lang="en-US" sz="800" b="1" i="0" u="none" strike="noStrike" cap="none">
                 <a:solidFill>
                   <a:schemeClr val="dk1"/>
                 </a:solidFill>
@@ -14329,7 +14589,7 @@
               </a:rPr>
               <a:t>Apache Maven, сборка проектов.</a:t>
             </a:r>
-            <a:endParaRPr b="1" i="0" sz="800" u="none" cap="none" strike="noStrike">
+            <a:endParaRPr sz="800" b="1" i="0" u="none" strike="noStrike" cap="none">
               <a:solidFill>
                 <a:schemeClr val="dk1"/>
               </a:solidFill>
@@ -14340,7 +14600,7 @@
             </a:endParaRPr>
           </a:p>
           <a:p>
-            <a:pPr indent="-342900" lvl="1" marL="800100" marR="0" rtl="0" algn="l">
+            <a:pPr marL="800100" marR="0" lvl="1" indent="-342900" algn="l" rtl="0">
               <a:lnSpc>
                 <a:spcPct val="90000"/>
               </a:lnSpc>
@@ -14358,7 +14618,7 @@
               <a:buAutoNum type="arabicPeriod"/>
             </a:pPr>
             <a:r>
-              <a:rPr b="1" i="0" lang="en-US" sz="800" u="none" cap="none" strike="noStrike">
+              <a:rPr lang="en-US" sz="800" b="1" i="0" u="none" strike="noStrike" cap="none">
                 <a:solidFill>
                   <a:schemeClr val="dk1"/>
                 </a:solidFill>
@@ -14372,7 +14632,7 @@
             <a:endParaRPr/>
           </a:p>
           <a:p>
-            <a:pPr indent="-342900" lvl="1" marL="800100" marR="0" rtl="0" algn="l">
+            <a:pPr marL="800100" marR="0" lvl="1" indent="-342900" algn="l" rtl="0">
               <a:lnSpc>
                 <a:spcPct val="90000"/>
               </a:lnSpc>
@@ -14390,7 +14650,7 @@
               <a:buAutoNum type="arabicPeriod"/>
             </a:pPr>
             <a:r>
-              <a:rPr b="1" i="0" lang="en-US" sz="800" u="none" cap="none" strike="noStrike">
+              <a:rPr lang="en-US" sz="800" b="1" i="0" u="none" strike="noStrike" cap="none">
                 <a:solidFill>
                   <a:schemeClr val="dk1"/>
                 </a:solidFill>
@@ -14404,7 +14664,7 @@
             <a:endParaRPr/>
           </a:p>
           <a:p>
-            <a:pPr indent="-342900" lvl="1" marL="800100" marR="0" rtl="0" algn="l">
+            <a:pPr marL="800100" marR="0" lvl="1" indent="-342900" algn="l" rtl="0">
               <a:lnSpc>
                 <a:spcPct val="90000"/>
               </a:lnSpc>
@@ -14422,7 +14682,7 @@
               <a:buAutoNum type="arabicPeriod"/>
             </a:pPr>
             <a:r>
-              <a:rPr b="1" i="0" lang="en-US" sz="800" u="none" cap="none" strike="noStrike">
+              <a:rPr lang="en-US" sz="800" b="1" i="0" u="none" strike="noStrike" cap="none">
                 <a:solidFill>
                   <a:schemeClr val="dk1"/>
                 </a:solidFill>
@@ -14433,7 +14693,7 @@
               </a:rPr>
               <a:t>Spring Framework: Introduction, Context and Beans</a:t>
             </a:r>
-            <a:endParaRPr b="1" sz="800">
+            <a:endParaRPr sz="800" b="1">
               <a:solidFill>
                 <a:schemeClr val="dk1"/>
               </a:solidFill>
@@ -14444,7 +14704,7 @@
             </a:endParaRPr>
           </a:p>
           <a:p>
-            <a:pPr indent="-330200" lvl="1" marL="800100" marR="0" rtl="0" algn="l">
+            <a:pPr marL="800100" marR="0" lvl="1" indent="-330200" algn="l" rtl="0">
               <a:lnSpc>
                 <a:spcPct val="90000"/>
               </a:lnSpc>
@@ -14462,7 +14722,7 @@
               <a:buAutoNum type="arabicPeriod"/>
             </a:pPr>
             <a:r>
-              <a:rPr b="1" lang="en-US" sz="800">
+              <a:rPr lang="en-US" sz="800" b="1">
                 <a:solidFill>
                   <a:schemeClr val="dk1"/>
                 </a:solidFill>
@@ -14476,7 +14736,7 @@
             <a:endParaRPr/>
           </a:p>
           <a:p>
-            <a:pPr indent="-342900" lvl="1" marL="800100" marR="0" rtl="0" algn="l">
+            <a:pPr marL="800100" marR="0" lvl="1" indent="-342900" algn="l" rtl="0">
               <a:lnSpc>
                 <a:spcPct val="90000"/>
               </a:lnSpc>
@@ -14494,7 +14754,7 @@
               <a:buAutoNum type="arabicPeriod"/>
             </a:pPr>
             <a:r>
-              <a:rPr b="1" i="0" lang="en-US" sz="800" u="none" cap="none" strike="noStrike">
+              <a:rPr lang="en-US" sz="800" b="1" i="0" u="none" strike="noStrike" cap="none">
                 <a:solidFill>
                   <a:schemeClr val="dk1"/>
                 </a:solidFill>
@@ -14508,7 +14768,7 @@
             <a:endParaRPr/>
           </a:p>
           <a:p>
-            <a:pPr indent="-342900" lvl="1" marL="800100" marR="0" rtl="0" algn="l">
+            <a:pPr marL="800100" marR="0" lvl="1" indent="-342900" algn="l" rtl="0">
               <a:lnSpc>
                 <a:spcPct val="90000"/>
               </a:lnSpc>
@@ -14526,7 +14786,7 @@
               <a:buAutoNum type="arabicPeriod"/>
             </a:pPr>
             <a:r>
-              <a:rPr b="1" i="0" lang="en-US" sz="800" u="none" cap="none" strike="noStrike">
+              <a:rPr lang="en-US" sz="800" b="1" i="0" u="none" strike="noStrike" cap="none">
                 <a:solidFill>
                   <a:schemeClr val="dk1"/>
                 </a:solidFill>
@@ -14540,7 +14800,7 @@
             <a:endParaRPr/>
           </a:p>
           <a:p>
-            <a:pPr indent="-342900" lvl="1" marL="800100" marR="0" rtl="0" algn="l">
+            <a:pPr marL="800100" marR="0" lvl="1" indent="-342900" algn="l" rtl="0">
               <a:lnSpc>
                 <a:spcPct val="90000"/>
               </a:lnSpc>
@@ -14558,7 +14818,7 @@
               <a:buAutoNum type="arabicPeriod"/>
             </a:pPr>
             <a:r>
-              <a:rPr b="1" i="0" lang="en-US" sz="800" u="none" cap="none" strike="noStrike">
+              <a:rPr lang="en-US" sz="800" b="1" i="0" u="none" strike="noStrike" cap="none">
                 <a:solidFill>
                   <a:schemeClr val="dk1"/>
                 </a:solidFill>
@@ -14569,7 +14829,7 @@
               </a:rPr>
               <a:t>Java JDBC API, работа с базами данных</a:t>
             </a:r>
-            <a:endParaRPr b="1" i="0" sz="800" u="none" cap="none" strike="noStrike">
+            <a:endParaRPr sz="800" b="1" i="0" u="none" strike="noStrike" cap="none">
               <a:solidFill>
                 <a:schemeClr val="dk1"/>
               </a:solidFill>
@@ -14580,7 +14840,7 @@
             </a:endParaRPr>
           </a:p>
           <a:p>
-            <a:pPr indent="-342900" lvl="1" marL="800100" marR="0" rtl="0" algn="l">
+            <a:pPr marL="800100" marR="0" lvl="1" indent="-342900" algn="l" rtl="0">
               <a:lnSpc>
                 <a:spcPct val="90000"/>
               </a:lnSpc>
@@ -14598,7 +14858,7 @@
               <a:buAutoNum type="arabicPeriod"/>
             </a:pPr>
             <a:r>
-              <a:rPr b="1" i="0" lang="en-US" sz="800" u="none" cap="none" strike="noStrike">
+              <a:rPr lang="en-US" sz="800" b="1" i="0" u="none" strike="noStrike" cap="none">
                 <a:solidFill>
                   <a:schemeClr val="dk1"/>
                 </a:solidFill>
@@ -14612,7 +14872,7 @@
             <a:endParaRPr/>
           </a:p>
           <a:p>
-            <a:pPr indent="-342900" lvl="1" marL="800100" marR="0" rtl="0" algn="l">
+            <a:pPr marL="800100" marR="0" lvl="1" indent="-342900" algn="l" rtl="0">
               <a:lnSpc>
                 <a:spcPct val="90000"/>
               </a:lnSpc>
@@ -14630,7 +14890,7 @@
               <a:buAutoNum type="arabicPeriod"/>
             </a:pPr>
             <a:r>
-              <a:rPr b="1" i="0" lang="en-US" sz="800" u="none" cap="none" strike="noStrike">
+              <a:rPr lang="en-US" sz="800" b="1" i="0" u="none" strike="noStrike" cap="none">
                 <a:solidFill>
                   <a:schemeClr val="dk1"/>
                 </a:solidFill>
@@ -14644,7 +14904,7 @@
             <a:endParaRPr/>
           </a:p>
           <a:p>
-            <a:pPr indent="-342900" lvl="1" marL="800100" marR="0" rtl="0" algn="l">
+            <a:pPr marL="800100" marR="0" lvl="1" indent="-342900" algn="l" rtl="0">
               <a:lnSpc>
                 <a:spcPct val="90000"/>
               </a:lnSpc>
@@ -14662,7 +14922,7 @@
               <a:buAutoNum type="arabicPeriod"/>
             </a:pPr>
             <a:r>
-              <a:rPr b="1" i="0" lang="en-US" sz="800" u="none" cap="none" strike="noStrike">
+              <a:rPr lang="en-US" sz="800" b="1" i="0" u="none" strike="noStrike" cap="none">
                 <a:solidFill>
                   <a:schemeClr val="dk1"/>
                 </a:solidFill>
@@ -14676,7 +14936,7 @@
             <a:endParaRPr/>
           </a:p>
           <a:p>
-            <a:pPr indent="-342900" lvl="1" marL="800100" marR="0" rtl="0" algn="l">
+            <a:pPr marL="800100" marR="0" lvl="1" indent="-342900" algn="l" rtl="0">
               <a:lnSpc>
                 <a:spcPct val="90000"/>
               </a:lnSpc>
@@ -14694,7 +14954,7 @@
               <a:buAutoNum type="arabicPeriod"/>
             </a:pPr>
             <a:r>
-              <a:rPr b="1" i="0" lang="en-US" sz="800" u="none" cap="none" strike="noStrike">
+              <a:rPr lang="en-US" sz="800" b="1" i="0" u="none" strike="noStrike" cap="none">
                 <a:solidFill>
                   <a:schemeClr val="dk1"/>
                 </a:solidFill>
@@ -14708,7 +14968,7 @@
             <a:endParaRPr/>
           </a:p>
           <a:p>
-            <a:pPr indent="0" lvl="1" marL="457200" marR="0" rtl="0" algn="l">
+            <a:pPr marL="457200" marR="0" lvl="1" indent="0" algn="l" rtl="0">
               <a:lnSpc>
                 <a:spcPct val="90000"/>
               </a:lnSpc>
@@ -14726,7 +14986,7 @@
               <a:buNone/>
             </a:pPr>
             <a:r>
-              <a:rPr b="1" i="0" lang="en-US" sz="800" u="none" cap="none" strike="noStrike">
+              <a:rPr lang="en-US" sz="800" b="1" i="0" u="none" strike="noStrike" cap="none">
                 <a:solidFill>
                   <a:schemeClr val="dk1"/>
                 </a:solidFill>
@@ -14741,6 +15001,150 @@
           </a:p>
         </p:txBody>
       </p:sp>
+      <p:cxnSp>
+        <p:nvCxnSpPr>
+          <p:cNvPr id="3" name="Прямая соединительная линия 2">
+            <a:extLst>
+              <a:ext uri="{FF2B5EF4-FFF2-40B4-BE49-F238E27FC236}">
+                <a16:creationId xmlns:a16="http://schemas.microsoft.com/office/drawing/2014/main" id="{D332887D-EE62-4B73-8690-0DFF02709627}"/>
+              </a:ext>
+            </a:extLst>
+          </p:cNvPr>
+          <p:cNvCxnSpPr/>
+          <p:nvPr/>
+        </p:nvCxnSpPr>
+        <p:spPr>
+          <a:xfrm flipH="1">
+            <a:off x="266212" y="1133856"/>
+            <a:ext cx="529316" cy="0"/>
+          </a:xfrm>
+          <a:prstGeom prst="line">
+            <a:avLst/>
+          </a:prstGeom>
+        </p:spPr>
+        <p:style>
+          <a:lnRef idx="1">
+            <a:schemeClr val="accent6"/>
+          </a:lnRef>
+          <a:fillRef idx="0">
+            <a:schemeClr val="accent6"/>
+          </a:fillRef>
+          <a:effectRef idx="0">
+            <a:schemeClr val="accent6"/>
+          </a:effectRef>
+          <a:fontRef idx="minor">
+            <a:schemeClr val="tx1"/>
+          </a:fontRef>
+        </p:style>
+      </p:cxnSp>
+      <p:cxnSp>
+        <p:nvCxnSpPr>
+          <p:cNvPr id="10" name="Прямая соединительная линия 9">
+            <a:extLst>
+              <a:ext uri="{FF2B5EF4-FFF2-40B4-BE49-F238E27FC236}">
+                <a16:creationId xmlns:a16="http://schemas.microsoft.com/office/drawing/2014/main" id="{8ADB927E-5169-4FC4-98A6-E5B10534589A}"/>
+              </a:ext>
+            </a:extLst>
+          </p:cNvPr>
+          <p:cNvCxnSpPr/>
+          <p:nvPr/>
+        </p:nvCxnSpPr>
+        <p:spPr>
+          <a:xfrm flipH="1">
+            <a:off x="263164" y="1304544"/>
+            <a:ext cx="529316" cy="0"/>
+          </a:xfrm>
+          <a:prstGeom prst="line">
+            <a:avLst/>
+          </a:prstGeom>
+        </p:spPr>
+        <p:style>
+          <a:lnRef idx="1">
+            <a:schemeClr val="accent6"/>
+          </a:lnRef>
+          <a:fillRef idx="0">
+            <a:schemeClr val="accent6"/>
+          </a:fillRef>
+          <a:effectRef idx="0">
+            <a:schemeClr val="accent6"/>
+          </a:effectRef>
+          <a:fontRef idx="minor">
+            <a:schemeClr val="tx1"/>
+          </a:fontRef>
+        </p:style>
+      </p:cxnSp>
+      <p:cxnSp>
+        <p:nvCxnSpPr>
+          <p:cNvPr id="11" name="Прямая соединительная линия 10">
+            <a:extLst>
+              <a:ext uri="{FF2B5EF4-FFF2-40B4-BE49-F238E27FC236}">
+                <a16:creationId xmlns:a16="http://schemas.microsoft.com/office/drawing/2014/main" id="{0120F92C-BE87-4C22-B370-7EBB24B0E1C3}"/>
+              </a:ext>
+            </a:extLst>
+          </p:cNvPr>
+          <p:cNvCxnSpPr/>
+          <p:nvPr/>
+        </p:nvCxnSpPr>
+        <p:spPr>
+          <a:xfrm flipH="1">
+            <a:off x="260116" y="1502664"/>
+            <a:ext cx="529316" cy="0"/>
+          </a:xfrm>
+          <a:prstGeom prst="line">
+            <a:avLst/>
+          </a:prstGeom>
+        </p:spPr>
+        <p:style>
+          <a:lnRef idx="1">
+            <a:schemeClr val="accent6"/>
+          </a:lnRef>
+          <a:fillRef idx="0">
+            <a:schemeClr val="accent6"/>
+          </a:fillRef>
+          <a:effectRef idx="0">
+            <a:schemeClr val="accent6"/>
+          </a:effectRef>
+          <a:fontRef idx="minor">
+            <a:schemeClr val="tx1"/>
+          </a:fontRef>
+        </p:style>
+      </p:cxnSp>
+      <p:cxnSp>
+        <p:nvCxnSpPr>
+          <p:cNvPr id="12" name="Прямая соединительная линия 11">
+            <a:extLst>
+              <a:ext uri="{FF2B5EF4-FFF2-40B4-BE49-F238E27FC236}">
+                <a16:creationId xmlns:a16="http://schemas.microsoft.com/office/drawing/2014/main" id="{89616075-C7A0-4B9D-8153-425F3EC7B1D1}"/>
+              </a:ext>
+            </a:extLst>
+          </p:cNvPr>
+          <p:cNvCxnSpPr/>
+          <p:nvPr/>
+        </p:nvCxnSpPr>
+        <p:spPr>
+          <a:xfrm flipH="1">
+            <a:off x="266212" y="1664208"/>
+            <a:ext cx="529316" cy="0"/>
+          </a:xfrm>
+          <a:prstGeom prst="line">
+            <a:avLst/>
+          </a:prstGeom>
+        </p:spPr>
+        <p:style>
+          <a:lnRef idx="1">
+            <a:schemeClr val="accent6"/>
+          </a:lnRef>
+          <a:fillRef idx="0">
+            <a:schemeClr val="accent6"/>
+          </a:fillRef>
+          <a:effectRef idx="0">
+            <a:schemeClr val="accent6"/>
+          </a:effectRef>
+          <a:fontRef idx="minor">
+            <a:schemeClr val="tx1"/>
+          </a:fontRef>
+        </p:style>
+      </p:cxnSp>
     </p:spTree>
   </p:cSld>
   <p:clrMapOvr>
@@ -14750,7 +15154,288 @@
 </file>
 
 <file path=ppt/theme/theme1.xml><?xml version="1.0" encoding="utf-8"?>
-<a:theme xmlns:a="http://schemas.openxmlformats.org/drawingml/2006/main" xmlns:r="http://schemas.openxmlformats.org/officeDocument/2006/relationships">
+<a:theme xmlns:a="http://schemas.openxmlformats.org/drawingml/2006/main" name="ShapesVTI">
+  <a:themeElements>
+    <a:clrScheme name="AnalogousFromDarkSeedLeftStep">
+      <a:dk1>
+        <a:srgbClr val="000000"/>
+      </a:dk1>
+      <a:lt1>
+        <a:srgbClr val="FFFFFF"/>
+      </a:lt1>
+      <a:dk2>
+        <a:srgbClr val="3A3621"/>
+      </a:dk2>
+      <a:lt2>
+        <a:srgbClr val="E8E2E8"/>
+      </a:lt2>
+      <a:accent1>
+        <a:srgbClr val="21B92A"/>
+      </a:accent1>
+      <a:accent2>
+        <a:srgbClr val="4EB814"/>
+      </a:accent2>
+      <a:accent3>
+        <a:srgbClr val="8CAC1F"/>
+      </a:accent3>
+      <a:accent4>
+        <a:srgbClr val="BE9E15"/>
+      </a:accent4>
+      <a:accent5>
+        <a:srgbClr val="E77429"/>
+      </a:accent5>
+      <a:accent6>
+        <a:srgbClr val="D5171B"/>
+      </a:accent6>
+      <a:hlink>
+        <a:srgbClr val="A87738"/>
+      </a:hlink>
+      <a:folHlink>
+        <a:srgbClr val="7F7F7F"/>
+      </a:folHlink>
+    </a:clrScheme>
+    <a:fontScheme name="Office">
+      <a:majorFont>
+        <a:latin typeface="Arial"/>
+        <a:ea typeface=""/>
+        <a:cs typeface=""/>
+        <a:font script="Jpan" typeface="ＭＳ Ｐゴシック"/>
+        <a:font script="Hang" typeface="맑은 고딕"/>
+        <a:font script="Hans" typeface="宋体"/>
+        <a:font script="Hant" typeface="新細明體"/>
+        <a:font script="Arab" typeface="Times New Roman"/>
+        <a:font script="Hebr" typeface="Times New Roman"/>
+        <a:font script="Thai" typeface="Angsana New"/>
+        <a:font script="Ethi" typeface="Nyala"/>
+        <a:font script="Beng" typeface="Vrinda"/>
+        <a:font script="Gujr" typeface="Shruti"/>
+        <a:font script="Khmr" typeface="MoolBoran"/>
+        <a:font script="Knda" typeface="Tunga"/>
+        <a:font script="Guru" typeface="Raavi"/>
+        <a:font script="Cans" typeface="Euphemia"/>
+        <a:font script="Cher" typeface="Plantagenet Cherokee"/>
+        <a:font script="Yiii" typeface="Microsoft Yi Baiti"/>
+        <a:font script="Tibt" typeface="Microsoft Himalaya"/>
+        <a:font script="Thaa" typeface="MV Boli"/>
+        <a:font script="Deva" typeface="Mangal"/>
+        <a:font script="Telu" typeface="Gautami"/>
+        <a:font script="Taml" typeface="Latha"/>
+        <a:font script="Syrc" typeface="Estrangelo Edessa"/>
+        <a:font script="Orya" typeface="Kalinga"/>
+        <a:font script="Mlym" typeface="Kartika"/>
+        <a:font script="Laoo" typeface="DokChampa"/>
+        <a:font script="Sinh" typeface="Iskoola Pota"/>
+        <a:font script="Mong" typeface="Mongolian Baiti"/>
+        <a:font script="Viet" typeface="Times New Roman"/>
+        <a:font script="Uigh" typeface="Microsoft Uighur"/>
+        <a:font script="Geor" typeface="Sylfaen"/>
+      </a:majorFont>
+      <a:minorFont>
+        <a:latin typeface="Arial"/>
+        <a:ea typeface=""/>
+        <a:cs typeface=""/>
+        <a:font script="Jpan" typeface="ＭＳ Ｐゴシック"/>
+        <a:font script="Hang" typeface="맑은 고딕"/>
+        <a:font script="Hans" typeface="宋体"/>
+        <a:font script="Hant" typeface="新細明體"/>
+        <a:font script="Arab" typeface="Arial"/>
+        <a:font script="Hebr" typeface="Arial"/>
+        <a:font script="Thai" typeface="Cordia New"/>
+        <a:font script="Ethi" typeface="Nyala"/>
+        <a:font script="Beng" typeface="Vrinda"/>
+        <a:font script="Gujr" typeface="Shruti"/>
+        <a:font script="Khmr" typeface="DaunPenh"/>
+        <a:font script="Knda" typeface="Tunga"/>
+        <a:font script="Guru" typeface="Raavi"/>
+        <a:font script="Cans" typeface="Euphemia"/>
+        <a:font script="Cher" typeface="Plantagenet Cherokee"/>
+        <a:font script="Yiii" typeface="Microsoft Yi Baiti"/>
+        <a:font script="Tibt" typeface="Microsoft Himalaya"/>
+        <a:font script="Thaa" typeface="MV Boli"/>
+        <a:font script="Deva" typeface="Mangal"/>
+        <a:font script="Telu" typeface="Gautami"/>
+        <a:font script="Taml" typeface="Latha"/>
+        <a:font script="Syrc" typeface="Estrangelo Edessa"/>
+        <a:font script="Orya" typeface="Kalinga"/>
+        <a:font script="Mlym" typeface="Kartika"/>
+        <a:font script="Laoo" typeface="DokChampa"/>
+        <a:font script="Sinh" typeface="Iskoola Pota"/>
+        <a:font script="Mong" typeface="Mongolian Baiti"/>
+        <a:font script="Viet" typeface="Arial"/>
+        <a:font script="Uigh" typeface="Microsoft Uighur"/>
+        <a:font script="Geor" typeface="Sylfaen"/>
+      </a:minorFont>
+    </a:fontScheme>
+    <a:fmtScheme name="Office">
+      <a:fillStyleLst>
+        <a:solidFill>
+          <a:schemeClr val="phClr"/>
+        </a:solidFill>
+        <a:gradFill rotWithShape="1">
+          <a:gsLst>
+            <a:gs pos="0">
+              <a:schemeClr val="phClr">
+                <a:tint val="50000"/>
+                <a:satMod val="300000"/>
+              </a:schemeClr>
+            </a:gs>
+            <a:gs pos="35000">
+              <a:schemeClr val="phClr">
+                <a:tint val="37000"/>
+                <a:satMod val="300000"/>
+              </a:schemeClr>
+            </a:gs>
+            <a:gs pos="100000">
+              <a:schemeClr val="phClr">
+                <a:tint val="15000"/>
+                <a:satMod val="350000"/>
+              </a:schemeClr>
+            </a:gs>
+          </a:gsLst>
+          <a:lin ang="16200000" scaled="1"/>
+        </a:gradFill>
+        <a:gradFill rotWithShape="1">
+          <a:gsLst>
+            <a:gs pos="0">
+              <a:schemeClr val="phClr">
+                <a:tint val="100000"/>
+                <a:shade val="100000"/>
+                <a:satMod val="130000"/>
+              </a:schemeClr>
+            </a:gs>
+            <a:gs pos="100000">
+              <a:schemeClr val="phClr">
+                <a:tint val="50000"/>
+                <a:shade val="100000"/>
+                <a:satMod val="350000"/>
+              </a:schemeClr>
+            </a:gs>
+          </a:gsLst>
+          <a:lin ang="16200000" scaled="0"/>
+        </a:gradFill>
+      </a:fillStyleLst>
+      <a:lnStyleLst>
+        <a:ln w="9525" cap="flat" cmpd="sng" algn="ctr">
+          <a:solidFill>
+            <a:schemeClr val="phClr">
+              <a:shade val="95000"/>
+              <a:satMod val="105000"/>
+            </a:schemeClr>
+          </a:solidFill>
+          <a:prstDash val="solid"/>
+        </a:ln>
+        <a:ln w="25400" cap="flat" cmpd="sng" algn="ctr">
+          <a:solidFill>
+            <a:schemeClr val="phClr"/>
+          </a:solidFill>
+          <a:prstDash val="solid"/>
+        </a:ln>
+        <a:ln w="38100" cap="flat" cmpd="sng" algn="ctr">
+          <a:solidFill>
+            <a:schemeClr val="phClr"/>
+          </a:solidFill>
+          <a:prstDash val="solid"/>
+        </a:ln>
+      </a:lnStyleLst>
+      <a:effectStyleLst>
+        <a:effectStyle>
+          <a:effectLst>
+            <a:outerShdw blurRad="40000" dist="20000" dir="5400000" rotWithShape="0">
+              <a:srgbClr val="000000">
+                <a:alpha val="38000"/>
+              </a:srgbClr>
+            </a:outerShdw>
+          </a:effectLst>
+        </a:effectStyle>
+        <a:effectStyle>
+          <a:effectLst>
+            <a:outerShdw blurRad="40000" dist="23000" dir="5400000" rotWithShape="0">
+              <a:srgbClr val="000000">
+                <a:alpha val="35000"/>
+              </a:srgbClr>
+            </a:outerShdw>
+          </a:effectLst>
+        </a:effectStyle>
+        <a:effectStyle>
+          <a:effectLst>
+            <a:outerShdw blurRad="40000" dist="23000" dir="5400000" rotWithShape="0">
+              <a:srgbClr val="000000">
+                <a:alpha val="35000"/>
+              </a:srgbClr>
+            </a:outerShdw>
+          </a:effectLst>
+          <a:scene3d>
+            <a:camera prst="orthographicFront">
+              <a:rot lat="0" lon="0" rev="0"/>
+            </a:camera>
+            <a:lightRig rig="threePt" dir="t">
+              <a:rot lat="0" lon="0" rev="1200000"/>
+            </a:lightRig>
+          </a:scene3d>
+          <a:sp3d>
+            <a:bevelT w="63500" h="25400"/>
+          </a:sp3d>
+        </a:effectStyle>
+      </a:effectStyleLst>
+      <a:bgFillStyleLst>
+        <a:solidFill>
+          <a:schemeClr val="phClr"/>
+        </a:solidFill>
+        <a:gradFill rotWithShape="1">
+          <a:gsLst>
+            <a:gs pos="0">
+              <a:schemeClr val="phClr">
+                <a:tint val="40000"/>
+                <a:satMod val="350000"/>
+              </a:schemeClr>
+            </a:gs>
+            <a:gs pos="40000">
+              <a:schemeClr val="phClr">
+                <a:tint val="45000"/>
+                <a:shade val="99000"/>
+                <a:satMod val="350000"/>
+              </a:schemeClr>
+            </a:gs>
+            <a:gs pos="100000">
+              <a:schemeClr val="phClr">
+                <a:shade val="20000"/>
+                <a:satMod val="255000"/>
+              </a:schemeClr>
+            </a:gs>
+          </a:gsLst>
+          <a:path path="circle">
+            <a:fillToRect l="50000" t="-80000" r="50000" b="180000"/>
+          </a:path>
+        </a:gradFill>
+        <a:gradFill rotWithShape="1">
+          <a:gsLst>
+            <a:gs pos="0">
+              <a:schemeClr val="phClr">
+                <a:tint val="80000"/>
+                <a:satMod val="300000"/>
+              </a:schemeClr>
+            </a:gs>
+            <a:gs pos="100000">
+              <a:schemeClr val="phClr">
+                <a:shade val="30000"/>
+                <a:satMod val="200000"/>
+              </a:schemeClr>
+            </a:gs>
+          </a:gsLst>
+          <a:path path="circle">
+            <a:fillToRect l="50000" t="50000" r="50000" b="50000"/>
+          </a:path>
+        </a:gradFill>
+      </a:bgFillStyleLst>
+    </a:fmtScheme>
+  </a:themeElements>
+  <a:objectDefaults/>
+  <a:extraClrSchemeLst/>
+</a:theme>
+</file>
+
+<file path=ppt/theme/theme2.xml><?xml version="1.0" encoding="utf-8"?>
+<a:theme xmlns:a="http://schemas.openxmlformats.org/drawingml/2006/main">
   <a:themeElements>
     <a:clrScheme name="Default">
       <a:dk1>
@@ -15025,284 +15710,7 @@
       </a:bgFillStyleLst>
     </a:fmtScheme>
   </a:themeElements>
-</a:theme>
-</file>
-
-<file path=ppt/theme/theme2.xml><?xml version="1.0" encoding="utf-8"?>
-<a:theme xmlns:a="http://schemas.openxmlformats.org/drawingml/2006/main" xmlns:r="http://schemas.openxmlformats.org/officeDocument/2006/relationships" name="ShapesVTI">
-  <a:themeElements>
-    <a:clrScheme name="AnalogousFromDarkSeedLeftStep">
-      <a:dk1>
-        <a:srgbClr val="000000"/>
-      </a:dk1>
-      <a:lt1>
-        <a:srgbClr val="FFFFFF"/>
-      </a:lt1>
-      <a:dk2>
-        <a:srgbClr val="3A3621"/>
-      </a:dk2>
-      <a:lt2>
-        <a:srgbClr val="E8E2E8"/>
-      </a:lt2>
-      <a:accent1>
-        <a:srgbClr val="21B92A"/>
-      </a:accent1>
-      <a:accent2>
-        <a:srgbClr val="4EB814"/>
-      </a:accent2>
-      <a:accent3>
-        <a:srgbClr val="8CAC1F"/>
-      </a:accent3>
-      <a:accent4>
-        <a:srgbClr val="BE9E15"/>
-      </a:accent4>
-      <a:accent5>
-        <a:srgbClr val="E77429"/>
-      </a:accent5>
-      <a:accent6>
-        <a:srgbClr val="D5171B"/>
-      </a:accent6>
-      <a:hlink>
-        <a:srgbClr val="A87738"/>
-      </a:hlink>
-      <a:folHlink>
-        <a:srgbClr val="7F7F7F"/>
-      </a:folHlink>
-    </a:clrScheme>
-    <a:fontScheme name="Office">
-      <a:majorFont>
-        <a:latin typeface="Arial"/>
-        <a:ea typeface=""/>
-        <a:cs typeface=""/>
-        <a:font script="Jpan" typeface="ＭＳ Ｐゴシック"/>
-        <a:font script="Hang" typeface="맑은 고딕"/>
-        <a:font script="Hans" typeface="宋体"/>
-        <a:font script="Hant" typeface="新細明體"/>
-        <a:font script="Arab" typeface="Times New Roman"/>
-        <a:font script="Hebr" typeface="Times New Roman"/>
-        <a:font script="Thai" typeface="Angsana New"/>
-        <a:font script="Ethi" typeface="Nyala"/>
-        <a:font script="Beng" typeface="Vrinda"/>
-        <a:font script="Gujr" typeface="Shruti"/>
-        <a:font script="Khmr" typeface="MoolBoran"/>
-        <a:font script="Knda" typeface="Tunga"/>
-        <a:font script="Guru" typeface="Raavi"/>
-        <a:font script="Cans" typeface="Euphemia"/>
-        <a:font script="Cher" typeface="Plantagenet Cherokee"/>
-        <a:font script="Yiii" typeface="Microsoft Yi Baiti"/>
-        <a:font script="Tibt" typeface="Microsoft Himalaya"/>
-        <a:font script="Thaa" typeface="MV Boli"/>
-        <a:font script="Deva" typeface="Mangal"/>
-        <a:font script="Telu" typeface="Gautami"/>
-        <a:font script="Taml" typeface="Latha"/>
-        <a:font script="Syrc" typeface="Estrangelo Edessa"/>
-        <a:font script="Orya" typeface="Kalinga"/>
-        <a:font script="Mlym" typeface="Kartika"/>
-        <a:font script="Laoo" typeface="DokChampa"/>
-        <a:font script="Sinh" typeface="Iskoola Pota"/>
-        <a:font script="Mong" typeface="Mongolian Baiti"/>
-        <a:font script="Viet" typeface="Times New Roman"/>
-        <a:font script="Uigh" typeface="Microsoft Uighur"/>
-        <a:font script="Geor" typeface="Sylfaen"/>
-      </a:majorFont>
-      <a:minorFont>
-        <a:latin typeface="Arial"/>
-        <a:ea typeface=""/>
-        <a:cs typeface=""/>
-        <a:font script="Jpan" typeface="ＭＳ Ｐゴシック"/>
-        <a:font script="Hang" typeface="맑은 고딕"/>
-        <a:font script="Hans" typeface="宋体"/>
-        <a:font script="Hant" typeface="新細明體"/>
-        <a:font script="Arab" typeface="Arial"/>
-        <a:font script="Hebr" typeface="Arial"/>
-        <a:font script="Thai" typeface="Cordia New"/>
-        <a:font script="Ethi" typeface="Nyala"/>
-        <a:font script="Beng" typeface="Vrinda"/>
-        <a:font script="Gujr" typeface="Shruti"/>
-        <a:font script="Khmr" typeface="DaunPenh"/>
-        <a:font script="Knda" typeface="Tunga"/>
-        <a:font script="Guru" typeface="Raavi"/>
-        <a:font script="Cans" typeface="Euphemia"/>
-        <a:font script="Cher" typeface="Plantagenet Cherokee"/>
-        <a:font script="Yiii" typeface="Microsoft Yi Baiti"/>
-        <a:font script="Tibt" typeface="Microsoft Himalaya"/>
-        <a:font script="Thaa" typeface="MV Boli"/>
-        <a:font script="Deva" typeface="Mangal"/>
-        <a:font script="Telu" typeface="Gautami"/>
-        <a:font script="Taml" typeface="Latha"/>
-        <a:font script="Syrc" typeface="Estrangelo Edessa"/>
-        <a:font script="Orya" typeface="Kalinga"/>
-        <a:font script="Mlym" typeface="Kartika"/>
-        <a:font script="Laoo" typeface="DokChampa"/>
-        <a:font script="Sinh" typeface="Iskoola Pota"/>
-        <a:font script="Mong" typeface="Mongolian Baiti"/>
-        <a:font script="Viet" typeface="Arial"/>
-        <a:font script="Uigh" typeface="Microsoft Uighur"/>
-        <a:font script="Geor" typeface="Sylfaen"/>
-      </a:minorFont>
-    </a:fontScheme>
-    <a:fmtScheme name="Office">
-      <a:fillStyleLst>
-        <a:solidFill>
-          <a:schemeClr val="phClr"/>
-        </a:solidFill>
-        <a:gradFill rotWithShape="1">
-          <a:gsLst>
-            <a:gs pos="0">
-              <a:schemeClr val="phClr">
-                <a:tint val="50000"/>
-                <a:satMod val="300000"/>
-              </a:schemeClr>
-            </a:gs>
-            <a:gs pos="35000">
-              <a:schemeClr val="phClr">
-                <a:tint val="37000"/>
-                <a:satMod val="300000"/>
-              </a:schemeClr>
-            </a:gs>
-            <a:gs pos="100000">
-              <a:schemeClr val="phClr">
-                <a:tint val="15000"/>
-                <a:satMod val="350000"/>
-              </a:schemeClr>
-            </a:gs>
-          </a:gsLst>
-          <a:lin ang="16200000" scaled="1"/>
-        </a:gradFill>
-        <a:gradFill rotWithShape="1">
-          <a:gsLst>
-            <a:gs pos="0">
-              <a:schemeClr val="phClr">
-                <a:tint val="100000"/>
-                <a:shade val="100000"/>
-                <a:satMod val="130000"/>
-              </a:schemeClr>
-            </a:gs>
-            <a:gs pos="100000">
-              <a:schemeClr val="phClr">
-                <a:tint val="50000"/>
-                <a:shade val="100000"/>
-                <a:satMod val="350000"/>
-              </a:schemeClr>
-            </a:gs>
-          </a:gsLst>
-          <a:lin ang="16200000" scaled="0"/>
-        </a:gradFill>
-      </a:fillStyleLst>
-      <a:lnStyleLst>
-        <a:ln w="9525" cap="flat" cmpd="sng" algn="ctr">
-          <a:solidFill>
-            <a:schemeClr val="phClr">
-              <a:shade val="95000"/>
-              <a:satMod val="105000"/>
-            </a:schemeClr>
-          </a:solidFill>
-          <a:prstDash val="solid"/>
-        </a:ln>
-        <a:ln w="25400" cap="flat" cmpd="sng" algn="ctr">
-          <a:solidFill>
-            <a:schemeClr val="phClr"/>
-          </a:solidFill>
-          <a:prstDash val="solid"/>
-        </a:ln>
-        <a:ln w="38100" cap="flat" cmpd="sng" algn="ctr">
-          <a:solidFill>
-            <a:schemeClr val="phClr"/>
-          </a:solidFill>
-          <a:prstDash val="solid"/>
-        </a:ln>
-      </a:lnStyleLst>
-      <a:effectStyleLst>
-        <a:effectStyle>
-          <a:effectLst>
-            <a:outerShdw blurRad="40000" dist="20000" dir="5400000" rotWithShape="0">
-              <a:srgbClr val="000000">
-                <a:alpha val="38000"/>
-              </a:srgbClr>
-            </a:outerShdw>
-          </a:effectLst>
-        </a:effectStyle>
-        <a:effectStyle>
-          <a:effectLst>
-            <a:outerShdw blurRad="40000" dist="23000" dir="5400000" rotWithShape="0">
-              <a:srgbClr val="000000">
-                <a:alpha val="35000"/>
-              </a:srgbClr>
-            </a:outerShdw>
-          </a:effectLst>
-        </a:effectStyle>
-        <a:effectStyle>
-          <a:effectLst>
-            <a:outerShdw blurRad="40000" dist="23000" dir="5400000" rotWithShape="0">
-              <a:srgbClr val="000000">
-                <a:alpha val="35000"/>
-              </a:srgbClr>
-            </a:outerShdw>
-          </a:effectLst>
-          <a:scene3d>
-            <a:camera prst="orthographicFront">
-              <a:rot lat="0" lon="0" rev="0"/>
-            </a:camera>
-            <a:lightRig rig="threePt" dir="t">
-              <a:rot lat="0" lon="0" rev="1200000"/>
-            </a:lightRig>
-          </a:scene3d>
-          <a:sp3d>
-            <a:bevelT w="63500" h="25400"/>
-          </a:sp3d>
-        </a:effectStyle>
-      </a:effectStyleLst>
-      <a:bgFillStyleLst>
-        <a:solidFill>
-          <a:schemeClr val="phClr"/>
-        </a:solidFill>
-        <a:gradFill rotWithShape="1">
-          <a:gsLst>
-            <a:gs pos="0">
-              <a:schemeClr val="phClr">
-                <a:tint val="40000"/>
-                <a:satMod val="350000"/>
-              </a:schemeClr>
-            </a:gs>
-            <a:gs pos="40000">
-              <a:schemeClr val="phClr">
-                <a:tint val="45000"/>
-                <a:shade val="99000"/>
-                <a:satMod val="350000"/>
-              </a:schemeClr>
-            </a:gs>
-            <a:gs pos="100000">
-              <a:schemeClr val="phClr">
-                <a:shade val="20000"/>
-                <a:satMod val="255000"/>
-              </a:schemeClr>
-            </a:gs>
-          </a:gsLst>
-          <a:path path="circle">
-            <a:fillToRect l="50000" t="-80000" r="50000" b="180000"/>
-          </a:path>
-        </a:gradFill>
-        <a:gradFill rotWithShape="1">
-          <a:gsLst>
-            <a:gs pos="0">
-              <a:schemeClr val="phClr">
-                <a:tint val="80000"/>
-                <a:satMod val="300000"/>
-              </a:schemeClr>
-            </a:gs>
-            <a:gs pos="100000">
-              <a:schemeClr val="phClr">
-                <a:shade val="30000"/>
-                <a:satMod val="200000"/>
-              </a:schemeClr>
-            </a:gs>
-          </a:gsLst>
-          <a:path path="circle">
-            <a:fillToRect l="50000" t="50000" r="50000" b="50000"/>
-          </a:path>
-        </a:gradFill>
-      </a:bgFillStyleLst>
-    </a:fmtScheme>
-  </a:themeElements>
+  <a:objectDefaults/>
+  <a:extraClrSchemeLst/>
 </a:theme>
 </file>
--- a/Java Pro/Java Prof Program - new version.pptx
+++ b/Java Pro/Java Prof Program - new version.pptx
@@ -242,8 +242,11 @@
     </a:lvl9pPr>
   </p:defaultTextStyle>
   <p:extLst>
+    <p:ext uri="{EFAFB233-063F-42B5-8137-9DF3F51BA10A}">
+      <p15:sldGuideLst xmlns:p15="http://schemas.microsoft.com/office/powerpoint/2012/main"/>
+    </p:ext>
     <p:ext uri="http://customooxmlschemas.google.com/">
-      <go:slidesCustomData xmlns:go="http://customooxmlschemas.google.com/" xmlns:ahyp="http://schemas.microsoft.com/office/drawing/2018/hyperlinkcolor" xmlns:p15="http://schemas.microsoft.com/office/powerpoint/2012/main" xmlns:p14="http://schemas.microsoft.com/office/powerpoint/2010/main" xmlns:com="http://schemas.openxmlformats.org/drawingml/2006/compatibility" xmlns:pvml="urn:schemas-microsoft-com:office:powerpoint" xmlns:v="urn:schemas-microsoft-com:vml" xmlns:o="urn:schemas-microsoft-com:office:office" xmlns:dgm="http://schemas.openxmlformats.org/drawingml/2006/diagram" xmlns:c="http://schemas.openxmlformats.org/drawingml/2006/chart" xmlns:mv="urn:schemas-microsoft-com:mac:vml" xmlns:mc="http://schemas.openxmlformats.org/markup-compatibility/2006" xmlns="" r:id="rId6" roundtripDataSignature="AMtx7mh5ngpk3N/f7XxfAhhMRirGtz3G8w=="/>
+      <go:slidesCustomData xmlns="" xmlns:mc="http://schemas.openxmlformats.org/markup-compatibility/2006" xmlns:mv="urn:schemas-microsoft-com:mac:vml" xmlns:c="http://schemas.openxmlformats.org/drawingml/2006/chart" xmlns:dgm="http://schemas.openxmlformats.org/drawingml/2006/diagram" xmlns:o="urn:schemas-microsoft-com:office:office" xmlns:v="urn:schemas-microsoft-com:vml" xmlns:pvml="urn:schemas-microsoft-com:office:powerpoint" xmlns:com="http://schemas.openxmlformats.org/drawingml/2006/compatibility" xmlns:p14="http://schemas.microsoft.com/office/powerpoint/2010/main" xmlns:p15="http://schemas.microsoft.com/office/powerpoint/2012/main" xmlns:ahyp="http://schemas.microsoft.com/office/drawing/2018/hyperlinkcolor" xmlns:go="http://customooxmlschemas.google.com/" r:id="rId6" roundtripDataSignature="AMtx7mh5ngpk3N/f7XxfAhhMRirGtz3G8w=="/>
     </p:ext>
   </p:extLst>
 </p:presentation>
@@ -741,7 +744,7 @@
               </a:spcAft>
               <a:buNone/>
             </a:pPr>
-            <a:endParaRPr/>
+            <a:endParaRPr dirty="0"/>
           </a:p>
         </p:txBody>
       </p:sp>
@@ -13277,7 +13280,7 @@
               <a:buAutoNum type="arabicPeriod"/>
             </a:pPr>
             <a:r>
-              <a:rPr lang="en-US" sz="1200" b="1">
+              <a:rPr lang="en-US" sz="1200" b="1" dirty="0">
                 <a:latin typeface="Verdana"/>
                 <a:ea typeface="Verdana"/>
                 <a:cs typeface="Verdana"/>
@@ -13285,7 +13288,7 @@
               </a:rPr>
               <a:t>OOP (Object-Oriented Programming)	</a:t>
             </a:r>
-            <a:endParaRPr/>
+            <a:endParaRPr dirty="0"/>
           </a:p>
           <a:p>
             <a:pPr marL="800100" lvl="1" indent="-342900" algn="l" rtl="0">
@@ -13306,7 +13309,7 @@
               <a:buAutoNum type="arabicPeriod"/>
             </a:pPr>
             <a:r>
-              <a:rPr lang="en-US" sz="800" b="1">
+              <a:rPr lang="en-US" sz="800" b="1" dirty="0">
                 <a:latin typeface="Verdana"/>
                 <a:ea typeface="Verdana"/>
                 <a:cs typeface="Verdana"/>
@@ -13314,7 +13317,7 @@
               </a:rPr>
               <a:t>Classes, objects, fields and methods of an object. Fields and methods of a Class</a:t>
             </a:r>
-            <a:endParaRPr/>
+            <a:endParaRPr dirty="0"/>
           </a:p>
           <a:p>
             <a:pPr marL="800100" lvl="1" indent="-342900" algn="l" rtl="0">
@@ -13335,7 +13338,7 @@
               <a:buAutoNum type="arabicPeriod"/>
             </a:pPr>
             <a:r>
-              <a:rPr lang="en-US" sz="800" b="1">
+              <a:rPr lang="en-US" sz="800" b="1" dirty="0">
                 <a:latin typeface="Verdana"/>
                 <a:ea typeface="Verdana"/>
                 <a:cs typeface="Verdana"/>
@@ -13343,7 +13346,7 @@
               </a:rPr>
               <a:t>Encapsulation. Modifier 'static' and 'final.’ </a:t>
             </a:r>
-            <a:endParaRPr/>
+            <a:endParaRPr dirty="0"/>
           </a:p>
           <a:p>
             <a:pPr marL="800100" lvl="1" indent="-342900" algn="l" rtl="0">
@@ -13364,7 +13367,7 @@
               <a:buAutoNum type="arabicPeriod"/>
             </a:pPr>
             <a:r>
-              <a:rPr lang="en-US" sz="800" b="1">
+              <a:rPr lang="en-US" sz="800" b="1" dirty="0">
                 <a:latin typeface="Verdana"/>
                 <a:ea typeface="Verdana"/>
                 <a:cs typeface="Verdana"/>
@@ -13372,7 +13375,7 @@
               </a:rPr>
               <a:t>Inheritance. Abstract classes. </a:t>
             </a:r>
-            <a:endParaRPr/>
+            <a:endParaRPr dirty="0"/>
           </a:p>
           <a:p>
             <a:pPr marL="800100" lvl="1" indent="-342900" algn="l" rtl="0">
@@ -13393,7 +13396,7 @@
               <a:buAutoNum type="arabicPeriod"/>
             </a:pPr>
             <a:r>
-              <a:rPr lang="en-US" sz="800" b="1">
+              <a:rPr lang="en-US" sz="800" b="1" dirty="0">
                 <a:latin typeface="Verdana"/>
                 <a:ea typeface="Verdana"/>
                 <a:cs typeface="Verdana"/>
@@ -13401,7 +13404,7 @@
               </a:rPr>
               <a:t>Polymorphism. Reference Data Types in Java</a:t>
             </a:r>
-            <a:endParaRPr/>
+            <a:endParaRPr dirty="0"/>
           </a:p>
           <a:p>
             <a:pPr marL="800100" lvl="1" indent="-342900" algn="l" rtl="0">
@@ -13422,7 +13425,7 @@
               <a:buAutoNum type="arabicPeriod"/>
             </a:pPr>
             <a:r>
-              <a:rPr lang="en-US" sz="800" b="1">
+              <a:rPr lang="en-US" sz="800" b="1" dirty="0">
                 <a:latin typeface="Verdana"/>
                 <a:ea typeface="Verdana"/>
                 <a:cs typeface="Verdana"/>
@@ -13430,7 +13433,7 @@
               </a:rPr>
               <a:t>Enums in Java. Practice</a:t>
             </a:r>
-            <a:endParaRPr/>
+            <a:endParaRPr dirty="0"/>
           </a:p>
           <a:p>
             <a:pPr marL="342900" lvl="0" indent="-342900" algn="l" rtl="0">
@@ -13451,7 +13454,7 @@
               <a:buAutoNum type="arabicPeriod"/>
             </a:pPr>
             <a:r>
-              <a:rPr lang="en-US" sz="1200" b="1">
+              <a:rPr lang="en-US" sz="1200" b="1" dirty="0">
                 <a:latin typeface="Verdana"/>
                 <a:ea typeface="Verdana"/>
                 <a:cs typeface="Verdana"/>
@@ -13459,7 +13462,7 @@
               </a:rPr>
               <a:t>JCF. Java Collections Framework</a:t>
             </a:r>
-            <a:endParaRPr/>
+            <a:endParaRPr dirty="0"/>
           </a:p>
           <a:p>
             <a:pPr marL="800100" lvl="1" indent="-342900" algn="l" rtl="0">
@@ -13480,7 +13483,7 @@
               <a:buAutoNum type="arabicPeriod"/>
             </a:pPr>
             <a:r>
-              <a:rPr lang="en-US" sz="800" b="1">
+              <a:rPr lang="en-US" sz="800" b="1" dirty="0">
                 <a:latin typeface="Verdana"/>
                 <a:ea typeface="Verdana"/>
                 <a:cs typeface="Verdana"/>
@@ -13488,7 +13491,7 @@
               </a:rPr>
               <a:t>Working with Arrays in Java. Binary search. Sort.</a:t>
             </a:r>
-            <a:endParaRPr/>
+            <a:endParaRPr dirty="0"/>
           </a:p>
           <a:p>
             <a:pPr marL="800100" lvl="1" indent="-342900" algn="l" rtl="0">
@@ -13509,15 +13512,33 @@
               <a:buAutoNum type="arabicPeriod"/>
             </a:pPr>
             <a:r>
-              <a:rPr lang="en-US" sz="800" b="1">
+              <a:rPr lang="en-US" sz="800" b="1" dirty="0">
                 <a:latin typeface="Verdana"/>
                 <a:ea typeface="Verdana"/>
                 <a:cs typeface="Verdana"/>
                 <a:sym typeface="Verdana"/>
               </a:rPr>
-              <a:t>Data structures definition. Interfaces. Data structure 'List'. ArraysList implementation, beginning.</a:t>
+              <a:t>Data structures definition. Interfaces. Data structure 'List'. </a:t>
             </a:r>
-            <a:endParaRPr/>
+            <a:r>
+              <a:rPr lang="en-US" sz="800" b="1" dirty="0" err="1">
+                <a:latin typeface="Verdana"/>
+                <a:ea typeface="Verdana"/>
+                <a:cs typeface="Verdana"/>
+                <a:sym typeface="Verdana"/>
+              </a:rPr>
+              <a:t>ArraysList</a:t>
+            </a:r>
+            <a:r>
+              <a:rPr lang="en-US" sz="800" b="1" dirty="0">
+                <a:latin typeface="Verdana"/>
+                <a:ea typeface="Verdana"/>
+                <a:cs typeface="Verdana"/>
+                <a:sym typeface="Verdana"/>
+              </a:rPr>
+              <a:t> implementation, beginning.</a:t>
+            </a:r>
+            <a:endParaRPr dirty="0"/>
           </a:p>
           <a:p>
             <a:pPr marL="800100" lvl="1" indent="-342900" algn="l" rtl="0">
@@ -13538,15 +13559,33 @@
               <a:buAutoNum type="arabicPeriod"/>
             </a:pPr>
             <a:r>
-              <a:rPr lang="en-US" sz="800" b="1">
+              <a:rPr lang="en-US" sz="800" b="1" dirty="0">
                 <a:latin typeface="Verdana"/>
                 <a:ea typeface="Verdana"/>
                 <a:cs typeface="Verdana"/>
                 <a:sym typeface="Verdana"/>
               </a:rPr>
-              <a:t>Iterators and Iterable. Foreach syntax.</a:t>
+              <a:t>Iterators and </a:t>
             </a:r>
-            <a:endParaRPr/>
+            <a:r>
+              <a:rPr lang="en-US" sz="800" b="1" dirty="0" err="1">
+                <a:latin typeface="Verdana"/>
+                <a:ea typeface="Verdana"/>
+                <a:cs typeface="Verdana"/>
+                <a:sym typeface="Verdana"/>
+              </a:rPr>
+              <a:t>Iterable</a:t>
+            </a:r>
+            <a:r>
+              <a:rPr lang="en-US" sz="800" b="1" dirty="0">
+                <a:latin typeface="Verdana"/>
+                <a:ea typeface="Verdana"/>
+                <a:cs typeface="Verdana"/>
+                <a:sym typeface="Verdana"/>
+              </a:rPr>
+              <a:t>. Foreach syntax.</a:t>
+            </a:r>
+            <a:endParaRPr dirty="0"/>
           </a:p>
           <a:p>
             <a:pPr marL="800100" lvl="1" indent="-342900" algn="l" rtl="0">
@@ -13567,7 +13606,7 @@
               <a:buAutoNum type="arabicPeriod"/>
             </a:pPr>
             <a:r>
-              <a:rPr lang="en-US" sz="800" b="1">
+              <a:rPr lang="en-US" sz="800" b="1" dirty="0">
                 <a:latin typeface="Verdana"/>
                 <a:ea typeface="Verdana"/>
                 <a:cs typeface="Verdana"/>
@@ -13575,7 +13614,7 @@
               </a:rPr>
               <a:t>Lists implementations. LinkedList.</a:t>
             </a:r>
-            <a:endParaRPr/>
+            <a:endParaRPr dirty="0"/>
           </a:p>
           <a:p>
             <a:pPr marL="800100" lvl="1" indent="-342900" algn="l" rtl="0">
@@ -13596,7 +13635,7 @@
               <a:buAutoNum type="arabicPeriod"/>
             </a:pPr>
             <a:r>
-              <a:rPr lang="en-US" sz="800" b="1">
+              <a:rPr lang="en-US" sz="800" b="1" dirty="0">
                 <a:latin typeface="Verdana"/>
                 <a:ea typeface="Verdana"/>
                 <a:cs typeface="Verdana"/>
@@ -13604,7 +13643,7 @@
               </a:rPr>
               <a:t>Java Set implementation. HashSet. Exercises.</a:t>
             </a:r>
-            <a:endParaRPr/>
+            <a:endParaRPr dirty="0"/>
           </a:p>
           <a:p>
             <a:pPr marL="800100" lvl="1" indent="-342900" algn="l" rtl="0">
@@ -13625,7 +13664,7 @@
               <a:buAutoNum type="arabicPeriod"/>
             </a:pPr>
             <a:r>
-              <a:rPr lang="en-US" sz="800" b="1">
+              <a:rPr lang="en-US" sz="800" b="1" dirty="0">
                 <a:latin typeface="Verdana"/>
                 <a:ea typeface="Verdana"/>
                 <a:cs typeface="Verdana"/>
@@ -13633,7 +13672,7 @@
               </a:rPr>
               <a:t>Comparing objects in Java. Comparator, Comparable. Method sort.</a:t>
             </a:r>
-            <a:endParaRPr/>
+            <a:endParaRPr dirty="0"/>
           </a:p>
           <a:p>
             <a:pPr marL="800100" lvl="1" indent="-342900" algn="l" rtl="0">
@@ -13654,15 +13693,33 @@
               <a:buAutoNum type="arabicPeriod"/>
             </a:pPr>
             <a:r>
-              <a:rPr lang="en-US" sz="800" b="1">
+              <a:rPr lang="en-US" sz="800" b="1" dirty="0">
                 <a:latin typeface="Verdana"/>
                 <a:ea typeface="Verdana"/>
                 <a:cs typeface="Verdana"/>
                 <a:sym typeface="Verdana"/>
               </a:rPr>
-              <a:t>Data structures 'Queue', 'Stack'. Custom ArrayDeque implementation.</a:t>
+              <a:t>Data structures 'Queue', 'Stack'. Custom </a:t>
             </a:r>
-            <a:endParaRPr/>
+            <a:r>
+              <a:rPr lang="en-US" sz="800" b="1" dirty="0" err="1">
+                <a:latin typeface="Verdana"/>
+                <a:ea typeface="Verdana"/>
+                <a:cs typeface="Verdana"/>
+                <a:sym typeface="Verdana"/>
+              </a:rPr>
+              <a:t>ArrayDeque</a:t>
+            </a:r>
+            <a:r>
+              <a:rPr lang="en-US" sz="800" b="1" dirty="0">
+                <a:latin typeface="Verdana"/>
+                <a:ea typeface="Verdana"/>
+                <a:cs typeface="Verdana"/>
+                <a:sym typeface="Verdana"/>
+              </a:rPr>
+              <a:t> implementation.</a:t>
+            </a:r>
+            <a:endParaRPr dirty="0"/>
           </a:p>
           <a:p>
             <a:pPr marL="800100" lvl="1" indent="-342900" algn="l" rtl="0">
@@ -13683,15 +13740,33 @@
               <a:buAutoNum type="arabicPeriod"/>
             </a:pPr>
             <a:r>
-              <a:rPr lang="en-US" sz="800" b="1">
+              <a:rPr lang="en-US" sz="800" b="1" dirty="0">
                 <a:latin typeface="Verdana"/>
                 <a:ea typeface="Verdana"/>
                 <a:cs typeface="Verdana"/>
                 <a:sym typeface="Verdana"/>
               </a:rPr>
-              <a:t>Data structure 'Map'. Object.hashCode, HashMap implementation.</a:t>
+              <a:t>Data structure 'Map'. </a:t>
             </a:r>
-            <a:endParaRPr/>
+            <a:r>
+              <a:rPr lang="en-US" sz="800" b="1" dirty="0" err="1">
+                <a:latin typeface="Verdana"/>
+                <a:ea typeface="Verdana"/>
+                <a:cs typeface="Verdana"/>
+                <a:sym typeface="Verdana"/>
+              </a:rPr>
+              <a:t>Object.hashCode</a:t>
+            </a:r>
+            <a:r>
+              <a:rPr lang="en-US" sz="800" b="1" dirty="0">
+                <a:latin typeface="Verdana"/>
+                <a:ea typeface="Verdana"/>
+                <a:cs typeface="Verdana"/>
+                <a:sym typeface="Verdana"/>
+              </a:rPr>
+              <a:t>, HashMap implementation.</a:t>
+            </a:r>
+            <a:endParaRPr dirty="0"/>
           </a:p>
           <a:p>
             <a:pPr marL="800100" lvl="1" indent="-342900" algn="l" rtl="0">
@@ -13712,7 +13787,7 @@
               <a:buAutoNum type="arabicPeriod"/>
             </a:pPr>
             <a:r>
-              <a:rPr lang="en-US" sz="800" b="1">
+              <a:rPr lang="en-US" sz="800" b="1" dirty="0">
                 <a:latin typeface="Verdana"/>
                 <a:ea typeface="Verdana"/>
                 <a:cs typeface="Verdana"/>
@@ -13720,7 +13795,7 @@
               </a:rPr>
               <a:t>Trees, Binary Trees, Tree Map.</a:t>
             </a:r>
-            <a:endParaRPr/>
+            <a:endParaRPr dirty="0"/>
           </a:p>
           <a:p>
             <a:pPr marL="800100" lvl="1" indent="-342900" algn="l" rtl="0">
@@ -13741,7 +13816,7 @@
               <a:buAutoNum type="arabicPeriod"/>
             </a:pPr>
             <a:r>
-              <a:rPr lang="en-US" sz="800" b="1">
+              <a:rPr lang="en-US" sz="800" b="1" dirty="0">
                 <a:latin typeface="Verdana"/>
                 <a:ea typeface="Verdana"/>
                 <a:cs typeface="Verdana"/>
@@ -13749,7 +13824,7 @@
               </a:rPr>
               <a:t>Graphs. Practice.</a:t>
             </a:r>
-            <a:endParaRPr/>
+            <a:endParaRPr dirty="0"/>
           </a:p>
           <a:p>
             <a:pPr marL="457200" lvl="1" indent="0" algn="l" rtl="0">
@@ -13769,7 +13844,7 @@
               <a:buNone/>
             </a:pPr>
             <a:r>
-              <a:rPr lang="en-US" sz="800" b="1">
+              <a:rPr lang="en-US" sz="800" b="1" dirty="0">
                 <a:latin typeface="Verdana"/>
                 <a:ea typeface="Verdana"/>
                 <a:cs typeface="Verdana"/>
@@ -13777,7 +13852,7 @@
               </a:rPr>
               <a:t>test</a:t>
             </a:r>
-            <a:endParaRPr sz="1200" b="1">
+            <a:endParaRPr sz="1200" b="1" dirty="0">
               <a:latin typeface="Verdana"/>
               <a:ea typeface="Verdana"/>
               <a:cs typeface="Verdana"/>
@@ -13803,7 +13878,7 @@
               <a:buAutoNum type="arabicPeriod"/>
             </a:pPr>
             <a:r>
-              <a:rPr lang="en-US" sz="1200" b="1">
+              <a:rPr lang="en-US" sz="1200" b="1" dirty="0">
                 <a:latin typeface="Verdana"/>
                 <a:ea typeface="Verdana"/>
                 <a:cs typeface="Verdana"/>
@@ -13811,7 +13886,7 @@
               </a:rPr>
               <a:t>Lambdas &amp; Stream API</a:t>
             </a:r>
-            <a:endParaRPr/>
+            <a:endParaRPr dirty="0"/>
           </a:p>
           <a:p>
             <a:pPr marL="800100" lvl="1" indent="-342900" algn="l" rtl="0">
@@ -13832,7 +13907,7 @@
               <a:buAutoNum type="arabicPeriod"/>
             </a:pPr>
             <a:r>
-              <a:rPr lang="en-US" sz="800" b="1">
+              <a:rPr lang="en-US" sz="800" b="1" dirty="0">
                 <a:latin typeface="Verdana"/>
                 <a:ea typeface="Verdana"/>
                 <a:cs typeface="Verdana"/>
@@ -13840,7 +13915,7 @@
               </a:rPr>
               <a:t>Lambdas, Functional Interfaces, Method references.</a:t>
             </a:r>
-            <a:endParaRPr/>
+            <a:endParaRPr dirty="0"/>
           </a:p>
           <a:p>
             <a:pPr marL="800100" lvl="1" indent="-342900" algn="l" rtl="0">
@@ -13861,7 +13936,7 @@
               <a:buAutoNum type="arabicPeriod"/>
             </a:pPr>
             <a:r>
-              <a:rPr lang="en-US" sz="800" b="1">
+              <a:rPr lang="en-US" sz="800" b="1" dirty="0">
                 <a:latin typeface="Verdana"/>
                 <a:ea typeface="Verdana"/>
                 <a:cs typeface="Verdana"/>
@@ -13869,7 +13944,7 @@
               </a:rPr>
               <a:t>Practice. Functions and Supplier interfaces.</a:t>
             </a:r>
-            <a:endParaRPr/>
+            <a:endParaRPr dirty="0"/>
           </a:p>
           <a:p>
             <a:pPr marL="800100" lvl="1" indent="-342900" algn="l" rtl="0">
@@ -13890,7 +13965,7 @@
               <a:buAutoNum type="arabicPeriod"/>
             </a:pPr>
             <a:r>
-              <a:rPr lang="en-US" sz="800" b="1">
+              <a:rPr lang="en-US" sz="800" b="1" dirty="0">
                 <a:latin typeface="Verdana"/>
                 <a:ea typeface="Verdana"/>
                 <a:cs typeface="Verdana"/>
@@ -13898,7 +13973,7 @@
               </a:rPr>
               <a:t>Stream API: Stream, primitive streams. Intermediate and Terminal operations.</a:t>
             </a:r>
-            <a:endParaRPr/>
+            <a:endParaRPr dirty="0"/>
           </a:p>
           <a:p>
             <a:pPr marL="800100" lvl="1" indent="-342900" algn="l" rtl="0">
@@ -13919,7 +13994,7 @@
               <a:buAutoNum type="arabicPeriod"/>
             </a:pPr>
             <a:r>
-              <a:rPr lang="en-US" sz="800" b="1">
+              <a:rPr lang="en-US" sz="800" b="1" dirty="0">
                 <a:latin typeface="Verdana"/>
                 <a:ea typeface="Verdana"/>
                 <a:cs typeface="Verdana"/>
@@ -13927,7 +14002,7 @@
               </a:rPr>
               <a:t>Java Streams. Practice. Flat map. Collectors.</a:t>
             </a:r>
-            <a:endParaRPr/>
+            <a:endParaRPr dirty="0"/>
           </a:p>
           <a:p>
             <a:pPr marL="342900" lvl="0" indent="-342900" algn="l" rtl="0">
@@ -13948,7 +14023,7 @@
               <a:buAutoNum type="arabicPeriod" startAt="4"/>
             </a:pPr>
             <a:r>
-              <a:rPr lang="en-US" sz="1200" b="1">
+              <a:rPr lang="en-US" sz="1200" b="1" dirty="0">
                 <a:latin typeface="Verdana"/>
                 <a:ea typeface="Verdana"/>
                 <a:cs typeface="Verdana"/>
@@ -13956,7 +14031,7 @@
               </a:rPr>
               <a:t>Input and Output in Java.</a:t>
             </a:r>
-            <a:endParaRPr sz="800" b="1">
+            <a:endParaRPr sz="800" b="1" dirty="0">
               <a:latin typeface="Verdana"/>
               <a:ea typeface="Verdana"/>
               <a:cs typeface="Verdana"/>
@@ -13982,7 +14057,7 @@
               <a:buAutoNum type="arabicPeriod"/>
             </a:pPr>
             <a:r>
-              <a:rPr lang="en-US" sz="800" b="1">
+              <a:rPr lang="en-US" sz="800" b="1" dirty="0">
                 <a:latin typeface="Verdana"/>
                 <a:ea typeface="Verdana"/>
                 <a:cs typeface="Verdana"/>
@@ -13990,7 +14065,7 @@
               </a:rPr>
               <a:t>Introduction to Input and Output in Java</a:t>
             </a:r>
-            <a:endParaRPr/>
+            <a:endParaRPr dirty="0"/>
           </a:p>
           <a:p>
             <a:pPr marL="800100" lvl="1" indent="-342900" algn="l" rtl="0">
@@ -14011,7 +14086,7 @@
               <a:buAutoNum type="arabicPeriod"/>
             </a:pPr>
             <a:r>
-              <a:rPr lang="en-US" sz="800" b="1">
+              <a:rPr lang="en-US" sz="800" b="1" dirty="0">
                 <a:latin typeface="Verdana"/>
                 <a:ea typeface="Verdana"/>
                 <a:cs typeface="Verdana"/>
@@ -14019,7 +14094,7 @@
               </a:rPr>
               <a:t>Try-catch, Reading/Writing streams of bytes, streams of strings.</a:t>
             </a:r>
-            <a:endParaRPr/>
+            <a:endParaRPr dirty="0"/>
           </a:p>
         </p:txBody>
       </p:sp>
@@ -15124,6 +15199,42 @@
         <p:spPr>
           <a:xfrm flipH="1">
             <a:off x="266212" y="1664208"/>
+            <a:ext cx="529316" cy="0"/>
+          </a:xfrm>
+          <a:prstGeom prst="line">
+            <a:avLst/>
+          </a:prstGeom>
+        </p:spPr>
+        <p:style>
+          <a:lnRef idx="1">
+            <a:schemeClr val="accent6"/>
+          </a:lnRef>
+          <a:fillRef idx="0">
+            <a:schemeClr val="accent6"/>
+          </a:fillRef>
+          <a:effectRef idx="0">
+            <a:schemeClr val="accent6"/>
+          </a:effectRef>
+          <a:fontRef idx="minor">
+            <a:schemeClr val="tx1"/>
+          </a:fontRef>
+        </p:style>
+      </p:cxnSp>
+      <p:cxnSp>
+        <p:nvCxnSpPr>
+          <p:cNvPr id="13" name="Прямая соединительная линия 12">
+            <a:extLst>
+              <a:ext uri="{FF2B5EF4-FFF2-40B4-BE49-F238E27FC236}">
+                <a16:creationId xmlns:a16="http://schemas.microsoft.com/office/drawing/2014/main" id="{639CEACB-ED47-408A-9133-25A58EDFAF58}"/>
+              </a:ext>
+            </a:extLst>
+          </p:cNvPr>
+          <p:cNvCxnSpPr/>
+          <p:nvPr/>
+        </p:nvCxnSpPr>
+        <p:spPr>
+          <a:xfrm flipH="1">
+            <a:off x="260116" y="1844040"/>
             <a:ext cx="529316" cy="0"/>
           </a:xfrm>
           <a:prstGeom prst="line">

--- a/Java Pro/Java Prof Program - new version.pptx
+++ b/Java Pro/Java Prof Program - new version.pptx
@@ -246,7 +246,7 @@
       <p15:sldGuideLst xmlns:p15="http://schemas.microsoft.com/office/powerpoint/2012/main"/>
     </p:ext>
     <p:ext uri="http://customooxmlschemas.google.com/">
-      <go:slidesCustomData xmlns="" xmlns:mc="http://schemas.openxmlformats.org/markup-compatibility/2006" xmlns:mv="urn:schemas-microsoft-com:mac:vml" xmlns:c="http://schemas.openxmlformats.org/drawingml/2006/chart" xmlns:dgm="http://schemas.openxmlformats.org/drawingml/2006/diagram" xmlns:o="urn:schemas-microsoft-com:office:office" xmlns:v="urn:schemas-microsoft-com:vml" xmlns:pvml="urn:schemas-microsoft-com:office:powerpoint" xmlns:com="http://schemas.openxmlformats.org/drawingml/2006/compatibility" xmlns:p14="http://schemas.microsoft.com/office/powerpoint/2010/main" xmlns:p15="http://schemas.microsoft.com/office/powerpoint/2012/main" xmlns:ahyp="http://schemas.microsoft.com/office/drawing/2018/hyperlinkcolor" xmlns:go="http://customooxmlschemas.google.com/" r:id="rId6" roundtripDataSignature="AMtx7mh5ngpk3N/f7XxfAhhMRirGtz3G8w=="/>
+      <go:slidesCustomData xmlns:go="http://customooxmlschemas.google.com/" xmlns:ahyp="http://schemas.microsoft.com/office/drawing/2018/hyperlinkcolor" xmlns:p15="http://schemas.microsoft.com/office/powerpoint/2012/main" xmlns:p14="http://schemas.microsoft.com/office/powerpoint/2010/main" xmlns:com="http://schemas.openxmlformats.org/drawingml/2006/compatibility" xmlns:pvml="urn:schemas-microsoft-com:office:powerpoint" xmlns:v="urn:schemas-microsoft-com:vml" xmlns:o="urn:schemas-microsoft-com:office:office" xmlns:dgm="http://schemas.openxmlformats.org/drawingml/2006/diagram" xmlns:c="http://schemas.openxmlformats.org/drawingml/2006/chart" xmlns:mv="urn:schemas-microsoft-com:mac:vml" xmlns:mc="http://schemas.openxmlformats.org/markup-compatibility/2006" xmlns="" r:id="rId6" roundtripDataSignature="AMtx7mh5ngpk3N/f7XxfAhhMRirGtz3G8w=="/>
     </p:ext>
   </p:extLst>
 </p:presentation>
@@ -15256,6 +15256,42 @@
           </a:fontRef>
         </p:style>
       </p:cxnSp>
+      <p:cxnSp>
+        <p:nvCxnSpPr>
+          <p:cNvPr id="14" name="Прямая соединительная линия 13">
+            <a:extLst>
+              <a:ext uri="{FF2B5EF4-FFF2-40B4-BE49-F238E27FC236}">
+                <a16:creationId xmlns:a16="http://schemas.microsoft.com/office/drawing/2014/main" id="{D22961D1-8F59-4450-A136-BC2915DCC7CD}"/>
+              </a:ext>
+            </a:extLst>
+          </p:cNvPr>
+          <p:cNvCxnSpPr/>
+          <p:nvPr/>
+        </p:nvCxnSpPr>
+        <p:spPr>
+          <a:xfrm flipH="1">
+            <a:off x="260116" y="2325624"/>
+            <a:ext cx="529316" cy="0"/>
+          </a:xfrm>
+          <a:prstGeom prst="line">
+            <a:avLst/>
+          </a:prstGeom>
+        </p:spPr>
+        <p:style>
+          <a:lnRef idx="1">
+            <a:schemeClr val="accent6"/>
+          </a:lnRef>
+          <a:fillRef idx="0">
+            <a:schemeClr val="accent6"/>
+          </a:fillRef>
+          <a:effectRef idx="0">
+            <a:schemeClr val="accent6"/>
+          </a:effectRef>
+          <a:fontRef idx="minor">
+            <a:schemeClr val="tx1"/>
+          </a:fontRef>
+        </p:style>
+      </p:cxnSp>
     </p:spTree>
   </p:cSld>
   <p:clrMapOvr>
